--- a/分布式计算/课件/03. 逻辑时钟与物理时钟同步.pptx
+++ b/分布式计算/课件/03. 逻辑时钟与物理时钟同步.pptx
@@ -286,7 +286,7 @@
               <a:pPr>
                 <a:defRPr/>
               </a:pPr>
-              <a:t>2019/3/11</a:t>
+              <a:t>2019/3/19</a:t>
             </a:fld>
             <a:endParaRPr lang="zh-CN" altLang="en-US"/>
           </a:p>
@@ -504,7 +504,7 @@
               <a:pPr>
                 <a:defRPr/>
               </a:pPr>
-              <a:t>2019/3/11</a:t>
+              <a:t>2019/3/19</a:t>
             </a:fld>
             <a:endParaRPr lang="zh-CN" altLang="en-US"/>
           </a:p>
@@ -864,7 +864,7 @@
           </a:ln>
           <a:extLst>
             <a:ext uri="{909E8E84-426E-40dd-AFC4-6F175D3DCCD1}">
-              <a14:hiddenFill xmlns="" xmlns:a14="http://schemas.microsoft.com/office/drawing/2010/main">
+              <a14:hiddenFill xmlns:a14="http://schemas.microsoft.com/office/drawing/2010/main" xmlns="">
                 <a:solidFill>
                   <a:srgbClr val="FFFFFF"/>
                 </a:solidFill>
@@ -887,14 +887,14 @@
           <a:noFill/>
           <a:extLst>
             <a:ext uri="{909E8E84-426E-40dd-AFC4-6F175D3DCCD1}">
-              <a14:hiddenFill xmlns="" xmlns:a14="http://schemas.microsoft.com/office/drawing/2010/main">
+              <a14:hiddenFill xmlns:a14="http://schemas.microsoft.com/office/drawing/2010/main" xmlns="">
                 <a:solidFill>
                   <a:srgbClr val="FFFFFF"/>
                 </a:solidFill>
               </a14:hiddenFill>
             </a:ext>
             <a:ext uri="{91240B29-F687-4f45-9708-019B960494DF}">
-              <a14:hiddenLine xmlns="" xmlns:a14="http://schemas.microsoft.com/office/drawing/2010/main" w="9525">
+              <a14:hiddenLine xmlns:a14="http://schemas.microsoft.com/office/drawing/2010/main" xmlns="" w="9525">
                 <a:solidFill>
                   <a:srgbClr val="000000"/>
                 </a:solidFill>
@@ -1110,7 +1110,7 @@
           </a:ln>
           <a:extLst>
             <a:ext uri="{909E8E84-426E-40dd-AFC4-6F175D3DCCD1}">
-              <a14:hiddenFill xmlns="" xmlns:a14="http://schemas.microsoft.com/office/drawing/2010/main">
+              <a14:hiddenFill xmlns:a14="http://schemas.microsoft.com/office/drawing/2010/main" xmlns="">
                 <a:solidFill>
                   <a:srgbClr val="FFFFFF"/>
                 </a:solidFill>
@@ -1133,14 +1133,14 @@
           <a:noFill/>
           <a:extLst>
             <a:ext uri="{909E8E84-426E-40dd-AFC4-6F175D3DCCD1}">
-              <a14:hiddenFill xmlns="" xmlns:a14="http://schemas.microsoft.com/office/drawing/2010/main">
+              <a14:hiddenFill xmlns:a14="http://schemas.microsoft.com/office/drawing/2010/main" xmlns="">
                 <a:solidFill>
                   <a:srgbClr val="FFFFFF"/>
                 </a:solidFill>
               </a14:hiddenFill>
             </a:ext>
             <a:ext uri="{91240B29-F687-4f45-9708-019B960494DF}">
-              <a14:hiddenLine xmlns="" xmlns:a14="http://schemas.microsoft.com/office/drawing/2010/main" w="9525">
+              <a14:hiddenLine xmlns:a14="http://schemas.microsoft.com/office/drawing/2010/main" xmlns="" w="9525">
                 <a:solidFill>
                   <a:srgbClr val="000000"/>
                 </a:solidFill>
@@ -1356,7 +1356,7 @@
           </a:ln>
           <a:extLst>
             <a:ext uri="{909E8E84-426E-40dd-AFC4-6F175D3DCCD1}">
-              <a14:hiddenFill xmlns="" xmlns:a14="http://schemas.microsoft.com/office/drawing/2010/main">
+              <a14:hiddenFill xmlns:a14="http://schemas.microsoft.com/office/drawing/2010/main" xmlns="">
                 <a:solidFill>
                   <a:srgbClr val="FFFFFF"/>
                 </a:solidFill>
@@ -1379,14 +1379,14 @@
           <a:noFill/>
           <a:extLst>
             <a:ext uri="{909E8E84-426E-40dd-AFC4-6F175D3DCCD1}">
-              <a14:hiddenFill xmlns="" xmlns:a14="http://schemas.microsoft.com/office/drawing/2010/main">
+              <a14:hiddenFill xmlns:a14="http://schemas.microsoft.com/office/drawing/2010/main" xmlns="">
                 <a:solidFill>
                   <a:srgbClr val="FFFFFF"/>
                 </a:solidFill>
               </a14:hiddenFill>
             </a:ext>
             <a:ext uri="{91240B29-F687-4f45-9708-019B960494DF}">
-              <a14:hiddenLine xmlns="" xmlns:a14="http://schemas.microsoft.com/office/drawing/2010/main" w="9525">
+              <a14:hiddenLine xmlns:a14="http://schemas.microsoft.com/office/drawing/2010/main" xmlns="" w="9525">
                 <a:solidFill>
                   <a:srgbClr val="000000"/>
                 </a:solidFill>
@@ -1602,7 +1602,7 @@
           </a:ln>
           <a:extLst>
             <a:ext uri="{909E8E84-426E-40dd-AFC4-6F175D3DCCD1}">
-              <a14:hiddenFill xmlns="" xmlns:a14="http://schemas.microsoft.com/office/drawing/2010/main">
+              <a14:hiddenFill xmlns:a14="http://schemas.microsoft.com/office/drawing/2010/main" xmlns="">
                 <a:solidFill>
                   <a:srgbClr val="FFFFFF"/>
                 </a:solidFill>
@@ -1625,14 +1625,14 @@
           <a:noFill/>
           <a:extLst>
             <a:ext uri="{909E8E84-426E-40dd-AFC4-6F175D3DCCD1}">
-              <a14:hiddenFill xmlns="" xmlns:a14="http://schemas.microsoft.com/office/drawing/2010/main">
+              <a14:hiddenFill xmlns:a14="http://schemas.microsoft.com/office/drawing/2010/main" xmlns="">
                 <a:solidFill>
                   <a:srgbClr val="FFFFFF"/>
                 </a:solidFill>
               </a14:hiddenFill>
             </a:ext>
             <a:ext uri="{91240B29-F687-4f45-9708-019B960494DF}">
-              <a14:hiddenLine xmlns="" xmlns:a14="http://schemas.microsoft.com/office/drawing/2010/main" w="9525">
+              <a14:hiddenLine xmlns:a14="http://schemas.microsoft.com/office/drawing/2010/main" xmlns="" w="9525">
                 <a:solidFill>
                   <a:srgbClr val="000000"/>
                 </a:solidFill>
@@ -1848,7 +1848,7 @@
           </a:ln>
           <a:extLst>
             <a:ext uri="{909E8E84-426E-40dd-AFC4-6F175D3DCCD1}">
-              <a14:hiddenFill xmlns="" xmlns:a14="http://schemas.microsoft.com/office/drawing/2010/main">
+              <a14:hiddenFill xmlns:a14="http://schemas.microsoft.com/office/drawing/2010/main" xmlns="">
                 <a:solidFill>
                   <a:srgbClr val="FFFFFF"/>
                 </a:solidFill>
@@ -1871,14 +1871,14 @@
           <a:noFill/>
           <a:extLst>
             <a:ext uri="{909E8E84-426E-40dd-AFC4-6F175D3DCCD1}">
-              <a14:hiddenFill xmlns="" xmlns:a14="http://schemas.microsoft.com/office/drawing/2010/main">
+              <a14:hiddenFill xmlns:a14="http://schemas.microsoft.com/office/drawing/2010/main" xmlns="">
                 <a:solidFill>
                   <a:srgbClr val="FFFFFF"/>
                 </a:solidFill>
               </a14:hiddenFill>
             </a:ext>
             <a:ext uri="{91240B29-F687-4f45-9708-019B960494DF}">
-              <a14:hiddenLine xmlns="" xmlns:a14="http://schemas.microsoft.com/office/drawing/2010/main" w="9525">
+              <a14:hiddenLine xmlns:a14="http://schemas.microsoft.com/office/drawing/2010/main" xmlns="" w="9525">
                 <a:solidFill>
                   <a:srgbClr val="000000"/>
                 </a:solidFill>
@@ -2094,7 +2094,7 @@
           </a:ln>
           <a:extLst>
             <a:ext uri="{909E8E84-426E-40dd-AFC4-6F175D3DCCD1}">
-              <a14:hiddenFill xmlns="" xmlns:a14="http://schemas.microsoft.com/office/drawing/2010/main">
+              <a14:hiddenFill xmlns:a14="http://schemas.microsoft.com/office/drawing/2010/main" xmlns="">
                 <a:solidFill>
                   <a:srgbClr val="FFFFFF"/>
                 </a:solidFill>
@@ -2117,14 +2117,14 @@
           <a:noFill/>
           <a:extLst>
             <a:ext uri="{909E8E84-426E-40dd-AFC4-6F175D3DCCD1}">
-              <a14:hiddenFill xmlns="" xmlns:a14="http://schemas.microsoft.com/office/drawing/2010/main">
+              <a14:hiddenFill xmlns:a14="http://schemas.microsoft.com/office/drawing/2010/main" xmlns="">
                 <a:solidFill>
                   <a:srgbClr val="FFFFFF"/>
                 </a:solidFill>
               </a14:hiddenFill>
             </a:ext>
             <a:ext uri="{91240B29-F687-4f45-9708-019B960494DF}">
-              <a14:hiddenLine xmlns="" xmlns:a14="http://schemas.microsoft.com/office/drawing/2010/main" w="9525">
+              <a14:hiddenLine xmlns:a14="http://schemas.microsoft.com/office/drawing/2010/main" xmlns="" w="9525">
                 <a:solidFill>
                   <a:srgbClr val="000000"/>
                 </a:solidFill>
@@ -2143,7 +2143,27 @@
           </a:bodyPr>
           <a:lstStyle/>
           <a:p>
-            <a:endParaRPr lang="zh-CN" altLang="en-US" dirty="0"/>
+            <a:r>
+              <a:rPr lang="zh-CN" altLang="en-US" dirty="0">
+                <a:solidFill>
+                  <a:srgbClr val="FF0000"/>
+                </a:solidFill>
+              </a:rPr>
+              <a:t>考点</a:t>
+            </a:r>
+            <a:r>
+              <a:rPr lang="en-US" altLang="zh-CN" dirty="0">
+                <a:solidFill>
+                  <a:srgbClr val="FF0000"/>
+                </a:solidFill>
+              </a:rPr>
+              <a:t>	</a:t>
+            </a:r>
+            <a:endParaRPr lang="zh-CN" altLang="en-US" dirty="0">
+              <a:solidFill>
+                <a:srgbClr val="FF0000"/>
+              </a:solidFill>
+            </a:endParaRPr>
           </a:p>
         </p:txBody>
       </p:sp>
@@ -2340,7 +2360,7 @@
           </a:ln>
           <a:extLst>
             <a:ext uri="{909E8E84-426E-40dd-AFC4-6F175D3DCCD1}">
-              <a14:hiddenFill xmlns="" xmlns:a14="http://schemas.microsoft.com/office/drawing/2010/main">
+              <a14:hiddenFill xmlns:a14="http://schemas.microsoft.com/office/drawing/2010/main" xmlns="">
                 <a:solidFill>
                   <a:srgbClr val="FFFFFF"/>
                 </a:solidFill>
@@ -2363,14 +2383,14 @@
           <a:noFill/>
           <a:extLst>
             <a:ext uri="{909E8E84-426E-40dd-AFC4-6F175D3DCCD1}">
-              <a14:hiddenFill xmlns="" xmlns:a14="http://schemas.microsoft.com/office/drawing/2010/main">
+              <a14:hiddenFill xmlns:a14="http://schemas.microsoft.com/office/drawing/2010/main" xmlns="">
                 <a:solidFill>
                   <a:srgbClr val="FFFFFF"/>
                 </a:solidFill>
               </a14:hiddenFill>
             </a:ext>
             <a:ext uri="{91240B29-F687-4f45-9708-019B960494DF}">
-              <a14:hiddenLine xmlns="" xmlns:a14="http://schemas.microsoft.com/office/drawing/2010/main" w="9525">
+              <a14:hiddenLine xmlns:a14="http://schemas.microsoft.com/office/drawing/2010/main" xmlns="" w="9525">
                 <a:solidFill>
                   <a:srgbClr val="000000"/>
                 </a:solidFill>
@@ -2586,7 +2606,7 @@
           </a:ln>
           <a:extLst>
             <a:ext uri="{909E8E84-426E-40dd-AFC4-6F175D3DCCD1}">
-              <a14:hiddenFill xmlns="" xmlns:a14="http://schemas.microsoft.com/office/drawing/2010/main">
+              <a14:hiddenFill xmlns:a14="http://schemas.microsoft.com/office/drawing/2010/main" xmlns="">
                 <a:solidFill>
                   <a:srgbClr val="FFFFFF"/>
                 </a:solidFill>
@@ -2609,14 +2629,14 @@
           <a:noFill/>
           <a:extLst>
             <a:ext uri="{909E8E84-426E-40dd-AFC4-6F175D3DCCD1}">
-              <a14:hiddenFill xmlns="" xmlns:a14="http://schemas.microsoft.com/office/drawing/2010/main">
+              <a14:hiddenFill xmlns:a14="http://schemas.microsoft.com/office/drawing/2010/main" xmlns="">
                 <a:solidFill>
                   <a:srgbClr val="FFFFFF"/>
                 </a:solidFill>
               </a14:hiddenFill>
             </a:ext>
             <a:ext uri="{91240B29-F687-4f45-9708-019B960494DF}">
-              <a14:hiddenLine xmlns="" xmlns:a14="http://schemas.microsoft.com/office/drawing/2010/main" w="9525">
+              <a14:hiddenLine xmlns:a14="http://schemas.microsoft.com/office/drawing/2010/main" xmlns="" w="9525">
                 <a:solidFill>
                   <a:srgbClr val="000000"/>
                 </a:solidFill>
@@ -2832,7 +2852,7 @@
           </a:ln>
           <a:extLst>
             <a:ext uri="{909E8E84-426E-40dd-AFC4-6F175D3DCCD1}">
-              <a14:hiddenFill xmlns="" xmlns:a14="http://schemas.microsoft.com/office/drawing/2010/main">
+              <a14:hiddenFill xmlns:a14="http://schemas.microsoft.com/office/drawing/2010/main" xmlns="">
                 <a:solidFill>
                   <a:srgbClr val="FFFFFF"/>
                 </a:solidFill>
@@ -2855,14 +2875,14 @@
           <a:noFill/>
           <a:extLst>
             <a:ext uri="{909E8E84-426E-40dd-AFC4-6F175D3DCCD1}">
-              <a14:hiddenFill xmlns="" xmlns:a14="http://schemas.microsoft.com/office/drawing/2010/main">
+              <a14:hiddenFill xmlns:a14="http://schemas.microsoft.com/office/drawing/2010/main" xmlns="">
                 <a:solidFill>
                   <a:srgbClr val="FFFFFF"/>
                 </a:solidFill>
               </a14:hiddenFill>
             </a:ext>
             <a:ext uri="{91240B29-F687-4f45-9708-019B960494DF}">
-              <a14:hiddenLine xmlns="" xmlns:a14="http://schemas.microsoft.com/office/drawing/2010/main" w="9525">
+              <a14:hiddenLine xmlns:a14="http://schemas.microsoft.com/office/drawing/2010/main" xmlns="" w="9525">
                 <a:solidFill>
                   <a:srgbClr val="000000"/>
                 </a:solidFill>
@@ -3078,7 +3098,7 @@
           </a:ln>
           <a:extLst>
             <a:ext uri="{909E8E84-426E-40dd-AFC4-6F175D3DCCD1}">
-              <a14:hiddenFill xmlns="" xmlns:a14="http://schemas.microsoft.com/office/drawing/2010/main">
+              <a14:hiddenFill xmlns:a14="http://schemas.microsoft.com/office/drawing/2010/main" xmlns="">
                 <a:solidFill>
                   <a:srgbClr val="FFFFFF"/>
                 </a:solidFill>
@@ -3101,14 +3121,14 @@
           <a:noFill/>
           <a:extLst>
             <a:ext uri="{909E8E84-426E-40dd-AFC4-6F175D3DCCD1}">
-              <a14:hiddenFill xmlns="" xmlns:a14="http://schemas.microsoft.com/office/drawing/2010/main">
+              <a14:hiddenFill xmlns:a14="http://schemas.microsoft.com/office/drawing/2010/main" xmlns="">
                 <a:solidFill>
                   <a:srgbClr val="FFFFFF"/>
                 </a:solidFill>
               </a14:hiddenFill>
             </a:ext>
             <a:ext uri="{91240B29-F687-4f45-9708-019B960494DF}">
-              <a14:hiddenLine xmlns="" xmlns:a14="http://schemas.microsoft.com/office/drawing/2010/main" w="9525">
+              <a14:hiddenLine xmlns:a14="http://schemas.microsoft.com/office/drawing/2010/main" xmlns="" w="9525">
                 <a:solidFill>
                   <a:srgbClr val="000000"/>
                 </a:solidFill>
@@ -3324,7 +3344,7 @@
           </a:ln>
           <a:extLst>
             <a:ext uri="{909E8E84-426E-40dd-AFC4-6F175D3DCCD1}">
-              <a14:hiddenFill xmlns="" xmlns:a14="http://schemas.microsoft.com/office/drawing/2010/main">
+              <a14:hiddenFill xmlns:a14="http://schemas.microsoft.com/office/drawing/2010/main" xmlns="">
                 <a:solidFill>
                   <a:srgbClr val="FFFFFF"/>
                 </a:solidFill>
@@ -3347,14 +3367,14 @@
           <a:noFill/>
           <a:extLst>
             <a:ext uri="{909E8E84-426E-40dd-AFC4-6F175D3DCCD1}">
-              <a14:hiddenFill xmlns="" xmlns:a14="http://schemas.microsoft.com/office/drawing/2010/main">
+              <a14:hiddenFill xmlns:a14="http://schemas.microsoft.com/office/drawing/2010/main" xmlns="">
                 <a:solidFill>
                   <a:srgbClr val="FFFFFF"/>
                 </a:solidFill>
               </a14:hiddenFill>
             </a:ext>
             <a:ext uri="{91240B29-F687-4f45-9708-019B960494DF}">
-              <a14:hiddenLine xmlns="" xmlns:a14="http://schemas.microsoft.com/office/drawing/2010/main" w="9525">
+              <a14:hiddenLine xmlns:a14="http://schemas.microsoft.com/office/drawing/2010/main" xmlns="" w="9525">
                 <a:solidFill>
                   <a:srgbClr val="000000"/>
                 </a:solidFill>
@@ -3570,7 +3590,7 @@
           </a:ln>
           <a:extLst>
             <a:ext uri="{909E8E84-426E-40dd-AFC4-6F175D3DCCD1}">
-              <a14:hiddenFill xmlns="" xmlns:a14="http://schemas.microsoft.com/office/drawing/2010/main">
+              <a14:hiddenFill xmlns:a14="http://schemas.microsoft.com/office/drawing/2010/main" xmlns="">
                 <a:solidFill>
                   <a:srgbClr val="FFFFFF"/>
                 </a:solidFill>
@@ -3593,14 +3613,14 @@
           <a:noFill/>
           <a:extLst>
             <a:ext uri="{909E8E84-426E-40dd-AFC4-6F175D3DCCD1}">
-              <a14:hiddenFill xmlns="" xmlns:a14="http://schemas.microsoft.com/office/drawing/2010/main">
+              <a14:hiddenFill xmlns:a14="http://schemas.microsoft.com/office/drawing/2010/main" xmlns="">
                 <a:solidFill>
                   <a:srgbClr val="FFFFFF"/>
                 </a:solidFill>
               </a14:hiddenFill>
             </a:ext>
             <a:ext uri="{91240B29-F687-4f45-9708-019B960494DF}">
-              <a14:hiddenLine xmlns="" xmlns:a14="http://schemas.microsoft.com/office/drawing/2010/main" w="9525">
+              <a14:hiddenLine xmlns:a14="http://schemas.microsoft.com/office/drawing/2010/main" xmlns="" w="9525">
                 <a:solidFill>
                   <a:srgbClr val="000000"/>
                 </a:solidFill>
@@ -3816,7 +3836,7 @@
           </a:ln>
           <a:extLst>
             <a:ext uri="{909E8E84-426E-40dd-AFC4-6F175D3DCCD1}">
-              <a14:hiddenFill xmlns="" xmlns:a14="http://schemas.microsoft.com/office/drawing/2010/main">
+              <a14:hiddenFill xmlns:a14="http://schemas.microsoft.com/office/drawing/2010/main" xmlns="">
                 <a:solidFill>
                   <a:srgbClr val="FFFFFF"/>
                 </a:solidFill>
@@ -3839,14 +3859,14 @@
           <a:noFill/>
           <a:extLst>
             <a:ext uri="{909E8E84-426E-40dd-AFC4-6F175D3DCCD1}">
-              <a14:hiddenFill xmlns="" xmlns:a14="http://schemas.microsoft.com/office/drawing/2010/main">
+              <a14:hiddenFill xmlns:a14="http://schemas.microsoft.com/office/drawing/2010/main" xmlns="">
                 <a:solidFill>
                   <a:srgbClr val="FFFFFF"/>
                 </a:solidFill>
               </a14:hiddenFill>
             </a:ext>
             <a:ext uri="{91240B29-F687-4f45-9708-019B960494DF}">
-              <a14:hiddenLine xmlns="" xmlns:a14="http://schemas.microsoft.com/office/drawing/2010/main" w="9525">
+              <a14:hiddenLine xmlns:a14="http://schemas.microsoft.com/office/drawing/2010/main" xmlns="" w="9525">
                 <a:solidFill>
                   <a:srgbClr val="000000"/>
                 </a:solidFill>
@@ -4085,7 +4105,7 @@
           </a:ln>
           <a:extLst>
             <a:ext uri="{909E8E84-426E-40dd-AFC4-6F175D3DCCD1}">
-              <a14:hiddenFill xmlns="" xmlns:a14="http://schemas.microsoft.com/office/drawing/2010/main">
+              <a14:hiddenFill xmlns:a14="http://schemas.microsoft.com/office/drawing/2010/main" xmlns="">
                 <a:solidFill>
                   <a:srgbClr val="FFFFFF"/>
                 </a:solidFill>
@@ -4108,14 +4128,14 @@
           <a:noFill/>
           <a:extLst>
             <a:ext uri="{909E8E84-426E-40dd-AFC4-6F175D3DCCD1}">
-              <a14:hiddenFill xmlns="" xmlns:a14="http://schemas.microsoft.com/office/drawing/2010/main">
+              <a14:hiddenFill xmlns:a14="http://schemas.microsoft.com/office/drawing/2010/main" xmlns="">
                 <a:solidFill>
                   <a:srgbClr val="FFFFFF"/>
                 </a:solidFill>
               </a14:hiddenFill>
             </a:ext>
             <a:ext uri="{91240B29-F687-4f45-9708-019B960494DF}">
-              <a14:hiddenLine xmlns="" xmlns:a14="http://schemas.microsoft.com/office/drawing/2010/main" w="9525">
+              <a14:hiddenLine xmlns:a14="http://schemas.microsoft.com/office/drawing/2010/main" xmlns="" w="9525">
                 <a:solidFill>
                   <a:srgbClr val="000000"/>
                 </a:solidFill>
@@ -4331,7 +4351,7 @@
           </a:ln>
           <a:extLst>
             <a:ext uri="{909E8E84-426E-40dd-AFC4-6F175D3DCCD1}">
-              <a14:hiddenFill xmlns="" xmlns:a14="http://schemas.microsoft.com/office/drawing/2010/main">
+              <a14:hiddenFill xmlns:a14="http://schemas.microsoft.com/office/drawing/2010/main" xmlns="">
                 <a:solidFill>
                   <a:srgbClr val="FFFFFF"/>
                 </a:solidFill>
@@ -4354,14 +4374,14 @@
           <a:noFill/>
           <a:extLst>
             <a:ext uri="{909E8E84-426E-40dd-AFC4-6F175D3DCCD1}">
-              <a14:hiddenFill xmlns="" xmlns:a14="http://schemas.microsoft.com/office/drawing/2010/main">
+              <a14:hiddenFill xmlns:a14="http://schemas.microsoft.com/office/drawing/2010/main" xmlns="">
                 <a:solidFill>
                   <a:srgbClr val="FFFFFF"/>
                 </a:solidFill>
               </a14:hiddenFill>
             </a:ext>
             <a:ext uri="{91240B29-F687-4f45-9708-019B960494DF}">
-              <a14:hiddenLine xmlns="" xmlns:a14="http://schemas.microsoft.com/office/drawing/2010/main" w="9525">
+              <a14:hiddenLine xmlns:a14="http://schemas.microsoft.com/office/drawing/2010/main" xmlns="" w="9525">
                 <a:solidFill>
                   <a:srgbClr val="000000"/>
                 </a:solidFill>
@@ -7300,14 +7320,14 @@
           </a:ln>
           <a:extLst>
             <a:ext uri="{909E8E84-426E-40dd-AFC4-6F175D3DCCD1}">
-              <a14:hiddenFill xmlns="" xmlns:a14="http://schemas.microsoft.com/office/drawing/2010/main">
+              <a14:hiddenFill xmlns:a14="http://schemas.microsoft.com/office/drawing/2010/main" xmlns="">
                 <a:solidFill>
                   <a:srgbClr val="FFFFFF"/>
                 </a:solidFill>
               </a14:hiddenFill>
             </a:ext>
             <a:ext uri="{91240B29-F687-4f45-9708-019B960494DF}">
-              <a14:hiddenLine xmlns="" xmlns:a14="http://schemas.microsoft.com/office/drawing/2010/main" w="9525">
+              <a14:hiddenLine xmlns:a14="http://schemas.microsoft.com/office/drawing/2010/main" xmlns="" w="9525">
                 <a:solidFill>
                   <a:srgbClr val="000000"/>
                 </a:solidFill>
@@ -7358,14 +7378,14 @@
           </a:ln>
           <a:extLst>
             <a:ext uri="{909E8E84-426E-40dd-AFC4-6F175D3DCCD1}">
-              <a14:hiddenFill xmlns="" xmlns:a14="http://schemas.microsoft.com/office/drawing/2010/main">
+              <a14:hiddenFill xmlns:a14="http://schemas.microsoft.com/office/drawing/2010/main" xmlns="">
                 <a:solidFill>
                   <a:srgbClr val="FFFFFF"/>
                 </a:solidFill>
               </a14:hiddenFill>
             </a:ext>
             <a:ext uri="{91240B29-F687-4f45-9708-019B960494DF}">
-              <a14:hiddenLine xmlns="" xmlns:a14="http://schemas.microsoft.com/office/drawing/2010/main" w="9525">
+              <a14:hiddenLine xmlns:a14="http://schemas.microsoft.com/office/drawing/2010/main" xmlns="" w="9525">
                 <a:solidFill>
                   <a:srgbClr val="000000"/>
                 </a:solidFill>
@@ -8013,14 +8033,14 @@
           </a:ln>
           <a:extLst>
             <a:ext uri="{909E8E84-426E-40dd-AFC4-6F175D3DCCD1}">
-              <a14:hiddenFill xmlns="" xmlns:a14="http://schemas.microsoft.com/office/drawing/2010/main">
+              <a14:hiddenFill xmlns:a14="http://schemas.microsoft.com/office/drawing/2010/main" xmlns="">
                 <a:solidFill>
                   <a:srgbClr val="FFFFFF"/>
                 </a:solidFill>
               </a14:hiddenFill>
             </a:ext>
             <a:ext uri="{91240B29-F687-4f45-9708-019B960494DF}">
-              <a14:hiddenLine xmlns="" xmlns:a14="http://schemas.microsoft.com/office/drawing/2010/main" w="9525">
+              <a14:hiddenLine xmlns:a14="http://schemas.microsoft.com/office/drawing/2010/main" xmlns="" w="9525">
                 <a:solidFill>
                   <a:srgbClr val="000000"/>
                 </a:solidFill>
@@ -8184,14 +8204,14 @@
           </a:ln>
           <a:extLst>
             <a:ext uri="{909E8E84-426E-40dd-AFC4-6F175D3DCCD1}">
-              <a14:hiddenFill xmlns="" xmlns:a14="http://schemas.microsoft.com/office/drawing/2010/main">
+              <a14:hiddenFill xmlns:a14="http://schemas.microsoft.com/office/drawing/2010/main" xmlns="">
                 <a:solidFill>
                   <a:srgbClr val="FFFFFF"/>
                 </a:solidFill>
               </a14:hiddenFill>
             </a:ext>
             <a:ext uri="{91240B29-F687-4f45-9708-019B960494DF}">
-              <a14:hiddenLine xmlns="" xmlns:a14="http://schemas.microsoft.com/office/drawing/2010/main" w="9525">
+              <a14:hiddenLine xmlns:a14="http://schemas.microsoft.com/office/drawing/2010/main" xmlns="" w="9525">
                 <a:solidFill>
                   <a:srgbClr val="000000"/>
                 </a:solidFill>
@@ -8377,14 +8397,14 @@
           </a:ln>
           <a:extLst>
             <a:ext uri="{909E8E84-426E-40dd-AFC4-6F175D3DCCD1}">
-              <a14:hiddenFill xmlns="" xmlns:a14="http://schemas.microsoft.com/office/drawing/2010/main">
+              <a14:hiddenFill xmlns:a14="http://schemas.microsoft.com/office/drawing/2010/main" xmlns="">
                 <a:solidFill>
                   <a:srgbClr val="FFFFFF"/>
                 </a:solidFill>
               </a14:hiddenFill>
             </a:ext>
             <a:ext uri="{91240B29-F687-4f45-9708-019B960494DF}">
-              <a14:hiddenLine xmlns="" xmlns:a14="http://schemas.microsoft.com/office/drawing/2010/main" w="9525">
+              <a14:hiddenLine xmlns:a14="http://schemas.microsoft.com/office/drawing/2010/main" xmlns="" w="9525">
                 <a:solidFill>
                   <a:srgbClr val="000000"/>
                 </a:solidFill>
@@ -8431,14 +8451,14 @@
           </a:ln>
           <a:extLst>
             <a:ext uri="{909E8E84-426E-40dd-AFC4-6F175D3DCCD1}">
-              <a14:hiddenFill xmlns="" xmlns:a14="http://schemas.microsoft.com/office/drawing/2010/main">
+              <a14:hiddenFill xmlns:a14="http://schemas.microsoft.com/office/drawing/2010/main" xmlns="">
                 <a:solidFill>
                   <a:srgbClr val="FFFFFF"/>
                 </a:solidFill>
               </a14:hiddenFill>
             </a:ext>
             <a:ext uri="{91240B29-F687-4f45-9708-019B960494DF}">
-              <a14:hiddenLine xmlns="" xmlns:a14="http://schemas.microsoft.com/office/drawing/2010/main" w="9525">
+              <a14:hiddenLine xmlns:a14="http://schemas.microsoft.com/office/drawing/2010/main" xmlns="" w="9525">
                 <a:solidFill>
                   <a:srgbClr val="000000"/>
                 </a:solidFill>
@@ -8580,14 +8600,14 @@
           </a:ln>
           <a:extLst>
             <a:ext uri="{909E8E84-426E-40dd-AFC4-6F175D3DCCD1}">
-              <a14:hiddenFill xmlns:a14="http://schemas.microsoft.com/office/drawing/2010/main" xmlns="">
+              <a14:hiddenFill xmlns="" xmlns:a14="http://schemas.microsoft.com/office/drawing/2010/main">
                 <a:solidFill>
                   <a:srgbClr val="FFFFFF"/>
                 </a:solidFill>
               </a14:hiddenFill>
             </a:ext>
             <a:ext uri="{91240B29-F687-4f45-9708-019B960494DF}">
-              <a14:hiddenLine xmlns:a14="http://schemas.microsoft.com/office/drawing/2010/main" xmlns="" w="9525">
+              <a14:hiddenLine xmlns="" xmlns:a14="http://schemas.microsoft.com/office/drawing/2010/main" w="9525">
                 <a:solidFill>
                   <a:srgbClr val="000000"/>
                 </a:solidFill>
@@ -8833,14 +8853,14 @@
           </a:ln>
           <a:extLst>
             <a:ext uri="{909E8E84-426E-40dd-AFC4-6F175D3DCCD1}">
-              <a14:hiddenFill xmlns="" xmlns:a14="http://schemas.microsoft.com/office/drawing/2010/main">
+              <a14:hiddenFill xmlns:a14="http://schemas.microsoft.com/office/drawing/2010/main" xmlns="">
                 <a:solidFill>
                   <a:srgbClr val="FFFFFF"/>
                 </a:solidFill>
               </a14:hiddenFill>
             </a:ext>
             <a:ext uri="{91240B29-F687-4f45-9708-019B960494DF}">
-              <a14:hiddenLine xmlns="" xmlns:a14="http://schemas.microsoft.com/office/drawing/2010/main" w="9525">
+              <a14:hiddenLine xmlns:a14="http://schemas.microsoft.com/office/drawing/2010/main" xmlns="" w="9525">
                 <a:solidFill>
                   <a:srgbClr val="000000"/>
                 </a:solidFill>
@@ -9034,14 +9054,14 @@
           <a:noFill/>
           <a:extLst>
             <a:ext uri="{909E8E84-426E-40dd-AFC4-6F175D3DCCD1}">
-              <a14:hiddenFill xmlns="" xmlns:a14="http://schemas.microsoft.com/office/drawing/2010/main">
+              <a14:hiddenFill xmlns:a14="http://schemas.microsoft.com/office/drawing/2010/main" xmlns="">
                 <a:solidFill>
                   <a:srgbClr val="FFFFFF"/>
                 </a:solidFill>
               </a14:hiddenFill>
             </a:ext>
             <a:ext uri="{91240B29-F687-4f45-9708-019B960494DF}">
-              <a14:hiddenLine xmlns="" xmlns:a14="http://schemas.microsoft.com/office/drawing/2010/main" w="9525">
+              <a14:hiddenLine xmlns:a14="http://schemas.microsoft.com/office/drawing/2010/main" xmlns="" w="9525">
                 <a:solidFill>
                   <a:srgbClr val="000000"/>
                 </a:solidFill>
@@ -9260,14 +9280,14 @@
           </a:ln>
           <a:extLst>
             <a:ext uri="{909E8E84-426E-40dd-AFC4-6F175D3DCCD1}">
-              <a14:hiddenFill xmlns="" xmlns:a14="http://schemas.microsoft.com/office/drawing/2010/main">
+              <a14:hiddenFill xmlns:a14="http://schemas.microsoft.com/office/drawing/2010/main" xmlns="">
                 <a:solidFill>
                   <a:srgbClr val="FFFFFF"/>
                 </a:solidFill>
               </a14:hiddenFill>
             </a:ext>
             <a:ext uri="{91240B29-F687-4f45-9708-019B960494DF}">
-              <a14:hiddenLine xmlns="" xmlns:a14="http://schemas.microsoft.com/office/drawing/2010/main" w="9525">
+              <a14:hiddenLine xmlns:a14="http://schemas.microsoft.com/office/drawing/2010/main" xmlns="" w="9525">
                 <a:solidFill>
                   <a:srgbClr val="000000"/>
                 </a:solidFill>
@@ -10476,14 +10496,14 @@
           </a:ln>
           <a:extLst>
             <a:ext uri="{909E8E84-426E-40dd-AFC4-6F175D3DCCD1}">
-              <a14:hiddenFill xmlns="" xmlns:a14="http://schemas.microsoft.com/office/drawing/2010/main">
+              <a14:hiddenFill xmlns:a14="http://schemas.microsoft.com/office/drawing/2010/main" xmlns="">
                 <a:solidFill>
                   <a:srgbClr val="FFFFFF"/>
                 </a:solidFill>
               </a14:hiddenFill>
             </a:ext>
             <a:ext uri="{91240B29-F687-4f45-9708-019B960494DF}">
-              <a14:hiddenLine xmlns="" xmlns:a14="http://schemas.microsoft.com/office/drawing/2010/main" w="9525">
+              <a14:hiddenLine xmlns:a14="http://schemas.microsoft.com/office/drawing/2010/main" xmlns="" w="9525">
                 <a:solidFill>
                   <a:srgbClr val="000000"/>
                 </a:solidFill>
@@ -10677,14 +10697,14 @@
           <a:noFill/>
           <a:extLst>
             <a:ext uri="{909E8E84-426E-40dd-AFC4-6F175D3DCCD1}">
-              <a14:hiddenFill xmlns="" xmlns:a14="http://schemas.microsoft.com/office/drawing/2010/main">
+              <a14:hiddenFill xmlns:a14="http://schemas.microsoft.com/office/drawing/2010/main" xmlns="">
                 <a:solidFill>
                   <a:srgbClr val="FFFFFF"/>
                 </a:solidFill>
               </a14:hiddenFill>
             </a:ext>
             <a:ext uri="{91240B29-F687-4f45-9708-019B960494DF}">
-              <a14:hiddenLine xmlns="" xmlns:a14="http://schemas.microsoft.com/office/drawing/2010/main" w="9525">
+              <a14:hiddenLine xmlns:a14="http://schemas.microsoft.com/office/drawing/2010/main" xmlns="" w="9525">
                 <a:solidFill>
                   <a:srgbClr val="000000"/>
                 </a:solidFill>
@@ -10903,14 +10923,14 @@
           </a:ln>
           <a:extLst>
             <a:ext uri="{909E8E84-426E-40dd-AFC4-6F175D3DCCD1}">
-              <a14:hiddenFill xmlns="" xmlns:a14="http://schemas.microsoft.com/office/drawing/2010/main">
+              <a14:hiddenFill xmlns:a14="http://schemas.microsoft.com/office/drawing/2010/main" xmlns="">
                 <a:solidFill>
                   <a:srgbClr val="FFFFFF"/>
                 </a:solidFill>
               </a14:hiddenFill>
             </a:ext>
             <a:ext uri="{91240B29-F687-4f45-9708-019B960494DF}">
-              <a14:hiddenLine xmlns="" xmlns:a14="http://schemas.microsoft.com/office/drawing/2010/main" w="9525">
+              <a14:hiddenLine xmlns:a14="http://schemas.microsoft.com/office/drawing/2010/main" xmlns="" w="9525">
                 <a:solidFill>
                   <a:srgbClr val="000000"/>
                 </a:solidFill>
@@ -13151,14 +13171,14 @@
           </a:ln>
           <a:extLst>
             <a:ext uri="{909E8E84-426E-40dd-AFC4-6F175D3DCCD1}">
-              <a14:hiddenFill xmlns="" xmlns:a14="http://schemas.microsoft.com/office/drawing/2010/main">
+              <a14:hiddenFill xmlns:a14="http://schemas.microsoft.com/office/drawing/2010/main" xmlns="">
                 <a:solidFill>
                   <a:srgbClr val="FFFFFF"/>
                 </a:solidFill>
               </a14:hiddenFill>
             </a:ext>
             <a:ext uri="{91240B29-F687-4f45-9708-019B960494DF}">
-              <a14:hiddenLine xmlns="" xmlns:a14="http://schemas.microsoft.com/office/drawing/2010/main" w="9525">
+              <a14:hiddenLine xmlns:a14="http://schemas.microsoft.com/office/drawing/2010/main" xmlns="" w="9525">
                 <a:solidFill>
                   <a:srgbClr val="000000"/>
                 </a:solidFill>
@@ -13352,14 +13372,14 @@
           <a:noFill/>
           <a:extLst>
             <a:ext uri="{909E8E84-426E-40dd-AFC4-6F175D3DCCD1}">
-              <a14:hiddenFill xmlns="" xmlns:a14="http://schemas.microsoft.com/office/drawing/2010/main">
+              <a14:hiddenFill xmlns:a14="http://schemas.microsoft.com/office/drawing/2010/main" xmlns="">
                 <a:solidFill>
                   <a:srgbClr val="FFFFFF"/>
                 </a:solidFill>
               </a14:hiddenFill>
             </a:ext>
             <a:ext uri="{91240B29-F687-4f45-9708-019B960494DF}">
-              <a14:hiddenLine xmlns="" xmlns:a14="http://schemas.microsoft.com/office/drawing/2010/main" w="9525">
+              <a14:hiddenLine xmlns:a14="http://schemas.microsoft.com/office/drawing/2010/main" xmlns="" w="9525">
                 <a:solidFill>
                   <a:srgbClr val="000000"/>
                 </a:solidFill>
@@ -13578,14 +13598,14 @@
           </a:ln>
           <a:extLst>
             <a:ext uri="{909E8E84-426E-40dd-AFC4-6F175D3DCCD1}">
-              <a14:hiddenFill xmlns="" xmlns:a14="http://schemas.microsoft.com/office/drawing/2010/main">
+              <a14:hiddenFill xmlns:a14="http://schemas.microsoft.com/office/drawing/2010/main" xmlns="">
                 <a:solidFill>
                   <a:srgbClr val="FFFFFF"/>
                 </a:solidFill>
               </a14:hiddenFill>
             </a:ext>
             <a:ext uri="{91240B29-F687-4f45-9708-019B960494DF}">
-              <a14:hiddenLine xmlns="" xmlns:a14="http://schemas.microsoft.com/office/drawing/2010/main" w="9525">
+              <a14:hiddenLine xmlns:a14="http://schemas.microsoft.com/office/drawing/2010/main" xmlns="" w="9525">
                 <a:solidFill>
                   <a:srgbClr val="000000"/>
                 </a:solidFill>
@@ -13597,8 +13617,8 @@
           </a:extLst>
         </p:spPr>
       </p:pic>
-      <mc:AlternateContent xmlns:mc="http://schemas.openxmlformats.org/markup-compatibility/2006">
-        <mc:Choice xmlns:a14="http://schemas.microsoft.com/office/drawing/2010/main" Requires="a14">
+      <mc:AlternateContent xmlns:mc="http://schemas.openxmlformats.org/markup-compatibility/2006" xmlns:a14="http://schemas.microsoft.com/office/drawing/2010/main">
+        <mc:Choice Requires="a14">
           <p:sp>
             <p:nvSpPr>
               <p:cNvPr id="6" name="Subtitle 2">
@@ -14311,11 +14331,11 @@
                     <m:sSub>
                       <m:sSubPr>
                         <m:ctrlPr>
-                          <a:rPr lang="en-US" altLang="zh-CN" kern="0">
-                            <a:solidFill>
-                              <a:srgbClr val="003366"/>
-                            </a:solidFill>
-                            <a:latin typeface="仿宋" panose="02010609060101010101" pitchFamily="49" charset="-122"/>
+                          <a:rPr lang="en-US" altLang="zh-CN" i="1" kern="0">
+                            <a:solidFill>
+                              <a:srgbClr val="003366"/>
+                            </a:solidFill>
+                            <a:latin typeface="Cambria Math" panose="02040503050406030204" pitchFamily="18" charset="0"/>
                             <a:ea typeface="仿宋" panose="02010609060101010101" pitchFamily="49" charset="-122"/>
                           </a:rPr>
                         </m:ctrlPr>
@@ -14326,7 +14346,7 @@
                             <a:solidFill>
                               <a:srgbClr val="003366"/>
                             </a:solidFill>
-                            <a:latin typeface="仿宋" panose="02010609060101010101" pitchFamily="49" charset="-122"/>
+                            <a:latin typeface="Cambria Math" panose="02040503050406030204" pitchFamily="18" charset="0"/>
                             <a:ea typeface="仿宋" panose="02010609060101010101" pitchFamily="49" charset="-122"/>
                           </a:rPr>
                           <m:t>𝐿𝑎𝑠𝑡𝑆𝑒𝑛𝑑</m:t>
@@ -14338,7 +14358,7 @@
                             <a:solidFill>
                               <a:srgbClr val="003366"/>
                             </a:solidFill>
-                            <a:latin typeface="仿宋" panose="02010609060101010101" pitchFamily="49" charset="-122"/>
+                            <a:latin typeface="Cambria Math" panose="02040503050406030204" pitchFamily="18" charset="0"/>
                             <a:ea typeface="仿宋" panose="02010609060101010101" pitchFamily="49" charset="-122"/>
                           </a:rPr>
                           <m:t>𝑖</m:t>
@@ -14350,11 +14370,11 @@
                         <m:begChr m:val="["/>
                         <m:endChr m:val="]"/>
                         <m:ctrlPr>
-                          <a:rPr lang="en-US" altLang="zh-CN" kern="0">
-                            <a:solidFill>
-                              <a:srgbClr val="003366"/>
-                            </a:solidFill>
-                            <a:latin typeface="仿宋" panose="02010609060101010101" pitchFamily="49" charset="-122"/>
+                          <a:rPr lang="en-US" altLang="zh-CN" i="1" kern="0">
+                            <a:solidFill>
+                              <a:srgbClr val="003366"/>
+                            </a:solidFill>
+                            <a:latin typeface="Cambria Math" panose="02040503050406030204" pitchFamily="18" charset="0"/>
                             <a:ea typeface="仿宋" panose="02010609060101010101" pitchFamily="49" charset="-122"/>
                           </a:rPr>
                         </m:ctrlPr>
@@ -14365,7 +14385,7 @@
                             <a:solidFill>
                               <a:srgbClr val="003366"/>
                             </a:solidFill>
-                            <a:latin typeface="仿宋" panose="02010609060101010101" pitchFamily="49" charset="-122"/>
+                            <a:latin typeface="Cambria Math" panose="02040503050406030204" pitchFamily="18" charset="0"/>
                             <a:ea typeface="仿宋" panose="02010609060101010101" pitchFamily="49" charset="-122"/>
                           </a:rPr>
                           <m:t>1⋯</m:t>
@@ -14375,7 +14395,7 @@
                             <a:solidFill>
                               <a:srgbClr val="003366"/>
                             </a:solidFill>
-                            <a:latin typeface="仿宋" panose="02010609060101010101" pitchFamily="49" charset="-122"/>
+                            <a:latin typeface="Cambria Math" panose="02040503050406030204" pitchFamily="18" charset="0"/>
                             <a:ea typeface="仿宋" panose="02010609060101010101" pitchFamily="49" charset="-122"/>
                           </a:rPr>
                           <m:t>𝑛</m:t>
@@ -14399,11 +14419,11 @@
                     <m:sSub>
                       <m:sSubPr>
                         <m:ctrlPr>
-                          <a:rPr lang="en-US" altLang="zh-CN" kern="0">
-                            <a:solidFill>
-                              <a:srgbClr val="003366"/>
-                            </a:solidFill>
-                            <a:latin typeface="仿宋" panose="02010609060101010101" pitchFamily="49" charset="-122"/>
+                          <a:rPr lang="en-US" altLang="zh-CN" i="1" kern="0">
+                            <a:solidFill>
+                              <a:srgbClr val="003366"/>
+                            </a:solidFill>
+                            <a:latin typeface="Cambria Math" panose="02040503050406030204" pitchFamily="18" charset="0"/>
                             <a:ea typeface="仿宋" panose="02010609060101010101" pitchFamily="49" charset="-122"/>
                           </a:rPr>
                         </m:ctrlPr>
@@ -14414,7 +14434,7 @@
                             <a:solidFill>
                               <a:srgbClr val="003366"/>
                             </a:solidFill>
-                            <a:latin typeface="仿宋" panose="02010609060101010101" pitchFamily="49" charset="-122"/>
+                            <a:latin typeface="Cambria Math" panose="02040503050406030204" pitchFamily="18" charset="0"/>
                             <a:ea typeface="仿宋" panose="02010609060101010101" pitchFamily="49" charset="-122"/>
                           </a:rPr>
                           <m:t>𝐿𝑎𝑠𝑡𝑆𝑒𝑛𝑑</m:t>
@@ -14426,7 +14446,7 @@
                             <a:solidFill>
                               <a:srgbClr val="003366"/>
                             </a:solidFill>
-                            <a:latin typeface="仿宋" panose="02010609060101010101" pitchFamily="49" charset="-122"/>
+                            <a:latin typeface="Cambria Math" panose="02040503050406030204" pitchFamily="18" charset="0"/>
                             <a:ea typeface="仿宋" panose="02010609060101010101" pitchFamily="49" charset="-122"/>
                           </a:rPr>
                           <m:t>𝑖</m:t>
@@ -14438,11 +14458,11 @@
                         <m:begChr m:val="["/>
                         <m:endChr m:val="]"/>
                         <m:ctrlPr>
-                          <a:rPr lang="en-US" altLang="zh-CN" kern="0">
-                            <a:solidFill>
-                              <a:srgbClr val="003366"/>
-                            </a:solidFill>
-                            <a:latin typeface="仿宋" panose="02010609060101010101" pitchFamily="49" charset="-122"/>
+                          <a:rPr lang="en-US" altLang="zh-CN" i="1" kern="0">
+                            <a:solidFill>
+                              <a:srgbClr val="003366"/>
+                            </a:solidFill>
+                            <a:latin typeface="Cambria Math" panose="02040503050406030204" pitchFamily="18" charset="0"/>
                             <a:ea typeface="仿宋" panose="02010609060101010101" pitchFamily="49" charset="-122"/>
                           </a:rPr>
                         </m:ctrlPr>
@@ -14453,7 +14473,7 @@
                             <a:solidFill>
                               <a:srgbClr val="003366"/>
                             </a:solidFill>
-                            <a:latin typeface="仿宋" panose="02010609060101010101" pitchFamily="49" charset="-122"/>
+                            <a:latin typeface="Cambria Math" panose="02040503050406030204" pitchFamily="18" charset="0"/>
                             <a:ea typeface="仿宋" panose="02010609060101010101" pitchFamily="49" charset="-122"/>
                           </a:rPr>
                           <m:t>𝑗</m:t>
@@ -14477,11 +14497,11 @@
                     <m:sSub>
                       <m:sSubPr>
                         <m:ctrlPr>
-                          <a:rPr lang="en-US" altLang="zh-CN" kern="0">
-                            <a:solidFill>
-                              <a:srgbClr val="003366"/>
-                            </a:solidFill>
-                            <a:latin typeface="仿宋" panose="02010609060101010101" pitchFamily="49" charset="-122"/>
+                          <a:rPr lang="en-US" altLang="zh-CN" i="1" kern="0">
+                            <a:solidFill>
+                              <a:srgbClr val="003366"/>
+                            </a:solidFill>
+                            <a:latin typeface="Cambria Math" panose="02040503050406030204" pitchFamily="18" charset="0"/>
                             <a:ea typeface="仿宋" panose="02010609060101010101" pitchFamily="49" charset="-122"/>
                           </a:rPr>
                         </m:ctrlPr>
@@ -14492,7 +14512,7 @@
                             <a:solidFill>
                               <a:srgbClr val="003366"/>
                             </a:solidFill>
-                            <a:latin typeface="仿宋" panose="02010609060101010101" pitchFamily="49" charset="-122"/>
+                            <a:latin typeface="Cambria Math" panose="02040503050406030204" pitchFamily="18" charset="0"/>
                             <a:ea typeface="仿宋" panose="02010609060101010101" pitchFamily="49" charset="-122"/>
                           </a:rPr>
                           <m:t>𝑝</m:t>
@@ -14504,7 +14524,7 @@
                             <a:solidFill>
                               <a:srgbClr val="003366"/>
                             </a:solidFill>
-                            <a:latin typeface="仿宋" panose="02010609060101010101" pitchFamily="49" charset="-122"/>
+                            <a:latin typeface="Cambria Math" panose="02040503050406030204" pitchFamily="18" charset="0"/>
                             <a:ea typeface="仿宋" panose="02010609060101010101" pitchFamily="49" charset="-122"/>
                           </a:rPr>
                           <m:t>𝑖</m:t>
@@ -14528,11 +14548,11 @@
                     <m:sSub>
                       <m:sSubPr>
                         <m:ctrlPr>
-                          <a:rPr lang="en-US" altLang="zh-CN" kern="0">
-                            <a:solidFill>
-                              <a:srgbClr val="003366"/>
-                            </a:solidFill>
-                            <a:latin typeface="仿宋" panose="02010609060101010101" pitchFamily="49" charset="-122"/>
+                          <a:rPr lang="en-US" altLang="zh-CN" i="1" kern="0">
+                            <a:solidFill>
+                              <a:srgbClr val="003366"/>
+                            </a:solidFill>
+                            <a:latin typeface="Cambria Math" panose="02040503050406030204" pitchFamily="18" charset="0"/>
                             <a:ea typeface="仿宋" panose="02010609060101010101" pitchFamily="49" charset="-122"/>
                           </a:rPr>
                         </m:ctrlPr>
@@ -14543,7 +14563,7 @@
                             <a:solidFill>
                               <a:srgbClr val="003366"/>
                             </a:solidFill>
-                            <a:latin typeface="仿宋" panose="02010609060101010101" pitchFamily="49" charset="-122"/>
+                            <a:latin typeface="Cambria Math" panose="02040503050406030204" pitchFamily="18" charset="0"/>
                             <a:ea typeface="仿宋" panose="02010609060101010101" pitchFamily="49" charset="-122"/>
                           </a:rPr>
                           <m:t>𝑝</m:t>
@@ -14555,7 +14575,7 @@
                             <a:solidFill>
                               <a:srgbClr val="003366"/>
                             </a:solidFill>
-                            <a:latin typeface="仿宋" panose="02010609060101010101" pitchFamily="49" charset="-122"/>
+                            <a:latin typeface="Cambria Math" panose="02040503050406030204" pitchFamily="18" charset="0"/>
                             <a:ea typeface="仿宋" panose="02010609060101010101" pitchFamily="49" charset="-122"/>
                           </a:rPr>
                           <m:t>𝑗</m:t>
@@ -14579,11 +14599,11 @@
                     <m:sSub>
                       <m:sSubPr>
                         <m:ctrlPr>
-                          <a:rPr lang="en-US" altLang="zh-CN" kern="0">
-                            <a:solidFill>
-                              <a:srgbClr val="003366"/>
-                            </a:solidFill>
-                            <a:latin typeface="仿宋" panose="02010609060101010101" pitchFamily="49" charset="-122"/>
+                          <a:rPr lang="en-US" altLang="zh-CN" i="1" kern="0">
+                            <a:solidFill>
+                              <a:srgbClr val="003366"/>
+                            </a:solidFill>
+                            <a:latin typeface="Cambria Math" panose="02040503050406030204" pitchFamily="18" charset="0"/>
                             <a:ea typeface="仿宋" panose="02010609060101010101" pitchFamily="49" charset="-122"/>
                           </a:rPr>
                         </m:ctrlPr>
@@ -14594,7 +14614,7 @@
                             <a:solidFill>
                               <a:srgbClr val="003366"/>
                             </a:solidFill>
-                            <a:latin typeface="仿宋" panose="02010609060101010101" pitchFamily="49" charset="-122"/>
+                            <a:latin typeface="Cambria Math" panose="02040503050406030204" pitchFamily="18" charset="0"/>
                             <a:ea typeface="仿宋" panose="02010609060101010101" pitchFamily="49" charset="-122"/>
                           </a:rPr>
                           <m:t>𝑣𝑡</m:t>
@@ -14606,7 +14626,7 @@
                             <a:solidFill>
                               <a:srgbClr val="003366"/>
                             </a:solidFill>
-                            <a:latin typeface="仿宋" panose="02010609060101010101" pitchFamily="49" charset="-122"/>
+                            <a:latin typeface="Cambria Math" panose="02040503050406030204" pitchFamily="18" charset="0"/>
                             <a:ea typeface="仿宋" panose="02010609060101010101" pitchFamily="49" charset="-122"/>
                           </a:rPr>
                           <m:t>𝑖</m:t>
@@ -14618,11 +14638,11 @@
                         <m:begChr m:val="["/>
                         <m:endChr m:val="]"/>
                         <m:ctrlPr>
-                          <a:rPr lang="en-US" altLang="zh-CN" kern="0">
-                            <a:solidFill>
-                              <a:srgbClr val="003366"/>
-                            </a:solidFill>
-                            <a:latin typeface="仿宋" panose="02010609060101010101" pitchFamily="49" charset="-122"/>
+                          <a:rPr lang="en-US" altLang="zh-CN" i="1" kern="0">
+                            <a:solidFill>
+                              <a:srgbClr val="003366"/>
+                            </a:solidFill>
+                            <a:latin typeface="Cambria Math" panose="02040503050406030204" pitchFamily="18" charset="0"/>
                             <a:ea typeface="仿宋" panose="02010609060101010101" pitchFamily="49" charset="-122"/>
                           </a:rPr>
                         </m:ctrlPr>
@@ -14633,7 +14653,7 @@
                             <a:solidFill>
                               <a:srgbClr val="003366"/>
                             </a:solidFill>
-                            <a:latin typeface="仿宋" panose="02010609060101010101" pitchFamily="49" charset="-122"/>
+                            <a:latin typeface="Cambria Math" panose="02040503050406030204" pitchFamily="18" charset="0"/>
                             <a:ea typeface="仿宋" panose="02010609060101010101" pitchFamily="49" charset="-122"/>
                           </a:rPr>
                           <m:t>𝑖</m:t>
@@ -14657,11 +14677,11 @@
                     <m:sSub>
                       <m:sSubPr>
                         <m:ctrlPr>
-                          <a:rPr lang="en-US" altLang="zh-CN" kern="0">
-                            <a:solidFill>
-                              <a:srgbClr val="003366"/>
-                            </a:solidFill>
-                            <a:latin typeface="仿宋" panose="02010609060101010101" pitchFamily="49" charset="-122"/>
+                          <a:rPr lang="en-US" altLang="zh-CN" i="1" kern="0">
+                            <a:solidFill>
+                              <a:srgbClr val="003366"/>
+                            </a:solidFill>
+                            <a:latin typeface="Cambria Math" panose="02040503050406030204" pitchFamily="18" charset="0"/>
                             <a:ea typeface="仿宋" panose="02010609060101010101" pitchFamily="49" charset="-122"/>
                           </a:rPr>
                         </m:ctrlPr>
@@ -14672,7 +14692,7 @@
                             <a:solidFill>
                               <a:srgbClr val="003366"/>
                             </a:solidFill>
-                            <a:latin typeface="仿宋" panose="02010609060101010101" pitchFamily="49" charset="-122"/>
+                            <a:latin typeface="Cambria Math" panose="02040503050406030204" pitchFamily="18" charset="0"/>
                             <a:ea typeface="仿宋" panose="02010609060101010101" pitchFamily="49" charset="-122"/>
                           </a:rPr>
                           <m:t>𝑝</m:t>
@@ -14684,7 +14704,7 @@
                             <a:solidFill>
                               <a:srgbClr val="003366"/>
                             </a:solidFill>
-                            <a:latin typeface="仿宋" panose="02010609060101010101" pitchFamily="49" charset="-122"/>
+                            <a:latin typeface="Cambria Math" panose="02040503050406030204" pitchFamily="18" charset="0"/>
                             <a:ea typeface="仿宋" panose="02010609060101010101" pitchFamily="49" charset="-122"/>
                           </a:rPr>
                           <m:t>𝑖</m:t>
@@ -14708,11 +14728,11 @@
                     <m:sSub>
                       <m:sSubPr>
                         <m:ctrlPr>
-                          <a:rPr lang="en-US" altLang="zh-CN" kern="0">
-                            <a:solidFill>
-                              <a:srgbClr val="003366"/>
-                            </a:solidFill>
-                            <a:latin typeface="仿宋" panose="02010609060101010101" pitchFamily="49" charset="-122"/>
+                          <a:rPr lang="en-US" altLang="zh-CN" i="1" kern="0">
+                            <a:solidFill>
+                              <a:srgbClr val="003366"/>
+                            </a:solidFill>
+                            <a:latin typeface="Cambria Math" panose="02040503050406030204" pitchFamily="18" charset="0"/>
                             <a:ea typeface="仿宋" panose="02010609060101010101" pitchFamily="49" charset="-122"/>
                           </a:rPr>
                         </m:ctrlPr>
@@ -14723,7 +14743,7 @@
                             <a:solidFill>
                               <a:srgbClr val="003366"/>
                             </a:solidFill>
-                            <a:latin typeface="仿宋" panose="02010609060101010101" pitchFamily="49" charset="-122"/>
+                            <a:latin typeface="Cambria Math" panose="02040503050406030204" pitchFamily="18" charset="0"/>
                             <a:ea typeface="仿宋" panose="02010609060101010101" pitchFamily="49" charset="-122"/>
                           </a:rPr>
                           <m:t>𝑝</m:t>
@@ -14735,7 +14755,7 @@
                             <a:solidFill>
                               <a:srgbClr val="003366"/>
                             </a:solidFill>
-                            <a:latin typeface="仿宋" panose="02010609060101010101" pitchFamily="49" charset="-122"/>
+                            <a:latin typeface="Cambria Math" panose="02040503050406030204" pitchFamily="18" charset="0"/>
                             <a:ea typeface="仿宋" panose="02010609060101010101" pitchFamily="49" charset="-122"/>
                           </a:rPr>
                           <m:t>𝑗</m:t>
@@ -14775,11 +14795,11 @@
                     <m:sSub>
                       <m:sSubPr>
                         <m:ctrlPr>
-                          <a:rPr lang="en-US" altLang="zh-CN" kern="0">
-                            <a:solidFill>
-                              <a:srgbClr val="003366"/>
-                            </a:solidFill>
-                            <a:latin typeface="仿宋" panose="02010609060101010101" pitchFamily="49" charset="-122"/>
+                          <a:rPr lang="en-US" altLang="zh-CN" i="1" kern="0">
+                            <a:solidFill>
+                              <a:srgbClr val="003366"/>
+                            </a:solidFill>
+                            <a:latin typeface="Cambria Math" panose="02040503050406030204" pitchFamily="18" charset="0"/>
                             <a:ea typeface="仿宋" panose="02010609060101010101" pitchFamily="49" charset="-122"/>
                           </a:rPr>
                         </m:ctrlPr>
@@ -14790,7 +14810,7 @@
                             <a:solidFill>
                               <a:srgbClr val="003366"/>
                             </a:solidFill>
-                            <a:latin typeface="仿宋" panose="02010609060101010101" pitchFamily="49" charset="-122"/>
+                            <a:latin typeface="Cambria Math" panose="02040503050406030204" pitchFamily="18" charset="0"/>
                             <a:ea typeface="仿宋" panose="02010609060101010101" pitchFamily="49" charset="-122"/>
                           </a:rPr>
                           <m:t>𝐿𝑎𝑠𝑡𝑈𝑝𝑑𝑎𝑡𝑒</m:t>
@@ -14802,7 +14822,7 @@
                             <a:solidFill>
                               <a:srgbClr val="003366"/>
                             </a:solidFill>
-                            <a:latin typeface="仿宋" panose="02010609060101010101" pitchFamily="49" charset="-122"/>
+                            <a:latin typeface="Cambria Math" panose="02040503050406030204" pitchFamily="18" charset="0"/>
                             <a:ea typeface="仿宋" panose="02010609060101010101" pitchFamily="49" charset="-122"/>
                           </a:rPr>
                           <m:t>𝑖</m:t>
@@ -14814,11 +14834,11 @@
                         <m:begChr m:val="["/>
                         <m:endChr m:val="]"/>
                         <m:ctrlPr>
-                          <a:rPr lang="en-US" altLang="zh-CN" kern="0">
-                            <a:solidFill>
-                              <a:srgbClr val="003366"/>
-                            </a:solidFill>
-                            <a:latin typeface="仿宋" panose="02010609060101010101" pitchFamily="49" charset="-122"/>
+                          <a:rPr lang="en-US" altLang="zh-CN" i="1" kern="0">
+                            <a:solidFill>
+                              <a:srgbClr val="003366"/>
+                            </a:solidFill>
+                            <a:latin typeface="Cambria Math" panose="02040503050406030204" pitchFamily="18" charset="0"/>
                             <a:ea typeface="仿宋" panose="02010609060101010101" pitchFamily="49" charset="-122"/>
                           </a:rPr>
                         </m:ctrlPr>
@@ -14829,7 +14849,7 @@
                             <a:solidFill>
                               <a:srgbClr val="003366"/>
                             </a:solidFill>
-                            <a:latin typeface="仿宋" panose="02010609060101010101" pitchFamily="49" charset="-122"/>
+                            <a:latin typeface="Cambria Math" panose="02040503050406030204" pitchFamily="18" charset="0"/>
                             <a:ea typeface="仿宋" panose="02010609060101010101" pitchFamily="49" charset="-122"/>
                           </a:rPr>
                           <m:t>1⋯</m:t>
@@ -14839,7 +14859,7 @@
                             <a:solidFill>
                               <a:srgbClr val="003366"/>
                             </a:solidFill>
-                            <a:latin typeface="仿宋" panose="02010609060101010101" pitchFamily="49" charset="-122"/>
+                            <a:latin typeface="Cambria Math" panose="02040503050406030204" pitchFamily="18" charset="0"/>
                             <a:ea typeface="仿宋" panose="02010609060101010101" pitchFamily="49" charset="-122"/>
                           </a:rPr>
                           <m:t>𝑛</m:t>
@@ -14863,11 +14883,11 @@
                     <m:sSub>
                       <m:sSubPr>
                         <m:ctrlPr>
-                          <a:rPr lang="en-US" altLang="zh-CN" kern="0">
-                            <a:solidFill>
-                              <a:srgbClr val="003366"/>
-                            </a:solidFill>
-                            <a:latin typeface="仿宋" panose="02010609060101010101" pitchFamily="49" charset="-122"/>
+                          <a:rPr lang="en-US" altLang="zh-CN" i="1" kern="0">
+                            <a:solidFill>
+                              <a:srgbClr val="003366"/>
+                            </a:solidFill>
+                            <a:latin typeface="Cambria Math" panose="02040503050406030204" pitchFamily="18" charset="0"/>
                             <a:ea typeface="仿宋" panose="02010609060101010101" pitchFamily="49" charset="-122"/>
                           </a:rPr>
                         </m:ctrlPr>
@@ -14878,7 +14898,7 @@
                             <a:solidFill>
                               <a:srgbClr val="003366"/>
                             </a:solidFill>
-                            <a:latin typeface="仿宋" panose="02010609060101010101" pitchFamily="49" charset="-122"/>
+                            <a:latin typeface="Cambria Math" panose="02040503050406030204" pitchFamily="18" charset="0"/>
                             <a:ea typeface="仿宋" panose="02010609060101010101" pitchFamily="49" charset="-122"/>
                           </a:rPr>
                           <m:t>𝐿𝑎𝑠𝑡𝑈𝑝𝑑𝑎𝑡𝑒</m:t>
@@ -14890,7 +14910,7 @@
                             <a:solidFill>
                               <a:srgbClr val="003366"/>
                             </a:solidFill>
-                            <a:latin typeface="仿宋" panose="02010609060101010101" pitchFamily="49" charset="-122"/>
+                            <a:latin typeface="Cambria Math" panose="02040503050406030204" pitchFamily="18" charset="0"/>
                             <a:ea typeface="仿宋" panose="02010609060101010101" pitchFamily="49" charset="-122"/>
                           </a:rPr>
                           <m:t>𝑖</m:t>
@@ -14902,11 +14922,11 @@
                         <m:begChr m:val="["/>
                         <m:endChr m:val="]"/>
                         <m:ctrlPr>
-                          <a:rPr lang="en-US" altLang="zh-CN" kern="0">
-                            <a:solidFill>
-                              <a:srgbClr val="003366"/>
-                            </a:solidFill>
-                            <a:latin typeface="仿宋" panose="02010609060101010101" pitchFamily="49" charset="-122"/>
+                          <a:rPr lang="en-US" altLang="zh-CN" i="1" kern="0">
+                            <a:solidFill>
+                              <a:srgbClr val="003366"/>
+                            </a:solidFill>
+                            <a:latin typeface="Cambria Math" panose="02040503050406030204" pitchFamily="18" charset="0"/>
                             <a:ea typeface="仿宋" panose="02010609060101010101" pitchFamily="49" charset="-122"/>
                           </a:rPr>
                         </m:ctrlPr>
@@ -14917,7 +14937,7 @@
                             <a:solidFill>
                               <a:srgbClr val="003366"/>
                             </a:solidFill>
-                            <a:latin typeface="仿宋" panose="02010609060101010101" pitchFamily="49" charset="-122"/>
+                            <a:latin typeface="Cambria Math" panose="02040503050406030204" pitchFamily="18" charset="0"/>
                             <a:ea typeface="仿宋" panose="02010609060101010101" pitchFamily="49" charset="-122"/>
                           </a:rPr>
                           <m:t>𝑘</m:t>
@@ -14941,11 +14961,11 @@
                     <m:sSub>
                       <m:sSubPr>
                         <m:ctrlPr>
-                          <a:rPr lang="en-US" altLang="zh-CN" kern="0">
-                            <a:solidFill>
-                              <a:srgbClr val="003366"/>
-                            </a:solidFill>
-                            <a:latin typeface="仿宋" panose="02010609060101010101" pitchFamily="49" charset="-122"/>
+                          <a:rPr lang="en-US" altLang="zh-CN" i="1" kern="0">
+                            <a:solidFill>
+                              <a:srgbClr val="003366"/>
+                            </a:solidFill>
+                            <a:latin typeface="Cambria Math" panose="02040503050406030204" pitchFamily="18" charset="0"/>
                             <a:ea typeface="仿宋" panose="02010609060101010101" pitchFamily="49" charset="-122"/>
                           </a:rPr>
                         </m:ctrlPr>
@@ -14956,7 +14976,7 @@
                             <a:solidFill>
                               <a:srgbClr val="003366"/>
                             </a:solidFill>
-                            <a:latin typeface="仿宋" panose="02010609060101010101" pitchFamily="49" charset="-122"/>
+                            <a:latin typeface="Cambria Math" panose="02040503050406030204" pitchFamily="18" charset="0"/>
                             <a:ea typeface="仿宋" panose="02010609060101010101" pitchFamily="49" charset="-122"/>
                           </a:rPr>
                           <m:t>𝑝</m:t>
@@ -14968,7 +14988,7 @@
                             <a:solidFill>
                               <a:srgbClr val="003366"/>
                             </a:solidFill>
-                            <a:latin typeface="仿宋" panose="02010609060101010101" pitchFamily="49" charset="-122"/>
+                            <a:latin typeface="Cambria Math" panose="02040503050406030204" pitchFamily="18" charset="0"/>
                             <a:ea typeface="仿宋" panose="02010609060101010101" pitchFamily="49" charset="-122"/>
                           </a:rPr>
                           <m:t>𝑖</m:t>
@@ -14992,11 +15012,11 @@
                     <m:sSub>
                       <m:sSubPr>
                         <m:ctrlPr>
-                          <a:rPr lang="en-US" altLang="zh-CN" kern="0">
-                            <a:solidFill>
-                              <a:srgbClr val="003366"/>
-                            </a:solidFill>
-                            <a:latin typeface="仿宋" panose="02010609060101010101" pitchFamily="49" charset="-122"/>
+                          <a:rPr lang="en-US" altLang="zh-CN" i="1" kern="0">
+                            <a:solidFill>
+                              <a:srgbClr val="003366"/>
+                            </a:solidFill>
+                            <a:latin typeface="Cambria Math" panose="02040503050406030204" pitchFamily="18" charset="0"/>
                             <a:ea typeface="仿宋" panose="02010609060101010101" pitchFamily="49" charset="-122"/>
                           </a:rPr>
                         </m:ctrlPr>
@@ -15007,7 +15027,7 @@
                             <a:solidFill>
                               <a:srgbClr val="003366"/>
                             </a:solidFill>
-                            <a:latin typeface="仿宋" panose="02010609060101010101" pitchFamily="49" charset="-122"/>
+                            <a:latin typeface="Cambria Math" panose="02040503050406030204" pitchFamily="18" charset="0"/>
                             <a:ea typeface="仿宋" panose="02010609060101010101" pitchFamily="49" charset="-122"/>
                           </a:rPr>
                           <m:t>𝑣𝑡</m:t>
@@ -15019,7 +15039,7 @@
                             <a:solidFill>
                               <a:srgbClr val="003366"/>
                             </a:solidFill>
-                            <a:latin typeface="仿宋" panose="02010609060101010101" pitchFamily="49" charset="-122"/>
+                            <a:latin typeface="Cambria Math" panose="02040503050406030204" pitchFamily="18" charset="0"/>
                             <a:ea typeface="仿宋" panose="02010609060101010101" pitchFamily="49" charset="-122"/>
                           </a:rPr>
                           <m:t>𝑖</m:t>
@@ -15031,11 +15051,11 @@
                         <m:begChr m:val="["/>
                         <m:endChr m:val="]"/>
                         <m:ctrlPr>
-                          <a:rPr lang="en-US" altLang="zh-CN" kern="0">
-                            <a:solidFill>
-                              <a:srgbClr val="003366"/>
-                            </a:solidFill>
-                            <a:latin typeface="仿宋" panose="02010609060101010101" pitchFamily="49" charset="-122"/>
+                          <a:rPr lang="en-US" altLang="zh-CN" i="1" kern="0">
+                            <a:solidFill>
+                              <a:srgbClr val="003366"/>
+                            </a:solidFill>
+                            <a:latin typeface="Cambria Math" panose="02040503050406030204" pitchFamily="18" charset="0"/>
                             <a:ea typeface="仿宋" panose="02010609060101010101" pitchFamily="49" charset="-122"/>
                           </a:rPr>
                         </m:ctrlPr>
@@ -15046,7 +15066,7 @@
                             <a:solidFill>
                               <a:srgbClr val="003366"/>
                             </a:solidFill>
-                            <a:latin typeface="仿宋" panose="02010609060101010101" pitchFamily="49" charset="-122"/>
+                            <a:latin typeface="Cambria Math" panose="02040503050406030204" pitchFamily="18" charset="0"/>
                             <a:ea typeface="仿宋" panose="02010609060101010101" pitchFamily="49" charset="-122"/>
                           </a:rPr>
                           <m:t>𝑘</m:t>
@@ -15070,11 +15090,11 @@
                     <m:sSub>
                       <m:sSubPr>
                         <m:ctrlPr>
-                          <a:rPr lang="en-US" altLang="zh-CN" kern="0">
-                            <a:solidFill>
-                              <a:srgbClr val="003366"/>
-                            </a:solidFill>
-                            <a:latin typeface="仿宋" panose="02010609060101010101" pitchFamily="49" charset="-122"/>
+                          <a:rPr lang="en-US" altLang="zh-CN" i="1" kern="0">
+                            <a:solidFill>
+                              <a:srgbClr val="003366"/>
+                            </a:solidFill>
+                            <a:latin typeface="Cambria Math" panose="02040503050406030204" pitchFamily="18" charset="0"/>
                             <a:ea typeface="仿宋" panose="02010609060101010101" pitchFamily="49" charset="-122"/>
                           </a:rPr>
                         </m:ctrlPr>
@@ -15085,7 +15105,7 @@
                             <a:solidFill>
                               <a:srgbClr val="003366"/>
                             </a:solidFill>
-                            <a:latin typeface="仿宋" panose="02010609060101010101" pitchFamily="49" charset="-122"/>
+                            <a:latin typeface="Cambria Math" panose="02040503050406030204" pitchFamily="18" charset="0"/>
                             <a:ea typeface="仿宋" panose="02010609060101010101" pitchFamily="49" charset="-122"/>
                           </a:rPr>
                           <m:t>𝑣𝑡</m:t>
@@ -15097,7 +15117,7 @@
                             <a:solidFill>
                               <a:srgbClr val="003366"/>
                             </a:solidFill>
-                            <a:latin typeface="仿宋" panose="02010609060101010101" pitchFamily="49" charset="-122"/>
+                            <a:latin typeface="Cambria Math" panose="02040503050406030204" pitchFamily="18" charset="0"/>
                             <a:ea typeface="仿宋" panose="02010609060101010101" pitchFamily="49" charset="-122"/>
                           </a:rPr>
                           <m:t>𝑖</m:t>
@@ -15109,11 +15129,11 @@
                         <m:begChr m:val="["/>
                         <m:endChr m:val="]"/>
                         <m:ctrlPr>
-                          <a:rPr lang="en-US" altLang="zh-CN" kern="0">
-                            <a:solidFill>
-                              <a:srgbClr val="003366"/>
-                            </a:solidFill>
-                            <a:latin typeface="仿宋" panose="02010609060101010101" pitchFamily="49" charset="-122"/>
+                          <a:rPr lang="en-US" altLang="zh-CN" i="1" kern="0">
+                            <a:solidFill>
+                              <a:srgbClr val="003366"/>
+                            </a:solidFill>
+                            <a:latin typeface="Cambria Math" panose="02040503050406030204" pitchFamily="18" charset="0"/>
                             <a:ea typeface="仿宋" panose="02010609060101010101" pitchFamily="49" charset="-122"/>
                           </a:rPr>
                         </m:ctrlPr>
@@ -15124,7 +15144,7 @@
                             <a:solidFill>
                               <a:srgbClr val="003366"/>
                             </a:solidFill>
-                            <a:latin typeface="仿宋" panose="02010609060101010101" pitchFamily="49" charset="-122"/>
+                            <a:latin typeface="Cambria Math" panose="02040503050406030204" pitchFamily="18" charset="0"/>
                             <a:ea typeface="仿宋" panose="02010609060101010101" pitchFamily="49" charset="-122"/>
                           </a:rPr>
                           <m:t>𝑖</m:t>
@@ -15744,7 +15764,7 @@
             </p:txBody>
           </p:sp>
         </mc:Choice>
-        <mc:Fallback>
+        <mc:Fallback xmlns="">
           <p:sp>
             <p:nvSpPr>
               <p:cNvPr id="6" name="Subtitle 2">
@@ -15863,14 +15883,14 @@
           </a:ln>
           <a:extLst>
             <a:ext uri="{909E8E84-426E-40dd-AFC4-6F175D3DCCD1}">
-              <a14:hiddenFill xmlns="" xmlns:a14="http://schemas.microsoft.com/office/drawing/2010/main">
+              <a14:hiddenFill xmlns:a14="http://schemas.microsoft.com/office/drawing/2010/main" xmlns="">
                 <a:solidFill>
                   <a:srgbClr val="FFFFFF"/>
                 </a:solidFill>
               </a14:hiddenFill>
             </a:ext>
             <a:ext uri="{91240B29-F687-4f45-9708-019B960494DF}">
-              <a14:hiddenLine xmlns="" xmlns:a14="http://schemas.microsoft.com/office/drawing/2010/main" w="9525">
+              <a14:hiddenLine xmlns:a14="http://schemas.microsoft.com/office/drawing/2010/main" xmlns="" w="9525">
                 <a:solidFill>
                   <a:srgbClr val="000000"/>
                 </a:solidFill>
@@ -16064,14 +16084,14 @@
           <a:noFill/>
           <a:extLst>
             <a:ext uri="{909E8E84-426E-40dd-AFC4-6F175D3DCCD1}">
-              <a14:hiddenFill xmlns="" xmlns:a14="http://schemas.microsoft.com/office/drawing/2010/main">
+              <a14:hiddenFill xmlns:a14="http://schemas.microsoft.com/office/drawing/2010/main" xmlns="">
                 <a:solidFill>
                   <a:srgbClr val="FFFFFF"/>
                 </a:solidFill>
               </a14:hiddenFill>
             </a:ext>
             <a:ext uri="{91240B29-F687-4f45-9708-019B960494DF}">
-              <a14:hiddenLine xmlns="" xmlns:a14="http://schemas.microsoft.com/office/drawing/2010/main" w="9525">
+              <a14:hiddenLine xmlns:a14="http://schemas.microsoft.com/office/drawing/2010/main" xmlns="" w="9525">
                 <a:solidFill>
                   <a:srgbClr val="000000"/>
                 </a:solidFill>
@@ -16290,14 +16310,14 @@
           </a:ln>
           <a:extLst>
             <a:ext uri="{909E8E84-426E-40dd-AFC4-6F175D3DCCD1}">
-              <a14:hiddenFill xmlns="" xmlns:a14="http://schemas.microsoft.com/office/drawing/2010/main">
+              <a14:hiddenFill xmlns:a14="http://schemas.microsoft.com/office/drawing/2010/main" xmlns="">
                 <a:solidFill>
                   <a:srgbClr val="FFFFFF"/>
                 </a:solidFill>
               </a14:hiddenFill>
             </a:ext>
             <a:ext uri="{91240B29-F687-4f45-9708-019B960494DF}">
-              <a14:hiddenLine xmlns="" xmlns:a14="http://schemas.microsoft.com/office/drawing/2010/main" w="9525">
+              <a14:hiddenLine xmlns:a14="http://schemas.microsoft.com/office/drawing/2010/main" xmlns="" w="9525">
                 <a:solidFill>
                   <a:srgbClr val="000000"/>
                 </a:solidFill>
@@ -19097,14 +19117,14 @@
           </a:ln>
           <a:extLst>
             <a:ext uri="{909E8E84-426E-40dd-AFC4-6F175D3DCCD1}">
-              <a14:hiddenFill xmlns="" xmlns:a14="http://schemas.microsoft.com/office/drawing/2010/main">
+              <a14:hiddenFill xmlns:a14="http://schemas.microsoft.com/office/drawing/2010/main" xmlns="">
                 <a:solidFill>
                   <a:srgbClr val="FFFFFF"/>
                 </a:solidFill>
               </a14:hiddenFill>
             </a:ext>
             <a:ext uri="{91240B29-F687-4f45-9708-019B960494DF}">
-              <a14:hiddenLine xmlns="" xmlns:a14="http://schemas.microsoft.com/office/drawing/2010/main" w="9525">
+              <a14:hiddenLine xmlns:a14="http://schemas.microsoft.com/office/drawing/2010/main" xmlns="" w="9525">
                 <a:solidFill>
                   <a:srgbClr val="000000"/>
                 </a:solidFill>
@@ -19298,14 +19318,14 @@
           <a:noFill/>
           <a:extLst>
             <a:ext uri="{909E8E84-426E-40dd-AFC4-6F175D3DCCD1}">
-              <a14:hiddenFill xmlns="" xmlns:a14="http://schemas.microsoft.com/office/drawing/2010/main">
+              <a14:hiddenFill xmlns:a14="http://schemas.microsoft.com/office/drawing/2010/main" xmlns="">
                 <a:solidFill>
                   <a:srgbClr val="FFFFFF"/>
                 </a:solidFill>
               </a14:hiddenFill>
             </a:ext>
             <a:ext uri="{91240B29-F687-4f45-9708-019B960494DF}">
-              <a14:hiddenLine xmlns="" xmlns:a14="http://schemas.microsoft.com/office/drawing/2010/main" w="9525">
+              <a14:hiddenLine xmlns:a14="http://schemas.microsoft.com/office/drawing/2010/main" xmlns="" w="9525">
                 <a:solidFill>
                   <a:srgbClr val="000000"/>
                 </a:solidFill>
@@ -19524,14 +19544,14 @@
           </a:ln>
           <a:extLst>
             <a:ext uri="{909E8E84-426E-40dd-AFC4-6F175D3DCCD1}">
-              <a14:hiddenFill xmlns="" xmlns:a14="http://schemas.microsoft.com/office/drawing/2010/main">
+              <a14:hiddenFill xmlns:a14="http://schemas.microsoft.com/office/drawing/2010/main" xmlns="">
                 <a:solidFill>
                   <a:srgbClr val="FFFFFF"/>
                 </a:solidFill>
               </a14:hiddenFill>
             </a:ext>
             <a:ext uri="{91240B29-F687-4f45-9708-019B960494DF}">
-              <a14:hiddenLine xmlns="" xmlns:a14="http://schemas.microsoft.com/office/drawing/2010/main" w="9525">
+              <a14:hiddenLine xmlns:a14="http://schemas.microsoft.com/office/drawing/2010/main" xmlns="" w="9525">
                 <a:solidFill>
                   <a:srgbClr val="000000"/>
                 </a:solidFill>
@@ -19543,8 +19563,8 @@
           </a:extLst>
         </p:spPr>
       </p:pic>
-      <mc:AlternateContent xmlns:mc="http://schemas.openxmlformats.org/markup-compatibility/2006">
-        <mc:Choice xmlns:a14="http://schemas.microsoft.com/office/drawing/2010/main" Requires="a14">
+      <mc:AlternateContent xmlns:mc="http://schemas.openxmlformats.org/markup-compatibility/2006" xmlns:a14="http://schemas.microsoft.com/office/drawing/2010/main">
+        <mc:Choice Requires="a14">
           <p:sp>
             <p:nvSpPr>
               <p:cNvPr id="6" name="Subtitle 2">
@@ -20558,17 +20578,7 @@
                             <a:latin typeface="Cambria Math" panose="02040503050406030204" pitchFamily="18" charset="0"/>
                             <a:ea typeface="Cambria Math" panose="02040503050406030204" pitchFamily="18" charset="0"/>
                           </a:rPr>
-                          <m:t>𝑚</m:t>
-                        </m:r>
-                        <m:r>
-                          <a:rPr lang="en-US" altLang="zh-CN" b="0" i="1" kern="0" smtClean="0">
-                            <a:solidFill>
-                              <a:srgbClr val="003366"/>
-                            </a:solidFill>
-                            <a:latin typeface="Cambria Math" panose="02040503050406030204" pitchFamily="18" charset="0"/>
-                            <a:ea typeface="Cambria Math" panose="02040503050406030204" pitchFamily="18" charset="0"/>
-                          </a:rPr>
-                          <m:t>𝑡</m:t>
+                          <m:t>𝑚𝑡</m:t>
                         </m:r>
                       </m:e>
                       <m:sub>
@@ -20682,17 +20692,7 @@
                             <a:latin typeface="Cambria Math" panose="02040503050406030204" pitchFamily="18" charset="0"/>
                             <a:ea typeface="Cambria Math" panose="02040503050406030204" pitchFamily="18" charset="0"/>
                           </a:rPr>
-                          <m:t>𝑚</m:t>
-                        </m:r>
-                        <m:r>
-                          <a:rPr lang="en-US" altLang="zh-CN" b="0" i="1" kern="0" smtClean="0">
-                            <a:solidFill>
-                              <a:srgbClr val="003366"/>
-                            </a:solidFill>
-                            <a:latin typeface="Cambria Math" panose="02040503050406030204" pitchFamily="18" charset="0"/>
-                            <a:ea typeface="Cambria Math" panose="02040503050406030204" pitchFamily="18" charset="0"/>
-                          </a:rPr>
-                          <m:t>𝑡</m:t>
+                          <m:t>𝑚𝑡</m:t>
                         </m:r>
                       </m:e>
                       <m:sub>
@@ -20773,17 +20773,7 @@
                         <a:latin typeface="Cambria Math" panose="02040503050406030204" pitchFamily="18" charset="0"/>
                         <a:ea typeface="Cambria Math" panose="02040503050406030204" pitchFamily="18" charset="0"/>
                       </a:rPr>
-                      <m:t>𝑚</m:t>
-                    </m:r>
-                    <m:r>
-                      <a:rPr lang="en-US" altLang="zh-CN" b="0" i="1" kern="0" smtClean="0">
-                        <a:solidFill>
-                          <a:srgbClr val="003366"/>
-                        </a:solidFill>
-                        <a:latin typeface="Cambria Math" panose="02040503050406030204" pitchFamily="18" charset="0"/>
-                        <a:ea typeface="Cambria Math" panose="02040503050406030204" pitchFamily="18" charset="0"/>
-                      </a:rPr>
-                      <m:t>𝑡</m:t>
+                      <m:t>𝑚𝑡</m:t>
                     </m:r>
                     <m:d>
                       <m:dPr>
@@ -22020,7 +22010,7 @@
             </p:txBody>
           </p:sp>
         </mc:Choice>
-        <mc:Fallback>
+        <mc:Fallback xmlns="">
           <p:sp>
             <p:nvSpPr>
               <p:cNvPr id="6" name="Subtitle 2">
@@ -22169,14 +22159,14 @@
           </a:ln>
           <a:extLst>
             <a:ext uri="{909E8E84-426E-40dd-AFC4-6F175D3DCCD1}">
-              <a14:hiddenFill xmlns="" xmlns:a14="http://schemas.microsoft.com/office/drawing/2010/main">
+              <a14:hiddenFill xmlns:a14="http://schemas.microsoft.com/office/drawing/2010/main" xmlns="">
                 <a:solidFill>
                   <a:srgbClr val="FFFFFF"/>
                 </a:solidFill>
               </a14:hiddenFill>
             </a:ext>
             <a:ext uri="{91240B29-F687-4f45-9708-019B960494DF}">
-              <a14:hiddenLine xmlns="" xmlns:a14="http://schemas.microsoft.com/office/drawing/2010/main" w="9525">
+              <a14:hiddenLine xmlns:a14="http://schemas.microsoft.com/office/drawing/2010/main" xmlns="" w="9525">
                 <a:solidFill>
                   <a:srgbClr val="000000"/>
                 </a:solidFill>
@@ -22380,14 +22370,14 @@
           <a:noFill/>
           <a:extLst>
             <a:ext uri="{909E8E84-426E-40dd-AFC4-6F175D3DCCD1}">
-              <a14:hiddenFill xmlns="" xmlns:a14="http://schemas.microsoft.com/office/drawing/2010/main">
+              <a14:hiddenFill xmlns:a14="http://schemas.microsoft.com/office/drawing/2010/main" xmlns="">
                 <a:solidFill>
                   <a:srgbClr val="FFFFFF"/>
                 </a:solidFill>
               </a14:hiddenFill>
             </a:ext>
             <a:ext uri="{91240B29-F687-4f45-9708-019B960494DF}">
-              <a14:hiddenLine xmlns="" xmlns:a14="http://schemas.microsoft.com/office/drawing/2010/main" w="9525">
+              <a14:hiddenLine xmlns:a14="http://schemas.microsoft.com/office/drawing/2010/main" xmlns="" w="9525">
                 <a:solidFill>
                   <a:srgbClr val="000000"/>
                 </a:solidFill>
@@ -22606,14 +22596,14 @@
           </a:ln>
           <a:extLst>
             <a:ext uri="{909E8E84-426E-40dd-AFC4-6F175D3DCCD1}">
-              <a14:hiddenFill xmlns="" xmlns:a14="http://schemas.microsoft.com/office/drawing/2010/main">
+              <a14:hiddenFill xmlns:a14="http://schemas.microsoft.com/office/drawing/2010/main" xmlns="">
                 <a:solidFill>
                   <a:srgbClr val="FFFFFF"/>
                 </a:solidFill>
               </a14:hiddenFill>
             </a:ext>
             <a:ext uri="{91240B29-F687-4f45-9708-019B960494DF}">
-              <a14:hiddenLine xmlns="" xmlns:a14="http://schemas.microsoft.com/office/drawing/2010/main" w="9525">
+              <a14:hiddenLine xmlns:a14="http://schemas.microsoft.com/office/drawing/2010/main" xmlns="" w="9525">
                 <a:solidFill>
                   <a:srgbClr val="000000"/>
                 </a:solidFill>
@@ -22888,7 +22878,47 @@
                     <a:latin typeface="Arial"/>
                     <a:ea typeface="宋体"/>
                   </a:rPr>
-                  <a:t>假定两个时钟之间的偏差为</a:t>
+                  <a:t>假定两个时钟之间的偏差</a:t>
+                </a:r>
+                <a:r>
+                  <a:rPr lang="en-US" altLang="zh-CN" kern="0" dirty="0">
+                    <a:solidFill>
+                      <a:srgbClr val="003366"/>
+                    </a:solidFill>
+                    <a:latin typeface="Arial"/>
+                    <a:ea typeface="宋体"/>
+                  </a:rPr>
+                  <a:t>(</a:t>
+                </a:r>
+                <a:r>
+                  <a:rPr lang="zh-CN" altLang="en-US" kern="0" dirty="0">
+                    <a:solidFill>
+                      <a:srgbClr val="003366"/>
+                    </a:solidFill>
+                    <a:latin typeface="Arial"/>
+                    <a:ea typeface="宋体"/>
+                  </a:rPr>
+                  <a:t>漂移</a:t>
+                </a:r>
+                <a:r>
+                  <a:rPr lang="en-US" altLang="zh-CN" kern="0">
+                    <a:solidFill>
+                      <a:srgbClr val="003366"/>
+                    </a:solidFill>
+                    <a:latin typeface="Arial"/>
+                    <a:ea typeface="宋体"/>
+                  </a:rPr>
+                  <a:t>)</a:t>
+                </a:r>
+                <a:r>
+                  <a:rPr lang="zh-CN" altLang="en-US" kern="0">
+                    <a:solidFill>
+                      <a:srgbClr val="003366"/>
+                    </a:solidFill>
+                    <a:latin typeface="Arial"/>
+                    <a:ea typeface="宋体"/>
+                  </a:rPr>
+                  <a:t>为</a:t>
                 </a:r>
                 <a14:m>
                   <m:oMath xmlns:m="http://schemas.openxmlformats.org/officeDocument/2006/math">
@@ -23312,7 +23342,7 @@
               <a:blipFill>
                 <a:blip r:embed="rId5"/>
                 <a:stretch>
-                  <a:fillRect l="-540" t="-9459" b="-18919"/>
+                  <a:fillRect l="-540" t="-9459" b="-66216"/>
                 </a:stretch>
               </a:blipFill>
               <a:ln>
@@ -23353,8 +23383,8 @@
           </p:sp>
         </mc:Fallback>
       </mc:AlternateContent>
-      <mc:AlternateContent xmlns:mc="http://schemas.openxmlformats.org/markup-compatibility/2006">
-        <mc:Choice xmlns:a14="http://schemas.microsoft.com/office/drawing/2010/main" Requires="a14">
+      <mc:AlternateContent xmlns:mc="http://schemas.openxmlformats.org/markup-compatibility/2006" xmlns:a14="http://schemas.microsoft.com/office/drawing/2010/main">
+        <mc:Choice Requires="a14">
           <p:sp>
             <p:nvSpPr>
               <p:cNvPr id="3" name="矩形 2">
@@ -23382,6 +23412,7 @@
               </a:bodyPr>
               <a:lstStyle/>
               <a:p>
+                <a:pPr/>
                 <a14:m>
                   <m:oMathPara xmlns:m="http://schemas.openxmlformats.org/officeDocument/2006/math">
                     <m:oMathParaPr>
@@ -23488,7 +23519,7 @@
             </p:txBody>
           </p:sp>
         </mc:Choice>
-        <mc:Fallback>
+        <mc:Fallback xmlns="">
           <p:sp>
             <p:nvSpPr>
               <p:cNvPr id="3" name="矩形 2">
@@ -23533,8 +23564,8 @@
           </p:sp>
         </mc:Fallback>
       </mc:AlternateContent>
-      <mc:AlternateContent xmlns:mc="http://schemas.openxmlformats.org/markup-compatibility/2006">
-        <mc:Choice xmlns:a14="http://schemas.microsoft.com/office/drawing/2010/main" Requires="a14">
+      <mc:AlternateContent xmlns:mc="http://schemas.openxmlformats.org/markup-compatibility/2006" xmlns:a14="http://schemas.microsoft.com/office/drawing/2010/main">
+        <mc:Choice Requires="a14">
           <p:sp>
             <p:nvSpPr>
               <p:cNvPr id="8" name="矩形 7">
@@ -23562,6 +23593,7 @@
               </a:bodyPr>
               <a:lstStyle/>
               <a:p>
+                <a:pPr/>
                 <a14:m>
                   <m:oMathPara xmlns:m="http://schemas.openxmlformats.org/officeDocument/2006/math">
                     <m:oMathParaPr>
@@ -23681,7 +23713,7 @@
             </p:txBody>
           </p:sp>
         </mc:Choice>
-        <mc:Fallback>
+        <mc:Fallback xmlns="">
           <p:sp>
             <p:nvSpPr>
               <p:cNvPr id="8" name="矩形 7">
@@ -23862,8 +23894,8 @@
           </a:p>
         </p:txBody>
       </p:sp>
-      <mc:AlternateContent xmlns:mc="http://schemas.openxmlformats.org/markup-compatibility/2006">
-        <mc:Choice xmlns:a14="http://schemas.microsoft.com/office/drawing/2010/main" Requires="a14">
+      <mc:AlternateContent xmlns:mc="http://schemas.openxmlformats.org/markup-compatibility/2006" xmlns:a14="http://schemas.microsoft.com/office/drawing/2010/main">
+        <mc:Choice Requires="a14">
           <p:sp>
             <p:nvSpPr>
               <p:cNvPr id="12" name="矩形 11">
@@ -23891,6 +23923,7 @@
               </a:bodyPr>
               <a:lstStyle/>
               <a:p>
+                <a:pPr/>
                 <a14:m>
                   <m:oMathPara xmlns:m="http://schemas.openxmlformats.org/officeDocument/2006/math">
                     <m:oMathParaPr>
@@ -24156,7 +24189,7 @@
             </p:txBody>
           </p:sp>
         </mc:Choice>
-        <mc:Fallback>
+        <mc:Fallback xmlns="">
           <p:sp>
             <p:nvSpPr>
               <p:cNvPr id="12" name="矩形 11">
@@ -24240,8 +24273,8 @@
           </a:p>
         </p:txBody>
       </p:sp>
-      <mc:AlternateContent xmlns:mc="http://schemas.openxmlformats.org/markup-compatibility/2006">
-        <mc:Choice xmlns:a14="http://schemas.microsoft.com/office/drawing/2010/main" Requires="a14">
+      <mc:AlternateContent xmlns:mc="http://schemas.openxmlformats.org/markup-compatibility/2006" xmlns:a14="http://schemas.microsoft.com/office/drawing/2010/main">
+        <mc:Choice Requires="a14">
           <p:sp>
             <p:nvSpPr>
               <p:cNvPr id="7" name="矩形 6">
@@ -24269,6 +24302,7 @@
               </a:bodyPr>
               <a:lstStyle/>
               <a:p>
+                <a:pPr/>
                 <a14:m>
                   <m:oMathPara xmlns:m="http://schemas.openxmlformats.org/officeDocument/2006/math">
                     <m:oMathParaPr>
@@ -24484,7 +24518,7 @@
             </p:txBody>
           </p:sp>
         </mc:Choice>
-        <mc:Fallback>
+        <mc:Fallback xmlns="">
           <p:sp>
             <p:nvSpPr>
               <p:cNvPr id="7" name="矩形 6">
@@ -24529,8 +24563,8 @@
           </p:sp>
         </mc:Fallback>
       </mc:AlternateContent>
-      <mc:AlternateContent xmlns:mc="http://schemas.openxmlformats.org/markup-compatibility/2006">
-        <mc:Choice xmlns:a14="http://schemas.microsoft.com/office/drawing/2010/main" Requires="a14">
+      <mc:AlternateContent xmlns:mc="http://schemas.openxmlformats.org/markup-compatibility/2006" xmlns:a14="http://schemas.microsoft.com/office/drawing/2010/main">
+        <mc:Choice Requires="a14">
           <p:sp>
             <p:nvSpPr>
               <p:cNvPr id="15" name="矩形 14">
@@ -24787,7 +24821,7 @@
             </p:txBody>
           </p:sp>
         </mc:Choice>
-        <mc:Fallback>
+        <mc:Fallback xmlns="">
           <p:sp>
             <p:nvSpPr>
               <p:cNvPr id="15" name="矩形 14">
@@ -24832,8 +24866,8 @@
           </p:sp>
         </mc:Fallback>
       </mc:AlternateContent>
-      <mc:AlternateContent xmlns:mc="http://schemas.openxmlformats.org/markup-compatibility/2006">
-        <mc:Choice xmlns:a14="http://schemas.microsoft.com/office/drawing/2010/main" Requires="a14">
+      <mc:AlternateContent xmlns:mc="http://schemas.openxmlformats.org/markup-compatibility/2006" xmlns:a14="http://schemas.microsoft.com/office/drawing/2010/main">
+        <mc:Choice Requires="a14">
           <p:sp>
             <p:nvSpPr>
               <p:cNvPr id="16" name="矩形 15">
@@ -25108,7 +25142,7 @@
             </p:txBody>
           </p:sp>
         </mc:Choice>
-        <mc:Fallback>
+        <mc:Fallback xmlns="">
           <p:sp>
             <p:nvSpPr>
               <p:cNvPr id="16" name="矩形 15">
@@ -25192,8 +25226,8 @@
           </a:p>
         </p:txBody>
       </p:sp>
-      <mc:AlternateContent xmlns:mc="http://schemas.openxmlformats.org/markup-compatibility/2006">
-        <mc:Choice xmlns:a14="http://schemas.microsoft.com/office/drawing/2010/main" Requires="a14">
+      <mc:AlternateContent xmlns:mc="http://schemas.openxmlformats.org/markup-compatibility/2006" xmlns:a14="http://schemas.microsoft.com/office/drawing/2010/main">
+        <mc:Choice Requires="a14">
           <p:sp>
             <p:nvSpPr>
               <p:cNvPr id="9" name="矩形 8">
@@ -25568,7 +25602,7 @@
             </p:txBody>
           </p:sp>
         </mc:Choice>
-        <mc:Fallback>
+        <mc:Fallback xmlns="">
           <p:sp>
             <p:nvSpPr>
               <p:cNvPr id="9" name="矩形 8">
@@ -25665,14 +25699,14 @@
           </a:ln>
           <a:extLst>
             <a:ext uri="{909E8E84-426E-40dd-AFC4-6F175D3DCCD1}">
-              <a14:hiddenFill xmlns="" xmlns:a14="http://schemas.microsoft.com/office/drawing/2010/main">
+              <a14:hiddenFill xmlns:a14="http://schemas.microsoft.com/office/drawing/2010/main" xmlns="">
                 <a:solidFill>
                   <a:srgbClr val="FFFFFF"/>
                 </a:solidFill>
               </a14:hiddenFill>
             </a:ext>
             <a:ext uri="{91240B29-F687-4f45-9708-019B960494DF}">
-              <a14:hiddenLine xmlns="" xmlns:a14="http://schemas.microsoft.com/office/drawing/2010/main" w="9525">
+              <a14:hiddenLine xmlns:a14="http://schemas.microsoft.com/office/drawing/2010/main" xmlns="" w="9525">
                 <a:solidFill>
                   <a:srgbClr val="000000"/>
                 </a:solidFill>
@@ -25866,14 +25900,14 @@
           <a:noFill/>
           <a:extLst>
             <a:ext uri="{909E8E84-426E-40dd-AFC4-6F175D3DCCD1}">
-              <a14:hiddenFill xmlns="" xmlns:a14="http://schemas.microsoft.com/office/drawing/2010/main">
+              <a14:hiddenFill xmlns:a14="http://schemas.microsoft.com/office/drawing/2010/main" xmlns="">
                 <a:solidFill>
                   <a:srgbClr val="FFFFFF"/>
                 </a:solidFill>
               </a14:hiddenFill>
             </a:ext>
             <a:ext uri="{91240B29-F687-4f45-9708-019B960494DF}">
-              <a14:hiddenLine xmlns="" xmlns:a14="http://schemas.microsoft.com/office/drawing/2010/main" w="9525">
+              <a14:hiddenLine xmlns:a14="http://schemas.microsoft.com/office/drawing/2010/main" xmlns="" w="9525">
                 <a:solidFill>
                   <a:srgbClr val="000000"/>
                 </a:solidFill>
@@ -26092,14 +26126,14 @@
           </a:ln>
           <a:extLst>
             <a:ext uri="{909E8E84-426E-40dd-AFC4-6F175D3DCCD1}">
-              <a14:hiddenFill xmlns="" xmlns:a14="http://schemas.microsoft.com/office/drawing/2010/main">
+              <a14:hiddenFill xmlns:a14="http://schemas.microsoft.com/office/drawing/2010/main" xmlns="">
                 <a:solidFill>
                   <a:srgbClr val="FFFFFF"/>
                 </a:solidFill>
               </a14:hiddenFill>
             </a:ext>
             <a:ext uri="{91240B29-F687-4f45-9708-019B960494DF}">
-              <a14:hiddenLine xmlns="" xmlns:a14="http://schemas.microsoft.com/office/drawing/2010/main" w="9525">
+              <a14:hiddenLine xmlns:a14="http://schemas.microsoft.com/office/drawing/2010/main" xmlns="" w="9525">
                 <a:solidFill>
                   <a:srgbClr val="000000"/>
                 </a:solidFill>
@@ -26633,14 +26667,14 @@
           </a:ln>
           <a:extLst>
             <a:ext uri="{909E8E84-426E-40dd-AFC4-6F175D3DCCD1}">
-              <a14:hiddenFill xmlns="" xmlns:a14="http://schemas.microsoft.com/office/drawing/2010/main">
+              <a14:hiddenFill xmlns:a14="http://schemas.microsoft.com/office/drawing/2010/main" xmlns="">
                 <a:solidFill>
                   <a:srgbClr val="FFFFFF"/>
                 </a:solidFill>
               </a14:hiddenFill>
             </a:ext>
             <a:ext uri="{91240B29-F687-4f45-9708-019B960494DF}">
-              <a14:hiddenLine xmlns="" xmlns:a14="http://schemas.microsoft.com/office/drawing/2010/main" w="9525">
+              <a14:hiddenLine xmlns:a14="http://schemas.microsoft.com/office/drawing/2010/main" xmlns="" w="9525">
                 <a:solidFill>
                   <a:srgbClr val="000000"/>
                 </a:solidFill>
@@ -26834,14 +26868,14 @@
           <a:noFill/>
           <a:extLst>
             <a:ext uri="{909E8E84-426E-40dd-AFC4-6F175D3DCCD1}">
-              <a14:hiddenFill xmlns="" xmlns:a14="http://schemas.microsoft.com/office/drawing/2010/main">
+              <a14:hiddenFill xmlns:a14="http://schemas.microsoft.com/office/drawing/2010/main" xmlns="">
                 <a:solidFill>
                   <a:srgbClr val="FFFFFF"/>
                 </a:solidFill>
               </a14:hiddenFill>
             </a:ext>
             <a:ext uri="{91240B29-F687-4f45-9708-019B960494DF}">
-              <a14:hiddenLine xmlns="" xmlns:a14="http://schemas.microsoft.com/office/drawing/2010/main" w="9525">
+              <a14:hiddenLine xmlns:a14="http://schemas.microsoft.com/office/drawing/2010/main" xmlns="" w="9525">
                 <a:solidFill>
                   <a:srgbClr val="000000"/>
                 </a:solidFill>
@@ -27060,14 +27094,14 @@
           </a:ln>
           <a:extLst>
             <a:ext uri="{909E8E84-426E-40dd-AFC4-6F175D3DCCD1}">
-              <a14:hiddenFill xmlns="" xmlns:a14="http://schemas.microsoft.com/office/drawing/2010/main">
+              <a14:hiddenFill xmlns:a14="http://schemas.microsoft.com/office/drawing/2010/main" xmlns="">
                 <a:solidFill>
                   <a:srgbClr val="FFFFFF"/>
                 </a:solidFill>
               </a14:hiddenFill>
             </a:ext>
             <a:ext uri="{91240B29-F687-4f45-9708-019B960494DF}">
-              <a14:hiddenLine xmlns="" xmlns:a14="http://schemas.microsoft.com/office/drawing/2010/main" w="9525">
+              <a14:hiddenLine xmlns:a14="http://schemas.microsoft.com/office/drawing/2010/main" xmlns="" w="9525">
                 <a:solidFill>
                   <a:srgbClr val="000000"/>
                 </a:solidFill>
@@ -27601,14 +27635,14 @@
           </a:ln>
           <a:extLst>
             <a:ext uri="{909E8E84-426E-40dd-AFC4-6F175D3DCCD1}">
-              <a14:hiddenFill xmlns="" xmlns:a14="http://schemas.microsoft.com/office/drawing/2010/main">
+              <a14:hiddenFill xmlns:a14="http://schemas.microsoft.com/office/drawing/2010/main" xmlns="">
                 <a:solidFill>
                   <a:srgbClr val="FFFFFF"/>
                 </a:solidFill>
               </a14:hiddenFill>
             </a:ext>
             <a:ext uri="{91240B29-F687-4f45-9708-019B960494DF}">
-              <a14:hiddenLine xmlns="" xmlns:a14="http://schemas.microsoft.com/office/drawing/2010/main" w="9525">
+              <a14:hiddenLine xmlns:a14="http://schemas.microsoft.com/office/drawing/2010/main" xmlns="" w="9525">
                 <a:solidFill>
                   <a:srgbClr val="000000"/>
                 </a:solidFill>
@@ -27802,14 +27836,14 @@
           <a:noFill/>
           <a:extLst>
             <a:ext uri="{909E8E84-426E-40dd-AFC4-6F175D3DCCD1}">
-              <a14:hiddenFill xmlns="" xmlns:a14="http://schemas.microsoft.com/office/drawing/2010/main">
+              <a14:hiddenFill xmlns:a14="http://schemas.microsoft.com/office/drawing/2010/main" xmlns="">
                 <a:solidFill>
                   <a:srgbClr val="FFFFFF"/>
                 </a:solidFill>
               </a14:hiddenFill>
             </a:ext>
             <a:ext uri="{91240B29-F687-4f45-9708-019B960494DF}">
-              <a14:hiddenLine xmlns="" xmlns:a14="http://schemas.microsoft.com/office/drawing/2010/main" w="9525">
+              <a14:hiddenLine xmlns:a14="http://schemas.microsoft.com/office/drawing/2010/main" xmlns="" w="9525">
                 <a:solidFill>
                   <a:srgbClr val="000000"/>
                 </a:solidFill>
@@ -28028,14 +28062,14 @@
           </a:ln>
           <a:extLst>
             <a:ext uri="{909E8E84-426E-40dd-AFC4-6F175D3DCCD1}">
-              <a14:hiddenFill xmlns="" xmlns:a14="http://schemas.microsoft.com/office/drawing/2010/main">
+              <a14:hiddenFill xmlns:a14="http://schemas.microsoft.com/office/drawing/2010/main" xmlns="">
                 <a:solidFill>
                   <a:srgbClr val="FFFFFF"/>
                 </a:solidFill>
               </a14:hiddenFill>
             </a:ext>
             <a:ext uri="{91240B29-F687-4f45-9708-019B960494DF}">
-              <a14:hiddenLine xmlns="" xmlns:a14="http://schemas.microsoft.com/office/drawing/2010/main" w="9525">
+              <a14:hiddenLine xmlns:a14="http://schemas.microsoft.com/office/drawing/2010/main" xmlns="" w="9525">
                 <a:solidFill>
                   <a:srgbClr val="000000"/>
                 </a:solidFill>
@@ -29633,14 +29667,14 @@
           </a:ln>
           <a:extLst>
             <a:ext uri="{909E8E84-426E-40dd-AFC4-6F175D3DCCD1}">
-              <a14:hiddenFill xmlns="" xmlns:a14="http://schemas.microsoft.com/office/drawing/2010/main">
+              <a14:hiddenFill xmlns:a14="http://schemas.microsoft.com/office/drawing/2010/main" xmlns="">
                 <a:solidFill>
                   <a:srgbClr val="FFFFFF"/>
                 </a:solidFill>
               </a14:hiddenFill>
             </a:ext>
             <a:ext uri="{91240B29-F687-4f45-9708-019B960494DF}">
-              <a14:hiddenLine xmlns="" xmlns:a14="http://schemas.microsoft.com/office/drawing/2010/main" w="9525">
+              <a14:hiddenLine xmlns:a14="http://schemas.microsoft.com/office/drawing/2010/main" xmlns="" w="9525">
                 <a:solidFill>
                   <a:srgbClr val="000000"/>
                 </a:solidFill>
@@ -29834,14 +29868,14 @@
           <a:noFill/>
           <a:extLst>
             <a:ext uri="{909E8E84-426E-40dd-AFC4-6F175D3DCCD1}">
-              <a14:hiddenFill xmlns="" xmlns:a14="http://schemas.microsoft.com/office/drawing/2010/main">
+              <a14:hiddenFill xmlns:a14="http://schemas.microsoft.com/office/drawing/2010/main" xmlns="">
                 <a:solidFill>
                   <a:srgbClr val="FFFFFF"/>
                 </a:solidFill>
               </a14:hiddenFill>
             </a:ext>
             <a:ext uri="{91240B29-F687-4f45-9708-019B960494DF}">
-              <a14:hiddenLine xmlns="" xmlns:a14="http://schemas.microsoft.com/office/drawing/2010/main" w="9525">
+              <a14:hiddenLine xmlns:a14="http://schemas.microsoft.com/office/drawing/2010/main" xmlns="" w="9525">
                 <a:solidFill>
                   <a:srgbClr val="000000"/>
                 </a:solidFill>
@@ -30060,14 +30094,14 @@
           </a:ln>
           <a:extLst>
             <a:ext uri="{909E8E84-426E-40dd-AFC4-6F175D3DCCD1}">
-              <a14:hiddenFill xmlns="" xmlns:a14="http://schemas.microsoft.com/office/drawing/2010/main">
+              <a14:hiddenFill xmlns:a14="http://schemas.microsoft.com/office/drawing/2010/main" xmlns="">
                 <a:solidFill>
                   <a:srgbClr val="FFFFFF"/>
                 </a:solidFill>
               </a14:hiddenFill>
             </a:ext>
             <a:ext uri="{91240B29-F687-4f45-9708-019B960494DF}">
-              <a14:hiddenLine xmlns="" xmlns:a14="http://schemas.microsoft.com/office/drawing/2010/main" w="9525">
+              <a14:hiddenLine xmlns:a14="http://schemas.microsoft.com/office/drawing/2010/main" xmlns="" w="9525">
                 <a:solidFill>
                   <a:srgbClr val="000000"/>
                 </a:solidFill>
@@ -30842,14 +30876,14 @@
           </a:ln>
           <a:extLst>
             <a:ext uri="{909E8E84-426E-40dd-AFC4-6F175D3DCCD1}">
-              <a14:hiddenFill xmlns="" xmlns:a14="http://schemas.microsoft.com/office/drawing/2010/main">
+              <a14:hiddenFill xmlns:a14="http://schemas.microsoft.com/office/drawing/2010/main" xmlns="">
                 <a:solidFill>
                   <a:srgbClr val="FFFFFF"/>
                 </a:solidFill>
               </a14:hiddenFill>
             </a:ext>
             <a:ext uri="{91240B29-F687-4f45-9708-019B960494DF}">
-              <a14:hiddenLine xmlns="" xmlns:a14="http://schemas.microsoft.com/office/drawing/2010/main" w="9525">
+              <a14:hiddenLine xmlns:a14="http://schemas.microsoft.com/office/drawing/2010/main" xmlns="" w="9525">
                 <a:solidFill>
                   <a:srgbClr val="000000"/>
                 </a:solidFill>
@@ -31043,14 +31077,14 @@
           <a:noFill/>
           <a:extLst>
             <a:ext uri="{909E8E84-426E-40dd-AFC4-6F175D3DCCD1}">
-              <a14:hiddenFill xmlns="" xmlns:a14="http://schemas.microsoft.com/office/drawing/2010/main">
+              <a14:hiddenFill xmlns:a14="http://schemas.microsoft.com/office/drawing/2010/main" xmlns="">
                 <a:solidFill>
                   <a:srgbClr val="FFFFFF"/>
                 </a:solidFill>
               </a14:hiddenFill>
             </a:ext>
             <a:ext uri="{91240B29-F687-4f45-9708-019B960494DF}">
-              <a14:hiddenLine xmlns="" xmlns:a14="http://schemas.microsoft.com/office/drawing/2010/main" w="9525">
+              <a14:hiddenLine xmlns:a14="http://schemas.microsoft.com/office/drawing/2010/main" xmlns="" w="9525">
                 <a:solidFill>
                   <a:srgbClr val="000000"/>
                 </a:solidFill>
@@ -31269,14 +31303,14 @@
           </a:ln>
           <a:extLst>
             <a:ext uri="{909E8E84-426E-40dd-AFC4-6F175D3DCCD1}">
-              <a14:hiddenFill xmlns="" xmlns:a14="http://schemas.microsoft.com/office/drawing/2010/main">
+              <a14:hiddenFill xmlns:a14="http://schemas.microsoft.com/office/drawing/2010/main" xmlns="">
                 <a:solidFill>
                   <a:srgbClr val="FFFFFF"/>
                 </a:solidFill>
               </a14:hiddenFill>
             </a:ext>
             <a:ext uri="{91240B29-F687-4f45-9708-019B960494DF}">
-              <a14:hiddenLine xmlns="" xmlns:a14="http://schemas.microsoft.com/office/drawing/2010/main" w="9525">
+              <a14:hiddenLine xmlns:a14="http://schemas.microsoft.com/office/drawing/2010/main" xmlns="" w="9525">
                 <a:solidFill>
                   <a:srgbClr val="000000"/>
                 </a:solidFill>
@@ -32642,14 +32676,14 @@
           </a:ln>
           <a:extLst>
             <a:ext uri="{909E8E84-426E-40dd-AFC4-6F175D3DCCD1}">
-              <a14:hiddenFill xmlns="" xmlns:a14="http://schemas.microsoft.com/office/drawing/2010/main">
+              <a14:hiddenFill xmlns:a14="http://schemas.microsoft.com/office/drawing/2010/main" xmlns="">
                 <a:solidFill>
                   <a:srgbClr val="FFFFFF"/>
                 </a:solidFill>
               </a14:hiddenFill>
             </a:ext>
             <a:ext uri="{91240B29-F687-4f45-9708-019B960494DF}">
-              <a14:hiddenLine xmlns="" xmlns:a14="http://schemas.microsoft.com/office/drawing/2010/main" w="9525">
+              <a14:hiddenLine xmlns:a14="http://schemas.microsoft.com/office/drawing/2010/main" xmlns="" w="9525">
                 <a:solidFill>
                   <a:srgbClr val="000000"/>
                 </a:solidFill>
@@ -32843,14 +32877,14 @@
           <a:noFill/>
           <a:extLst>
             <a:ext uri="{909E8E84-426E-40dd-AFC4-6F175D3DCCD1}">
-              <a14:hiddenFill xmlns="" xmlns:a14="http://schemas.microsoft.com/office/drawing/2010/main">
+              <a14:hiddenFill xmlns:a14="http://schemas.microsoft.com/office/drawing/2010/main" xmlns="">
                 <a:solidFill>
                   <a:srgbClr val="FFFFFF"/>
                 </a:solidFill>
               </a14:hiddenFill>
             </a:ext>
             <a:ext uri="{91240B29-F687-4f45-9708-019B960494DF}">
-              <a14:hiddenLine xmlns="" xmlns:a14="http://schemas.microsoft.com/office/drawing/2010/main" w="9525">
+              <a14:hiddenLine xmlns:a14="http://schemas.microsoft.com/office/drawing/2010/main" xmlns="" w="9525">
                 <a:solidFill>
                   <a:srgbClr val="000000"/>
                 </a:solidFill>
@@ -33069,14 +33103,14 @@
           </a:ln>
           <a:extLst>
             <a:ext uri="{909E8E84-426E-40dd-AFC4-6F175D3DCCD1}">
-              <a14:hiddenFill xmlns="" xmlns:a14="http://schemas.microsoft.com/office/drawing/2010/main">
+              <a14:hiddenFill xmlns:a14="http://schemas.microsoft.com/office/drawing/2010/main" xmlns="">
                 <a:solidFill>
                   <a:srgbClr val="FFFFFF"/>
                 </a:solidFill>
               </a14:hiddenFill>
             </a:ext>
             <a:ext uri="{91240B29-F687-4f45-9708-019B960494DF}">
-              <a14:hiddenLine xmlns="" xmlns:a14="http://schemas.microsoft.com/office/drawing/2010/main" w="9525">
+              <a14:hiddenLine xmlns:a14="http://schemas.microsoft.com/office/drawing/2010/main" xmlns="" w="9525">
                 <a:solidFill>
                   <a:srgbClr val="000000"/>
                 </a:solidFill>
@@ -34385,14 +34419,14 @@
           </a:ln>
           <a:extLst>
             <a:ext uri="{909E8E84-426E-40dd-AFC4-6F175D3DCCD1}">
-              <a14:hiddenFill xmlns="" xmlns:a14="http://schemas.microsoft.com/office/drawing/2010/main">
+              <a14:hiddenFill xmlns:a14="http://schemas.microsoft.com/office/drawing/2010/main" xmlns="">
                 <a:solidFill>
                   <a:srgbClr val="FFFFFF"/>
                 </a:solidFill>
               </a14:hiddenFill>
             </a:ext>
             <a:ext uri="{91240B29-F687-4f45-9708-019B960494DF}">
-              <a14:hiddenLine xmlns="" xmlns:a14="http://schemas.microsoft.com/office/drawing/2010/main" w="9525">
+              <a14:hiddenLine xmlns:a14="http://schemas.microsoft.com/office/drawing/2010/main" xmlns="" w="9525">
                 <a:solidFill>
                   <a:srgbClr val="000000"/>
                 </a:solidFill>
@@ -34586,14 +34620,14 @@
           <a:noFill/>
           <a:extLst>
             <a:ext uri="{909E8E84-426E-40dd-AFC4-6F175D3DCCD1}">
-              <a14:hiddenFill xmlns="" xmlns:a14="http://schemas.microsoft.com/office/drawing/2010/main">
+              <a14:hiddenFill xmlns:a14="http://schemas.microsoft.com/office/drawing/2010/main" xmlns="">
                 <a:solidFill>
                   <a:srgbClr val="FFFFFF"/>
                 </a:solidFill>
               </a14:hiddenFill>
             </a:ext>
             <a:ext uri="{91240B29-F687-4f45-9708-019B960494DF}">
-              <a14:hiddenLine xmlns="" xmlns:a14="http://schemas.microsoft.com/office/drawing/2010/main" w="9525">
+              <a14:hiddenLine xmlns:a14="http://schemas.microsoft.com/office/drawing/2010/main" xmlns="" w="9525">
                 <a:solidFill>
                   <a:srgbClr val="000000"/>
                 </a:solidFill>
@@ -34812,14 +34846,14 @@
           </a:ln>
           <a:extLst>
             <a:ext uri="{909E8E84-426E-40dd-AFC4-6F175D3DCCD1}">
-              <a14:hiddenFill xmlns="" xmlns:a14="http://schemas.microsoft.com/office/drawing/2010/main">
+              <a14:hiddenFill xmlns:a14="http://schemas.microsoft.com/office/drawing/2010/main" xmlns="">
                 <a:solidFill>
                   <a:srgbClr val="FFFFFF"/>
                 </a:solidFill>
               </a14:hiddenFill>
             </a:ext>
             <a:ext uri="{91240B29-F687-4f45-9708-019B960494DF}">
-              <a14:hiddenLine xmlns="" xmlns:a14="http://schemas.microsoft.com/office/drawing/2010/main" w="9525">
+              <a14:hiddenLine xmlns:a14="http://schemas.microsoft.com/office/drawing/2010/main" xmlns="" w="9525">
                 <a:solidFill>
                   <a:srgbClr val="000000"/>
                 </a:solidFill>
@@ -35460,14 +35494,14 @@
           </a:ln>
           <a:extLst>
             <a:ext uri="{909E8E84-426E-40dd-AFC4-6F175D3DCCD1}">
-              <a14:hiddenFill xmlns="" xmlns:a14="http://schemas.microsoft.com/office/drawing/2010/main">
+              <a14:hiddenFill xmlns:a14="http://schemas.microsoft.com/office/drawing/2010/main" xmlns="">
                 <a:solidFill>
                   <a:srgbClr val="FFFFFF"/>
                 </a:solidFill>
               </a14:hiddenFill>
             </a:ext>
             <a:ext uri="{91240B29-F687-4f45-9708-019B960494DF}">
-              <a14:hiddenLine xmlns="" xmlns:a14="http://schemas.microsoft.com/office/drawing/2010/main" w="9525">
+              <a14:hiddenLine xmlns:a14="http://schemas.microsoft.com/office/drawing/2010/main" xmlns="" w="9525">
                 <a:solidFill>
                   <a:srgbClr val="000000"/>
                 </a:solidFill>
@@ -35661,14 +35695,14 @@
           <a:noFill/>
           <a:extLst>
             <a:ext uri="{909E8E84-426E-40dd-AFC4-6F175D3DCCD1}">
-              <a14:hiddenFill xmlns="" xmlns:a14="http://schemas.microsoft.com/office/drawing/2010/main">
+              <a14:hiddenFill xmlns:a14="http://schemas.microsoft.com/office/drawing/2010/main" xmlns="">
                 <a:solidFill>
                   <a:srgbClr val="FFFFFF"/>
                 </a:solidFill>
               </a14:hiddenFill>
             </a:ext>
             <a:ext uri="{91240B29-F687-4f45-9708-019B960494DF}">
-              <a14:hiddenLine xmlns="" xmlns:a14="http://schemas.microsoft.com/office/drawing/2010/main" w="9525">
+              <a14:hiddenLine xmlns:a14="http://schemas.microsoft.com/office/drawing/2010/main" xmlns="" w="9525">
                 <a:solidFill>
                   <a:srgbClr val="000000"/>
                 </a:solidFill>
@@ -35887,14 +35921,14 @@
           </a:ln>
           <a:extLst>
             <a:ext uri="{909E8E84-426E-40dd-AFC4-6F175D3DCCD1}">
-              <a14:hiddenFill xmlns="" xmlns:a14="http://schemas.microsoft.com/office/drawing/2010/main">
+              <a14:hiddenFill xmlns:a14="http://schemas.microsoft.com/office/drawing/2010/main" xmlns="">
                 <a:solidFill>
                   <a:srgbClr val="FFFFFF"/>
                 </a:solidFill>
               </a14:hiddenFill>
             </a:ext>
             <a:ext uri="{91240B29-F687-4f45-9708-019B960494DF}">
-              <a14:hiddenLine xmlns="" xmlns:a14="http://schemas.microsoft.com/office/drawing/2010/main" w="9525">
+              <a14:hiddenLine xmlns:a14="http://schemas.microsoft.com/office/drawing/2010/main" xmlns="" w="9525">
                 <a:solidFill>
                   <a:srgbClr val="000000"/>
                 </a:solidFill>
@@ -38262,14 +38296,14 @@
           </a:ln>
           <a:extLst>
             <a:ext uri="{909E8E84-426E-40dd-AFC4-6F175D3DCCD1}">
-              <a14:hiddenFill xmlns="" xmlns:a14="http://schemas.microsoft.com/office/drawing/2010/main">
+              <a14:hiddenFill xmlns:a14="http://schemas.microsoft.com/office/drawing/2010/main" xmlns="">
                 <a:solidFill>
                   <a:srgbClr val="FFFFFF"/>
                 </a:solidFill>
               </a14:hiddenFill>
             </a:ext>
             <a:ext uri="{91240B29-F687-4f45-9708-019B960494DF}">
-              <a14:hiddenLine xmlns="" xmlns:a14="http://schemas.microsoft.com/office/drawing/2010/main" w="9525">
+              <a14:hiddenLine xmlns:a14="http://schemas.microsoft.com/office/drawing/2010/main" xmlns="" w="9525">
                 <a:solidFill>
                   <a:srgbClr val="000000"/>
                 </a:solidFill>
@@ -38463,14 +38497,14 @@
           <a:noFill/>
           <a:extLst>
             <a:ext uri="{909E8E84-426E-40dd-AFC4-6F175D3DCCD1}">
-              <a14:hiddenFill xmlns="" xmlns:a14="http://schemas.microsoft.com/office/drawing/2010/main">
+              <a14:hiddenFill xmlns:a14="http://schemas.microsoft.com/office/drawing/2010/main" xmlns="">
                 <a:solidFill>
                   <a:srgbClr val="FFFFFF"/>
                 </a:solidFill>
               </a14:hiddenFill>
             </a:ext>
             <a:ext uri="{91240B29-F687-4f45-9708-019B960494DF}">
-              <a14:hiddenLine xmlns="" xmlns:a14="http://schemas.microsoft.com/office/drawing/2010/main" w="9525">
+              <a14:hiddenLine xmlns:a14="http://schemas.microsoft.com/office/drawing/2010/main" xmlns="" w="9525">
                 <a:solidFill>
                   <a:srgbClr val="000000"/>
                 </a:solidFill>
@@ -38689,14 +38723,14 @@
           </a:ln>
           <a:extLst>
             <a:ext uri="{909E8E84-426E-40dd-AFC4-6F175D3DCCD1}">
-              <a14:hiddenFill xmlns="" xmlns:a14="http://schemas.microsoft.com/office/drawing/2010/main">
+              <a14:hiddenFill xmlns:a14="http://schemas.microsoft.com/office/drawing/2010/main" xmlns="">
                 <a:solidFill>
                   <a:srgbClr val="FFFFFF"/>
                 </a:solidFill>
               </a14:hiddenFill>
             </a:ext>
             <a:ext uri="{91240B29-F687-4f45-9708-019B960494DF}">
-              <a14:hiddenLine xmlns="" xmlns:a14="http://schemas.microsoft.com/office/drawing/2010/main" w="9525">
+              <a14:hiddenLine xmlns:a14="http://schemas.microsoft.com/office/drawing/2010/main" xmlns="" w="9525">
                 <a:solidFill>
                   <a:srgbClr val="000000"/>
                 </a:solidFill>

--- a/分布式计算/课件/03. 逻辑时钟与物理时钟同步.pptx
+++ b/分布式计算/课件/03. 逻辑时钟与物理时钟同步.pptx
@@ -1,32 +1,32 @@
 
 <file path=ppt/presentation.xml><?xml version="1.0" encoding="utf-8"?>
-<p:presentation xmlns:a="http://schemas.openxmlformats.org/drawingml/2006/main" xmlns:r="http://schemas.openxmlformats.org/officeDocument/2006/relationships" xmlns:p="http://schemas.openxmlformats.org/presentationml/2006/main" saveSubsetFonts="1">
+<p:presentation xmlns:a="http://schemas.openxmlformats.org/drawingml/2006/main" xmlns:r="http://schemas.openxmlformats.org/officeDocument/2006/relationships" xmlns:p="http://schemas.openxmlformats.org/presentationml/2006/main">
   <p:sldMasterIdLst>
-    <p:sldMasterId id="2147483684" r:id="rId1"/>
+    <p:sldMasterId id="2147483648" r:id="rId1"/>
   </p:sldMasterIdLst>
   <p:notesMasterIdLst>
-    <p:notesMasterId r:id="rId18"/>
+    <p:notesMasterId r:id="rId5"/>
   </p:notesMasterIdLst>
   <p:handoutMasterIdLst>
-    <p:handoutMasterId r:id="rId19"/>
+    <p:handoutMasterId r:id="rId20"/>
   </p:handoutMasterIdLst>
   <p:sldIdLst>
-    <p:sldId id="256" r:id="rId2"/>
-    <p:sldId id="420" r:id="rId3"/>
-    <p:sldId id="510" r:id="rId4"/>
-    <p:sldId id="511" r:id="rId5"/>
-    <p:sldId id="512" r:id="rId6"/>
-    <p:sldId id="514" r:id="rId7"/>
-    <p:sldId id="522" r:id="rId8"/>
-    <p:sldId id="523" r:id="rId9"/>
-    <p:sldId id="524" r:id="rId10"/>
-    <p:sldId id="515" r:id="rId11"/>
-    <p:sldId id="526" r:id="rId12"/>
-    <p:sldId id="519" r:id="rId13"/>
-    <p:sldId id="527" r:id="rId14"/>
-    <p:sldId id="528" r:id="rId15"/>
-    <p:sldId id="513" r:id="rId16"/>
-    <p:sldId id="529" r:id="rId17"/>
+    <p:sldId id="256" r:id="rId3"/>
+    <p:sldId id="420" r:id="rId4"/>
+    <p:sldId id="510" r:id="rId6"/>
+    <p:sldId id="511" r:id="rId7"/>
+    <p:sldId id="512" r:id="rId8"/>
+    <p:sldId id="514" r:id="rId9"/>
+    <p:sldId id="522" r:id="rId10"/>
+    <p:sldId id="523" r:id="rId11"/>
+    <p:sldId id="524" r:id="rId12"/>
+    <p:sldId id="515" r:id="rId13"/>
+    <p:sldId id="526" r:id="rId14"/>
+    <p:sldId id="519" r:id="rId15"/>
+    <p:sldId id="527" r:id="rId16"/>
+    <p:sldId id="528" r:id="rId17"/>
+    <p:sldId id="513" r:id="rId18"/>
+    <p:sldId id="529" r:id="rId19"/>
   </p:sldIdLst>
   <p:sldSz cx="9144000" cy="6858000" type="screen4x3"/>
   <p:notesSz cx="6858000" cy="9144000"/>
@@ -50,7 +50,7 @@
         <a:cs typeface="+mn-cs"/>
       </a:defRPr>
     </a:lvl1pPr>
-    <a:lvl2pPr marL="457182" algn="l" rtl="0" eaLnBrk="0" fontAlgn="base" hangingPunct="0">
+    <a:lvl2pPr marL="457200" algn="l" rtl="0" eaLnBrk="0" fontAlgn="base" hangingPunct="0">
       <a:spcBef>
         <a:spcPct val="0"/>
       </a:spcBef>
@@ -66,7 +66,7 @@
         <a:cs typeface="+mn-cs"/>
       </a:defRPr>
     </a:lvl2pPr>
-    <a:lvl3pPr marL="914362" algn="l" rtl="0" eaLnBrk="0" fontAlgn="base" hangingPunct="0">
+    <a:lvl3pPr marL="914400" algn="l" rtl="0" eaLnBrk="0" fontAlgn="base" hangingPunct="0">
       <a:spcBef>
         <a:spcPct val="0"/>
       </a:spcBef>
@@ -82,7 +82,7 @@
         <a:cs typeface="+mn-cs"/>
       </a:defRPr>
     </a:lvl3pPr>
-    <a:lvl4pPr marL="1371544" algn="l" rtl="0" eaLnBrk="0" fontAlgn="base" hangingPunct="0">
+    <a:lvl4pPr marL="1371600" algn="l" rtl="0" eaLnBrk="0" fontAlgn="base" hangingPunct="0">
       <a:spcBef>
         <a:spcPct val="0"/>
       </a:spcBef>
@@ -98,7 +98,7 @@
         <a:cs typeface="+mn-cs"/>
       </a:defRPr>
     </a:lvl4pPr>
-    <a:lvl5pPr marL="1828725" algn="l" rtl="0" eaLnBrk="0" fontAlgn="base" hangingPunct="0">
+    <a:lvl5pPr marL="1828800" algn="l" rtl="0" eaLnBrk="0" fontAlgn="base" hangingPunct="0">
       <a:spcBef>
         <a:spcPct val="0"/>
       </a:spcBef>
@@ -114,7 +114,7 @@
         <a:cs typeface="+mn-cs"/>
       </a:defRPr>
     </a:lvl5pPr>
-    <a:lvl6pPr marL="2285906" algn="l" defTabSz="914362" rtl="0" eaLnBrk="1" latinLnBrk="0" hangingPunct="1">
+    <a:lvl6pPr marL="2286000" algn="l" defTabSz="914400" rtl="0" eaLnBrk="1" latinLnBrk="0" hangingPunct="1">
       <a:defRPr kern="1200">
         <a:solidFill>
           <a:schemeClr val="tx1"/>
@@ -124,7 +124,7 @@
         <a:cs typeface="+mn-cs"/>
       </a:defRPr>
     </a:lvl6pPr>
-    <a:lvl7pPr marL="2743088" algn="l" defTabSz="914362" rtl="0" eaLnBrk="1" latinLnBrk="0" hangingPunct="1">
+    <a:lvl7pPr marL="2743200" algn="l" defTabSz="914400" rtl="0" eaLnBrk="1" latinLnBrk="0" hangingPunct="1">
       <a:defRPr kern="1200">
         <a:solidFill>
           <a:schemeClr val="tx1"/>
@@ -134,7 +134,7 @@
         <a:cs typeface="+mn-cs"/>
       </a:defRPr>
     </a:lvl7pPr>
-    <a:lvl8pPr marL="3200268" algn="l" defTabSz="914362" rtl="0" eaLnBrk="1" latinLnBrk="0" hangingPunct="1">
+    <a:lvl8pPr marL="3200400" algn="l" defTabSz="914400" rtl="0" eaLnBrk="1" latinLnBrk="0" hangingPunct="1">
       <a:defRPr kern="1200">
         <a:solidFill>
           <a:schemeClr val="tx1"/>
@@ -144,7 +144,7 @@
         <a:cs typeface="+mn-cs"/>
       </a:defRPr>
     </a:lvl8pPr>
-    <a:lvl9pPr marL="3657450" algn="l" defTabSz="914362" rtl="0" eaLnBrk="1" latinLnBrk="0" hangingPunct="1">
+    <a:lvl9pPr marL="3657600" algn="l" defTabSz="914400" rtl="0" eaLnBrk="1" latinLnBrk="0" hangingPunct="1">
       <a:defRPr kern="1200">
         <a:solidFill>
           <a:schemeClr val="tx1"/>
@@ -155,22 +155,6 @@
       </a:defRPr>
     </a:lvl9pPr>
   </p:defaultTextStyle>
-  <p:extLst>
-    <p:ext uri="{EFAFB233-063F-42B5-8137-9DF3F51BA10A}">
-      <p15:sldGuideLst xmlns:p15="http://schemas.microsoft.com/office/powerpoint/2012/main">
-        <p15:guide id="1" orient="horz" pos="2160">
-          <p15:clr>
-            <a:srgbClr val="A4A3A4"/>
-          </p15:clr>
-        </p15:guide>
-        <p15:guide id="2" pos="2880">
-          <p15:clr>
-            <a:srgbClr val="A4A3A4"/>
-          </p15:clr>
-        </p15:guide>
-      </p15:sldGuideLst>
-    </p:ext>
-  </p:extLst>
 </p:presentation>
 </file>
 
@@ -283,10 +267,6 @@
             </a:pPr>
             <a:fld id="{A7A476E1-26A7-4374-8E85-622F51A3D903}" type="datetimeFigureOut">
               <a:rPr lang="zh-CN" altLang="en-US"/>
-              <a:pPr>
-                <a:defRPr/>
-              </a:pPr>
-              <a:t>2019/3/19</a:t>
             </a:fld>
             <a:endParaRPr lang="zh-CN" altLang="en-US"/>
           </a:p>
@@ -355,11 +335,7 @@
           </a:prstGeom>
         </p:spPr>
         <p:txBody>
-          <a:bodyPr vert="horz" wrap="square" lIns="91440" tIns="45720" rIns="91440" bIns="45720" numCol="1" anchor="b" anchorCtr="0" compatLnSpc="1">
-            <a:prstTxWarp prst="textNoShape">
-              <a:avLst/>
-            </a:prstTxWarp>
-          </a:bodyPr>
+          <a:bodyPr vert="horz" wrap="square" lIns="91440" tIns="45720" rIns="91440" bIns="45720" numCol="1" anchor="b" anchorCtr="0" compatLnSpc="1"/>
           <a:lstStyle>
             <a:lvl1pPr algn="r" eaLnBrk="1" hangingPunct="1">
               <a:defRPr sz="1200"/>
@@ -371,21 +347,12 @@
             </a:pPr>
             <a:fld id="{19F41E9D-3057-429F-A72C-46641107623D}" type="slidenum">
               <a:rPr lang="zh-CN" altLang="en-US"/>
-              <a:pPr>
-                <a:defRPr/>
-              </a:pPr>
-              <a:t>‹#›</a:t>
             </a:fld>
             <a:endParaRPr lang="zh-CN" altLang="en-US"/>
           </a:p>
         </p:txBody>
       </p:sp>
     </p:spTree>
-    <p:extLst>
-      <p:ext uri="{BB962C8B-B14F-4D97-AF65-F5344CB8AC3E}">
-        <p14:creationId xmlns:p14="http://schemas.microsoft.com/office/powerpoint/2010/main" val="484506826"/>
-      </p:ext>
-    </p:extLst>
   </p:cSld>
   <p:clrMap bg1="lt1" tx1="dk1" bg2="lt2" tx2="dk2" accent1="accent1" accent2="accent2" accent3="accent3" accent4="accent4" accent5="accent5" accent6="accent6" hlink="hlink" folHlink="folHlink"/>
   <p:hf sldNum="0" hdr="0" ftr="0" dt="0"/>
@@ -501,10 +468,6 @@
             </a:pPr>
             <a:fld id="{335B7077-FE34-415F-9DF0-C8A90D96A5FC}" type="datetimeFigureOut">
               <a:rPr lang="zh-CN" altLang="en-US"/>
-              <a:pPr>
-                <a:defRPr/>
-              </a:pPr>
-              <a:t>2019/3/19</a:t>
             </a:fld>
             <a:endParaRPr lang="zh-CN" altLang="en-US"/>
           </a:p>
@@ -572,6 +535,7 @@
               <a:rPr lang="zh-CN" altLang="en-US" noProof="0"/>
               <a:t>单击此处编辑母版文本样式</a:t>
             </a:r>
+            <a:endParaRPr lang="zh-CN" altLang="en-US" noProof="0"/>
           </a:p>
           <a:p>
             <a:pPr lvl="1"/>
@@ -579,6 +543,7 @@
               <a:rPr lang="zh-CN" altLang="en-US" noProof="0"/>
               <a:t>第二级</a:t>
             </a:r>
+            <a:endParaRPr lang="zh-CN" altLang="en-US" noProof="0"/>
           </a:p>
           <a:p>
             <a:pPr lvl="2"/>
@@ -586,6 +551,7 @@
               <a:rPr lang="zh-CN" altLang="en-US" noProof="0"/>
               <a:t>第三级</a:t>
             </a:r>
+            <a:endParaRPr lang="zh-CN" altLang="en-US" noProof="0"/>
           </a:p>
           <a:p>
             <a:pPr lvl="3"/>
@@ -593,6 +559,7 @@
               <a:rPr lang="zh-CN" altLang="en-US" noProof="0"/>
               <a:t>第四级</a:t>
             </a:r>
+            <a:endParaRPr lang="zh-CN" altLang="en-US" noProof="0"/>
           </a:p>
           <a:p>
             <a:pPr lvl="4"/>
@@ -600,6 +567,7 @@
               <a:rPr lang="zh-CN" altLang="en-US" noProof="0"/>
               <a:t>第五级</a:t>
             </a:r>
+            <a:endParaRPr lang="zh-CN" altLang="en-US" noProof="0"/>
           </a:p>
         </p:txBody>
       </p:sp>
@@ -666,11 +634,7 @@
           </a:prstGeom>
         </p:spPr>
         <p:txBody>
-          <a:bodyPr vert="horz" wrap="square" lIns="91440" tIns="45720" rIns="91440" bIns="45720" numCol="1" anchor="b" anchorCtr="0" compatLnSpc="1">
-            <a:prstTxWarp prst="textNoShape">
-              <a:avLst/>
-            </a:prstTxWarp>
-          </a:bodyPr>
+          <a:bodyPr vert="horz" wrap="square" lIns="91440" tIns="45720" rIns="91440" bIns="45720" numCol="1" anchor="b" anchorCtr="0" compatLnSpc="1"/>
           <a:lstStyle>
             <a:lvl1pPr algn="r" eaLnBrk="1" hangingPunct="1">
               <a:defRPr sz="1200"/>
@@ -682,21 +646,12 @@
             </a:pPr>
             <a:fld id="{D3078E79-19C6-4191-81AE-0E25ABA7708C}" type="slidenum">
               <a:rPr lang="zh-CN" altLang="en-US"/>
-              <a:pPr>
-                <a:defRPr/>
-              </a:pPr>
-              <a:t>‹#›</a:t>
             </a:fld>
             <a:endParaRPr lang="zh-CN" altLang="en-US"/>
           </a:p>
         </p:txBody>
       </p:sp>
     </p:spTree>
-    <p:extLst>
-      <p:ext uri="{BB962C8B-B14F-4D97-AF65-F5344CB8AC3E}">
-        <p14:creationId xmlns:p14="http://schemas.microsoft.com/office/powerpoint/2010/main" val="292454729"/>
-      </p:ext>
-    </p:extLst>
   </p:cSld>
   <p:clrMap bg1="lt1" tx1="dk1" bg2="lt2" tx2="dk2" accent1="accent1" accent2="accent2" accent3="accent3" accent4="accent4" accent5="accent5" accent6="accent6" hlink="hlink" folHlink="folHlink"/>
   <p:hf sldNum="0" hdr="0" ftr="0" dt="0"/>
@@ -717,7 +672,7 @@
         <a:cs typeface="+mn-cs"/>
       </a:defRPr>
     </a:lvl1pPr>
-    <a:lvl2pPr marL="457182" algn="l" rtl="0" eaLnBrk="0" fontAlgn="base" hangingPunct="0">
+    <a:lvl2pPr marL="457200" algn="l" rtl="0" eaLnBrk="0" fontAlgn="base" hangingPunct="0">
       <a:spcBef>
         <a:spcPct val="30000"/>
       </a:spcBef>
@@ -733,7 +688,7 @@
         <a:cs typeface="+mn-cs"/>
       </a:defRPr>
     </a:lvl2pPr>
-    <a:lvl3pPr marL="914362" algn="l" rtl="0" eaLnBrk="0" fontAlgn="base" hangingPunct="0">
+    <a:lvl3pPr marL="914400" algn="l" rtl="0" eaLnBrk="0" fontAlgn="base" hangingPunct="0">
       <a:spcBef>
         <a:spcPct val="30000"/>
       </a:spcBef>
@@ -749,7 +704,7 @@
         <a:cs typeface="+mn-cs"/>
       </a:defRPr>
     </a:lvl3pPr>
-    <a:lvl4pPr marL="1371544" algn="l" rtl="0" eaLnBrk="0" fontAlgn="base" hangingPunct="0">
+    <a:lvl4pPr marL="1371600" algn="l" rtl="0" eaLnBrk="0" fontAlgn="base" hangingPunct="0">
       <a:spcBef>
         <a:spcPct val="30000"/>
       </a:spcBef>
@@ -765,7 +720,7 @@
         <a:cs typeface="+mn-cs"/>
       </a:defRPr>
     </a:lvl4pPr>
-    <a:lvl5pPr marL="1828725" algn="l" rtl="0" eaLnBrk="0" fontAlgn="base" hangingPunct="0">
+    <a:lvl5pPr marL="1828800" algn="l" rtl="0" eaLnBrk="0" fontAlgn="base" hangingPunct="0">
       <a:spcBef>
         <a:spcPct val="30000"/>
       </a:spcBef>
@@ -781,7 +736,7 @@
         <a:cs typeface="+mn-cs"/>
       </a:defRPr>
     </a:lvl5pPr>
-    <a:lvl6pPr marL="2285906" algn="l" defTabSz="914362" rtl="0" eaLnBrk="1" latinLnBrk="0" hangingPunct="1">
+    <a:lvl6pPr marL="2286000" algn="l" defTabSz="914400" rtl="0" eaLnBrk="1" latinLnBrk="0" hangingPunct="1">
       <a:defRPr sz="1200" kern="1200">
         <a:solidFill>
           <a:schemeClr val="tx1"/>
@@ -791,7 +746,7 @@
         <a:cs typeface="+mn-cs"/>
       </a:defRPr>
     </a:lvl6pPr>
-    <a:lvl7pPr marL="2743088" algn="l" defTabSz="914362" rtl="0" eaLnBrk="1" latinLnBrk="0" hangingPunct="1">
+    <a:lvl7pPr marL="2743200" algn="l" defTabSz="914400" rtl="0" eaLnBrk="1" latinLnBrk="0" hangingPunct="1">
       <a:defRPr sz="1200" kern="1200">
         <a:solidFill>
           <a:schemeClr val="tx1"/>
@@ -801,7 +756,7 @@
         <a:cs typeface="+mn-cs"/>
       </a:defRPr>
     </a:lvl7pPr>
-    <a:lvl8pPr marL="3200268" algn="l" defTabSz="914362" rtl="0" eaLnBrk="1" latinLnBrk="0" hangingPunct="1">
+    <a:lvl8pPr marL="3200400" algn="l" defTabSz="914400" rtl="0" eaLnBrk="1" latinLnBrk="0" hangingPunct="1">
       <a:defRPr sz="1200" kern="1200">
         <a:solidFill>
           <a:schemeClr val="tx1"/>
@@ -811,7 +766,7 @@
         <a:cs typeface="+mn-cs"/>
       </a:defRPr>
     </a:lvl8pPr>
-    <a:lvl9pPr marL="3657450" algn="l" defTabSz="914362" rtl="0" eaLnBrk="1" latinLnBrk="0" hangingPunct="1">
+    <a:lvl9pPr marL="3657600" algn="l" defTabSz="914400" rtl="0" eaLnBrk="1" latinLnBrk="0" hangingPunct="1">
       <a:defRPr sz="1200" kern="1200">
         <a:solidFill>
           <a:schemeClr val="tx1"/>
@@ -859,18 +814,7 @@
               <a:srgbClr val="000000"/>
             </a:solidFill>
             <a:miter lim="800000"/>
-            <a:headEnd/>
-            <a:tailEnd/>
           </a:ln>
-          <a:extLst>
-            <a:ext uri="{909E8E84-426E-40dd-AFC4-6F175D3DCCD1}">
-              <a14:hiddenFill xmlns:a14="http://schemas.microsoft.com/office/drawing/2010/main" xmlns="">
-                <a:solidFill>
-                  <a:srgbClr val="FFFFFF"/>
-                </a:solidFill>
-              </a14:hiddenFill>
-            </a:ext>
-          </a:extLst>
         </p:spPr>
       </p:sp>
       <p:sp>
@@ -885,32 +829,9 @@
         </p:nvSpPr>
         <p:spPr bwMode="auto">
           <a:noFill/>
-          <a:extLst>
-            <a:ext uri="{909E8E84-426E-40dd-AFC4-6F175D3DCCD1}">
-              <a14:hiddenFill xmlns:a14="http://schemas.microsoft.com/office/drawing/2010/main" xmlns="">
-                <a:solidFill>
-                  <a:srgbClr val="FFFFFF"/>
-                </a:solidFill>
-              </a14:hiddenFill>
-            </a:ext>
-            <a:ext uri="{91240B29-F687-4f45-9708-019B960494DF}">
-              <a14:hiddenLine xmlns:a14="http://schemas.microsoft.com/office/drawing/2010/main" xmlns="" w="9525">
-                <a:solidFill>
-                  <a:srgbClr val="000000"/>
-                </a:solidFill>
-                <a:miter lim="800000"/>
-                <a:headEnd/>
-                <a:tailEnd/>
-              </a14:hiddenLine>
-            </a:ext>
-          </a:extLst>
         </p:spPr>
         <p:txBody>
-          <a:bodyPr wrap="square" numCol="1" anchor="t" anchorCtr="0" compatLnSpc="1">
-            <a:prstTxWarp prst="textNoShape">
-              <a:avLst/>
-            </a:prstTxWarp>
-          </a:bodyPr>
+          <a:bodyPr wrap="square" numCol="1" anchor="t" anchorCtr="0" compatLnSpc="1"/>
           <a:lstStyle/>
           <a:p>
             <a:endParaRPr lang="zh-CN" altLang="en-US" dirty="0"/>
@@ -930,8 +851,6 @@
         <p:spPr bwMode="auto">
           <a:ln>
             <a:miter lim="800000"/>
-            <a:headEnd/>
-            <a:tailEnd/>
           </a:ln>
         </p:spPr>
         <p:txBody>
@@ -1049,8 +968,6 @@
               <a:rPr lang="zh-CN" altLang="en-US">
                 <a:latin typeface="Calibri" panose="020F0502020204030204" pitchFamily="34" charset="0"/>
               </a:rPr>
-              <a:pPr eaLnBrk="1" hangingPunct="1"/>
-              <a:t>2</a:t>
             </a:fld>
             <a:endParaRPr lang="en-US" altLang="zh-CN">
               <a:latin typeface="Calibri" panose="020F0502020204030204" pitchFamily="34" charset="0"/>
@@ -1059,11 +976,6 @@
         </p:txBody>
       </p:sp>
     </p:spTree>
-    <p:extLst>
-      <p:ext uri="{BB962C8B-B14F-4D97-AF65-F5344CB8AC3E}">
-        <p14:creationId xmlns:p14="http://schemas.microsoft.com/office/powerpoint/2010/main" val="1067518200"/>
-      </p:ext>
-    </p:extLst>
   </p:cSld>
   <p:clrMapOvr>
     <a:masterClrMapping/>
@@ -1105,18 +1017,7 @@
               <a:srgbClr val="000000"/>
             </a:solidFill>
             <a:miter lim="800000"/>
-            <a:headEnd/>
-            <a:tailEnd/>
           </a:ln>
-          <a:extLst>
-            <a:ext uri="{909E8E84-426E-40dd-AFC4-6F175D3DCCD1}">
-              <a14:hiddenFill xmlns:a14="http://schemas.microsoft.com/office/drawing/2010/main" xmlns="">
-                <a:solidFill>
-                  <a:srgbClr val="FFFFFF"/>
-                </a:solidFill>
-              </a14:hiddenFill>
-            </a:ext>
-          </a:extLst>
         </p:spPr>
       </p:sp>
       <p:sp>
@@ -1131,32 +1032,9 @@
         </p:nvSpPr>
         <p:spPr bwMode="auto">
           <a:noFill/>
-          <a:extLst>
-            <a:ext uri="{909E8E84-426E-40dd-AFC4-6F175D3DCCD1}">
-              <a14:hiddenFill xmlns:a14="http://schemas.microsoft.com/office/drawing/2010/main" xmlns="">
-                <a:solidFill>
-                  <a:srgbClr val="FFFFFF"/>
-                </a:solidFill>
-              </a14:hiddenFill>
-            </a:ext>
-            <a:ext uri="{91240B29-F687-4f45-9708-019B960494DF}">
-              <a14:hiddenLine xmlns:a14="http://schemas.microsoft.com/office/drawing/2010/main" xmlns="" w="9525">
-                <a:solidFill>
-                  <a:srgbClr val="000000"/>
-                </a:solidFill>
-                <a:miter lim="800000"/>
-                <a:headEnd/>
-                <a:tailEnd/>
-              </a14:hiddenLine>
-            </a:ext>
-          </a:extLst>
         </p:spPr>
         <p:txBody>
-          <a:bodyPr wrap="square" numCol="1" anchor="t" anchorCtr="0" compatLnSpc="1">
-            <a:prstTxWarp prst="textNoShape">
-              <a:avLst/>
-            </a:prstTxWarp>
-          </a:bodyPr>
+          <a:bodyPr wrap="square" numCol="1" anchor="t" anchorCtr="0" compatLnSpc="1"/>
           <a:lstStyle/>
           <a:p>
             <a:endParaRPr lang="zh-CN" altLang="en-US" dirty="0"/>
@@ -1176,8 +1054,6 @@
         <p:spPr bwMode="auto">
           <a:ln>
             <a:miter lim="800000"/>
-            <a:headEnd/>
-            <a:tailEnd/>
           </a:ln>
         </p:spPr>
         <p:txBody>
@@ -1295,8 +1171,6 @@
               <a:rPr lang="zh-CN" altLang="en-US">
                 <a:latin typeface="Calibri" panose="020F0502020204030204" pitchFamily="34" charset="0"/>
               </a:rPr>
-              <a:pPr eaLnBrk="1" hangingPunct="1"/>
-              <a:t>11</a:t>
             </a:fld>
             <a:endParaRPr lang="en-US" altLang="zh-CN">
               <a:latin typeface="Calibri" panose="020F0502020204030204" pitchFamily="34" charset="0"/>
@@ -1305,11 +1179,6 @@
         </p:txBody>
       </p:sp>
     </p:spTree>
-    <p:extLst>
-      <p:ext uri="{BB962C8B-B14F-4D97-AF65-F5344CB8AC3E}">
-        <p14:creationId xmlns:p14="http://schemas.microsoft.com/office/powerpoint/2010/main" val="38487137"/>
-      </p:ext>
-    </p:extLst>
   </p:cSld>
   <p:clrMapOvr>
     <a:masterClrMapping/>
@@ -1351,18 +1220,7 @@
               <a:srgbClr val="000000"/>
             </a:solidFill>
             <a:miter lim="800000"/>
-            <a:headEnd/>
-            <a:tailEnd/>
           </a:ln>
-          <a:extLst>
-            <a:ext uri="{909E8E84-426E-40dd-AFC4-6F175D3DCCD1}">
-              <a14:hiddenFill xmlns:a14="http://schemas.microsoft.com/office/drawing/2010/main" xmlns="">
-                <a:solidFill>
-                  <a:srgbClr val="FFFFFF"/>
-                </a:solidFill>
-              </a14:hiddenFill>
-            </a:ext>
-          </a:extLst>
         </p:spPr>
       </p:sp>
       <p:sp>
@@ -1377,32 +1235,9 @@
         </p:nvSpPr>
         <p:spPr bwMode="auto">
           <a:noFill/>
-          <a:extLst>
-            <a:ext uri="{909E8E84-426E-40dd-AFC4-6F175D3DCCD1}">
-              <a14:hiddenFill xmlns:a14="http://schemas.microsoft.com/office/drawing/2010/main" xmlns="">
-                <a:solidFill>
-                  <a:srgbClr val="FFFFFF"/>
-                </a:solidFill>
-              </a14:hiddenFill>
-            </a:ext>
-            <a:ext uri="{91240B29-F687-4f45-9708-019B960494DF}">
-              <a14:hiddenLine xmlns:a14="http://schemas.microsoft.com/office/drawing/2010/main" xmlns="" w="9525">
-                <a:solidFill>
-                  <a:srgbClr val="000000"/>
-                </a:solidFill>
-                <a:miter lim="800000"/>
-                <a:headEnd/>
-                <a:tailEnd/>
-              </a14:hiddenLine>
-            </a:ext>
-          </a:extLst>
         </p:spPr>
         <p:txBody>
-          <a:bodyPr wrap="square" numCol="1" anchor="t" anchorCtr="0" compatLnSpc="1">
-            <a:prstTxWarp prst="textNoShape">
-              <a:avLst/>
-            </a:prstTxWarp>
-          </a:bodyPr>
+          <a:bodyPr wrap="square" numCol="1" anchor="t" anchorCtr="0" compatLnSpc="1"/>
           <a:lstStyle/>
           <a:p>
             <a:endParaRPr lang="zh-CN" altLang="en-US" dirty="0"/>
@@ -1422,8 +1257,6 @@
         <p:spPr bwMode="auto">
           <a:ln>
             <a:miter lim="800000"/>
-            <a:headEnd/>
-            <a:tailEnd/>
           </a:ln>
         </p:spPr>
         <p:txBody>
@@ -1541,8 +1374,6 @@
               <a:rPr lang="zh-CN" altLang="en-US">
                 <a:latin typeface="Calibri" panose="020F0502020204030204" pitchFamily="34" charset="0"/>
               </a:rPr>
-              <a:pPr eaLnBrk="1" hangingPunct="1"/>
-              <a:t>12</a:t>
             </a:fld>
             <a:endParaRPr lang="en-US" altLang="zh-CN">
               <a:latin typeface="Calibri" panose="020F0502020204030204" pitchFamily="34" charset="0"/>
@@ -1551,11 +1382,6 @@
         </p:txBody>
       </p:sp>
     </p:spTree>
-    <p:extLst>
-      <p:ext uri="{BB962C8B-B14F-4D97-AF65-F5344CB8AC3E}">
-        <p14:creationId xmlns:p14="http://schemas.microsoft.com/office/powerpoint/2010/main" val="2043881021"/>
-      </p:ext>
-    </p:extLst>
   </p:cSld>
   <p:clrMapOvr>
     <a:masterClrMapping/>
@@ -1597,18 +1423,7 @@
               <a:srgbClr val="000000"/>
             </a:solidFill>
             <a:miter lim="800000"/>
-            <a:headEnd/>
-            <a:tailEnd/>
           </a:ln>
-          <a:extLst>
-            <a:ext uri="{909E8E84-426E-40dd-AFC4-6F175D3DCCD1}">
-              <a14:hiddenFill xmlns:a14="http://schemas.microsoft.com/office/drawing/2010/main" xmlns="">
-                <a:solidFill>
-                  <a:srgbClr val="FFFFFF"/>
-                </a:solidFill>
-              </a14:hiddenFill>
-            </a:ext>
-          </a:extLst>
         </p:spPr>
       </p:sp>
       <p:sp>
@@ -1623,32 +1438,9 @@
         </p:nvSpPr>
         <p:spPr bwMode="auto">
           <a:noFill/>
-          <a:extLst>
-            <a:ext uri="{909E8E84-426E-40dd-AFC4-6F175D3DCCD1}">
-              <a14:hiddenFill xmlns:a14="http://schemas.microsoft.com/office/drawing/2010/main" xmlns="">
-                <a:solidFill>
-                  <a:srgbClr val="FFFFFF"/>
-                </a:solidFill>
-              </a14:hiddenFill>
-            </a:ext>
-            <a:ext uri="{91240B29-F687-4f45-9708-019B960494DF}">
-              <a14:hiddenLine xmlns:a14="http://schemas.microsoft.com/office/drawing/2010/main" xmlns="" w="9525">
-                <a:solidFill>
-                  <a:srgbClr val="000000"/>
-                </a:solidFill>
-                <a:miter lim="800000"/>
-                <a:headEnd/>
-                <a:tailEnd/>
-              </a14:hiddenLine>
-            </a:ext>
-          </a:extLst>
         </p:spPr>
         <p:txBody>
-          <a:bodyPr wrap="square" numCol="1" anchor="t" anchorCtr="0" compatLnSpc="1">
-            <a:prstTxWarp prst="textNoShape">
-              <a:avLst/>
-            </a:prstTxWarp>
-          </a:bodyPr>
+          <a:bodyPr wrap="square" numCol="1" anchor="t" anchorCtr="0" compatLnSpc="1"/>
           <a:lstStyle/>
           <a:p>
             <a:endParaRPr lang="zh-CN" altLang="en-US" dirty="0"/>
@@ -1668,8 +1460,6 @@
         <p:spPr bwMode="auto">
           <a:ln>
             <a:miter lim="800000"/>
-            <a:headEnd/>
-            <a:tailEnd/>
           </a:ln>
         </p:spPr>
         <p:txBody>
@@ -1787,8 +1577,6 @@
               <a:rPr lang="zh-CN" altLang="en-US">
                 <a:latin typeface="Calibri" panose="020F0502020204030204" pitchFamily="34" charset="0"/>
               </a:rPr>
-              <a:pPr eaLnBrk="1" hangingPunct="1"/>
-              <a:t>13</a:t>
             </a:fld>
             <a:endParaRPr lang="en-US" altLang="zh-CN">
               <a:latin typeface="Calibri" panose="020F0502020204030204" pitchFamily="34" charset="0"/>
@@ -1797,11 +1585,6 @@
         </p:txBody>
       </p:sp>
     </p:spTree>
-    <p:extLst>
-      <p:ext uri="{BB962C8B-B14F-4D97-AF65-F5344CB8AC3E}">
-        <p14:creationId xmlns:p14="http://schemas.microsoft.com/office/powerpoint/2010/main" val="3679813878"/>
-      </p:ext>
-    </p:extLst>
   </p:cSld>
   <p:clrMapOvr>
     <a:masterClrMapping/>
@@ -1843,18 +1626,7 @@
               <a:srgbClr val="000000"/>
             </a:solidFill>
             <a:miter lim="800000"/>
-            <a:headEnd/>
-            <a:tailEnd/>
           </a:ln>
-          <a:extLst>
-            <a:ext uri="{909E8E84-426E-40dd-AFC4-6F175D3DCCD1}">
-              <a14:hiddenFill xmlns:a14="http://schemas.microsoft.com/office/drawing/2010/main" xmlns="">
-                <a:solidFill>
-                  <a:srgbClr val="FFFFFF"/>
-                </a:solidFill>
-              </a14:hiddenFill>
-            </a:ext>
-          </a:extLst>
         </p:spPr>
       </p:sp>
       <p:sp>
@@ -1869,32 +1641,9 @@
         </p:nvSpPr>
         <p:spPr bwMode="auto">
           <a:noFill/>
-          <a:extLst>
-            <a:ext uri="{909E8E84-426E-40dd-AFC4-6F175D3DCCD1}">
-              <a14:hiddenFill xmlns:a14="http://schemas.microsoft.com/office/drawing/2010/main" xmlns="">
-                <a:solidFill>
-                  <a:srgbClr val="FFFFFF"/>
-                </a:solidFill>
-              </a14:hiddenFill>
-            </a:ext>
-            <a:ext uri="{91240B29-F687-4f45-9708-019B960494DF}">
-              <a14:hiddenLine xmlns:a14="http://schemas.microsoft.com/office/drawing/2010/main" xmlns="" w="9525">
-                <a:solidFill>
-                  <a:srgbClr val="000000"/>
-                </a:solidFill>
-                <a:miter lim="800000"/>
-                <a:headEnd/>
-                <a:tailEnd/>
-              </a14:hiddenLine>
-            </a:ext>
-          </a:extLst>
         </p:spPr>
         <p:txBody>
-          <a:bodyPr wrap="square" numCol="1" anchor="t" anchorCtr="0" compatLnSpc="1">
-            <a:prstTxWarp prst="textNoShape">
-              <a:avLst/>
-            </a:prstTxWarp>
-          </a:bodyPr>
+          <a:bodyPr wrap="square" numCol="1" anchor="t" anchorCtr="0" compatLnSpc="1"/>
           <a:lstStyle/>
           <a:p>
             <a:endParaRPr lang="zh-CN" altLang="en-US" dirty="0"/>
@@ -1914,8 +1663,6 @@
         <p:spPr bwMode="auto">
           <a:ln>
             <a:miter lim="800000"/>
-            <a:headEnd/>
-            <a:tailEnd/>
           </a:ln>
         </p:spPr>
         <p:txBody>
@@ -2033,8 +1780,6 @@
               <a:rPr lang="zh-CN" altLang="en-US">
                 <a:latin typeface="Calibri" panose="020F0502020204030204" pitchFamily="34" charset="0"/>
               </a:rPr>
-              <a:pPr eaLnBrk="1" hangingPunct="1"/>
-              <a:t>14</a:t>
             </a:fld>
             <a:endParaRPr lang="en-US" altLang="zh-CN">
               <a:latin typeface="Calibri" panose="020F0502020204030204" pitchFamily="34" charset="0"/>
@@ -2043,11 +1788,6 @@
         </p:txBody>
       </p:sp>
     </p:spTree>
-    <p:extLst>
-      <p:ext uri="{BB962C8B-B14F-4D97-AF65-F5344CB8AC3E}">
-        <p14:creationId xmlns:p14="http://schemas.microsoft.com/office/powerpoint/2010/main" val="895299567"/>
-      </p:ext>
-    </p:extLst>
   </p:cSld>
   <p:clrMapOvr>
     <a:masterClrMapping/>
@@ -2089,18 +1829,7 @@
               <a:srgbClr val="000000"/>
             </a:solidFill>
             <a:miter lim="800000"/>
-            <a:headEnd/>
-            <a:tailEnd/>
           </a:ln>
-          <a:extLst>
-            <a:ext uri="{909E8E84-426E-40dd-AFC4-6F175D3DCCD1}">
-              <a14:hiddenFill xmlns:a14="http://schemas.microsoft.com/office/drawing/2010/main" xmlns="">
-                <a:solidFill>
-                  <a:srgbClr val="FFFFFF"/>
-                </a:solidFill>
-              </a14:hiddenFill>
-            </a:ext>
-          </a:extLst>
         </p:spPr>
       </p:sp>
       <p:sp>
@@ -2115,32 +1844,9 @@
         </p:nvSpPr>
         <p:spPr bwMode="auto">
           <a:noFill/>
-          <a:extLst>
-            <a:ext uri="{909E8E84-426E-40dd-AFC4-6F175D3DCCD1}">
-              <a14:hiddenFill xmlns:a14="http://schemas.microsoft.com/office/drawing/2010/main" xmlns="">
-                <a:solidFill>
-                  <a:srgbClr val="FFFFFF"/>
-                </a:solidFill>
-              </a14:hiddenFill>
-            </a:ext>
-            <a:ext uri="{91240B29-F687-4f45-9708-019B960494DF}">
-              <a14:hiddenLine xmlns:a14="http://schemas.microsoft.com/office/drawing/2010/main" xmlns="" w="9525">
-                <a:solidFill>
-                  <a:srgbClr val="000000"/>
-                </a:solidFill>
-                <a:miter lim="800000"/>
-                <a:headEnd/>
-                <a:tailEnd/>
-              </a14:hiddenLine>
-            </a:ext>
-          </a:extLst>
         </p:spPr>
         <p:txBody>
-          <a:bodyPr wrap="square" numCol="1" anchor="t" anchorCtr="0" compatLnSpc="1">
-            <a:prstTxWarp prst="textNoShape">
-              <a:avLst/>
-            </a:prstTxWarp>
-          </a:bodyPr>
+          <a:bodyPr wrap="square" numCol="1" anchor="t" anchorCtr="0" compatLnSpc="1"/>
           <a:lstStyle/>
           <a:p>
             <a:r>
@@ -2180,8 +1886,6 @@
         <p:spPr bwMode="auto">
           <a:ln>
             <a:miter lim="800000"/>
-            <a:headEnd/>
-            <a:tailEnd/>
           </a:ln>
         </p:spPr>
         <p:txBody>
@@ -2299,8 +2003,6 @@
               <a:rPr lang="zh-CN" altLang="en-US">
                 <a:latin typeface="Calibri" panose="020F0502020204030204" pitchFamily="34" charset="0"/>
               </a:rPr>
-              <a:pPr eaLnBrk="1" hangingPunct="1"/>
-              <a:t>15</a:t>
             </a:fld>
             <a:endParaRPr lang="en-US" altLang="zh-CN">
               <a:latin typeface="Calibri" panose="020F0502020204030204" pitchFamily="34" charset="0"/>
@@ -2309,11 +2011,6 @@
         </p:txBody>
       </p:sp>
     </p:spTree>
-    <p:extLst>
-      <p:ext uri="{BB962C8B-B14F-4D97-AF65-F5344CB8AC3E}">
-        <p14:creationId xmlns:p14="http://schemas.microsoft.com/office/powerpoint/2010/main" val="2733884938"/>
-      </p:ext>
-    </p:extLst>
   </p:cSld>
   <p:clrMapOvr>
     <a:masterClrMapping/>
@@ -2355,18 +2052,7 @@
               <a:srgbClr val="000000"/>
             </a:solidFill>
             <a:miter lim="800000"/>
-            <a:headEnd/>
-            <a:tailEnd/>
           </a:ln>
-          <a:extLst>
-            <a:ext uri="{909E8E84-426E-40dd-AFC4-6F175D3DCCD1}">
-              <a14:hiddenFill xmlns:a14="http://schemas.microsoft.com/office/drawing/2010/main" xmlns="">
-                <a:solidFill>
-                  <a:srgbClr val="FFFFFF"/>
-                </a:solidFill>
-              </a14:hiddenFill>
-            </a:ext>
-          </a:extLst>
         </p:spPr>
       </p:sp>
       <p:sp>
@@ -2381,32 +2067,9 @@
         </p:nvSpPr>
         <p:spPr bwMode="auto">
           <a:noFill/>
-          <a:extLst>
-            <a:ext uri="{909E8E84-426E-40dd-AFC4-6F175D3DCCD1}">
-              <a14:hiddenFill xmlns:a14="http://schemas.microsoft.com/office/drawing/2010/main" xmlns="">
-                <a:solidFill>
-                  <a:srgbClr val="FFFFFF"/>
-                </a:solidFill>
-              </a14:hiddenFill>
-            </a:ext>
-            <a:ext uri="{91240B29-F687-4f45-9708-019B960494DF}">
-              <a14:hiddenLine xmlns:a14="http://schemas.microsoft.com/office/drawing/2010/main" xmlns="" w="9525">
-                <a:solidFill>
-                  <a:srgbClr val="000000"/>
-                </a:solidFill>
-                <a:miter lim="800000"/>
-                <a:headEnd/>
-                <a:tailEnd/>
-              </a14:hiddenLine>
-            </a:ext>
-          </a:extLst>
         </p:spPr>
         <p:txBody>
-          <a:bodyPr wrap="square" numCol="1" anchor="t" anchorCtr="0" compatLnSpc="1">
-            <a:prstTxWarp prst="textNoShape">
-              <a:avLst/>
-            </a:prstTxWarp>
-          </a:bodyPr>
+          <a:bodyPr wrap="square" numCol="1" anchor="t" anchorCtr="0" compatLnSpc="1"/>
           <a:lstStyle/>
           <a:p>
             <a:endParaRPr lang="zh-CN" altLang="en-US" dirty="0"/>
@@ -2426,8 +2089,6 @@
         <p:spPr bwMode="auto">
           <a:ln>
             <a:miter lim="800000"/>
-            <a:headEnd/>
-            <a:tailEnd/>
           </a:ln>
         </p:spPr>
         <p:txBody>
@@ -2545,8 +2206,6 @@
               <a:rPr lang="zh-CN" altLang="en-US">
                 <a:latin typeface="Calibri" panose="020F0502020204030204" pitchFamily="34" charset="0"/>
               </a:rPr>
-              <a:pPr eaLnBrk="1" hangingPunct="1"/>
-              <a:t>16</a:t>
             </a:fld>
             <a:endParaRPr lang="en-US" altLang="zh-CN">
               <a:latin typeface="Calibri" panose="020F0502020204030204" pitchFamily="34" charset="0"/>
@@ -2555,11 +2214,6 @@
         </p:txBody>
       </p:sp>
     </p:spTree>
-    <p:extLst>
-      <p:ext uri="{BB962C8B-B14F-4D97-AF65-F5344CB8AC3E}">
-        <p14:creationId xmlns:p14="http://schemas.microsoft.com/office/powerpoint/2010/main" val="760013580"/>
-      </p:ext>
-    </p:extLst>
   </p:cSld>
   <p:clrMapOvr>
     <a:masterClrMapping/>
@@ -2601,18 +2255,7 @@
               <a:srgbClr val="000000"/>
             </a:solidFill>
             <a:miter lim="800000"/>
-            <a:headEnd/>
-            <a:tailEnd/>
           </a:ln>
-          <a:extLst>
-            <a:ext uri="{909E8E84-426E-40dd-AFC4-6F175D3DCCD1}">
-              <a14:hiddenFill xmlns:a14="http://schemas.microsoft.com/office/drawing/2010/main" xmlns="">
-                <a:solidFill>
-                  <a:srgbClr val="FFFFFF"/>
-                </a:solidFill>
-              </a14:hiddenFill>
-            </a:ext>
-          </a:extLst>
         </p:spPr>
       </p:sp>
       <p:sp>
@@ -2627,32 +2270,9 @@
         </p:nvSpPr>
         <p:spPr bwMode="auto">
           <a:noFill/>
-          <a:extLst>
-            <a:ext uri="{909E8E84-426E-40dd-AFC4-6F175D3DCCD1}">
-              <a14:hiddenFill xmlns:a14="http://schemas.microsoft.com/office/drawing/2010/main" xmlns="">
-                <a:solidFill>
-                  <a:srgbClr val="FFFFFF"/>
-                </a:solidFill>
-              </a14:hiddenFill>
-            </a:ext>
-            <a:ext uri="{91240B29-F687-4f45-9708-019B960494DF}">
-              <a14:hiddenLine xmlns:a14="http://schemas.microsoft.com/office/drawing/2010/main" xmlns="" w="9525">
-                <a:solidFill>
-                  <a:srgbClr val="000000"/>
-                </a:solidFill>
-                <a:miter lim="800000"/>
-                <a:headEnd/>
-                <a:tailEnd/>
-              </a14:hiddenLine>
-            </a:ext>
-          </a:extLst>
         </p:spPr>
         <p:txBody>
-          <a:bodyPr wrap="square" numCol="1" anchor="t" anchorCtr="0" compatLnSpc="1">
-            <a:prstTxWarp prst="textNoShape">
-              <a:avLst/>
-            </a:prstTxWarp>
-          </a:bodyPr>
+          <a:bodyPr wrap="square" numCol="1" anchor="t" anchorCtr="0" compatLnSpc="1"/>
           <a:lstStyle/>
           <a:p>
             <a:endParaRPr lang="zh-CN" altLang="en-US" dirty="0"/>
@@ -2672,8 +2292,6 @@
         <p:spPr bwMode="auto">
           <a:ln>
             <a:miter lim="800000"/>
-            <a:headEnd/>
-            <a:tailEnd/>
           </a:ln>
         </p:spPr>
         <p:txBody>
@@ -2791,8 +2409,6 @@
               <a:rPr lang="zh-CN" altLang="en-US">
                 <a:latin typeface="Calibri" panose="020F0502020204030204" pitchFamily="34" charset="0"/>
               </a:rPr>
-              <a:pPr eaLnBrk="1" hangingPunct="1"/>
-              <a:t>3</a:t>
             </a:fld>
             <a:endParaRPr lang="en-US" altLang="zh-CN">
               <a:latin typeface="Calibri" panose="020F0502020204030204" pitchFamily="34" charset="0"/>
@@ -2801,11 +2417,6 @@
         </p:txBody>
       </p:sp>
     </p:spTree>
-    <p:extLst>
-      <p:ext uri="{BB962C8B-B14F-4D97-AF65-F5344CB8AC3E}">
-        <p14:creationId xmlns:p14="http://schemas.microsoft.com/office/powerpoint/2010/main" val="2281783318"/>
-      </p:ext>
-    </p:extLst>
   </p:cSld>
   <p:clrMapOvr>
     <a:masterClrMapping/>
@@ -2847,18 +2458,7 @@
               <a:srgbClr val="000000"/>
             </a:solidFill>
             <a:miter lim="800000"/>
-            <a:headEnd/>
-            <a:tailEnd/>
           </a:ln>
-          <a:extLst>
-            <a:ext uri="{909E8E84-426E-40dd-AFC4-6F175D3DCCD1}">
-              <a14:hiddenFill xmlns:a14="http://schemas.microsoft.com/office/drawing/2010/main" xmlns="">
-                <a:solidFill>
-                  <a:srgbClr val="FFFFFF"/>
-                </a:solidFill>
-              </a14:hiddenFill>
-            </a:ext>
-          </a:extLst>
         </p:spPr>
       </p:sp>
       <p:sp>
@@ -2873,32 +2473,9 @@
         </p:nvSpPr>
         <p:spPr bwMode="auto">
           <a:noFill/>
-          <a:extLst>
-            <a:ext uri="{909E8E84-426E-40dd-AFC4-6F175D3DCCD1}">
-              <a14:hiddenFill xmlns:a14="http://schemas.microsoft.com/office/drawing/2010/main" xmlns="">
-                <a:solidFill>
-                  <a:srgbClr val="FFFFFF"/>
-                </a:solidFill>
-              </a14:hiddenFill>
-            </a:ext>
-            <a:ext uri="{91240B29-F687-4f45-9708-019B960494DF}">
-              <a14:hiddenLine xmlns:a14="http://schemas.microsoft.com/office/drawing/2010/main" xmlns="" w="9525">
-                <a:solidFill>
-                  <a:srgbClr val="000000"/>
-                </a:solidFill>
-                <a:miter lim="800000"/>
-                <a:headEnd/>
-                <a:tailEnd/>
-              </a14:hiddenLine>
-            </a:ext>
-          </a:extLst>
         </p:spPr>
         <p:txBody>
-          <a:bodyPr wrap="square" numCol="1" anchor="t" anchorCtr="0" compatLnSpc="1">
-            <a:prstTxWarp prst="textNoShape">
-              <a:avLst/>
-            </a:prstTxWarp>
-          </a:bodyPr>
+          <a:bodyPr wrap="square" numCol="1" anchor="t" anchorCtr="0" compatLnSpc="1"/>
           <a:lstStyle/>
           <a:p>
             <a:endParaRPr lang="zh-CN" altLang="en-US" dirty="0"/>
@@ -2918,8 +2495,6 @@
         <p:spPr bwMode="auto">
           <a:ln>
             <a:miter lim="800000"/>
-            <a:headEnd/>
-            <a:tailEnd/>
           </a:ln>
         </p:spPr>
         <p:txBody>
@@ -3037,8 +2612,6 @@
               <a:rPr lang="zh-CN" altLang="en-US">
                 <a:latin typeface="Calibri" panose="020F0502020204030204" pitchFamily="34" charset="0"/>
               </a:rPr>
-              <a:pPr eaLnBrk="1" hangingPunct="1"/>
-              <a:t>4</a:t>
             </a:fld>
             <a:endParaRPr lang="en-US" altLang="zh-CN">
               <a:latin typeface="Calibri" panose="020F0502020204030204" pitchFamily="34" charset="0"/>
@@ -3047,11 +2620,6 @@
         </p:txBody>
       </p:sp>
     </p:spTree>
-    <p:extLst>
-      <p:ext uri="{BB962C8B-B14F-4D97-AF65-F5344CB8AC3E}">
-        <p14:creationId xmlns:p14="http://schemas.microsoft.com/office/powerpoint/2010/main" val="124802081"/>
-      </p:ext>
-    </p:extLst>
   </p:cSld>
   <p:clrMapOvr>
     <a:masterClrMapping/>
@@ -3093,18 +2661,7 @@
               <a:srgbClr val="000000"/>
             </a:solidFill>
             <a:miter lim="800000"/>
-            <a:headEnd/>
-            <a:tailEnd/>
           </a:ln>
-          <a:extLst>
-            <a:ext uri="{909E8E84-426E-40dd-AFC4-6F175D3DCCD1}">
-              <a14:hiddenFill xmlns:a14="http://schemas.microsoft.com/office/drawing/2010/main" xmlns="">
-                <a:solidFill>
-                  <a:srgbClr val="FFFFFF"/>
-                </a:solidFill>
-              </a14:hiddenFill>
-            </a:ext>
-          </a:extLst>
         </p:spPr>
       </p:sp>
       <p:sp>
@@ -3119,32 +2676,9 @@
         </p:nvSpPr>
         <p:spPr bwMode="auto">
           <a:noFill/>
-          <a:extLst>
-            <a:ext uri="{909E8E84-426E-40dd-AFC4-6F175D3DCCD1}">
-              <a14:hiddenFill xmlns:a14="http://schemas.microsoft.com/office/drawing/2010/main" xmlns="">
-                <a:solidFill>
-                  <a:srgbClr val="FFFFFF"/>
-                </a:solidFill>
-              </a14:hiddenFill>
-            </a:ext>
-            <a:ext uri="{91240B29-F687-4f45-9708-019B960494DF}">
-              <a14:hiddenLine xmlns:a14="http://schemas.microsoft.com/office/drawing/2010/main" xmlns="" w="9525">
-                <a:solidFill>
-                  <a:srgbClr val="000000"/>
-                </a:solidFill>
-                <a:miter lim="800000"/>
-                <a:headEnd/>
-                <a:tailEnd/>
-              </a14:hiddenLine>
-            </a:ext>
-          </a:extLst>
         </p:spPr>
         <p:txBody>
-          <a:bodyPr wrap="square" numCol="1" anchor="t" anchorCtr="0" compatLnSpc="1">
-            <a:prstTxWarp prst="textNoShape">
-              <a:avLst/>
-            </a:prstTxWarp>
-          </a:bodyPr>
+          <a:bodyPr wrap="square" numCol="1" anchor="t" anchorCtr="0" compatLnSpc="1"/>
           <a:lstStyle/>
           <a:p>
             <a:endParaRPr lang="zh-CN" altLang="en-US" dirty="0"/>
@@ -3164,8 +2698,6 @@
         <p:spPr bwMode="auto">
           <a:ln>
             <a:miter lim="800000"/>
-            <a:headEnd/>
-            <a:tailEnd/>
           </a:ln>
         </p:spPr>
         <p:txBody>
@@ -3283,8 +2815,6 @@
               <a:rPr lang="zh-CN" altLang="en-US">
                 <a:latin typeface="Calibri" panose="020F0502020204030204" pitchFamily="34" charset="0"/>
               </a:rPr>
-              <a:pPr eaLnBrk="1" hangingPunct="1"/>
-              <a:t>5</a:t>
             </a:fld>
             <a:endParaRPr lang="en-US" altLang="zh-CN">
               <a:latin typeface="Calibri" panose="020F0502020204030204" pitchFamily="34" charset="0"/>
@@ -3293,11 +2823,6 @@
         </p:txBody>
       </p:sp>
     </p:spTree>
-    <p:extLst>
-      <p:ext uri="{BB962C8B-B14F-4D97-AF65-F5344CB8AC3E}">
-        <p14:creationId xmlns:p14="http://schemas.microsoft.com/office/powerpoint/2010/main" val="1067518200"/>
-      </p:ext>
-    </p:extLst>
   </p:cSld>
   <p:clrMapOvr>
     <a:masterClrMapping/>
@@ -3339,18 +2864,7 @@
               <a:srgbClr val="000000"/>
             </a:solidFill>
             <a:miter lim="800000"/>
-            <a:headEnd/>
-            <a:tailEnd/>
           </a:ln>
-          <a:extLst>
-            <a:ext uri="{909E8E84-426E-40dd-AFC4-6F175D3DCCD1}">
-              <a14:hiddenFill xmlns:a14="http://schemas.microsoft.com/office/drawing/2010/main" xmlns="">
-                <a:solidFill>
-                  <a:srgbClr val="FFFFFF"/>
-                </a:solidFill>
-              </a14:hiddenFill>
-            </a:ext>
-          </a:extLst>
         </p:spPr>
       </p:sp>
       <p:sp>
@@ -3365,32 +2879,9 @@
         </p:nvSpPr>
         <p:spPr bwMode="auto">
           <a:noFill/>
-          <a:extLst>
-            <a:ext uri="{909E8E84-426E-40dd-AFC4-6F175D3DCCD1}">
-              <a14:hiddenFill xmlns:a14="http://schemas.microsoft.com/office/drawing/2010/main" xmlns="">
-                <a:solidFill>
-                  <a:srgbClr val="FFFFFF"/>
-                </a:solidFill>
-              </a14:hiddenFill>
-            </a:ext>
-            <a:ext uri="{91240B29-F687-4f45-9708-019B960494DF}">
-              <a14:hiddenLine xmlns:a14="http://schemas.microsoft.com/office/drawing/2010/main" xmlns="" w="9525">
-                <a:solidFill>
-                  <a:srgbClr val="000000"/>
-                </a:solidFill>
-                <a:miter lim="800000"/>
-                <a:headEnd/>
-                <a:tailEnd/>
-              </a14:hiddenLine>
-            </a:ext>
-          </a:extLst>
         </p:spPr>
         <p:txBody>
-          <a:bodyPr wrap="square" numCol="1" anchor="t" anchorCtr="0" compatLnSpc="1">
-            <a:prstTxWarp prst="textNoShape">
-              <a:avLst/>
-            </a:prstTxWarp>
-          </a:bodyPr>
+          <a:bodyPr wrap="square" numCol="1" anchor="t" anchorCtr="0" compatLnSpc="1"/>
           <a:lstStyle/>
           <a:p>
             <a:endParaRPr lang="zh-CN" altLang="en-US" dirty="0"/>
@@ -3410,8 +2901,6 @@
         <p:spPr bwMode="auto">
           <a:ln>
             <a:miter lim="800000"/>
-            <a:headEnd/>
-            <a:tailEnd/>
           </a:ln>
         </p:spPr>
         <p:txBody>
@@ -3529,8 +3018,6 @@
               <a:rPr lang="zh-CN" altLang="en-US">
                 <a:latin typeface="Calibri" panose="020F0502020204030204" pitchFamily="34" charset="0"/>
               </a:rPr>
-              <a:pPr eaLnBrk="1" hangingPunct="1"/>
-              <a:t>6</a:t>
             </a:fld>
             <a:endParaRPr lang="en-US" altLang="zh-CN">
               <a:latin typeface="Calibri" panose="020F0502020204030204" pitchFamily="34" charset="0"/>
@@ -3539,11 +3026,6 @@
         </p:txBody>
       </p:sp>
     </p:spTree>
-    <p:extLst>
-      <p:ext uri="{BB962C8B-B14F-4D97-AF65-F5344CB8AC3E}">
-        <p14:creationId xmlns:p14="http://schemas.microsoft.com/office/powerpoint/2010/main" val="3219135488"/>
-      </p:ext>
-    </p:extLst>
   </p:cSld>
   <p:clrMapOvr>
     <a:masterClrMapping/>
@@ -3585,18 +3067,7 @@
               <a:srgbClr val="000000"/>
             </a:solidFill>
             <a:miter lim="800000"/>
-            <a:headEnd/>
-            <a:tailEnd/>
           </a:ln>
-          <a:extLst>
-            <a:ext uri="{909E8E84-426E-40dd-AFC4-6F175D3DCCD1}">
-              <a14:hiddenFill xmlns:a14="http://schemas.microsoft.com/office/drawing/2010/main" xmlns="">
-                <a:solidFill>
-                  <a:srgbClr val="FFFFFF"/>
-                </a:solidFill>
-              </a14:hiddenFill>
-            </a:ext>
-          </a:extLst>
         </p:spPr>
       </p:sp>
       <p:sp>
@@ -3611,32 +3082,9 @@
         </p:nvSpPr>
         <p:spPr bwMode="auto">
           <a:noFill/>
-          <a:extLst>
-            <a:ext uri="{909E8E84-426E-40dd-AFC4-6F175D3DCCD1}">
-              <a14:hiddenFill xmlns:a14="http://schemas.microsoft.com/office/drawing/2010/main" xmlns="">
-                <a:solidFill>
-                  <a:srgbClr val="FFFFFF"/>
-                </a:solidFill>
-              </a14:hiddenFill>
-            </a:ext>
-            <a:ext uri="{91240B29-F687-4f45-9708-019B960494DF}">
-              <a14:hiddenLine xmlns:a14="http://schemas.microsoft.com/office/drawing/2010/main" xmlns="" w="9525">
-                <a:solidFill>
-                  <a:srgbClr val="000000"/>
-                </a:solidFill>
-                <a:miter lim="800000"/>
-                <a:headEnd/>
-                <a:tailEnd/>
-              </a14:hiddenLine>
-            </a:ext>
-          </a:extLst>
         </p:spPr>
         <p:txBody>
-          <a:bodyPr wrap="square" numCol="1" anchor="t" anchorCtr="0" compatLnSpc="1">
-            <a:prstTxWarp prst="textNoShape">
-              <a:avLst/>
-            </a:prstTxWarp>
-          </a:bodyPr>
+          <a:bodyPr wrap="square" numCol="1" anchor="t" anchorCtr="0" compatLnSpc="1"/>
           <a:lstStyle/>
           <a:p>
             <a:endParaRPr lang="zh-CN" altLang="en-US" dirty="0"/>
@@ -3656,8 +3104,6 @@
         <p:spPr bwMode="auto">
           <a:ln>
             <a:miter lim="800000"/>
-            <a:headEnd/>
-            <a:tailEnd/>
           </a:ln>
         </p:spPr>
         <p:txBody>
@@ -3775,8 +3221,6 @@
               <a:rPr lang="zh-CN" altLang="en-US">
                 <a:latin typeface="Calibri" panose="020F0502020204030204" pitchFamily="34" charset="0"/>
               </a:rPr>
-              <a:pPr eaLnBrk="1" hangingPunct="1"/>
-              <a:t>7</a:t>
             </a:fld>
             <a:endParaRPr lang="en-US" altLang="zh-CN">
               <a:latin typeface="Calibri" panose="020F0502020204030204" pitchFamily="34" charset="0"/>
@@ -3785,11 +3229,6 @@
         </p:txBody>
       </p:sp>
     </p:spTree>
-    <p:extLst>
-      <p:ext uri="{BB962C8B-B14F-4D97-AF65-F5344CB8AC3E}">
-        <p14:creationId xmlns:p14="http://schemas.microsoft.com/office/powerpoint/2010/main" val="3289631936"/>
-      </p:ext>
-    </p:extLst>
   </p:cSld>
   <p:clrMapOvr>
     <a:masterClrMapping/>
@@ -3831,18 +3270,7 @@
               <a:srgbClr val="000000"/>
             </a:solidFill>
             <a:miter lim="800000"/>
-            <a:headEnd/>
-            <a:tailEnd/>
           </a:ln>
-          <a:extLst>
-            <a:ext uri="{909E8E84-426E-40dd-AFC4-6F175D3DCCD1}">
-              <a14:hiddenFill xmlns:a14="http://schemas.microsoft.com/office/drawing/2010/main" xmlns="">
-                <a:solidFill>
-                  <a:srgbClr val="FFFFFF"/>
-                </a:solidFill>
-              </a14:hiddenFill>
-            </a:ext>
-          </a:extLst>
         </p:spPr>
       </p:sp>
       <p:sp>
@@ -3857,32 +3285,9 @@
         </p:nvSpPr>
         <p:spPr bwMode="auto">
           <a:noFill/>
-          <a:extLst>
-            <a:ext uri="{909E8E84-426E-40dd-AFC4-6F175D3DCCD1}">
-              <a14:hiddenFill xmlns:a14="http://schemas.microsoft.com/office/drawing/2010/main" xmlns="">
-                <a:solidFill>
-                  <a:srgbClr val="FFFFFF"/>
-                </a:solidFill>
-              </a14:hiddenFill>
-            </a:ext>
-            <a:ext uri="{91240B29-F687-4f45-9708-019B960494DF}">
-              <a14:hiddenLine xmlns:a14="http://schemas.microsoft.com/office/drawing/2010/main" xmlns="" w="9525">
-                <a:solidFill>
-                  <a:srgbClr val="000000"/>
-                </a:solidFill>
-                <a:miter lim="800000"/>
-                <a:headEnd/>
-                <a:tailEnd/>
-              </a14:hiddenLine>
-            </a:ext>
-          </a:extLst>
         </p:spPr>
         <p:txBody>
-          <a:bodyPr wrap="square" numCol="1" anchor="t" anchorCtr="0" compatLnSpc="1">
-            <a:prstTxWarp prst="textNoShape">
-              <a:avLst/>
-            </a:prstTxWarp>
-          </a:bodyPr>
+          <a:bodyPr wrap="square" numCol="1" anchor="t" anchorCtr="0" compatLnSpc="1"/>
           <a:lstStyle/>
           <a:p>
             <a:pPr marL="0" marR="0" lvl="0" indent="0" algn="l" defTabSz="914400" rtl="0" eaLnBrk="0" fontAlgn="base" latinLnBrk="0" hangingPunct="0">
@@ -3899,13 +3304,13 @@
               <a:buSzTx/>
               <a:buFontTx/>
               <a:buNone/>
-              <a:tabLst/>
               <a:defRPr/>
             </a:pPr>
             <a:r>
               <a:rPr lang="zh-CN" altLang="en-US" dirty="0"/>
               <a:t>考试内容：向量时间的推进计算</a:t>
             </a:r>
+            <a:endParaRPr lang="zh-CN" altLang="en-US" dirty="0"/>
           </a:p>
           <a:p>
             <a:endParaRPr lang="zh-CN" altLang="en-US" dirty="0"/>
@@ -3925,8 +3330,6 @@
         <p:spPr bwMode="auto">
           <a:ln>
             <a:miter lim="800000"/>
-            <a:headEnd/>
-            <a:tailEnd/>
           </a:ln>
         </p:spPr>
         <p:txBody>
@@ -4044,8 +3447,6 @@
               <a:rPr lang="zh-CN" altLang="en-US">
                 <a:latin typeface="Calibri" panose="020F0502020204030204" pitchFamily="34" charset="0"/>
               </a:rPr>
-              <a:pPr eaLnBrk="1" hangingPunct="1"/>
-              <a:t>8</a:t>
             </a:fld>
             <a:endParaRPr lang="en-US" altLang="zh-CN">
               <a:latin typeface="Calibri" panose="020F0502020204030204" pitchFamily="34" charset="0"/>
@@ -4054,11 +3455,6 @@
         </p:txBody>
       </p:sp>
     </p:spTree>
-    <p:extLst>
-      <p:ext uri="{BB962C8B-B14F-4D97-AF65-F5344CB8AC3E}">
-        <p14:creationId xmlns:p14="http://schemas.microsoft.com/office/powerpoint/2010/main" val="335159114"/>
-      </p:ext>
-    </p:extLst>
   </p:cSld>
   <p:clrMapOvr>
     <a:masterClrMapping/>
@@ -4100,18 +3496,7 @@
               <a:srgbClr val="000000"/>
             </a:solidFill>
             <a:miter lim="800000"/>
-            <a:headEnd/>
-            <a:tailEnd/>
           </a:ln>
-          <a:extLst>
-            <a:ext uri="{909E8E84-426E-40dd-AFC4-6F175D3DCCD1}">
-              <a14:hiddenFill xmlns:a14="http://schemas.microsoft.com/office/drawing/2010/main" xmlns="">
-                <a:solidFill>
-                  <a:srgbClr val="FFFFFF"/>
-                </a:solidFill>
-              </a14:hiddenFill>
-            </a:ext>
-          </a:extLst>
         </p:spPr>
       </p:sp>
       <p:sp>
@@ -4126,32 +3511,9 @@
         </p:nvSpPr>
         <p:spPr bwMode="auto">
           <a:noFill/>
-          <a:extLst>
-            <a:ext uri="{909E8E84-426E-40dd-AFC4-6F175D3DCCD1}">
-              <a14:hiddenFill xmlns:a14="http://schemas.microsoft.com/office/drawing/2010/main" xmlns="">
-                <a:solidFill>
-                  <a:srgbClr val="FFFFFF"/>
-                </a:solidFill>
-              </a14:hiddenFill>
-            </a:ext>
-            <a:ext uri="{91240B29-F687-4f45-9708-019B960494DF}">
-              <a14:hiddenLine xmlns:a14="http://schemas.microsoft.com/office/drawing/2010/main" xmlns="" w="9525">
-                <a:solidFill>
-                  <a:srgbClr val="000000"/>
-                </a:solidFill>
-                <a:miter lim="800000"/>
-                <a:headEnd/>
-                <a:tailEnd/>
-              </a14:hiddenLine>
-            </a:ext>
-          </a:extLst>
         </p:spPr>
         <p:txBody>
-          <a:bodyPr wrap="square" numCol="1" anchor="t" anchorCtr="0" compatLnSpc="1">
-            <a:prstTxWarp prst="textNoShape">
-              <a:avLst/>
-            </a:prstTxWarp>
-          </a:bodyPr>
+          <a:bodyPr wrap="square" numCol="1" anchor="t" anchorCtr="0" compatLnSpc="1"/>
           <a:lstStyle/>
           <a:p>
             <a:endParaRPr lang="zh-CN" altLang="en-US" dirty="0"/>
@@ -4171,8 +3533,6 @@
         <p:spPr bwMode="auto">
           <a:ln>
             <a:miter lim="800000"/>
-            <a:headEnd/>
-            <a:tailEnd/>
           </a:ln>
         </p:spPr>
         <p:txBody>
@@ -4290,8 +3650,6 @@
               <a:rPr lang="zh-CN" altLang="en-US">
                 <a:latin typeface="Calibri" panose="020F0502020204030204" pitchFamily="34" charset="0"/>
               </a:rPr>
-              <a:pPr eaLnBrk="1" hangingPunct="1"/>
-              <a:t>9</a:t>
             </a:fld>
             <a:endParaRPr lang="en-US" altLang="zh-CN">
               <a:latin typeface="Calibri" panose="020F0502020204030204" pitchFamily="34" charset="0"/>
@@ -4300,11 +3658,6 @@
         </p:txBody>
       </p:sp>
     </p:spTree>
-    <p:extLst>
-      <p:ext uri="{BB962C8B-B14F-4D97-AF65-F5344CB8AC3E}">
-        <p14:creationId xmlns:p14="http://schemas.microsoft.com/office/powerpoint/2010/main" val="3216826954"/>
-      </p:ext>
-    </p:extLst>
   </p:cSld>
   <p:clrMapOvr>
     <a:masterClrMapping/>
@@ -4346,18 +3699,7 @@
               <a:srgbClr val="000000"/>
             </a:solidFill>
             <a:miter lim="800000"/>
-            <a:headEnd/>
-            <a:tailEnd/>
           </a:ln>
-          <a:extLst>
-            <a:ext uri="{909E8E84-426E-40dd-AFC4-6F175D3DCCD1}">
-              <a14:hiddenFill xmlns:a14="http://schemas.microsoft.com/office/drawing/2010/main" xmlns="">
-                <a:solidFill>
-                  <a:srgbClr val="FFFFFF"/>
-                </a:solidFill>
-              </a14:hiddenFill>
-            </a:ext>
-          </a:extLst>
         </p:spPr>
       </p:sp>
       <p:sp>
@@ -4372,32 +3714,9 @@
         </p:nvSpPr>
         <p:spPr bwMode="auto">
           <a:noFill/>
-          <a:extLst>
-            <a:ext uri="{909E8E84-426E-40dd-AFC4-6F175D3DCCD1}">
-              <a14:hiddenFill xmlns:a14="http://schemas.microsoft.com/office/drawing/2010/main" xmlns="">
-                <a:solidFill>
-                  <a:srgbClr val="FFFFFF"/>
-                </a:solidFill>
-              </a14:hiddenFill>
-            </a:ext>
-            <a:ext uri="{91240B29-F687-4f45-9708-019B960494DF}">
-              <a14:hiddenLine xmlns:a14="http://schemas.microsoft.com/office/drawing/2010/main" xmlns="" w="9525">
-                <a:solidFill>
-                  <a:srgbClr val="000000"/>
-                </a:solidFill>
-                <a:miter lim="800000"/>
-                <a:headEnd/>
-                <a:tailEnd/>
-              </a14:hiddenLine>
-            </a:ext>
-          </a:extLst>
         </p:spPr>
         <p:txBody>
-          <a:bodyPr wrap="square" numCol="1" anchor="t" anchorCtr="0" compatLnSpc="1">
-            <a:prstTxWarp prst="textNoShape">
-              <a:avLst/>
-            </a:prstTxWarp>
-          </a:bodyPr>
+          <a:bodyPr wrap="square" numCol="1" anchor="t" anchorCtr="0" compatLnSpc="1"/>
           <a:lstStyle/>
           <a:p>
             <a:endParaRPr lang="zh-CN" altLang="en-US" dirty="0"/>
@@ -4417,8 +3736,6 @@
         <p:spPr bwMode="auto">
           <a:ln>
             <a:miter lim="800000"/>
-            <a:headEnd/>
-            <a:tailEnd/>
           </a:ln>
         </p:spPr>
         <p:txBody>
@@ -4536,8 +3853,6 @@
               <a:rPr lang="zh-CN" altLang="en-US">
                 <a:latin typeface="Calibri" panose="020F0502020204030204" pitchFamily="34" charset="0"/>
               </a:rPr>
-              <a:pPr eaLnBrk="1" hangingPunct="1"/>
-              <a:t>10</a:t>
             </a:fld>
             <a:endParaRPr lang="en-US" altLang="zh-CN">
               <a:latin typeface="Calibri" panose="020F0502020204030204" pitchFamily="34" charset="0"/>
@@ -4546,11 +3861,6 @@
         </p:txBody>
       </p:sp>
     </p:spTree>
-    <p:extLst>
-      <p:ext uri="{BB962C8B-B14F-4D97-AF65-F5344CB8AC3E}">
-        <p14:creationId xmlns:p14="http://schemas.microsoft.com/office/powerpoint/2010/main" val="2550353628"/>
-      </p:ext>
-    </p:extLst>
   </p:cSld>
   <p:clrMapOvr>
     <a:masterClrMapping/>
@@ -4599,6 +3909,7 @@
               <a:rPr lang="zh-CN" altLang="en-US"/>
               <a:t>单击此处编辑母版标题样式</a:t>
             </a:r>
+            <a:endParaRPr lang="zh-CN" altLang="en-US"/>
           </a:p>
         </p:txBody>
       </p:sp>
@@ -4631,7 +3942,7 @@
                 </a:solidFill>
               </a:defRPr>
             </a:lvl1pPr>
-            <a:lvl2pPr marL="457182" indent="0" algn="ctr">
+            <a:lvl2pPr marL="457200" indent="0" algn="ctr">
               <a:buNone/>
               <a:defRPr>
                 <a:solidFill>
@@ -4641,7 +3952,7 @@
                 </a:solidFill>
               </a:defRPr>
             </a:lvl2pPr>
-            <a:lvl3pPr marL="914362" indent="0" algn="ctr">
+            <a:lvl3pPr marL="914400" indent="0" algn="ctr">
               <a:buNone/>
               <a:defRPr>
                 <a:solidFill>
@@ -4651,7 +3962,7 @@
                 </a:solidFill>
               </a:defRPr>
             </a:lvl3pPr>
-            <a:lvl4pPr marL="1371544" indent="0" algn="ctr">
+            <a:lvl4pPr marL="1371600" indent="0" algn="ctr">
               <a:buNone/>
               <a:defRPr>
                 <a:solidFill>
@@ -4661,7 +3972,7 @@
                 </a:solidFill>
               </a:defRPr>
             </a:lvl4pPr>
-            <a:lvl5pPr marL="1828725" indent="0" algn="ctr">
+            <a:lvl5pPr marL="1828800" indent="0" algn="ctr">
               <a:buNone/>
               <a:defRPr>
                 <a:solidFill>
@@ -4671,7 +3982,7 @@
                 </a:solidFill>
               </a:defRPr>
             </a:lvl5pPr>
-            <a:lvl6pPr marL="2285906" indent="0" algn="ctr">
+            <a:lvl6pPr marL="2286000" indent="0" algn="ctr">
               <a:buNone/>
               <a:defRPr>
                 <a:solidFill>
@@ -4681,7 +3992,7 @@
                 </a:solidFill>
               </a:defRPr>
             </a:lvl6pPr>
-            <a:lvl7pPr marL="2743088" indent="0" algn="ctr">
+            <a:lvl7pPr marL="2743200" indent="0" algn="ctr">
               <a:buNone/>
               <a:defRPr>
                 <a:solidFill>
@@ -4691,7 +4002,7 @@
                 </a:solidFill>
               </a:defRPr>
             </a:lvl7pPr>
-            <a:lvl8pPr marL="3200268" indent="0" algn="ctr">
+            <a:lvl8pPr marL="3200400" indent="0" algn="ctr">
               <a:buNone/>
               <a:defRPr>
                 <a:solidFill>
@@ -4701,7 +4012,7 @@
                 </a:solidFill>
               </a:defRPr>
             </a:lvl8pPr>
-            <a:lvl9pPr marL="3657450" indent="0" algn="ctr">
+            <a:lvl9pPr marL="3657600" indent="0" algn="ctr">
               <a:buNone/>
               <a:defRPr>
                 <a:solidFill>
@@ -4717,6 +4028,7 @@
               <a:rPr lang="zh-CN" altLang="en-US"/>
               <a:t>单击此处编辑母版副标题样式</a:t>
             </a:r>
+            <a:endParaRPr lang="zh-CN" altLang="en-US"/>
           </a:p>
         </p:txBody>
       </p:sp>
@@ -4800,21 +4112,12 @@
             </a:pPr>
             <a:fld id="{7F68671A-1028-4918-B52D-F225EDA688D1}" type="slidenum">
               <a:rPr lang="zh-CN" altLang="en-US"/>
-              <a:pPr>
-                <a:defRPr/>
-              </a:pPr>
-              <a:t>‹#›</a:t>
             </a:fld>
             <a:endParaRPr lang="zh-CN" altLang="en-US"/>
           </a:p>
         </p:txBody>
       </p:sp>
     </p:spTree>
-    <p:extLst>
-      <p:ext uri="{BB962C8B-B14F-4D97-AF65-F5344CB8AC3E}">
-        <p14:creationId xmlns:p14="http://schemas.microsoft.com/office/powerpoint/2010/main" val="1103610060"/>
-      </p:ext>
-    </p:extLst>
   </p:cSld>
   <p:clrMapOvr>
     <a:masterClrMapping/>
@@ -4858,6 +4161,7 @@
               <a:rPr lang="zh-CN" altLang="en-US"/>
               <a:t>单击此处编辑母版标题样式</a:t>
             </a:r>
+            <a:endParaRPr lang="zh-CN" altLang="en-US"/>
           </a:p>
         </p:txBody>
       </p:sp>
@@ -4881,6 +4185,7 @@
               <a:rPr lang="zh-CN" altLang="en-US"/>
               <a:t>单击此处编辑母版文本样式</a:t>
             </a:r>
+            <a:endParaRPr lang="zh-CN" altLang="en-US"/>
           </a:p>
           <a:p>
             <a:pPr lvl="1"/>
@@ -4888,6 +4193,7 @@
               <a:rPr lang="zh-CN" altLang="en-US"/>
               <a:t>第二级</a:t>
             </a:r>
+            <a:endParaRPr lang="zh-CN" altLang="en-US"/>
           </a:p>
           <a:p>
             <a:pPr lvl="2"/>
@@ -4895,6 +4201,7 @@
               <a:rPr lang="zh-CN" altLang="en-US"/>
               <a:t>第三级</a:t>
             </a:r>
+            <a:endParaRPr lang="zh-CN" altLang="en-US"/>
           </a:p>
           <a:p>
             <a:pPr lvl="3"/>
@@ -4902,6 +4209,7 @@
               <a:rPr lang="zh-CN" altLang="en-US"/>
               <a:t>第四级</a:t>
             </a:r>
+            <a:endParaRPr lang="zh-CN" altLang="en-US"/>
           </a:p>
           <a:p>
             <a:pPr lvl="4"/>
@@ -4909,6 +4217,7 @@
               <a:rPr lang="zh-CN" altLang="en-US"/>
               <a:t>第五级</a:t>
             </a:r>
+            <a:endParaRPr lang="zh-CN" altLang="en-US"/>
           </a:p>
         </p:txBody>
       </p:sp>
@@ -4992,21 +4301,12 @@
             </a:pPr>
             <a:fld id="{B6AFD8D9-97CE-47AB-99B6-669B4E33450F}" type="slidenum">
               <a:rPr lang="zh-CN" altLang="en-US"/>
-              <a:pPr>
-                <a:defRPr/>
-              </a:pPr>
-              <a:t>‹#›</a:t>
             </a:fld>
             <a:endParaRPr lang="zh-CN" altLang="en-US"/>
           </a:p>
         </p:txBody>
       </p:sp>
     </p:spTree>
-    <p:extLst>
-      <p:ext uri="{BB962C8B-B14F-4D97-AF65-F5344CB8AC3E}">
-        <p14:creationId xmlns:p14="http://schemas.microsoft.com/office/powerpoint/2010/main" val="552366100"/>
-      </p:ext>
-    </p:extLst>
   </p:cSld>
   <p:clrMapOvr>
     <a:masterClrMapping/>
@@ -5055,6 +4355,7 @@
               <a:rPr lang="zh-CN" altLang="en-US"/>
               <a:t>单击此处编辑母版标题样式</a:t>
             </a:r>
+            <a:endParaRPr lang="zh-CN" altLang="en-US"/>
           </a:p>
         </p:txBody>
       </p:sp>
@@ -5083,6 +4384,7 @@
               <a:rPr lang="zh-CN" altLang="en-US"/>
               <a:t>单击此处编辑母版文本样式</a:t>
             </a:r>
+            <a:endParaRPr lang="zh-CN" altLang="en-US"/>
           </a:p>
           <a:p>
             <a:pPr lvl="1"/>
@@ -5090,6 +4392,7 @@
               <a:rPr lang="zh-CN" altLang="en-US"/>
               <a:t>第二级</a:t>
             </a:r>
+            <a:endParaRPr lang="zh-CN" altLang="en-US"/>
           </a:p>
           <a:p>
             <a:pPr lvl="2"/>
@@ -5097,6 +4400,7 @@
               <a:rPr lang="zh-CN" altLang="en-US"/>
               <a:t>第三级</a:t>
             </a:r>
+            <a:endParaRPr lang="zh-CN" altLang="en-US"/>
           </a:p>
           <a:p>
             <a:pPr lvl="3"/>
@@ -5104,6 +4408,7 @@
               <a:rPr lang="zh-CN" altLang="en-US"/>
               <a:t>第四级</a:t>
             </a:r>
+            <a:endParaRPr lang="zh-CN" altLang="en-US"/>
           </a:p>
           <a:p>
             <a:pPr lvl="4"/>
@@ -5111,6 +4416,7 @@
               <a:rPr lang="zh-CN" altLang="en-US"/>
               <a:t>第五级</a:t>
             </a:r>
+            <a:endParaRPr lang="zh-CN" altLang="en-US"/>
           </a:p>
         </p:txBody>
       </p:sp>
@@ -5194,21 +4500,12 @@
             </a:pPr>
             <a:fld id="{14D234CD-C4BF-451E-A810-76886530BD7F}" type="slidenum">
               <a:rPr lang="zh-CN" altLang="en-US"/>
-              <a:pPr>
-                <a:defRPr/>
-              </a:pPr>
-              <a:t>‹#›</a:t>
             </a:fld>
             <a:endParaRPr lang="zh-CN" altLang="en-US"/>
           </a:p>
         </p:txBody>
       </p:sp>
     </p:spTree>
-    <p:extLst>
-      <p:ext uri="{BB962C8B-B14F-4D97-AF65-F5344CB8AC3E}">
-        <p14:creationId xmlns:p14="http://schemas.microsoft.com/office/powerpoint/2010/main" val="324296476"/>
-      </p:ext>
-    </p:extLst>
   </p:cSld>
   <p:clrMapOvr>
     <a:masterClrMapping/>
@@ -5252,6 +4549,7 @@
               <a:rPr lang="zh-CN" altLang="en-US"/>
               <a:t>单击此处编辑母版标题样式</a:t>
             </a:r>
+            <a:endParaRPr lang="zh-CN" altLang="en-US"/>
           </a:p>
         </p:txBody>
       </p:sp>
@@ -5275,6 +4573,7 @@
               <a:rPr lang="zh-CN" altLang="en-US"/>
               <a:t>单击此处编辑母版文本样式</a:t>
             </a:r>
+            <a:endParaRPr lang="zh-CN" altLang="en-US"/>
           </a:p>
           <a:p>
             <a:pPr lvl="1"/>
@@ -5282,6 +4581,7 @@
               <a:rPr lang="zh-CN" altLang="en-US"/>
               <a:t>第二级</a:t>
             </a:r>
+            <a:endParaRPr lang="zh-CN" altLang="en-US"/>
           </a:p>
           <a:p>
             <a:pPr lvl="2"/>
@@ -5289,6 +4589,7 @@
               <a:rPr lang="zh-CN" altLang="en-US"/>
               <a:t>第三级</a:t>
             </a:r>
+            <a:endParaRPr lang="zh-CN" altLang="en-US"/>
           </a:p>
           <a:p>
             <a:pPr lvl="3"/>
@@ -5296,6 +4597,7 @@
               <a:rPr lang="zh-CN" altLang="en-US"/>
               <a:t>第四级</a:t>
             </a:r>
+            <a:endParaRPr lang="zh-CN" altLang="en-US"/>
           </a:p>
           <a:p>
             <a:pPr lvl="4"/>
@@ -5303,6 +4605,7 @@
               <a:rPr lang="zh-CN" altLang="en-US"/>
               <a:t>第五级</a:t>
             </a:r>
+            <a:endParaRPr lang="zh-CN" altLang="en-US"/>
           </a:p>
         </p:txBody>
       </p:sp>
@@ -5386,21 +4689,12 @@
             </a:pPr>
             <a:fld id="{CA40A734-EF3B-425E-9970-80954DDB0807}" type="slidenum">
               <a:rPr lang="zh-CN" altLang="en-US"/>
-              <a:pPr>
-                <a:defRPr/>
-              </a:pPr>
-              <a:t>‹#›</a:t>
             </a:fld>
             <a:endParaRPr lang="zh-CN" altLang="en-US"/>
           </a:p>
         </p:txBody>
       </p:sp>
     </p:spTree>
-    <p:extLst>
-      <p:ext uri="{BB962C8B-B14F-4D97-AF65-F5344CB8AC3E}">
-        <p14:creationId xmlns:p14="http://schemas.microsoft.com/office/powerpoint/2010/main" val="1736697431"/>
-      </p:ext>
-    </p:extLst>
   </p:cSld>
   <p:clrMapOvr>
     <a:masterClrMapping/>
@@ -5453,6 +4747,7 @@
               <a:rPr lang="zh-CN" altLang="en-US"/>
               <a:t>单击此处编辑母版标题样式</a:t>
             </a:r>
+            <a:endParaRPr lang="zh-CN" altLang="en-US"/>
           </a:p>
         </p:txBody>
       </p:sp>
@@ -5485,7 +4780,7 @@
                 </a:solidFill>
               </a:defRPr>
             </a:lvl1pPr>
-            <a:lvl2pPr marL="457182" indent="0">
+            <a:lvl2pPr marL="457200" indent="0">
               <a:buNone/>
               <a:defRPr sz="1800">
                 <a:solidFill>
@@ -5495,7 +4790,7 @@
                 </a:solidFill>
               </a:defRPr>
             </a:lvl2pPr>
-            <a:lvl3pPr marL="914362" indent="0">
+            <a:lvl3pPr marL="914400" indent="0">
               <a:buNone/>
               <a:defRPr sz="1600">
                 <a:solidFill>
@@ -5505,7 +4800,7 @@
                 </a:solidFill>
               </a:defRPr>
             </a:lvl3pPr>
-            <a:lvl4pPr marL="1371544" indent="0">
+            <a:lvl4pPr marL="1371600" indent="0">
               <a:buNone/>
               <a:defRPr sz="1400">
                 <a:solidFill>
@@ -5515,7 +4810,7 @@
                 </a:solidFill>
               </a:defRPr>
             </a:lvl4pPr>
-            <a:lvl5pPr marL="1828725" indent="0">
+            <a:lvl5pPr marL="1828800" indent="0">
               <a:buNone/>
               <a:defRPr sz="1400">
                 <a:solidFill>
@@ -5525,7 +4820,7 @@
                 </a:solidFill>
               </a:defRPr>
             </a:lvl5pPr>
-            <a:lvl6pPr marL="2285906" indent="0">
+            <a:lvl6pPr marL="2286000" indent="0">
               <a:buNone/>
               <a:defRPr sz="1400">
                 <a:solidFill>
@@ -5535,7 +4830,7 @@
                 </a:solidFill>
               </a:defRPr>
             </a:lvl6pPr>
-            <a:lvl7pPr marL="2743088" indent="0">
+            <a:lvl7pPr marL="2743200" indent="0">
               <a:buNone/>
               <a:defRPr sz="1400">
                 <a:solidFill>
@@ -5545,7 +4840,7 @@
                 </a:solidFill>
               </a:defRPr>
             </a:lvl7pPr>
-            <a:lvl8pPr marL="3200268" indent="0">
+            <a:lvl8pPr marL="3200400" indent="0">
               <a:buNone/>
               <a:defRPr sz="1400">
                 <a:solidFill>
@@ -5555,7 +4850,7 @@
                 </a:solidFill>
               </a:defRPr>
             </a:lvl8pPr>
-            <a:lvl9pPr marL="3657450" indent="0">
+            <a:lvl9pPr marL="3657600" indent="0">
               <a:buNone/>
               <a:defRPr sz="1400">
                 <a:solidFill>
@@ -5572,6 +4867,7 @@
               <a:rPr lang="zh-CN" altLang="en-US"/>
               <a:t>单击此处编辑母版文本样式</a:t>
             </a:r>
+            <a:endParaRPr lang="zh-CN" altLang="en-US"/>
           </a:p>
         </p:txBody>
       </p:sp>
@@ -5655,21 +4951,12 @@
             </a:pPr>
             <a:fld id="{91F44B76-BDB5-48DA-9429-18FB768FED70}" type="slidenum">
               <a:rPr lang="zh-CN" altLang="en-US"/>
-              <a:pPr>
-                <a:defRPr/>
-              </a:pPr>
-              <a:t>‹#›</a:t>
             </a:fld>
             <a:endParaRPr lang="zh-CN" altLang="en-US"/>
           </a:p>
         </p:txBody>
       </p:sp>
     </p:spTree>
-    <p:extLst>
-      <p:ext uri="{BB962C8B-B14F-4D97-AF65-F5344CB8AC3E}">
-        <p14:creationId xmlns:p14="http://schemas.microsoft.com/office/powerpoint/2010/main" val="3641668084"/>
-      </p:ext>
-    </p:extLst>
   </p:cSld>
   <p:clrMapOvr>
     <a:masterClrMapping/>
@@ -5713,6 +5000,7 @@
               <a:rPr lang="zh-CN" altLang="en-US"/>
               <a:t>单击此处编辑母版标题样式</a:t>
             </a:r>
+            <a:endParaRPr lang="zh-CN" altLang="en-US"/>
           </a:p>
         </p:txBody>
       </p:sp>
@@ -5769,6 +5057,7 @@
               <a:rPr lang="zh-CN" altLang="en-US"/>
               <a:t>单击此处编辑母版文本样式</a:t>
             </a:r>
+            <a:endParaRPr lang="zh-CN" altLang="en-US"/>
           </a:p>
           <a:p>
             <a:pPr lvl="1"/>
@@ -5776,6 +5065,7 @@
               <a:rPr lang="zh-CN" altLang="en-US"/>
               <a:t>第二级</a:t>
             </a:r>
+            <a:endParaRPr lang="zh-CN" altLang="en-US"/>
           </a:p>
           <a:p>
             <a:pPr lvl="2"/>
@@ -5783,6 +5073,7 @@
               <a:rPr lang="zh-CN" altLang="en-US"/>
               <a:t>第三级</a:t>
             </a:r>
+            <a:endParaRPr lang="zh-CN" altLang="en-US"/>
           </a:p>
           <a:p>
             <a:pPr lvl="3"/>
@@ -5790,6 +5081,7 @@
               <a:rPr lang="zh-CN" altLang="en-US"/>
               <a:t>第四级</a:t>
             </a:r>
+            <a:endParaRPr lang="zh-CN" altLang="en-US"/>
           </a:p>
           <a:p>
             <a:pPr lvl="4"/>
@@ -5797,6 +5089,7 @@
               <a:rPr lang="zh-CN" altLang="en-US"/>
               <a:t>第五级</a:t>
             </a:r>
+            <a:endParaRPr lang="zh-CN" altLang="en-US"/>
           </a:p>
         </p:txBody>
       </p:sp>
@@ -5853,6 +5146,7 @@
               <a:rPr lang="zh-CN" altLang="en-US"/>
               <a:t>单击此处编辑母版文本样式</a:t>
             </a:r>
+            <a:endParaRPr lang="zh-CN" altLang="en-US"/>
           </a:p>
           <a:p>
             <a:pPr lvl="1"/>
@@ -5860,6 +5154,7 @@
               <a:rPr lang="zh-CN" altLang="en-US"/>
               <a:t>第二级</a:t>
             </a:r>
+            <a:endParaRPr lang="zh-CN" altLang="en-US"/>
           </a:p>
           <a:p>
             <a:pPr lvl="2"/>
@@ -5867,6 +5162,7 @@
               <a:rPr lang="zh-CN" altLang="en-US"/>
               <a:t>第三级</a:t>
             </a:r>
+            <a:endParaRPr lang="zh-CN" altLang="en-US"/>
           </a:p>
           <a:p>
             <a:pPr lvl="3"/>
@@ -5874,6 +5170,7 @@
               <a:rPr lang="zh-CN" altLang="en-US"/>
               <a:t>第四级</a:t>
             </a:r>
+            <a:endParaRPr lang="zh-CN" altLang="en-US"/>
           </a:p>
           <a:p>
             <a:pPr lvl="4"/>
@@ -5881,6 +5178,7 @@
               <a:rPr lang="zh-CN" altLang="en-US"/>
               <a:t>第五级</a:t>
             </a:r>
+            <a:endParaRPr lang="zh-CN" altLang="en-US"/>
           </a:p>
         </p:txBody>
       </p:sp>
@@ -5964,21 +5262,12 @@
             </a:pPr>
             <a:fld id="{89D35798-1DC4-447E-97F5-D240AF3B9805}" type="slidenum">
               <a:rPr lang="zh-CN" altLang="en-US"/>
-              <a:pPr>
-                <a:defRPr/>
-              </a:pPr>
-              <a:t>‹#›</a:t>
             </a:fld>
             <a:endParaRPr lang="zh-CN" altLang="en-US"/>
           </a:p>
         </p:txBody>
       </p:sp>
     </p:spTree>
-    <p:extLst>
-      <p:ext uri="{BB962C8B-B14F-4D97-AF65-F5344CB8AC3E}">
-        <p14:creationId xmlns:p14="http://schemas.microsoft.com/office/powerpoint/2010/main" val="2458987140"/>
-      </p:ext>
-    </p:extLst>
   </p:cSld>
   <p:clrMapOvr>
     <a:masterClrMapping/>
@@ -6026,6 +5315,7 @@
               <a:rPr lang="zh-CN" altLang="en-US"/>
               <a:t>单击此处编辑母版标题样式</a:t>
             </a:r>
+            <a:endParaRPr lang="zh-CN" altLang="en-US"/>
           </a:p>
         </p:txBody>
       </p:sp>
@@ -6052,35 +5342,35 @@
               <a:buNone/>
               <a:defRPr sz="2400" b="1"/>
             </a:lvl1pPr>
-            <a:lvl2pPr marL="457182" indent="0">
+            <a:lvl2pPr marL="457200" indent="0">
               <a:buNone/>
               <a:defRPr sz="2000" b="1"/>
             </a:lvl2pPr>
-            <a:lvl3pPr marL="914362" indent="0">
+            <a:lvl3pPr marL="914400" indent="0">
               <a:buNone/>
               <a:defRPr sz="1800" b="1"/>
             </a:lvl3pPr>
-            <a:lvl4pPr marL="1371544" indent="0">
+            <a:lvl4pPr marL="1371600" indent="0">
               <a:buNone/>
               <a:defRPr sz="1600" b="1"/>
             </a:lvl4pPr>
-            <a:lvl5pPr marL="1828725" indent="0">
+            <a:lvl5pPr marL="1828800" indent="0">
               <a:buNone/>
               <a:defRPr sz="1600" b="1"/>
             </a:lvl5pPr>
-            <a:lvl6pPr marL="2285906" indent="0">
+            <a:lvl6pPr marL="2286000" indent="0">
               <a:buNone/>
               <a:defRPr sz="1600" b="1"/>
             </a:lvl6pPr>
-            <a:lvl7pPr marL="2743088" indent="0">
+            <a:lvl7pPr marL="2743200" indent="0">
               <a:buNone/>
               <a:defRPr sz="1600" b="1"/>
             </a:lvl7pPr>
-            <a:lvl8pPr marL="3200268" indent="0">
+            <a:lvl8pPr marL="3200400" indent="0">
               <a:buNone/>
               <a:defRPr sz="1600" b="1"/>
             </a:lvl8pPr>
-            <a:lvl9pPr marL="3657450" indent="0">
+            <a:lvl9pPr marL="3657600" indent="0">
               <a:buNone/>
               <a:defRPr sz="1600" b="1"/>
             </a:lvl9pPr>
@@ -6091,6 +5381,7 @@
               <a:rPr lang="zh-CN" altLang="en-US"/>
               <a:t>单击此处编辑母版文本样式</a:t>
             </a:r>
+            <a:endParaRPr lang="zh-CN" altLang="en-US"/>
           </a:p>
         </p:txBody>
       </p:sp>
@@ -6147,6 +5438,7 @@
               <a:rPr lang="zh-CN" altLang="en-US"/>
               <a:t>单击此处编辑母版文本样式</a:t>
             </a:r>
+            <a:endParaRPr lang="zh-CN" altLang="en-US"/>
           </a:p>
           <a:p>
             <a:pPr lvl="1"/>
@@ -6154,6 +5446,7 @@
               <a:rPr lang="zh-CN" altLang="en-US"/>
               <a:t>第二级</a:t>
             </a:r>
+            <a:endParaRPr lang="zh-CN" altLang="en-US"/>
           </a:p>
           <a:p>
             <a:pPr lvl="2"/>
@@ -6161,6 +5454,7 @@
               <a:rPr lang="zh-CN" altLang="en-US"/>
               <a:t>第三级</a:t>
             </a:r>
+            <a:endParaRPr lang="zh-CN" altLang="en-US"/>
           </a:p>
           <a:p>
             <a:pPr lvl="3"/>
@@ -6168,6 +5462,7 @@
               <a:rPr lang="zh-CN" altLang="en-US"/>
               <a:t>第四级</a:t>
             </a:r>
+            <a:endParaRPr lang="zh-CN" altLang="en-US"/>
           </a:p>
           <a:p>
             <a:pPr lvl="4"/>
@@ -6175,6 +5470,7 @@
               <a:rPr lang="zh-CN" altLang="en-US"/>
               <a:t>第五级</a:t>
             </a:r>
+            <a:endParaRPr lang="zh-CN" altLang="en-US"/>
           </a:p>
         </p:txBody>
       </p:sp>
@@ -6201,35 +5497,35 @@
               <a:buNone/>
               <a:defRPr sz="2400" b="1"/>
             </a:lvl1pPr>
-            <a:lvl2pPr marL="457182" indent="0">
+            <a:lvl2pPr marL="457200" indent="0">
               <a:buNone/>
               <a:defRPr sz="2000" b="1"/>
             </a:lvl2pPr>
-            <a:lvl3pPr marL="914362" indent="0">
+            <a:lvl3pPr marL="914400" indent="0">
               <a:buNone/>
               <a:defRPr sz="1800" b="1"/>
             </a:lvl3pPr>
-            <a:lvl4pPr marL="1371544" indent="0">
+            <a:lvl4pPr marL="1371600" indent="0">
               <a:buNone/>
               <a:defRPr sz="1600" b="1"/>
             </a:lvl4pPr>
-            <a:lvl5pPr marL="1828725" indent="0">
+            <a:lvl5pPr marL="1828800" indent="0">
               <a:buNone/>
               <a:defRPr sz="1600" b="1"/>
             </a:lvl5pPr>
-            <a:lvl6pPr marL="2285906" indent="0">
+            <a:lvl6pPr marL="2286000" indent="0">
               <a:buNone/>
               <a:defRPr sz="1600" b="1"/>
             </a:lvl6pPr>
-            <a:lvl7pPr marL="2743088" indent="0">
+            <a:lvl7pPr marL="2743200" indent="0">
               <a:buNone/>
               <a:defRPr sz="1600" b="1"/>
             </a:lvl7pPr>
-            <a:lvl8pPr marL="3200268" indent="0">
+            <a:lvl8pPr marL="3200400" indent="0">
               <a:buNone/>
               <a:defRPr sz="1600" b="1"/>
             </a:lvl8pPr>
-            <a:lvl9pPr marL="3657450" indent="0">
+            <a:lvl9pPr marL="3657600" indent="0">
               <a:buNone/>
               <a:defRPr sz="1600" b="1"/>
             </a:lvl9pPr>
@@ -6240,6 +5536,7 @@
               <a:rPr lang="zh-CN" altLang="en-US"/>
               <a:t>单击此处编辑母版文本样式</a:t>
             </a:r>
+            <a:endParaRPr lang="zh-CN" altLang="en-US"/>
           </a:p>
         </p:txBody>
       </p:sp>
@@ -6296,6 +5593,7 @@
               <a:rPr lang="zh-CN" altLang="en-US"/>
               <a:t>单击此处编辑母版文本样式</a:t>
             </a:r>
+            <a:endParaRPr lang="zh-CN" altLang="en-US"/>
           </a:p>
           <a:p>
             <a:pPr lvl="1"/>
@@ -6303,6 +5601,7 @@
               <a:rPr lang="zh-CN" altLang="en-US"/>
               <a:t>第二级</a:t>
             </a:r>
+            <a:endParaRPr lang="zh-CN" altLang="en-US"/>
           </a:p>
           <a:p>
             <a:pPr lvl="2"/>
@@ -6310,6 +5609,7 @@
               <a:rPr lang="zh-CN" altLang="en-US"/>
               <a:t>第三级</a:t>
             </a:r>
+            <a:endParaRPr lang="zh-CN" altLang="en-US"/>
           </a:p>
           <a:p>
             <a:pPr lvl="3"/>
@@ -6317,6 +5617,7 @@
               <a:rPr lang="zh-CN" altLang="en-US"/>
               <a:t>第四级</a:t>
             </a:r>
+            <a:endParaRPr lang="zh-CN" altLang="en-US"/>
           </a:p>
           <a:p>
             <a:pPr lvl="4"/>
@@ -6324,6 +5625,7 @@
               <a:rPr lang="zh-CN" altLang="en-US"/>
               <a:t>第五级</a:t>
             </a:r>
+            <a:endParaRPr lang="zh-CN" altLang="en-US"/>
           </a:p>
         </p:txBody>
       </p:sp>
@@ -6407,21 +5709,12 @@
             </a:pPr>
             <a:fld id="{1FFB9FFA-BBF7-4E6B-ACD4-E99548C5776B}" type="slidenum">
               <a:rPr lang="zh-CN" altLang="en-US"/>
-              <a:pPr>
-                <a:defRPr/>
-              </a:pPr>
-              <a:t>‹#›</a:t>
             </a:fld>
             <a:endParaRPr lang="zh-CN" altLang="en-US"/>
           </a:p>
         </p:txBody>
       </p:sp>
     </p:spTree>
-    <p:extLst>
-      <p:ext uri="{BB962C8B-B14F-4D97-AF65-F5344CB8AC3E}">
-        <p14:creationId xmlns:p14="http://schemas.microsoft.com/office/powerpoint/2010/main" val="414232053"/>
-      </p:ext>
-    </p:extLst>
   </p:cSld>
   <p:clrMapOvr>
     <a:masterClrMapping/>
@@ -6465,6 +5758,7 @@
               <a:rPr lang="zh-CN" altLang="en-US"/>
               <a:t>单击此处编辑母版标题样式</a:t>
             </a:r>
+            <a:endParaRPr lang="zh-CN" altLang="en-US"/>
           </a:p>
         </p:txBody>
       </p:sp>
@@ -6548,21 +5842,12 @@
             </a:pPr>
             <a:fld id="{FA78C75F-3921-4200-A546-C4950D0184B6}" type="slidenum">
               <a:rPr lang="zh-CN" altLang="en-US"/>
-              <a:pPr>
-                <a:defRPr/>
-              </a:pPr>
-              <a:t>‹#›</a:t>
             </a:fld>
             <a:endParaRPr lang="zh-CN" altLang="en-US"/>
           </a:p>
         </p:txBody>
       </p:sp>
     </p:spTree>
-    <p:extLst>
-      <p:ext uri="{BB962C8B-B14F-4D97-AF65-F5344CB8AC3E}">
-        <p14:creationId xmlns:p14="http://schemas.microsoft.com/office/powerpoint/2010/main" val="2411579836"/>
-      </p:ext>
-    </p:extLst>
   </p:cSld>
   <p:clrMapOvr>
     <a:masterClrMapping/>
@@ -6667,21 +5952,12 @@
             </a:pPr>
             <a:fld id="{47694E68-0D6D-410C-8C00-3741D352D069}" type="slidenum">
               <a:rPr lang="zh-CN" altLang="en-US"/>
-              <a:pPr>
-                <a:defRPr/>
-              </a:pPr>
-              <a:t>‹#›</a:t>
             </a:fld>
             <a:endParaRPr lang="zh-CN" altLang="en-US"/>
           </a:p>
         </p:txBody>
       </p:sp>
     </p:spTree>
-    <p:extLst>
-      <p:ext uri="{BB962C8B-B14F-4D97-AF65-F5344CB8AC3E}">
-        <p14:creationId xmlns:p14="http://schemas.microsoft.com/office/powerpoint/2010/main" val="4123503613"/>
-      </p:ext>
-    </p:extLst>
   </p:cSld>
   <p:clrMapOvr>
     <a:masterClrMapping/>
@@ -6734,6 +6010,7 @@
               <a:rPr lang="zh-CN" altLang="en-US"/>
               <a:t>单击此处编辑母版标题样式</a:t>
             </a:r>
+            <a:endParaRPr lang="zh-CN" altLang="en-US"/>
           </a:p>
         </p:txBody>
       </p:sp>
@@ -6790,6 +6067,7 @@
               <a:rPr lang="zh-CN" altLang="en-US"/>
               <a:t>单击此处编辑母版文本样式</a:t>
             </a:r>
+            <a:endParaRPr lang="zh-CN" altLang="en-US"/>
           </a:p>
           <a:p>
             <a:pPr lvl="1"/>
@@ -6797,6 +6075,7 @@
               <a:rPr lang="zh-CN" altLang="en-US"/>
               <a:t>第二级</a:t>
             </a:r>
+            <a:endParaRPr lang="zh-CN" altLang="en-US"/>
           </a:p>
           <a:p>
             <a:pPr lvl="2"/>
@@ -6804,6 +6083,7 @@
               <a:rPr lang="zh-CN" altLang="en-US"/>
               <a:t>第三级</a:t>
             </a:r>
+            <a:endParaRPr lang="zh-CN" altLang="en-US"/>
           </a:p>
           <a:p>
             <a:pPr lvl="3"/>
@@ -6811,6 +6091,7 @@
               <a:rPr lang="zh-CN" altLang="en-US"/>
               <a:t>第四级</a:t>
             </a:r>
+            <a:endParaRPr lang="zh-CN" altLang="en-US"/>
           </a:p>
           <a:p>
             <a:pPr lvl="4"/>
@@ -6818,6 +6099,7 @@
               <a:rPr lang="zh-CN" altLang="en-US"/>
               <a:t>第五级</a:t>
             </a:r>
+            <a:endParaRPr lang="zh-CN" altLang="en-US"/>
           </a:p>
         </p:txBody>
       </p:sp>
@@ -6844,35 +6126,35 @@
               <a:buNone/>
               <a:defRPr sz="1400"/>
             </a:lvl1pPr>
-            <a:lvl2pPr marL="457182" indent="0">
+            <a:lvl2pPr marL="457200" indent="0">
               <a:buNone/>
               <a:defRPr sz="1200"/>
             </a:lvl2pPr>
-            <a:lvl3pPr marL="914362" indent="0">
+            <a:lvl3pPr marL="914400" indent="0">
               <a:buNone/>
               <a:defRPr sz="1000"/>
             </a:lvl3pPr>
-            <a:lvl4pPr marL="1371544" indent="0">
+            <a:lvl4pPr marL="1371600" indent="0">
               <a:buNone/>
               <a:defRPr sz="900"/>
             </a:lvl4pPr>
-            <a:lvl5pPr marL="1828725" indent="0">
+            <a:lvl5pPr marL="1828800" indent="0">
               <a:buNone/>
               <a:defRPr sz="900"/>
             </a:lvl5pPr>
-            <a:lvl6pPr marL="2285906" indent="0">
+            <a:lvl6pPr marL="2286000" indent="0">
               <a:buNone/>
               <a:defRPr sz="900"/>
             </a:lvl6pPr>
-            <a:lvl7pPr marL="2743088" indent="0">
+            <a:lvl7pPr marL="2743200" indent="0">
               <a:buNone/>
               <a:defRPr sz="900"/>
             </a:lvl7pPr>
-            <a:lvl8pPr marL="3200268" indent="0">
+            <a:lvl8pPr marL="3200400" indent="0">
               <a:buNone/>
               <a:defRPr sz="900"/>
             </a:lvl8pPr>
-            <a:lvl9pPr marL="3657450" indent="0">
+            <a:lvl9pPr marL="3657600" indent="0">
               <a:buNone/>
               <a:defRPr sz="900"/>
             </a:lvl9pPr>
@@ -6883,6 +6165,7 @@
               <a:rPr lang="zh-CN" altLang="en-US"/>
               <a:t>单击此处编辑母版文本样式</a:t>
             </a:r>
+            <a:endParaRPr lang="zh-CN" altLang="en-US"/>
           </a:p>
         </p:txBody>
       </p:sp>
@@ -6966,21 +6249,12 @@
             </a:pPr>
             <a:fld id="{875CE17F-E7E8-4836-8B19-28E882EF05B9}" type="slidenum">
               <a:rPr lang="zh-CN" altLang="en-US"/>
-              <a:pPr>
-                <a:defRPr/>
-              </a:pPr>
-              <a:t>‹#›</a:t>
             </a:fld>
             <a:endParaRPr lang="zh-CN" altLang="en-US"/>
           </a:p>
         </p:txBody>
       </p:sp>
     </p:spTree>
-    <p:extLst>
-      <p:ext uri="{BB962C8B-B14F-4D97-AF65-F5344CB8AC3E}">
-        <p14:creationId xmlns:p14="http://schemas.microsoft.com/office/powerpoint/2010/main" val="3638579573"/>
-      </p:ext>
-    </p:extLst>
   </p:cSld>
   <p:clrMapOvr>
     <a:masterClrMapping/>
@@ -7033,6 +6307,7 @@
               <a:rPr lang="zh-CN" altLang="en-US"/>
               <a:t>单击此处编辑母版标题样式</a:t>
             </a:r>
+            <a:endParaRPr lang="zh-CN" altLang="en-US"/>
           </a:p>
         </p:txBody>
       </p:sp>
@@ -7061,35 +6336,35 @@
               <a:buNone/>
               <a:defRPr sz="3200"/>
             </a:lvl1pPr>
-            <a:lvl2pPr marL="457182" indent="0">
+            <a:lvl2pPr marL="457200" indent="0">
               <a:buNone/>
               <a:defRPr sz="2800"/>
             </a:lvl2pPr>
-            <a:lvl3pPr marL="914362" indent="0">
+            <a:lvl3pPr marL="914400" indent="0">
               <a:buNone/>
               <a:defRPr sz="2400"/>
             </a:lvl3pPr>
-            <a:lvl4pPr marL="1371544" indent="0">
+            <a:lvl4pPr marL="1371600" indent="0">
               <a:buNone/>
               <a:defRPr sz="2000"/>
             </a:lvl4pPr>
-            <a:lvl5pPr marL="1828725" indent="0">
+            <a:lvl5pPr marL="1828800" indent="0">
               <a:buNone/>
               <a:defRPr sz="2000"/>
             </a:lvl5pPr>
-            <a:lvl6pPr marL="2285906" indent="0">
+            <a:lvl6pPr marL="2286000" indent="0">
               <a:buNone/>
               <a:defRPr sz="2000"/>
             </a:lvl6pPr>
-            <a:lvl7pPr marL="2743088" indent="0">
+            <a:lvl7pPr marL="2743200" indent="0">
               <a:buNone/>
               <a:defRPr sz="2000"/>
             </a:lvl7pPr>
-            <a:lvl8pPr marL="3200268" indent="0">
+            <a:lvl8pPr marL="3200400" indent="0">
               <a:buNone/>
               <a:defRPr sz="2000"/>
             </a:lvl8pPr>
-            <a:lvl9pPr marL="3657450" indent="0">
+            <a:lvl9pPr marL="3657600" indent="0">
               <a:buNone/>
               <a:defRPr sz="2000"/>
             </a:lvl9pPr>
@@ -7123,35 +6398,35 @@
               <a:buNone/>
               <a:defRPr sz="1400"/>
             </a:lvl1pPr>
-            <a:lvl2pPr marL="457182" indent="0">
+            <a:lvl2pPr marL="457200" indent="0">
               <a:buNone/>
               <a:defRPr sz="1200"/>
             </a:lvl2pPr>
-            <a:lvl3pPr marL="914362" indent="0">
+            <a:lvl3pPr marL="914400" indent="0">
               <a:buNone/>
               <a:defRPr sz="1000"/>
             </a:lvl3pPr>
-            <a:lvl4pPr marL="1371544" indent="0">
+            <a:lvl4pPr marL="1371600" indent="0">
               <a:buNone/>
               <a:defRPr sz="900"/>
             </a:lvl4pPr>
-            <a:lvl5pPr marL="1828725" indent="0">
+            <a:lvl5pPr marL="1828800" indent="0">
               <a:buNone/>
               <a:defRPr sz="900"/>
             </a:lvl5pPr>
-            <a:lvl6pPr marL="2285906" indent="0">
+            <a:lvl6pPr marL="2286000" indent="0">
               <a:buNone/>
               <a:defRPr sz="900"/>
             </a:lvl6pPr>
-            <a:lvl7pPr marL="2743088" indent="0">
+            <a:lvl7pPr marL="2743200" indent="0">
               <a:buNone/>
               <a:defRPr sz="900"/>
             </a:lvl7pPr>
-            <a:lvl8pPr marL="3200268" indent="0">
+            <a:lvl8pPr marL="3200400" indent="0">
               <a:buNone/>
               <a:defRPr sz="900"/>
             </a:lvl8pPr>
-            <a:lvl9pPr marL="3657450" indent="0">
+            <a:lvl9pPr marL="3657600" indent="0">
               <a:buNone/>
               <a:defRPr sz="900"/>
             </a:lvl9pPr>
@@ -7162,6 +6437,7 @@
               <a:rPr lang="zh-CN" altLang="en-US"/>
               <a:t>单击此处编辑母版文本样式</a:t>
             </a:r>
+            <a:endParaRPr lang="zh-CN" altLang="en-US"/>
           </a:p>
         </p:txBody>
       </p:sp>
@@ -7245,21 +6521,12 @@
             </a:pPr>
             <a:fld id="{530D8648-5A27-46B1-9DFF-F43427A188ED}" type="slidenum">
               <a:rPr lang="zh-CN" altLang="en-US"/>
-              <a:pPr>
-                <a:defRPr/>
-              </a:pPr>
-              <a:t>‹#›</a:t>
             </a:fld>
             <a:endParaRPr lang="zh-CN" altLang="en-US"/>
           </a:p>
         </p:txBody>
       </p:sp>
     </p:spTree>
-    <p:extLst>
-      <p:ext uri="{BB962C8B-B14F-4D97-AF65-F5344CB8AC3E}">
-        <p14:creationId xmlns:p14="http://schemas.microsoft.com/office/powerpoint/2010/main" val="4292002586"/>
-      </p:ext>
-    </p:extLst>
   </p:cSld>
   <p:clrMapOvr>
     <a:masterClrMapping/>
@@ -7273,7 +6540,7 @@
     <p:bg>
       <p:bgPr>
         <a:blipFill dpi="0" rotWithShape="0">
-          <a:blip r:embed="rId13" cstate="print"/>
+          <a:blip r:embed="rId12" cstate="print"/>
           <a:srcRect/>
           <a:stretch>
             <a:fillRect/>
@@ -7318,32 +6585,9 @@
           <a:ln>
             <a:noFill/>
           </a:ln>
-          <a:extLst>
-            <a:ext uri="{909E8E84-426E-40dd-AFC4-6F175D3DCCD1}">
-              <a14:hiddenFill xmlns:a14="http://schemas.microsoft.com/office/drawing/2010/main" xmlns="">
-                <a:solidFill>
-                  <a:srgbClr val="FFFFFF"/>
-                </a:solidFill>
-              </a14:hiddenFill>
-            </a:ext>
-            <a:ext uri="{91240B29-F687-4f45-9708-019B960494DF}">
-              <a14:hiddenLine xmlns:a14="http://schemas.microsoft.com/office/drawing/2010/main" xmlns="" w="9525">
-                <a:solidFill>
-                  <a:srgbClr val="000000"/>
-                </a:solidFill>
-                <a:miter lim="800000"/>
-                <a:headEnd/>
-                <a:tailEnd/>
-              </a14:hiddenLine>
-            </a:ext>
-          </a:extLst>
         </p:spPr>
         <p:txBody>
-          <a:bodyPr vert="horz" wrap="square" lIns="91436" tIns="45718" rIns="91436" bIns="45718" numCol="1" anchor="ctr" anchorCtr="0" compatLnSpc="1">
-            <a:prstTxWarp prst="textNoShape">
-              <a:avLst/>
-            </a:prstTxWarp>
-          </a:bodyPr>
+          <a:bodyPr vert="horz" wrap="square" lIns="91436" tIns="45718" rIns="91436" bIns="45718" numCol="1" anchor="ctr" anchorCtr="0" compatLnSpc="1"/>
           <a:lstStyle/>
           <a:p>
             <a:pPr lvl="0"/>
@@ -7351,6 +6595,7 @@
               <a:rPr lang="zh-CN" altLang="en-US"/>
               <a:t>单击此处编辑母版标题样式</a:t>
             </a:r>
+            <a:endParaRPr lang="zh-CN" altLang="en-US"/>
           </a:p>
         </p:txBody>
       </p:sp>
@@ -7376,32 +6621,9 @@
           <a:ln>
             <a:noFill/>
           </a:ln>
-          <a:extLst>
-            <a:ext uri="{909E8E84-426E-40dd-AFC4-6F175D3DCCD1}">
-              <a14:hiddenFill xmlns:a14="http://schemas.microsoft.com/office/drawing/2010/main" xmlns="">
-                <a:solidFill>
-                  <a:srgbClr val="FFFFFF"/>
-                </a:solidFill>
-              </a14:hiddenFill>
-            </a:ext>
-            <a:ext uri="{91240B29-F687-4f45-9708-019B960494DF}">
-              <a14:hiddenLine xmlns:a14="http://schemas.microsoft.com/office/drawing/2010/main" xmlns="" w="9525">
-                <a:solidFill>
-                  <a:srgbClr val="000000"/>
-                </a:solidFill>
-                <a:miter lim="800000"/>
-                <a:headEnd/>
-                <a:tailEnd/>
-              </a14:hiddenLine>
-            </a:ext>
-          </a:extLst>
         </p:spPr>
         <p:txBody>
-          <a:bodyPr vert="horz" wrap="square" lIns="91436" tIns="45718" rIns="91436" bIns="45718" numCol="1" anchor="t" anchorCtr="0" compatLnSpc="1">
-            <a:prstTxWarp prst="textNoShape">
-              <a:avLst/>
-            </a:prstTxWarp>
-          </a:bodyPr>
+          <a:bodyPr vert="horz" wrap="square" lIns="91436" tIns="45718" rIns="91436" bIns="45718" numCol="1" anchor="t" anchorCtr="0" compatLnSpc="1"/>
           <a:lstStyle/>
           <a:p>
             <a:pPr lvl="0"/>
@@ -7409,6 +6631,7 @@
               <a:rPr lang="zh-CN" altLang="en-US"/>
               <a:t>单击此处编辑母版文本样式</a:t>
             </a:r>
+            <a:endParaRPr lang="zh-CN" altLang="en-US"/>
           </a:p>
           <a:p>
             <a:pPr lvl="1"/>
@@ -7416,6 +6639,7 @@
               <a:rPr lang="zh-CN" altLang="en-US"/>
               <a:t>第二级</a:t>
             </a:r>
+            <a:endParaRPr lang="zh-CN" altLang="en-US"/>
           </a:p>
           <a:p>
             <a:pPr lvl="2"/>
@@ -7423,6 +6647,7 @@
               <a:rPr lang="zh-CN" altLang="en-US"/>
               <a:t>第三级</a:t>
             </a:r>
+            <a:endParaRPr lang="zh-CN" altLang="en-US"/>
           </a:p>
           <a:p>
             <a:pPr lvl="3"/>
@@ -7430,6 +6655,7 @@
               <a:rPr lang="zh-CN" altLang="en-US"/>
               <a:t>第四级</a:t>
             </a:r>
+            <a:endParaRPr lang="zh-CN" altLang="en-US"/>
           </a:p>
           <a:p>
             <a:pPr lvl="4"/>
@@ -7437,6 +6663,7 @@
               <a:rPr lang="zh-CN" altLang="en-US"/>
               <a:t>第五级</a:t>
             </a:r>
+            <a:endParaRPr lang="zh-CN" altLang="en-US"/>
           </a:p>
         </p:txBody>
       </p:sp>
@@ -7469,7 +6696,7 @@
                     <a:tint val="75000"/>
                   </a:schemeClr>
                 </a:solidFill>
-                <a:ea typeface="宋体" charset="-122"/>
+                <a:ea typeface="宋体" panose="02010600030101010101" pitchFamily="2" charset="-122"/>
               </a:defRPr>
             </a:lvl1pPr>
           </a:lstStyle>
@@ -7514,7 +6741,7 @@
                     <a:tint val="75000"/>
                   </a:schemeClr>
                 </a:solidFill>
-                <a:ea typeface="宋体" charset="-122"/>
+                <a:ea typeface="宋体" panose="02010600030101010101" pitchFamily="2" charset="-122"/>
               </a:defRPr>
             </a:lvl1pPr>
           </a:lstStyle>
@@ -7546,11 +6773,7 @@
           </a:prstGeom>
         </p:spPr>
         <p:txBody>
-          <a:bodyPr vert="horz" wrap="square" lIns="91436" tIns="45718" rIns="91436" bIns="45718" numCol="1" anchor="ctr" anchorCtr="0" compatLnSpc="1">
-            <a:prstTxWarp prst="textNoShape">
-              <a:avLst/>
-            </a:prstTxWarp>
-          </a:bodyPr>
+          <a:bodyPr vert="horz" wrap="square" lIns="91436" tIns="45718" rIns="91436" bIns="45718" numCol="1" anchor="ctr" anchorCtr="0" compatLnSpc="1"/>
           <a:lstStyle>
             <a:lvl1pPr algn="r" eaLnBrk="1" hangingPunct="1">
               <a:defRPr sz="1200">
@@ -7566,10 +6789,6 @@
             </a:pPr>
             <a:fld id="{EB08D79A-444D-4C36-A6F5-FB17350375E2}" type="slidenum">
               <a:rPr lang="zh-CN" altLang="en-US"/>
-              <a:pPr>
-                <a:defRPr/>
-              </a:pPr>
-              <a:t>‹#›</a:t>
             </a:fld>
             <a:endParaRPr lang="zh-CN" altLang="en-US"/>
           </a:p>
@@ -7579,17 +6798,17 @@
   </p:cSld>
   <p:clrMap bg1="lt1" tx1="dk1" bg2="lt2" tx2="dk2" accent1="accent1" accent2="accent2" accent3="accent3" accent4="accent4" accent5="accent5" accent6="accent6" hlink="hlink" folHlink="folHlink"/>
   <p:sldLayoutIdLst>
-    <p:sldLayoutId id="2147483685" r:id="rId1"/>
-    <p:sldLayoutId id="2147483686" r:id="rId2"/>
-    <p:sldLayoutId id="2147483687" r:id="rId3"/>
-    <p:sldLayoutId id="2147483688" r:id="rId4"/>
-    <p:sldLayoutId id="2147483689" r:id="rId5"/>
-    <p:sldLayoutId id="2147483690" r:id="rId6"/>
-    <p:sldLayoutId id="2147483691" r:id="rId7"/>
-    <p:sldLayoutId id="2147483692" r:id="rId8"/>
-    <p:sldLayoutId id="2147483693" r:id="rId9"/>
-    <p:sldLayoutId id="2147483694" r:id="rId10"/>
-    <p:sldLayoutId id="2147483695" r:id="rId11"/>
+    <p:sldLayoutId id="2147483649" r:id="rId1"/>
+    <p:sldLayoutId id="2147483650" r:id="rId2"/>
+    <p:sldLayoutId id="2147483651" r:id="rId3"/>
+    <p:sldLayoutId id="2147483652" r:id="rId4"/>
+    <p:sldLayoutId id="2147483653" r:id="rId5"/>
+    <p:sldLayoutId id="2147483654" r:id="rId6"/>
+    <p:sldLayoutId id="2147483655" r:id="rId7"/>
+    <p:sldLayoutId id="2147483656" r:id="rId8"/>
+    <p:sldLayoutId id="2147483657" r:id="rId9"/>
+    <p:sldLayoutId id="2147483658" r:id="rId10"/>
+    <p:sldLayoutId id="2147483659" r:id="rId11"/>
   </p:sldLayoutIdLst>
   <p:hf hdr="0" ftr="0" dt="0"/>
   <p:txStyles>
@@ -7621,8 +6840,8 @@
           <a:solidFill>
             <a:schemeClr val="tx1"/>
           </a:solidFill>
-          <a:latin typeface="Calibri" pitchFamily="34" charset="0"/>
-          <a:ea typeface="宋体" charset="-122"/>
+          <a:latin typeface="Calibri" panose="020F0502020204030204" pitchFamily="34" charset="0"/>
+          <a:ea typeface="宋体" panose="02010600030101010101" pitchFamily="2" charset="-122"/>
         </a:defRPr>
       </a:lvl2pPr>
       <a:lvl3pPr algn="ctr" rtl="0" eaLnBrk="0" fontAlgn="base" hangingPunct="0">
@@ -7636,8 +6855,8 @@
           <a:solidFill>
             <a:schemeClr val="tx1"/>
           </a:solidFill>
-          <a:latin typeface="Calibri" pitchFamily="34" charset="0"/>
-          <a:ea typeface="宋体" charset="-122"/>
+          <a:latin typeface="Calibri" panose="020F0502020204030204" pitchFamily="34" charset="0"/>
+          <a:ea typeface="宋体" panose="02010600030101010101" pitchFamily="2" charset="-122"/>
         </a:defRPr>
       </a:lvl3pPr>
       <a:lvl4pPr algn="ctr" rtl="0" eaLnBrk="0" fontAlgn="base" hangingPunct="0">
@@ -7651,8 +6870,8 @@
           <a:solidFill>
             <a:schemeClr val="tx1"/>
           </a:solidFill>
-          <a:latin typeface="Calibri" pitchFamily="34" charset="0"/>
-          <a:ea typeface="宋体" charset="-122"/>
+          <a:latin typeface="Calibri" panose="020F0502020204030204" pitchFamily="34" charset="0"/>
+          <a:ea typeface="宋体" panose="02010600030101010101" pitchFamily="2" charset="-122"/>
         </a:defRPr>
       </a:lvl4pPr>
       <a:lvl5pPr algn="ctr" rtl="0" eaLnBrk="0" fontAlgn="base" hangingPunct="0">
@@ -7666,11 +6885,11 @@
           <a:solidFill>
             <a:schemeClr val="tx1"/>
           </a:solidFill>
-          <a:latin typeface="Calibri" pitchFamily="34" charset="0"/>
-          <a:ea typeface="宋体" charset="-122"/>
+          <a:latin typeface="Calibri" panose="020F0502020204030204" pitchFamily="34" charset="0"/>
+          <a:ea typeface="宋体" panose="02010600030101010101" pitchFamily="2" charset="-122"/>
         </a:defRPr>
       </a:lvl5pPr>
-      <a:lvl6pPr marL="457182" algn="ctr" rtl="0" fontAlgn="base">
+      <a:lvl6pPr marL="457200" algn="ctr" rtl="0" fontAlgn="base">
         <a:spcBef>
           <a:spcPct val="0"/>
         </a:spcBef>
@@ -7681,11 +6900,11 @@
           <a:solidFill>
             <a:schemeClr val="tx1"/>
           </a:solidFill>
-          <a:latin typeface="Calibri" pitchFamily="34" charset="0"/>
-          <a:ea typeface="宋体" charset="-122"/>
+          <a:latin typeface="Calibri" panose="020F0502020204030204" pitchFamily="34" charset="0"/>
+          <a:ea typeface="宋体" panose="02010600030101010101" pitchFamily="2" charset="-122"/>
         </a:defRPr>
       </a:lvl6pPr>
-      <a:lvl7pPr marL="914362" algn="ctr" rtl="0" fontAlgn="base">
+      <a:lvl7pPr marL="914400" algn="ctr" rtl="0" fontAlgn="base">
         <a:spcBef>
           <a:spcPct val="0"/>
         </a:spcBef>
@@ -7696,11 +6915,11 @@
           <a:solidFill>
             <a:schemeClr val="tx1"/>
           </a:solidFill>
-          <a:latin typeface="Calibri" pitchFamily="34" charset="0"/>
-          <a:ea typeface="宋体" charset="-122"/>
+          <a:latin typeface="Calibri" panose="020F0502020204030204" pitchFamily="34" charset="0"/>
+          <a:ea typeface="宋体" panose="02010600030101010101" pitchFamily="2" charset="-122"/>
         </a:defRPr>
       </a:lvl7pPr>
-      <a:lvl8pPr marL="1371544" algn="ctr" rtl="0" fontAlgn="base">
+      <a:lvl8pPr marL="1371600" algn="ctr" rtl="0" fontAlgn="base">
         <a:spcBef>
           <a:spcPct val="0"/>
         </a:spcBef>
@@ -7711,11 +6930,11 @@
           <a:solidFill>
             <a:schemeClr val="tx1"/>
           </a:solidFill>
-          <a:latin typeface="Calibri" pitchFamily="34" charset="0"/>
-          <a:ea typeface="宋体" charset="-122"/>
+          <a:latin typeface="Calibri" panose="020F0502020204030204" pitchFamily="34" charset="0"/>
+          <a:ea typeface="宋体" panose="02010600030101010101" pitchFamily="2" charset="-122"/>
         </a:defRPr>
       </a:lvl8pPr>
-      <a:lvl9pPr marL="1828725" algn="ctr" rtl="0" fontAlgn="base">
+      <a:lvl9pPr marL="1828800" algn="ctr" rtl="0" fontAlgn="base">
         <a:spcBef>
           <a:spcPct val="0"/>
         </a:spcBef>
@@ -7726,13 +6945,13 @@
           <a:solidFill>
             <a:schemeClr val="tx1"/>
           </a:solidFill>
-          <a:latin typeface="Calibri" pitchFamily="34" charset="0"/>
-          <a:ea typeface="宋体" charset="-122"/>
+          <a:latin typeface="Calibri" panose="020F0502020204030204" pitchFamily="34" charset="0"/>
+          <a:ea typeface="宋体" panose="02010600030101010101" pitchFamily="2" charset="-122"/>
         </a:defRPr>
       </a:lvl9pPr>
     </p:titleStyle>
     <p:bodyStyle>
-      <a:lvl1pPr marL="342886" indent="-342886" algn="l" rtl="0" eaLnBrk="0" fontAlgn="base" hangingPunct="0">
+      <a:lvl1pPr marL="342900" indent="-342900" algn="l" rtl="0" eaLnBrk="0" fontAlgn="base" hangingPunct="0">
         <a:spcBef>
           <a:spcPct val="20000"/>
         </a:spcBef>
@@ -7750,7 +6969,7 @@
           <a:cs typeface="+mn-cs"/>
         </a:defRPr>
       </a:lvl1pPr>
-      <a:lvl2pPr marL="742920" indent="-285738" algn="l" rtl="0" eaLnBrk="0" fontAlgn="base" hangingPunct="0">
+      <a:lvl2pPr marL="742950" indent="-285750" algn="l" rtl="0" eaLnBrk="0" fontAlgn="base" hangingPunct="0">
         <a:spcBef>
           <a:spcPct val="20000"/>
         </a:spcBef>
@@ -7768,7 +6987,7 @@
           <a:cs typeface="+mn-cs"/>
         </a:defRPr>
       </a:lvl2pPr>
-      <a:lvl3pPr marL="1142953" indent="-228591" algn="l" rtl="0" eaLnBrk="0" fontAlgn="base" hangingPunct="0">
+      <a:lvl3pPr marL="1143000" indent="-228600" algn="l" rtl="0" eaLnBrk="0" fontAlgn="base" hangingPunct="0">
         <a:spcBef>
           <a:spcPct val="20000"/>
         </a:spcBef>
@@ -7786,7 +7005,7 @@
           <a:cs typeface="+mn-cs"/>
         </a:defRPr>
       </a:lvl3pPr>
-      <a:lvl4pPr marL="1600135" indent="-228591" algn="l" rtl="0" eaLnBrk="0" fontAlgn="base" hangingPunct="0">
+      <a:lvl4pPr marL="1600200" indent="-228600" algn="l" rtl="0" eaLnBrk="0" fontAlgn="base" hangingPunct="0">
         <a:spcBef>
           <a:spcPct val="20000"/>
         </a:spcBef>
@@ -7804,7 +7023,7 @@
           <a:cs typeface="+mn-cs"/>
         </a:defRPr>
       </a:lvl4pPr>
-      <a:lvl5pPr marL="2057315" indent="-228591" algn="l" rtl="0" eaLnBrk="0" fontAlgn="base" hangingPunct="0">
+      <a:lvl5pPr marL="2057400" indent="-228600" algn="l" rtl="0" eaLnBrk="0" fontAlgn="base" hangingPunct="0">
         <a:spcBef>
           <a:spcPct val="20000"/>
         </a:spcBef>
@@ -7822,11 +7041,11 @@
           <a:cs typeface="+mn-cs"/>
         </a:defRPr>
       </a:lvl5pPr>
-      <a:lvl6pPr marL="2514497" indent="-228591" algn="l" defTabSz="914362" rtl="0" eaLnBrk="1" latinLnBrk="0" hangingPunct="1">
+      <a:lvl6pPr marL="2514600" indent="-228600" algn="l" defTabSz="914400" rtl="0" eaLnBrk="1" latinLnBrk="0" hangingPunct="1">
         <a:spcBef>
           <a:spcPct val="20000"/>
         </a:spcBef>
-        <a:buFont typeface="Arial" pitchFamily="34" charset="0"/>
+        <a:buFont typeface="Arial" panose="020B0604020202020204" pitchFamily="34" charset="0"/>
         <a:buChar char="•"/>
         <a:defRPr sz="2000" kern="1200">
           <a:solidFill>
@@ -7837,11 +7056,11 @@
           <a:cs typeface="+mn-cs"/>
         </a:defRPr>
       </a:lvl6pPr>
-      <a:lvl7pPr marL="2971678" indent="-228591" algn="l" defTabSz="914362" rtl="0" eaLnBrk="1" latinLnBrk="0" hangingPunct="1">
+      <a:lvl7pPr marL="2971800" indent="-228600" algn="l" defTabSz="914400" rtl="0" eaLnBrk="1" latinLnBrk="0" hangingPunct="1">
         <a:spcBef>
           <a:spcPct val="20000"/>
         </a:spcBef>
-        <a:buFont typeface="Arial" pitchFamily="34" charset="0"/>
+        <a:buFont typeface="Arial" panose="020B0604020202020204" pitchFamily="34" charset="0"/>
         <a:buChar char="•"/>
         <a:defRPr sz="2000" kern="1200">
           <a:solidFill>
@@ -7852,11 +7071,11 @@
           <a:cs typeface="+mn-cs"/>
         </a:defRPr>
       </a:lvl7pPr>
-      <a:lvl8pPr marL="3428859" indent="-228591" algn="l" defTabSz="914362" rtl="0" eaLnBrk="1" latinLnBrk="0" hangingPunct="1">
+      <a:lvl8pPr marL="3429000" indent="-228600" algn="l" defTabSz="914400" rtl="0" eaLnBrk="1" latinLnBrk="0" hangingPunct="1">
         <a:spcBef>
           <a:spcPct val="20000"/>
         </a:spcBef>
-        <a:buFont typeface="Arial" pitchFamily="34" charset="0"/>
+        <a:buFont typeface="Arial" panose="020B0604020202020204" pitchFamily="34" charset="0"/>
         <a:buChar char="•"/>
         <a:defRPr sz="2000" kern="1200">
           <a:solidFill>
@@ -7867,11 +7086,11 @@
           <a:cs typeface="+mn-cs"/>
         </a:defRPr>
       </a:lvl8pPr>
-      <a:lvl9pPr marL="3886041" indent="-228591" algn="l" defTabSz="914362" rtl="0" eaLnBrk="1" latinLnBrk="0" hangingPunct="1">
+      <a:lvl9pPr marL="3886200" indent="-228600" algn="l" defTabSz="914400" rtl="0" eaLnBrk="1" latinLnBrk="0" hangingPunct="1">
         <a:spcBef>
           <a:spcPct val="20000"/>
         </a:spcBef>
-        <a:buFont typeface="Arial" pitchFamily="34" charset="0"/>
+        <a:buFont typeface="Arial" panose="020B0604020202020204" pitchFamily="34" charset="0"/>
         <a:buChar char="•"/>
         <a:defRPr sz="2000" kern="1200">
           <a:solidFill>
@@ -7887,7 +7106,7 @@
       <a:defPPr>
         <a:defRPr lang="zh-CN"/>
       </a:defPPr>
-      <a:lvl1pPr marL="0" algn="l" defTabSz="914362" rtl="0" eaLnBrk="1" latinLnBrk="0" hangingPunct="1">
+      <a:lvl1pPr marL="0" algn="l" defTabSz="914400" rtl="0" eaLnBrk="1" latinLnBrk="0" hangingPunct="1">
         <a:defRPr sz="1800" kern="1200">
           <a:solidFill>
             <a:schemeClr val="tx1"/>
@@ -7897,7 +7116,7 @@
           <a:cs typeface="+mn-cs"/>
         </a:defRPr>
       </a:lvl1pPr>
-      <a:lvl2pPr marL="457182" algn="l" defTabSz="914362" rtl="0" eaLnBrk="1" latinLnBrk="0" hangingPunct="1">
+      <a:lvl2pPr marL="457200" algn="l" defTabSz="914400" rtl="0" eaLnBrk="1" latinLnBrk="0" hangingPunct="1">
         <a:defRPr sz="1800" kern="1200">
           <a:solidFill>
             <a:schemeClr val="tx1"/>
@@ -7907,7 +7126,7 @@
           <a:cs typeface="+mn-cs"/>
         </a:defRPr>
       </a:lvl2pPr>
-      <a:lvl3pPr marL="914362" algn="l" defTabSz="914362" rtl="0" eaLnBrk="1" latinLnBrk="0" hangingPunct="1">
+      <a:lvl3pPr marL="914400" algn="l" defTabSz="914400" rtl="0" eaLnBrk="1" latinLnBrk="0" hangingPunct="1">
         <a:defRPr sz="1800" kern="1200">
           <a:solidFill>
             <a:schemeClr val="tx1"/>
@@ -7917,7 +7136,7 @@
           <a:cs typeface="+mn-cs"/>
         </a:defRPr>
       </a:lvl3pPr>
-      <a:lvl4pPr marL="1371544" algn="l" defTabSz="914362" rtl="0" eaLnBrk="1" latinLnBrk="0" hangingPunct="1">
+      <a:lvl4pPr marL="1371600" algn="l" defTabSz="914400" rtl="0" eaLnBrk="1" latinLnBrk="0" hangingPunct="1">
         <a:defRPr sz="1800" kern="1200">
           <a:solidFill>
             <a:schemeClr val="tx1"/>
@@ -7927,7 +7146,7 @@
           <a:cs typeface="+mn-cs"/>
         </a:defRPr>
       </a:lvl4pPr>
-      <a:lvl5pPr marL="1828725" algn="l" defTabSz="914362" rtl="0" eaLnBrk="1" latinLnBrk="0" hangingPunct="1">
+      <a:lvl5pPr marL="1828800" algn="l" defTabSz="914400" rtl="0" eaLnBrk="1" latinLnBrk="0" hangingPunct="1">
         <a:defRPr sz="1800" kern="1200">
           <a:solidFill>
             <a:schemeClr val="tx1"/>
@@ -7937,7 +7156,7 @@
           <a:cs typeface="+mn-cs"/>
         </a:defRPr>
       </a:lvl5pPr>
-      <a:lvl6pPr marL="2285906" algn="l" defTabSz="914362" rtl="0" eaLnBrk="1" latinLnBrk="0" hangingPunct="1">
+      <a:lvl6pPr marL="2286000" algn="l" defTabSz="914400" rtl="0" eaLnBrk="1" latinLnBrk="0" hangingPunct="1">
         <a:defRPr sz="1800" kern="1200">
           <a:solidFill>
             <a:schemeClr val="tx1"/>
@@ -7947,7 +7166,7 @@
           <a:cs typeface="+mn-cs"/>
         </a:defRPr>
       </a:lvl6pPr>
-      <a:lvl7pPr marL="2743088" algn="l" defTabSz="914362" rtl="0" eaLnBrk="1" latinLnBrk="0" hangingPunct="1">
+      <a:lvl7pPr marL="2743200" algn="l" defTabSz="914400" rtl="0" eaLnBrk="1" latinLnBrk="0" hangingPunct="1">
         <a:defRPr sz="1800" kern="1200">
           <a:solidFill>
             <a:schemeClr val="tx1"/>
@@ -7957,7 +7176,7 @@
           <a:cs typeface="+mn-cs"/>
         </a:defRPr>
       </a:lvl7pPr>
-      <a:lvl8pPr marL="3200268" algn="l" defTabSz="914362" rtl="0" eaLnBrk="1" latinLnBrk="0" hangingPunct="1">
+      <a:lvl8pPr marL="3200400" algn="l" defTabSz="914400" rtl="0" eaLnBrk="1" latinLnBrk="0" hangingPunct="1">
         <a:defRPr sz="1800" kern="1200">
           <a:solidFill>
             <a:schemeClr val="tx1"/>
@@ -7967,7 +7186,7 @@
           <a:cs typeface="+mn-cs"/>
         </a:defRPr>
       </a:lvl8pPr>
-      <a:lvl9pPr marL="3657450" algn="l" defTabSz="914362" rtl="0" eaLnBrk="1" latinLnBrk="0" hangingPunct="1">
+      <a:lvl9pPr marL="3657600" algn="l" defTabSz="914400" rtl="0" eaLnBrk="1" latinLnBrk="0" hangingPunct="1">
         <a:defRPr sz="1800" kern="1200">
           <a:solidFill>
             <a:schemeClr val="tx1"/>
@@ -7988,7 +7207,7 @@
     <p:bg>
       <p:bgPr>
         <a:blipFill dpi="0" rotWithShape="0">
-          <a:blip r:embed="rId2" cstate="print"/>
+          <a:blip r:embed="rId1" cstate="print"/>
           <a:srcRect/>
           <a:stretch>
             <a:fillRect/>
@@ -8031,25 +7250,6 @@
           <a:ln>
             <a:noFill/>
           </a:ln>
-          <a:extLst>
-            <a:ext uri="{909E8E84-426E-40dd-AFC4-6F175D3DCCD1}">
-              <a14:hiddenFill xmlns:a14="http://schemas.microsoft.com/office/drawing/2010/main" xmlns="">
-                <a:solidFill>
-                  <a:srgbClr val="FFFFFF"/>
-                </a:solidFill>
-              </a14:hiddenFill>
-            </a:ext>
-            <a:ext uri="{91240B29-F687-4f45-9708-019B960494DF}">
-              <a14:hiddenLine xmlns:a14="http://schemas.microsoft.com/office/drawing/2010/main" xmlns="" w="9525">
-                <a:solidFill>
-                  <a:srgbClr val="000000"/>
-                </a:solidFill>
-                <a:miter lim="800000"/>
-                <a:headEnd/>
-                <a:tailEnd/>
-              </a14:hiddenLine>
-            </a:ext>
-          </a:extLst>
         </p:spPr>
         <p:txBody>
           <a:bodyPr lIns="91436" tIns="45718" rIns="91436" bIns="45718" anchor="ctr">
@@ -8061,8 +7261,8 @@
                 <a:solidFill>
                   <a:schemeClr val="tx1"/>
                 </a:solidFill>
-                <a:latin typeface="Calibri" pitchFamily="34" charset="0"/>
-                <a:ea typeface="宋体" charset="-122"/>
+                <a:latin typeface="Calibri" panose="020F0502020204030204" pitchFamily="34" charset="0"/>
+                <a:ea typeface="宋体" panose="02010600030101010101" pitchFamily="2" charset="-122"/>
               </a:defRPr>
             </a:lvl1pPr>
             <a:lvl2pPr marL="742950" indent="-285750" eaLnBrk="0" hangingPunct="0">
@@ -8070,8 +7270,8 @@
                 <a:solidFill>
                   <a:schemeClr val="tx1"/>
                 </a:solidFill>
-                <a:latin typeface="Calibri" pitchFamily="34" charset="0"/>
-                <a:ea typeface="宋体" charset="-122"/>
+                <a:latin typeface="Calibri" panose="020F0502020204030204" pitchFamily="34" charset="0"/>
+                <a:ea typeface="宋体" panose="02010600030101010101" pitchFamily="2" charset="-122"/>
               </a:defRPr>
             </a:lvl2pPr>
             <a:lvl3pPr marL="1143000" indent="-228600" eaLnBrk="0" hangingPunct="0">
@@ -8079,8 +7279,8 @@
                 <a:solidFill>
                   <a:schemeClr val="tx1"/>
                 </a:solidFill>
-                <a:latin typeface="Calibri" pitchFamily="34" charset="0"/>
-                <a:ea typeface="宋体" charset="-122"/>
+                <a:latin typeface="Calibri" panose="020F0502020204030204" pitchFamily="34" charset="0"/>
+                <a:ea typeface="宋体" panose="02010600030101010101" pitchFamily="2" charset="-122"/>
               </a:defRPr>
             </a:lvl3pPr>
             <a:lvl4pPr marL="1600200" indent="-228600" eaLnBrk="0" hangingPunct="0">
@@ -8088,8 +7288,8 @@
                 <a:solidFill>
                   <a:schemeClr val="tx1"/>
                 </a:solidFill>
-                <a:latin typeface="Calibri" pitchFamily="34" charset="0"/>
-                <a:ea typeface="宋体" charset="-122"/>
+                <a:latin typeface="Calibri" panose="020F0502020204030204" pitchFamily="34" charset="0"/>
+                <a:ea typeface="宋体" panose="02010600030101010101" pitchFamily="2" charset="-122"/>
               </a:defRPr>
             </a:lvl4pPr>
             <a:lvl5pPr marL="2057400" indent="-228600" eaLnBrk="0" hangingPunct="0">
@@ -8097,8 +7297,8 @@
                 <a:solidFill>
                   <a:schemeClr val="tx1"/>
                 </a:solidFill>
-                <a:latin typeface="Calibri" pitchFamily="34" charset="0"/>
-                <a:ea typeface="宋体" charset="-122"/>
+                <a:latin typeface="Calibri" panose="020F0502020204030204" pitchFamily="34" charset="0"/>
+                <a:ea typeface="宋体" panose="02010600030101010101" pitchFamily="2" charset="-122"/>
               </a:defRPr>
             </a:lvl5pPr>
             <a:lvl6pPr marL="2514600" indent="-228600" eaLnBrk="0" fontAlgn="base" hangingPunct="0">
@@ -8112,8 +7312,8 @@
                 <a:solidFill>
                   <a:schemeClr val="tx1"/>
                 </a:solidFill>
-                <a:latin typeface="Calibri" pitchFamily="34" charset="0"/>
-                <a:ea typeface="宋体" charset="-122"/>
+                <a:latin typeface="Calibri" panose="020F0502020204030204" pitchFamily="34" charset="0"/>
+                <a:ea typeface="宋体" panose="02010600030101010101" pitchFamily="2" charset="-122"/>
               </a:defRPr>
             </a:lvl6pPr>
             <a:lvl7pPr marL="2971800" indent="-228600" eaLnBrk="0" fontAlgn="base" hangingPunct="0">
@@ -8127,8 +7327,8 @@
                 <a:solidFill>
                   <a:schemeClr val="tx1"/>
                 </a:solidFill>
-                <a:latin typeface="Calibri" pitchFamily="34" charset="0"/>
-                <a:ea typeface="宋体" charset="-122"/>
+                <a:latin typeface="Calibri" panose="020F0502020204030204" pitchFamily="34" charset="0"/>
+                <a:ea typeface="宋体" panose="02010600030101010101" pitchFamily="2" charset="-122"/>
               </a:defRPr>
             </a:lvl7pPr>
             <a:lvl8pPr marL="3429000" indent="-228600" eaLnBrk="0" fontAlgn="base" hangingPunct="0">
@@ -8142,8 +7342,8 @@
                 <a:solidFill>
                   <a:schemeClr val="tx1"/>
                 </a:solidFill>
-                <a:latin typeface="Calibri" pitchFamily="34" charset="0"/>
-                <a:ea typeface="宋体" charset="-122"/>
+                <a:latin typeface="Calibri" panose="020F0502020204030204" pitchFamily="34" charset="0"/>
+                <a:ea typeface="宋体" panose="02010600030101010101" pitchFamily="2" charset="-122"/>
               </a:defRPr>
             </a:lvl8pPr>
             <a:lvl9pPr marL="3886200" indent="-228600" eaLnBrk="0" fontAlgn="base" hangingPunct="0">
@@ -8157,8 +7357,8 @@
                 <a:solidFill>
                   <a:schemeClr val="tx1"/>
                 </a:solidFill>
-                <a:latin typeface="Calibri" pitchFamily="34" charset="0"/>
-                <a:ea typeface="宋体" charset="-122"/>
+                <a:latin typeface="Calibri" panose="020F0502020204030204" pitchFamily="34" charset="0"/>
+                <a:ea typeface="宋体" panose="02010600030101010101" pitchFamily="2" charset="-122"/>
               </a:defRPr>
             </a:lvl9pPr>
           </a:lstStyle>
@@ -8174,11 +7374,21 @@
                     <a:lumOff val="35000"/>
                   </a:schemeClr>
                 </a:solidFill>
-                <a:latin typeface="微软雅黑" pitchFamily="34" charset="-122"/>
-                <a:ea typeface="微软雅黑" pitchFamily="34" charset="-122"/>
+                <a:latin typeface="微软雅黑" panose="020B0503020204020204" pitchFamily="34" charset="-122"/>
+                <a:ea typeface="微软雅黑" panose="020B0503020204020204" pitchFamily="34" charset="-122"/>
               </a:rPr>
               <a:t>陈志广</a:t>
             </a:r>
+            <a:endParaRPr lang="zh-CN" altLang="en-US" sz="2800" b="1" dirty="0">
+              <a:solidFill>
+                <a:schemeClr val="tx1">
+                  <a:lumMod val="65000"/>
+                  <a:lumOff val="35000"/>
+                </a:schemeClr>
+              </a:solidFill>
+              <a:latin typeface="微软雅黑" panose="020B0503020204020204" pitchFamily="34" charset="-122"/>
+              <a:ea typeface="微软雅黑" panose="020B0503020204020204" pitchFamily="34" charset="-122"/>
+            </a:endParaRPr>
           </a:p>
         </p:txBody>
       </p:sp>
@@ -8202,25 +7412,6 @@
           <a:ln>
             <a:noFill/>
           </a:ln>
-          <a:extLst>
-            <a:ext uri="{909E8E84-426E-40dd-AFC4-6F175D3DCCD1}">
-              <a14:hiddenFill xmlns:a14="http://schemas.microsoft.com/office/drawing/2010/main" xmlns="">
-                <a:solidFill>
-                  <a:srgbClr val="FFFFFF"/>
-                </a:solidFill>
-              </a14:hiddenFill>
-            </a:ext>
-            <a:ext uri="{91240B29-F687-4f45-9708-019B960494DF}">
-              <a14:hiddenLine xmlns:a14="http://schemas.microsoft.com/office/drawing/2010/main" xmlns="" w="9525">
-                <a:solidFill>
-                  <a:srgbClr val="000000"/>
-                </a:solidFill>
-                <a:miter lim="800000"/>
-                <a:headEnd/>
-                <a:tailEnd/>
-              </a14:hiddenLine>
-            </a:ext>
-          </a:extLst>
         </p:spPr>
         <p:txBody>
           <a:bodyPr lIns="91436" tIns="45718" rIns="91436" bIns="45718" anchor="ctr">
@@ -8232,8 +7423,8 @@
                 <a:solidFill>
                   <a:schemeClr val="tx1"/>
                 </a:solidFill>
-                <a:latin typeface="Calibri" pitchFamily="34" charset="0"/>
-                <a:ea typeface="宋体" charset="-122"/>
+                <a:latin typeface="Calibri" panose="020F0502020204030204" pitchFamily="34" charset="0"/>
+                <a:ea typeface="宋体" panose="02010600030101010101" pitchFamily="2" charset="-122"/>
               </a:defRPr>
             </a:lvl1pPr>
             <a:lvl2pPr marL="742950" indent="-285750" eaLnBrk="0" hangingPunct="0">
@@ -8241,8 +7432,8 @@
                 <a:solidFill>
                   <a:schemeClr val="tx1"/>
                 </a:solidFill>
-                <a:latin typeface="Calibri" pitchFamily="34" charset="0"/>
-                <a:ea typeface="宋体" charset="-122"/>
+                <a:latin typeface="Calibri" panose="020F0502020204030204" pitchFamily="34" charset="0"/>
+                <a:ea typeface="宋体" panose="02010600030101010101" pitchFamily="2" charset="-122"/>
               </a:defRPr>
             </a:lvl2pPr>
             <a:lvl3pPr marL="1143000" indent="-228600" eaLnBrk="0" hangingPunct="0">
@@ -8250,8 +7441,8 @@
                 <a:solidFill>
                   <a:schemeClr val="tx1"/>
                 </a:solidFill>
-                <a:latin typeface="Calibri" pitchFamily="34" charset="0"/>
-                <a:ea typeface="宋体" charset="-122"/>
+                <a:latin typeface="Calibri" panose="020F0502020204030204" pitchFamily="34" charset="0"/>
+                <a:ea typeface="宋体" panose="02010600030101010101" pitchFamily="2" charset="-122"/>
               </a:defRPr>
             </a:lvl3pPr>
             <a:lvl4pPr marL="1600200" indent="-228600" eaLnBrk="0" hangingPunct="0">
@@ -8259,8 +7450,8 @@
                 <a:solidFill>
                   <a:schemeClr val="tx1"/>
                 </a:solidFill>
-                <a:latin typeface="Calibri" pitchFamily="34" charset="0"/>
-                <a:ea typeface="宋体" charset="-122"/>
+                <a:latin typeface="Calibri" panose="020F0502020204030204" pitchFamily="34" charset="0"/>
+                <a:ea typeface="宋体" panose="02010600030101010101" pitchFamily="2" charset="-122"/>
               </a:defRPr>
             </a:lvl4pPr>
             <a:lvl5pPr marL="2057400" indent="-228600" eaLnBrk="0" hangingPunct="0">
@@ -8268,8 +7459,8 @@
                 <a:solidFill>
                   <a:schemeClr val="tx1"/>
                 </a:solidFill>
-                <a:latin typeface="Calibri" pitchFamily="34" charset="0"/>
-                <a:ea typeface="宋体" charset="-122"/>
+                <a:latin typeface="Calibri" panose="020F0502020204030204" pitchFamily="34" charset="0"/>
+                <a:ea typeface="宋体" panose="02010600030101010101" pitchFamily="2" charset="-122"/>
               </a:defRPr>
             </a:lvl5pPr>
             <a:lvl6pPr marL="2514600" indent="-228600" eaLnBrk="0" fontAlgn="base" hangingPunct="0">
@@ -8283,8 +7474,8 @@
                 <a:solidFill>
                   <a:schemeClr val="tx1"/>
                 </a:solidFill>
-                <a:latin typeface="Calibri" pitchFamily="34" charset="0"/>
-                <a:ea typeface="宋体" charset="-122"/>
+                <a:latin typeface="Calibri" panose="020F0502020204030204" pitchFamily="34" charset="0"/>
+                <a:ea typeface="宋体" panose="02010600030101010101" pitchFamily="2" charset="-122"/>
               </a:defRPr>
             </a:lvl6pPr>
             <a:lvl7pPr marL="2971800" indent="-228600" eaLnBrk="0" fontAlgn="base" hangingPunct="0">
@@ -8298,8 +7489,8 @@
                 <a:solidFill>
                   <a:schemeClr val="tx1"/>
                 </a:solidFill>
-                <a:latin typeface="Calibri" pitchFamily="34" charset="0"/>
-                <a:ea typeface="宋体" charset="-122"/>
+                <a:latin typeface="Calibri" panose="020F0502020204030204" pitchFamily="34" charset="0"/>
+                <a:ea typeface="宋体" panose="02010600030101010101" pitchFamily="2" charset="-122"/>
               </a:defRPr>
             </a:lvl7pPr>
             <a:lvl8pPr marL="3429000" indent="-228600" eaLnBrk="0" fontAlgn="base" hangingPunct="0">
@@ -8313,8 +7504,8 @@
                 <a:solidFill>
                   <a:schemeClr val="tx1"/>
                 </a:solidFill>
-                <a:latin typeface="Calibri" pitchFamily="34" charset="0"/>
-                <a:ea typeface="宋体" charset="-122"/>
+                <a:latin typeface="Calibri" panose="020F0502020204030204" pitchFamily="34" charset="0"/>
+                <a:ea typeface="宋体" panose="02010600030101010101" pitchFamily="2" charset="-122"/>
               </a:defRPr>
             </a:lvl8pPr>
             <a:lvl9pPr marL="3886200" indent="-228600" eaLnBrk="0" fontAlgn="base" hangingPunct="0">
@@ -8328,8 +7519,8 @@
                 <a:solidFill>
                   <a:schemeClr val="tx1"/>
                 </a:solidFill>
-                <a:latin typeface="Calibri" pitchFamily="34" charset="0"/>
-                <a:ea typeface="宋体" charset="-122"/>
+                <a:latin typeface="Calibri" panose="020F0502020204030204" pitchFamily="34" charset="0"/>
+                <a:ea typeface="宋体" panose="02010600030101010101" pitchFamily="2" charset="-122"/>
               </a:defRPr>
             </a:lvl9pPr>
           </a:lstStyle>
@@ -8344,8 +7535,8 @@
                     <a:lumMod val="50000"/>
                   </a:schemeClr>
                 </a:solidFill>
-                <a:latin typeface="微软雅黑" pitchFamily="34" charset="-122"/>
-                <a:ea typeface="微软雅黑" pitchFamily="34" charset="-122"/>
+                <a:latin typeface="微软雅黑" panose="020B0503020204020204" pitchFamily="34" charset="-122"/>
+                <a:ea typeface="微软雅黑" panose="020B0503020204020204" pitchFamily="34" charset="-122"/>
                 <a:cs typeface="Arial Unicode MS" pitchFamily="34" charset="-122"/>
               </a:rPr>
               <a:t>www.nscc-gz.cn</a:t>
@@ -8356,8 +7547,8 @@
                   <a:lumMod val="50000"/>
                 </a:schemeClr>
               </a:solidFill>
-              <a:latin typeface="微软雅黑" pitchFamily="34" charset="-122"/>
-              <a:ea typeface="微软雅黑" pitchFamily="34" charset="-122"/>
+              <a:latin typeface="微软雅黑" panose="020B0503020204020204" pitchFamily="34" charset="-122"/>
+              <a:ea typeface="微软雅黑" panose="020B0503020204020204" pitchFamily="34" charset="-122"/>
             </a:endParaRPr>
           </a:p>
         </p:txBody>
@@ -8371,7 +7562,7 @@
           <p:nvPr/>
         </p:nvPicPr>
         <p:blipFill>
-          <a:blip r:embed="rId3">
+          <a:blip r:embed="rId2">
             <a:extLst>
               <a:ext uri="{28A0092B-C50C-407E-A947-70E740481C1C}">
                 <a14:useLocalDpi xmlns:a14="http://schemas.microsoft.com/office/drawing/2010/main" val="0"/>
@@ -8395,25 +7586,6 @@
           <a:ln>
             <a:noFill/>
           </a:ln>
-          <a:extLst>
-            <a:ext uri="{909E8E84-426E-40dd-AFC4-6F175D3DCCD1}">
-              <a14:hiddenFill xmlns:a14="http://schemas.microsoft.com/office/drawing/2010/main" xmlns="">
-                <a:solidFill>
-                  <a:srgbClr val="FFFFFF"/>
-                </a:solidFill>
-              </a14:hiddenFill>
-            </a:ext>
-            <a:ext uri="{91240B29-F687-4f45-9708-019B960494DF}">
-              <a14:hiddenLine xmlns:a14="http://schemas.microsoft.com/office/drawing/2010/main" xmlns="" w="9525">
-                <a:solidFill>
-                  <a:srgbClr val="000000"/>
-                </a:solidFill>
-                <a:miter lim="800000"/>
-                <a:headEnd/>
-                <a:tailEnd/>
-              </a14:hiddenLine>
-            </a:ext>
-          </a:extLst>
         </p:spPr>
       </p:pic>
       <p:pic>
@@ -8425,7 +7597,7 @@
           <p:nvPr/>
         </p:nvPicPr>
         <p:blipFill>
-          <a:blip r:embed="rId4">
+          <a:blip r:embed="rId3">
             <a:extLst>
               <a:ext uri="{28A0092B-C50C-407E-A947-70E740481C1C}">
                 <a14:useLocalDpi xmlns:a14="http://schemas.microsoft.com/office/drawing/2010/main" val="0"/>
@@ -8449,25 +7621,6 @@
           <a:ln>
             <a:noFill/>
           </a:ln>
-          <a:extLst>
-            <a:ext uri="{909E8E84-426E-40dd-AFC4-6F175D3DCCD1}">
-              <a14:hiddenFill xmlns:a14="http://schemas.microsoft.com/office/drawing/2010/main" xmlns="">
-                <a:solidFill>
-                  <a:srgbClr val="FFFFFF"/>
-                </a:solidFill>
-              </a14:hiddenFill>
-            </a:ext>
-            <a:ext uri="{91240B29-F687-4f45-9708-019B960494DF}">
-              <a14:hiddenLine xmlns:a14="http://schemas.microsoft.com/office/drawing/2010/main" xmlns="" w="9525">
-                <a:solidFill>
-                  <a:srgbClr val="000000"/>
-                </a:solidFill>
-                <a:miter lim="800000"/>
-                <a:headEnd/>
-                <a:tailEnd/>
-              </a14:hiddenLine>
-            </a:ext>
-          </a:extLst>
         </p:spPr>
       </p:pic>
       <p:sp>
@@ -8509,6 +7662,15 @@
               </a:rPr>
               <a:t>13316052680</a:t>
             </a:r>
+            <a:endParaRPr lang="en-US" altLang="zh-CN" sz="2000" dirty="0">
+              <a:solidFill>
+                <a:schemeClr val="accent1">
+                  <a:lumMod val="75000"/>
+                </a:schemeClr>
+              </a:solidFill>
+              <a:latin typeface="微软雅黑" panose="020B0503020204020204" pitchFamily="34" charset="-122"/>
+              <a:ea typeface="微软雅黑" panose="020B0503020204020204" pitchFamily="34" charset="-122"/>
+            </a:endParaRPr>
           </a:p>
           <a:p>
             <a:pPr algn="ctr">
@@ -8540,6 +7702,15 @@
               </a:rPr>
               <a:t>410</a:t>
             </a:r>
+            <a:endParaRPr lang="en-US" altLang="zh-CN" sz="2000" dirty="0">
+              <a:solidFill>
+                <a:schemeClr val="accent1">
+                  <a:lumMod val="75000"/>
+                </a:schemeClr>
+              </a:solidFill>
+              <a:latin typeface="微软雅黑" panose="020B0503020204020204" pitchFamily="34" charset="-122"/>
+              <a:ea typeface="微软雅黑" panose="020B0503020204020204" pitchFamily="34" charset="-122"/>
+            </a:endParaRPr>
           </a:p>
           <a:p>
             <a:pPr algn="ctr">
@@ -8556,7 +7727,7 @@
                 </a:solidFill>
                 <a:latin typeface="微软雅黑" panose="020B0503020204020204" pitchFamily="34" charset="-122"/>
                 <a:ea typeface="微软雅黑" panose="020B0503020204020204" pitchFamily="34" charset="-122"/>
-                <a:hlinkClick r:id="rId5"/>
+                <a:hlinkClick r:id="rId4"/>
               </a:rPr>
               <a:t>Zhiguang.chen@nscc-gz.cn</a:t>
             </a:r>
@@ -8574,13 +7745,7 @@
       </p:sp>
       <p:sp>
         <p:nvSpPr>
-          <p:cNvPr id="8" name="TextBox 2">
-            <a:extLst>
-              <a:ext uri="{FF2B5EF4-FFF2-40B4-BE49-F238E27FC236}">
-                <a16:creationId xmlns:a16="http://schemas.microsoft.com/office/drawing/2014/main" id="{E103ED0A-B145-4B88-99D4-2A1FBD48D83D}"/>
-              </a:ext>
-            </a:extLst>
-          </p:cNvPr>
+          <p:cNvPr id="8" name="TextBox 2"/>
           <p:cNvSpPr txBox="1">
             <a:spLocks noChangeArrowheads="1"/>
           </p:cNvSpPr>
@@ -8598,25 +7763,6 @@
           <a:ln>
             <a:noFill/>
           </a:ln>
-          <a:extLst>
-            <a:ext uri="{909E8E84-426E-40dd-AFC4-6F175D3DCCD1}">
-              <a14:hiddenFill xmlns="" xmlns:a14="http://schemas.microsoft.com/office/drawing/2010/main">
-                <a:solidFill>
-                  <a:srgbClr val="FFFFFF"/>
-                </a:solidFill>
-              </a14:hiddenFill>
-            </a:ext>
-            <a:ext uri="{91240B29-F687-4f45-9708-019B960494DF}">
-              <a14:hiddenLine xmlns="" xmlns:a14="http://schemas.microsoft.com/office/drawing/2010/main" w="9525">
-                <a:solidFill>
-                  <a:srgbClr val="000000"/>
-                </a:solidFill>
-                <a:miter lim="800000"/>
-                <a:headEnd/>
-                <a:tailEnd/>
-              </a14:hiddenLine>
-            </a:ext>
-          </a:extLst>
         </p:spPr>
         <p:txBody>
           <a:bodyPr wrap="square" lIns="91436" tIns="45718" rIns="91436" bIns="45718">
@@ -8803,6 +7949,13 @@
               </a:rPr>
               <a:t>讲：逻辑时钟与物理时钟同步</a:t>
             </a:r>
+            <a:endParaRPr lang="zh-CN" altLang="en-US" sz="3600" b="1" dirty="0">
+              <a:solidFill>
+                <a:srgbClr val="0070C0"/>
+              </a:solidFill>
+              <a:latin typeface="微软雅黑" panose="020B0503020204020204" pitchFamily="34" charset="-122"/>
+              <a:ea typeface="微软雅黑" panose="020B0503020204020204" pitchFamily="34" charset="-122"/>
+            </a:endParaRPr>
           </a:p>
         </p:txBody>
       </p:sp>
@@ -8851,25 +8004,6 @@
           <a:ln>
             <a:noFill/>
           </a:ln>
-          <a:extLst>
-            <a:ext uri="{909E8E84-426E-40dd-AFC4-6F175D3DCCD1}">
-              <a14:hiddenFill xmlns:a14="http://schemas.microsoft.com/office/drawing/2010/main" xmlns="">
-                <a:solidFill>
-                  <a:srgbClr val="FFFFFF"/>
-                </a:solidFill>
-              </a14:hiddenFill>
-            </a:ext>
-            <a:ext uri="{91240B29-F687-4f45-9708-019B960494DF}">
-              <a14:hiddenLine xmlns:a14="http://schemas.microsoft.com/office/drawing/2010/main" xmlns="" w="9525">
-                <a:solidFill>
-                  <a:srgbClr val="000000"/>
-                </a:solidFill>
-                <a:miter lim="800000"/>
-                <a:headEnd/>
-                <a:tailEnd/>
-              </a14:hiddenLine>
-            </a:ext>
-          </a:extLst>
         </p:spPr>
         <p:txBody>
           <a:bodyPr lIns="91436" tIns="45718" rIns="91436" bIns="45718">
@@ -9033,6 +8167,13 @@
               </a:rPr>
               <a:t>向量时间的性质</a:t>
             </a:r>
+            <a:endParaRPr lang="zh-CN" altLang="en-US" b="1" dirty="0">
+              <a:solidFill>
+                <a:srgbClr val="002060"/>
+              </a:solidFill>
+              <a:latin typeface="微软雅黑" panose="020B0503020204020204" pitchFamily="34" charset="-122"/>
+              <a:ea typeface="微软雅黑" panose="020B0503020204020204" pitchFamily="34" charset="-122"/>
+            </a:endParaRPr>
           </a:p>
         </p:txBody>
       </p:sp>
@@ -9052,25 +8193,6 @@
             <a:ext cx="2133600" cy="365125"/>
           </a:xfrm>
           <a:noFill/>
-          <a:extLst>
-            <a:ext uri="{909E8E84-426E-40dd-AFC4-6F175D3DCCD1}">
-              <a14:hiddenFill xmlns:a14="http://schemas.microsoft.com/office/drawing/2010/main" xmlns="">
-                <a:solidFill>
-                  <a:srgbClr val="FFFFFF"/>
-                </a:solidFill>
-              </a14:hiddenFill>
-            </a:ext>
-            <a:ext uri="{91240B29-F687-4f45-9708-019B960494DF}">
-              <a14:hiddenLine xmlns:a14="http://schemas.microsoft.com/office/drawing/2010/main" xmlns="" w="9525">
-                <a:solidFill>
-                  <a:srgbClr val="000000"/>
-                </a:solidFill>
-                <a:miter lim="800000"/>
-                <a:headEnd/>
-                <a:tailEnd/>
-              </a14:hiddenLine>
-            </a:ext>
-          </a:extLst>
         </p:spPr>
         <p:txBody>
           <a:bodyPr/>
@@ -9089,7 +8211,7 @@
                 <a:ea typeface="宋体" panose="02010600030101010101" pitchFamily="2" charset="-122"/>
               </a:defRPr>
             </a:lvl1pPr>
-            <a:lvl2pPr marL="742920" indent="-285738">
+            <a:lvl2pPr marL="742950" indent="-285750">
               <a:spcBef>
                 <a:spcPct val="20000"/>
               </a:spcBef>
@@ -9103,7 +8225,7 @@
                 <a:ea typeface="宋体" panose="02010600030101010101" pitchFamily="2" charset="-122"/>
               </a:defRPr>
             </a:lvl2pPr>
-            <a:lvl3pPr marL="1142953" indent="-228591">
+            <a:lvl3pPr marL="1143000" indent="-228600">
               <a:spcBef>
                 <a:spcPct val="20000"/>
               </a:spcBef>
@@ -9117,7 +8239,7 @@
                 <a:ea typeface="宋体" panose="02010600030101010101" pitchFamily="2" charset="-122"/>
               </a:defRPr>
             </a:lvl3pPr>
-            <a:lvl4pPr marL="1600135" indent="-228591">
+            <a:lvl4pPr marL="1600200" indent="-228600">
               <a:spcBef>
                 <a:spcPct val="20000"/>
               </a:spcBef>
@@ -9131,7 +8253,7 @@
                 <a:ea typeface="宋体" panose="02010600030101010101" pitchFamily="2" charset="-122"/>
               </a:defRPr>
             </a:lvl4pPr>
-            <a:lvl5pPr marL="2057315" indent="-228591">
+            <a:lvl5pPr marL="2057400" indent="-228600">
               <a:spcBef>
                 <a:spcPct val="20000"/>
               </a:spcBef>
@@ -9145,7 +8267,7 @@
                 <a:ea typeface="宋体" panose="02010600030101010101" pitchFamily="2" charset="-122"/>
               </a:defRPr>
             </a:lvl5pPr>
-            <a:lvl6pPr marL="2514497" indent="-228591" eaLnBrk="0" fontAlgn="base" hangingPunct="0">
+            <a:lvl6pPr marL="2514600" indent="-228600" eaLnBrk="0" fontAlgn="base" hangingPunct="0">
               <a:spcBef>
                 <a:spcPct val="20000"/>
               </a:spcBef>
@@ -9162,7 +8284,7 @@
                 <a:ea typeface="宋体" panose="02010600030101010101" pitchFamily="2" charset="-122"/>
               </a:defRPr>
             </a:lvl6pPr>
-            <a:lvl7pPr marL="2971678" indent="-228591" eaLnBrk="0" fontAlgn="base" hangingPunct="0">
+            <a:lvl7pPr marL="2971800" indent="-228600" eaLnBrk="0" fontAlgn="base" hangingPunct="0">
               <a:spcBef>
                 <a:spcPct val="20000"/>
               </a:spcBef>
@@ -9179,7 +8301,7 @@
                 <a:ea typeface="宋体" panose="02010600030101010101" pitchFamily="2" charset="-122"/>
               </a:defRPr>
             </a:lvl7pPr>
-            <a:lvl8pPr marL="3428859" indent="-228591" eaLnBrk="0" fontAlgn="base" hangingPunct="0">
+            <a:lvl8pPr marL="3429000" indent="-228600" eaLnBrk="0" fontAlgn="base" hangingPunct="0">
               <a:spcBef>
                 <a:spcPct val="20000"/>
               </a:spcBef>
@@ -9196,7 +8318,7 @@
                 <a:ea typeface="宋体" panose="02010600030101010101" pitchFamily="2" charset="-122"/>
               </a:defRPr>
             </a:lvl8pPr>
-            <a:lvl9pPr marL="3886041" indent="-228591" eaLnBrk="0" fontAlgn="base" hangingPunct="0">
+            <a:lvl9pPr marL="3886200" indent="-228600" eaLnBrk="0" fontAlgn="base" hangingPunct="0">
               <a:spcBef>
                 <a:spcPct val="20000"/>
               </a:spcBef>
@@ -9228,14 +8350,6 @@
                   <a:srgbClr val="898989"/>
                 </a:solidFill>
               </a:rPr>
-              <a:pPr>
-                <a:spcBef>
-                  <a:spcPct val="0"/>
-                </a:spcBef>
-                <a:buFontTx/>
-                <a:buNone/>
-              </a:pPr>
-              <a:t>10</a:t>
             </a:fld>
             <a:endParaRPr lang="zh-CN" altLang="en-US" sz="1200" dirty="0">
               <a:solidFill>
@@ -9254,7 +8368,7 @@
           <p:nvPr/>
         </p:nvPicPr>
         <p:blipFill>
-          <a:blip r:embed="rId3" cstate="print">
+          <a:blip r:embed="rId1" cstate="print">
             <a:extLst>
               <a:ext uri="{28A0092B-C50C-407E-A947-70E740481C1C}">
                 <a14:useLocalDpi xmlns:a14="http://schemas.microsoft.com/office/drawing/2010/main" val="0"/>
@@ -9278,35 +8392,16 @@
           <a:ln>
             <a:noFill/>
           </a:ln>
-          <a:extLst>
-            <a:ext uri="{909E8E84-426E-40dd-AFC4-6F175D3DCCD1}">
-              <a14:hiddenFill xmlns:a14="http://schemas.microsoft.com/office/drawing/2010/main" xmlns="">
-                <a:solidFill>
-                  <a:srgbClr val="FFFFFF"/>
-                </a:solidFill>
-              </a14:hiddenFill>
-            </a:ext>
-            <a:ext uri="{91240B29-F687-4f45-9708-019B960494DF}">
-              <a14:hiddenLine xmlns:a14="http://schemas.microsoft.com/office/drawing/2010/main" xmlns="" w="9525">
-                <a:solidFill>
-                  <a:srgbClr val="000000"/>
-                </a:solidFill>
-                <a:miter lim="800000"/>
-                <a:headEnd/>
-                <a:tailEnd/>
-              </a14:hiddenLine>
-            </a:ext>
-          </a:extLst>
         </p:spPr>
       </p:pic>
-      <mc:AlternateContent xmlns:mc="http://schemas.openxmlformats.org/markup-compatibility/2006" xmlns:a14="http://schemas.microsoft.com/office/drawing/2010/main">
-        <mc:Choice Requires="a14">
+      <mc:AlternateContent xmlns:mc="http://schemas.openxmlformats.org/markup-compatibility/2006">
+        <mc:Choice xmlns:a14="http://schemas.microsoft.com/office/drawing/2010/main" Requires="a14">
           <p:sp>
             <p:nvSpPr>
               <p:cNvPr id="6" name="Subtitle 2">
                 <a:extLst>
                   <a:ext uri="{FF2B5EF4-FFF2-40B4-BE49-F238E27FC236}">
-                    <a16:creationId xmlns:a16="http://schemas.microsoft.com/office/drawing/2014/main" id="{5B72932F-F3D6-46BF-9A61-0930A2E33BD6}"/>
+                    <ele attr="{5B72932F-F3D6-46BF-9A61-0930A2E33BD6}"/>
                   </a:ext>
                 </a:extLst>
               </p:cNvPr>
@@ -10377,16 +9472,10 @@
             </p:txBody>
           </p:sp>
         </mc:Choice>
-        <mc:Fallback xmlns="">
+        <mc:Fallback>
           <p:sp>
             <p:nvSpPr>
-              <p:cNvPr id="6" name="Subtitle 2">
-                <a:extLst>
-                  <a:ext uri="{FF2B5EF4-FFF2-40B4-BE49-F238E27FC236}">
-                    <a16:creationId xmlns:a16="http://schemas.microsoft.com/office/drawing/2014/main" id="{5B72932F-F3D6-46BF-9A61-0930A2E33BD6}"/>
-                  </a:ext>
-                </a:extLst>
-              </p:cNvPr>
+              <p:cNvPr id="6" name="Subtitle 2"/>
               <p:cNvSpPr txBox="1">
                 <a:spLocks noRot="1" noChangeAspect="1" noMove="1" noResize="1" noEditPoints="1" noAdjustHandles="1" noChangeArrowheads="1" noChangeShapeType="1" noTextEdit="1"/>
               </p:cNvSpPr>
@@ -10400,8 +9489,8 @@
               <a:prstGeom prst="rect">
                 <a:avLst/>
               </a:prstGeom>
-              <a:blipFill>
-                <a:blip r:embed="rId4"/>
+              <a:blipFill rotWithShape="1">
+                <a:blip r:embed="rId2"/>
                 <a:stretch>
                   <a:fillRect l="-576" t="-1514"/>
                 </a:stretch>
@@ -10439,17 +9528,15 @@
                   </a:rPr>
                   <a:t> </a:t>
                 </a:r>
+                <a:endParaRPr lang="zh-CN" altLang="en-US">
+                  <a:noFill/>
+                </a:endParaRPr>
               </a:p>
             </p:txBody>
           </p:sp>
         </mc:Fallback>
       </mc:AlternateContent>
     </p:spTree>
-    <p:extLst>
-      <p:ext uri="{BB962C8B-B14F-4D97-AF65-F5344CB8AC3E}">
-        <p14:creationId xmlns:p14="http://schemas.microsoft.com/office/powerpoint/2010/main" val="1590670704"/>
-      </p:ext>
-    </p:extLst>
   </p:cSld>
   <p:clrMapOvr>
     <a:masterClrMapping/>
@@ -10494,25 +9581,6 @@
           <a:ln>
             <a:noFill/>
           </a:ln>
-          <a:extLst>
-            <a:ext uri="{909E8E84-426E-40dd-AFC4-6F175D3DCCD1}">
-              <a14:hiddenFill xmlns:a14="http://schemas.microsoft.com/office/drawing/2010/main" xmlns="">
-                <a:solidFill>
-                  <a:srgbClr val="FFFFFF"/>
-                </a:solidFill>
-              </a14:hiddenFill>
-            </a:ext>
-            <a:ext uri="{91240B29-F687-4f45-9708-019B960494DF}">
-              <a14:hiddenLine xmlns:a14="http://schemas.microsoft.com/office/drawing/2010/main" xmlns="" w="9525">
-                <a:solidFill>
-                  <a:srgbClr val="000000"/>
-                </a:solidFill>
-                <a:miter lim="800000"/>
-                <a:headEnd/>
-                <a:tailEnd/>
-              </a14:hiddenLine>
-            </a:ext>
-          </a:extLst>
         </p:spPr>
         <p:txBody>
           <a:bodyPr lIns="91436" tIns="45718" rIns="91436" bIns="45718">
@@ -10676,6 +9744,13 @@
               </a:rPr>
               <a:t>向量时间的性质</a:t>
             </a:r>
+            <a:endParaRPr lang="zh-CN" altLang="en-US" b="1" dirty="0">
+              <a:solidFill>
+                <a:srgbClr val="002060"/>
+              </a:solidFill>
+              <a:latin typeface="微软雅黑" panose="020B0503020204020204" pitchFamily="34" charset="-122"/>
+              <a:ea typeface="微软雅黑" panose="020B0503020204020204" pitchFamily="34" charset="-122"/>
+            </a:endParaRPr>
           </a:p>
         </p:txBody>
       </p:sp>
@@ -10695,25 +9770,6 @@
             <a:ext cx="2133600" cy="365125"/>
           </a:xfrm>
           <a:noFill/>
-          <a:extLst>
-            <a:ext uri="{909E8E84-426E-40dd-AFC4-6F175D3DCCD1}">
-              <a14:hiddenFill xmlns:a14="http://schemas.microsoft.com/office/drawing/2010/main" xmlns="">
-                <a:solidFill>
-                  <a:srgbClr val="FFFFFF"/>
-                </a:solidFill>
-              </a14:hiddenFill>
-            </a:ext>
-            <a:ext uri="{91240B29-F687-4f45-9708-019B960494DF}">
-              <a14:hiddenLine xmlns:a14="http://schemas.microsoft.com/office/drawing/2010/main" xmlns="" w="9525">
-                <a:solidFill>
-                  <a:srgbClr val="000000"/>
-                </a:solidFill>
-                <a:miter lim="800000"/>
-                <a:headEnd/>
-                <a:tailEnd/>
-              </a14:hiddenLine>
-            </a:ext>
-          </a:extLst>
         </p:spPr>
         <p:txBody>
           <a:bodyPr/>
@@ -10732,7 +9788,7 @@
                 <a:ea typeface="宋体" panose="02010600030101010101" pitchFamily="2" charset="-122"/>
               </a:defRPr>
             </a:lvl1pPr>
-            <a:lvl2pPr marL="742920" indent="-285738">
+            <a:lvl2pPr marL="742950" indent="-285750">
               <a:spcBef>
                 <a:spcPct val="20000"/>
               </a:spcBef>
@@ -10746,7 +9802,7 @@
                 <a:ea typeface="宋体" panose="02010600030101010101" pitchFamily="2" charset="-122"/>
               </a:defRPr>
             </a:lvl2pPr>
-            <a:lvl3pPr marL="1142953" indent="-228591">
+            <a:lvl3pPr marL="1143000" indent="-228600">
               <a:spcBef>
                 <a:spcPct val="20000"/>
               </a:spcBef>
@@ -10760,7 +9816,7 @@
                 <a:ea typeface="宋体" panose="02010600030101010101" pitchFamily="2" charset="-122"/>
               </a:defRPr>
             </a:lvl3pPr>
-            <a:lvl4pPr marL="1600135" indent="-228591">
+            <a:lvl4pPr marL="1600200" indent="-228600">
               <a:spcBef>
                 <a:spcPct val="20000"/>
               </a:spcBef>
@@ -10774,7 +9830,7 @@
                 <a:ea typeface="宋体" panose="02010600030101010101" pitchFamily="2" charset="-122"/>
               </a:defRPr>
             </a:lvl4pPr>
-            <a:lvl5pPr marL="2057315" indent="-228591">
+            <a:lvl5pPr marL="2057400" indent="-228600">
               <a:spcBef>
                 <a:spcPct val="20000"/>
               </a:spcBef>
@@ -10788,7 +9844,7 @@
                 <a:ea typeface="宋体" panose="02010600030101010101" pitchFamily="2" charset="-122"/>
               </a:defRPr>
             </a:lvl5pPr>
-            <a:lvl6pPr marL="2514497" indent="-228591" eaLnBrk="0" fontAlgn="base" hangingPunct="0">
+            <a:lvl6pPr marL="2514600" indent="-228600" eaLnBrk="0" fontAlgn="base" hangingPunct="0">
               <a:spcBef>
                 <a:spcPct val="20000"/>
               </a:spcBef>
@@ -10805,7 +9861,7 @@
                 <a:ea typeface="宋体" panose="02010600030101010101" pitchFamily="2" charset="-122"/>
               </a:defRPr>
             </a:lvl6pPr>
-            <a:lvl7pPr marL="2971678" indent="-228591" eaLnBrk="0" fontAlgn="base" hangingPunct="0">
+            <a:lvl7pPr marL="2971800" indent="-228600" eaLnBrk="0" fontAlgn="base" hangingPunct="0">
               <a:spcBef>
                 <a:spcPct val="20000"/>
               </a:spcBef>
@@ -10822,7 +9878,7 @@
                 <a:ea typeface="宋体" panose="02010600030101010101" pitchFamily="2" charset="-122"/>
               </a:defRPr>
             </a:lvl7pPr>
-            <a:lvl8pPr marL="3428859" indent="-228591" eaLnBrk="0" fontAlgn="base" hangingPunct="0">
+            <a:lvl8pPr marL="3429000" indent="-228600" eaLnBrk="0" fontAlgn="base" hangingPunct="0">
               <a:spcBef>
                 <a:spcPct val="20000"/>
               </a:spcBef>
@@ -10839,7 +9895,7 @@
                 <a:ea typeface="宋体" panose="02010600030101010101" pitchFamily="2" charset="-122"/>
               </a:defRPr>
             </a:lvl8pPr>
-            <a:lvl9pPr marL="3886041" indent="-228591" eaLnBrk="0" fontAlgn="base" hangingPunct="0">
+            <a:lvl9pPr marL="3886200" indent="-228600" eaLnBrk="0" fontAlgn="base" hangingPunct="0">
               <a:spcBef>
                 <a:spcPct val="20000"/>
               </a:spcBef>
@@ -10871,14 +9927,6 @@
                   <a:srgbClr val="898989"/>
                 </a:solidFill>
               </a:rPr>
-              <a:pPr>
-                <a:spcBef>
-                  <a:spcPct val="0"/>
-                </a:spcBef>
-                <a:buFontTx/>
-                <a:buNone/>
-              </a:pPr>
-              <a:t>11</a:t>
             </a:fld>
             <a:endParaRPr lang="zh-CN" altLang="en-US" sz="1200" dirty="0">
               <a:solidFill>
@@ -10897,7 +9945,7 @@
           <p:nvPr/>
         </p:nvPicPr>
         <p:blipFill>
-          <a:blip r:embed="rId3" cstate="print">
+          <a:blip r:embed="rId1" cstate="print">
             <a:extLst>
               <a:ext uri="{28A0092B-C50C-407E-A947-70E740481C1C}">
                 <a14:useLocalDpi xmlns:a14="http://schemas.microsoft.com/office/drawing/2010/main" val="0"/>
@@ -10921,35 +9969,16 @@
           <a:ln>
             <a:noFill/>
           </a:ln>
-          <a:extLst>
-            <a:ext uri="{909E8E84-426E-40dd-AFC4-6F175D3DCCD1}">
-              <a14:hiddenFill xmlns:a14="http://schemas.microsoft.com/office/drawing/2010/main" xmlns="">
-                <a:solidFill>
-                  <a:srgbClr val="FFFFFF"/>
-                </a:solidFill>
-              </a14:hiddenFill>
-            </a:ext>
-            <a:ext uri="{91240B29-F687-4f45-9708-019B960494DF}">
-              <a14:hiddenLine xmlns:a14="http://schemas.microsoft.com/office/drawing/2010/main" xmlns="" w="9525">
-                <a:solidFill>
-                  <a:srgbClr val="000000"/>
-                </a:solidFill>
-                <a:miter lim="800000"/>
-                <a:headEnd/>
-                <a:tailEnd/>
-              </a14:hiddenLine>
-            </a:ext>
-          </a:extLst>
         </p:spPr>
       </p:pic>
-      <mc:AlternateContent xmlns:mc="http://schemas.openxmlformats.org/markup-compatibility/2006" xmlns:a14="http://schemas.microsoft.com/office/drawing/2010/main">
-        <mc:Choice Requires="a14">
+      <mc:AlternateContent xmlns:mc="http://schemas.openxmlformats.org/markup-compatibility/2006">
+        <mc:Choice xmlns:a14="http://schemas.microsoft.com/office/drawing/2010/main" Requires="a14">
           <p:sp>
             <p:nvSpPr>
               <p:cNvPr id="6" name="Subtitle 2">
                 <a:extLst>
                   <a:ext uri="{FF2B5EF4-FFF2-40B4-BE49-F238E27FC236}">
-                    <a16:creationId xmlns:a16="http://schemas.microsoft.com/office/drawing/2014/main" id="{5B72932F-F3D6-46BF-9A61-0930A2E33BD6}"/>
+                    <ele attr="{5B72932F-F3D6-46BF-9A61-0930A2E33BD6}"/>
                   </a:ext>
                 </a:extLst>
               </p:cNvPr>
@@ -12004,16 +11033,10 @@
             </p:txBody>
           </p:sp>
         </mc:Choice>
-        <mc:Fallback xmlns="">
+        <mc:Fallback>
           <p:sp>
             <p:nvSpPr>
-              <p:cNvPr id="6" name="Subtitle 2">
-                <a:extLst>
-                  <a:ext uri="{FF2B5EF4-FFF2-40B4-BE49-F238E27FC236}">
-                    <a16:creationId xmlns:a16="http://schemas.microsoft.com/office/drawing/2014/main" id="{5B72932F-F3D6-46BF-9A61-0930A2E33BD6}"/>
-                  </a:ext>
-                </a:extLst>
-              </p:cNvPr>
+              <p:cNvPr id="6" name="Subtitle 2"/>
               <p:cNvSpPr txBox="1">
                 <a:spLocks noRot="1" noChangeAspect="1" noMove="1" noResize="1" noEditPoints="1" noAdjustHandles="1" noChangeArrowheads="1" noChangeShapeType="1" noTextEdit="1"/>
               </p:cNvSpPr>
@@ -12027,8 +11050,8 @@
               <a:prstGeom prst="rect">
                 <a:avLst/>
               </a:prstGeom>
-              <a:blipFill>
-                <a:blip r:embed="rId4"/>
+              <a:blipFill rotWithShape="1">
+                <a:blip r:embed="rId2"/>
                 <a:stretch>
                   <a:fillRect l="-576" t="-1188"/>
                 </a:stretch>
@@ -12066,19 +11089,22 @@
                   </a:rPr>
                   <a:t> </a:t>
                 </a:r>
+                <a:endParaRPr lang="zh-CN" altLang="en-US">
+                  <a:noFill/>
+                </a:endParaRPr>
               </a:p>
             </p:txBody>
           </p:sp>
         </mc:Fallback>
       </mc:AlternateContent>
-      <mc:AlternateContent xmlns:mc="http://schemas.openxmlformats.org/markup-compatibility/2006" xmlns:a14="http://schemas.microsoft.com/office/drawing/2010/main">
-        <mc:Choice Requires="a14">
+      <mc:AlternateContent xmlns:mc="http://schemas.openxmlformats.org/markup-compatibility/2006">
+        <mc:Choice xmlns:a14="http://schemas.microsoft.com/office/drawing/2010/main" Requires="a14">
           <p:sp>
             <p:nvSpPr>
               <p:cNvPr id="7" name="矩形 6">
                 <a:extLst>
                   <a:ext uri="{FF2B5EF4-FFF2-40B4-BE49-F238E27FC236}">
-                    <a16:creationId xmlns:a16="http://schemas.microsoft.com/office/drawing/2014/main" id="{ED5AA594-CA46-4A10-A143-228D79324F37}"/>
+                    <ele attr="{ED5AA594-CA46-4A10-A143-228D79324F37}"/>
                   </a:ext>
                 </a:extLst>
               </p:cNvPr>
@@ -13074,16 +12100,10 @@
             </p:txBody>
           </p:sp>
         </mc:Choice>
-        <mc:Fallback xmlns="">
+        <mc:Fallback>
           <p:sp>
             <p:nvSpPr>
-              <p:cNvPr id="7" name="矩形 6">
-                <a:extLst>
-                  <a:ext uri="{FF2B5EF4-FFF2-40B4-BE49-F238E27FC236}">
-                    <a16:creationId xmlns:a16="http://schemas.microsoft.com/office/drawing/2014/main" id="{ED5AA594-CA46-4A10-A143-228D79324F37}"/>
-                  </a:ext>
-                </a:extLst>
-              </p:cNvPr>
+              <p:cNvPr id="7" name="矩形 6"/>
               <p:cNvSpPr>
                 <a:spLocks noRot="1" noChangeAspect="1" noMove="1" noResize="1" noEditPoints="1" noAdjustHandles="1" noChangeArrowheads="1" noChangeShapeType="1" noTextEdit="1"/>
               </p:cNvSpPr>
@@ -13097,8 +12117,8 @@
               <a:prstGeom prst="rect">
                 <a:avLst/>
               </a:prstGeom>
-              <a:blipFill>
-                <a:blip r:embed="rId5"/>
+              <a:blipFill rotWithShape="1">
+                <a:blip r:embed="rId3"/>
                 <a:stretch>
                   <a:fillRect l="-937" t="-2813" r="-288" b="-1790"/>
                 </a:stretch>
@@ -13114,17 +12134,15 @@
                   </a:rPr>
                   <a:t> </a:t>
                 </a:r>
+                <a:endParaRPr lang="zh-CN" altLang="en-US">
+                  <a:noFill/>
+                </a:endParaRPr>
               </a:p>
             </p:txBody>
           </p:sp>
         </mc:Fallback>
       </mc:AlternateContent>
     </p:spTree>
-    <p:extLst>
-      <p:ext uri="{BB962C8B-B14F-4D97-AF65-F5344CB8AC3E}">
-        <p14:creationId xmlns:p14="http://schemas.microsoft.com/office/powerpoint/2010/main" val="3253973017"/>
-      </p:ext>
-    </p:extLst>
   </p:cSld>
   <p:clrMapOvr>
     <a:masterClrMapping/>
@@ -13169,25 +12187,6 @@
           <a:ln>
             <a:noFill/>
           </a:ln>
-          <a:extLst>
-            <a:ext uri="{909E8E84-426E-40dd-AFC4-6F175D3DCCD1}">
-              <a14:hiddenFill xmlns:a14="http://schemas.microsoft.com/office/drawing/2010/main" xmlns="">
-                <a:solidFill>
-                  <a:srgbClr val="FFFFFF"/>
-                </a:solidFill>
-              </a14:hiddenFill>
-            </a:ext>
-            <a:ext uri="{91240B29-F687-4f45-9708-019B960494DF}">
-              <a14:hiddenLine xmlns:a14="http://schemas.microsoft.com/office/drawing/2010/main" xmlns="" w="9525">
-                <a:solidFill>
-                  <a:srgbClr val="000000"/>
-                </a:solidFill>
-                <a:miter lim="800000"/>
-                <a:headEnd/>
-                <a:tailEnd/>
-              </a14:hiddenLine>
-            </a:ext>
-          </a:extLst>
         </p:spPr>
         <p:txBody>
           <a:bodyPr lIns="91436" tIns="45718" rIns="91436" bIns="45718">
@@ -13351,6 +12350,13 @@
               </a:rPr>
               <a:t>向量时间压缩</a:t>
             </a:r>
+            <a:endParaRPr lang="zh-CN" altLang="en-US" b="1" dirty="0">
+              <a:solidFill>
+                <a:srgbClr val="002060"/>
+              </a:solidFill>
+              <a:latin typeface="微软雅黑" panose="020B0503020204020204" pitchFamily="34" charset="-122"/>
+              <a:ea typeface="微软雅黑" panose="020B0503020204020204" pitchFamily="34" charset="-122"/>
+            </a:endParaRPr>
           </a:p>
         </p:txBody>
       </p:sp>
@@ -13370,25 +12376,6 @@
             <a:ext cx="2133600" cy="365125"/>
           </a:xfrm>
           <a:noFill/>
-          <a:extLst>
-            <a:ext uri="{909E8E84-426E-40dd-AFC4-6F175D3DCCD1}">
-              <a14:hiddenFill xmlns:a14="http://schemas.microsoft.com/office/drawing/2010/main" xmlns="">
-                <a:solidFill>
-                  <a:srgbClr val="FFFFFF"/>
-                </a:solidFill>
-              </a14:hiddenFill>
-            </a:ext>
-            <a:ext uri="{91240B29-F687-4f45-9708-019B960494DF}">
-              <a14:hiddenLine xmlns:a14="http://schemas.microsoft.com/office/drawing/2010/main" xmlns="" w="9525">
-                <a:solidFill>
-                  <a:srgbClr val="000000"/>
-                </a:solidFill>
-                <a:miter lim="800000"/>
-                <a:headEnd/>
-                <a:tailEnd/>
-              </a14:hiddenLine>
-            </a:ext>
-          </a:extLst>
         </p:spPr>
         <p:txBody>
           <a:bodyPr/>
@@ -13407,7 +12394,7 @@
                 <a:ea typeface="宋体" panose="02010600030101010101" pitchFamily="2" charset="-122"/>
               </a:defRPr>
             </a:lvl1pPr>
-            <a:lvl2pPr marL="742920" indent="-285738">
+            <a:lvl2pPr marL="742950" indent="-285750">
               <a:spcBef>
                 <a:spcPct val="20000"/>
               </a:spcBef>
@@ -13421,7 +12408,7 @@
                 <a:ea typeface="宋体" panose="02010600030101010101" pitchFamily="2" charset="-122"/>
               </a:defRPr>
             </a:lvl2pPr>
-            <a:lvl3pPr marL="1142953" indent="-228591">
+            <a:lvl3pPr marL="1143000" indent="-228600">
               <a:spcBef>
                 <a:spcPct val="20000"/>
               </a:spcBef>
@@ -13435,7 +12422,7 @@
                 <a:ea typeface="宋体" panose="02010600030101010101" pitchFamily="2" charset="-122"/>
               </a:defRPr>
             </a:lvl3pPr>
-            <a:lvl4pPr marL="1600135" indent="-228591">
+            <a:lvl4pPr marL="1600200" indent="-228600">
               <a:spcBef>
                 <a:spcPct val="20000"/>
               </a:spcBef>
@@ -13449,7 +12436,7 @@
                 <a:ea typeface="宋体" panose="02010600030101010101" pitchFamily="2" charset="-122"/>
               </a:defRPr>
             </a:lvl4pPr>
-            <a:lvl5pPr marL="2057315" indent="-228591">
+            <a:lvl5pPr marL="2057400" indent="-228600">
               <a:spcBef>
                 <a:spcPct val="20000"/>
               </a:spcBef>
@@ -13463,7 +12450,7 @@
                 <a:ea typeface="宋体" panose="02010600030101010101" pitchFamily="2" charset="-122"/>
               </a:defRPr>
             </a:lvl5pPr>
-            <a:lvl6pPr marL="2514497" indent="-228591" eaLnBrk="0" fontAlgn="base" hangingPunct="0">
+            <a:lvl6pPr marL="2514600" indent="-228600" eaLnBrk="0" fontAlgn="base" hangingPunct="0">
               <a:spcBef>
                 <a:spcPct val="20000"/>
               </a:spcBef>
@@ -13480,7 +12467,7 @@
                 <a:ea typeface="宋体" panose="02010600030101010101" pitchFamily="2" charset="-122"/>
               </a:defRPr>
             </a:lvl6pPr>
-            <a:lvl7pPr marL="2971678" indent="-228591" eaLnBrk="0" fontAlgn="base" hangingPunct="0">
+            <a:lvl7pPr marL="2971800" indent="-228600" eaLnBrk="0" fontAlgn="base" hangingPunct="0">
               <a:spcBef>
                 <a:spcPct val="20000"/>
               </a:spcBef>
@@ -13497,7 +12484,7 @@
                 <a:ea typeface="宋体" panose="02010600030101010101" pitchFamily="2" charset="-122"/>
               </a:defRPr>
             </a:lvl7pPr>
-            <a:lvl8pPr marL="3428859" indent="-228591" eaLnBrk="0" fontAlgn="base" hangingPunct="0">
+            <a:lvl8pPr marL="3429000" indent="-228600" eaLnBrk="0" fontAlgn="base" hangingPunct="0">
               <a:spcBef>
                 <a:spcPct val="20000"/>
               </a:spcBef>
@@ -13514,7 +12501,7 @@
                 <a:ea typeface="宋体" panose="02010600030101010101" pitchFamily="2" charset="-122"/>
               </a:defRPr>
             </a:lvl8pPr>
-            <a:lvl9pPr marL="3886041" indent="-228591" eaLnBrk="0" fontAlgn="base" hangingPunct="0">
+            <a:lvl9pPr marL="3886200" indent="-228600" eaLnBrk="0" fontAlgn="base" hangingPunct="0">
               <a:spcBef>
                 <a:spcPct val="20000"/>
               </a:spcBef>
@@ -13546,14 +12533,6 @@
                   <a:srgbClr val="898989"/>
                 </a:solidFill>
               </a:rPr>
-              <a:pPr>
-                <a:spcBef>
-                  <a:spcPct val="0"/>
-                </a:spcBef>
-                <a:buFontTx/>
-                <a:buNone/>
-              </a:pPr>
-              <a:t>12</a:t>
             </a:fld>
             <a:endParaRPr lang="zh-CN" altLang="en-US" sz="1200" dirty="0">
               <a:solidFill>
@@ -13572,7 +12551,7 @@
           <p:nvPr/>
         </p:nvPicPr>
         <p:blipFill>
-          <a:blip r:embed="rId3" cstate="print">
+          <a:blip r:embed="rId1" cstate="print">
             <a:extLst>
               <a:ext uri="{28A0092B-C50C-407E-A947-70E740481C1C}">
                 <a14:useLocalDpi xmlns:a14="http://schemas.microsoft.com/office/drawing/2010/main" val="0"/>
@@ -13596,35 +12575,16 @@
           <a:ln>
             <a:noFill/>
           </a:ln>
-          <a:extLst>
-            <a:ext uri="{909E8E84-426E-40dd-AFC4-6F175D3DCCD1}">
-              <a14:hiddenFill xmlns:a14="http://schemas.microsoft.com/office/drawing/2010/main" xmlns="">
-                <a:solidFill>
-                  <a:srgbClr val="FFFFFF"/>
-                </a:solidFill>
-              </a14:hiddenFill>
-            </a:ext>
-            <a:ext uri="{91240B29-F687-4f45-9708-019B960494DF}">
-              <a14:hiddenLine xmlns:a14="http://schemas.microsoft.com/office/drawing/2010/main" xmlns="" w="9525">
-                <a:solidFill>
-                  <a:srgbClr val="000000"/>
-                </a:solidFill>
-                <a:miter lim="800000"/>
-                <a:headEnd/>
-                <a:tailEnd/>
-              </a14:hiddenLine>
-            </a:ext>
-          </a:extLst>
         </p:spPr>
       </p:pic>
-      <mc:AlternateContent xmlns:mc="http://schemas.openxmlformats.org/markup-compatibility/2006" xmlns:a14="http://schemas.microsoft.com/office/drawing/2010/main">
-        <mc:Choice Requires="a14">
+      <mc:AlternateContent xmlns:mc="http://schemas.openxmlformats.org/markup-compatibility/2006">
+        <mc:Choice xmlns:a14="http://schemas.microsoft.com/office/drawing/2010/main" Requires="a14">
           <p:sp>
             <p:nvSpPr>
               <p:cNvPr id="6" name="Subtitle 2">
                 <a:extLst>
                   <a:ext uri="{FF2B5EF4-FFF2-40B4-BE49-F238E27FC236}">
-                    <a16:creationId xmlns:a16="http://schemas.microsoft.com/office/drawing/2014/main" id="{5B72932F-F3D6-46BF-9A61-0930A2E33BD6}"/>
+                    <ele attr="{5B72932F-F3D6-46BF-9A61-0930A2E33BD6}"/>
                   </a:ext>
                 </a:extLst>
               </p:cNvPr>
@@ -15764,16 +14724,10 @@
             </p:txBody>
           </p:sp>
         </mc:Choice>
-        <mc:Fallback xmlns="">
+        <mc:Fallback>
           <p:sp>
             <p:nvSpPr>
-              <p:cNvPr id="6" name="Subtitle 2">
-                <a:extLst>
-                  <a:ext uri="{FF2B5EF4-FFF2-40B4-BE49-F238E27FC236}">
-                    <a16:creationId xmlns:a16="http://schemas.microsoft.com/office/drawing/2014/main" id="{5B72932F-F3D6-46BF-9A61-0930A2E33BD6}"/>
-                  </a:ext>
-                </a:extLst>
-              </p:cNvPr>
+              <p:cNvPr id="6" name="Subtitle 2"/>
               <p:cNvSpPr txBox="1">
                 <a:spLocks noRot="1" noChangeAspect="1" noMove="1" noResize="1" noEditPoints="1" noAdjustHandles="1" noChangeArrowheads="1" noChangeShapeType="1" noTextEdit="1"/>
               </p:cNvSpPr>
@@ -15787,8 +14741,8 @@
               <a:prstGeom prst="rect">
                 <a:avLst/>
               </a:prstGeom>
-              <a:blipFill>
-                <a:blip r:embed="rId4"/>
+              <a:blipFill rotWithShape="1">
+                <a:blip r:embed="rId2"/>
                 <a:stretch>
                   <a:fillRect l="-605" t="-1324" r="-336"/>
                 </a:stretch>
@@ -15826,17 +14780,15 @@
                   </a:rPr>
                   <a:t> </a:t>
                 </a:r>
+                <a:endParaRPr lang="zh-CN" altLang="en-US">
+                  <a:noFill/>
+                </a:endParaRPr>
               </a:p>
             </p:txBody>
           </p:sp>
         </mc:Fallback>
       </mc:AlternateContent>
     </p:spTree>
-    <p:extLst>
-      <p:ext uri="{BB962C8B-B14F-4D97-AF65-F5344CB8AC3E}">
-        <p14:creationId xmlns:p14="http://schemas.microsoft.com/office/powerpoint/2010/main" val="2536694117"/>
-      </p:ext>
-    </p:extLst>
   </p:cSld>
   <p:clrMapOvr>
     <a:masterClrMapping/>
@@ -15881,25 +14833,6 @@
           <a:ln>
             <a:noFill/>
           </a:ln>
-          <a:extLst>
-            <a:ext uri="{909E8E84-426E-40dd-AFC4-6F175D3DCCD1}">
-              <a14:hiddenFill xmlns:a14="http://schemas.microsoft.com/office/drawing/2010/main" xmlns="">
-                <a:solidFill>
-                  <a:srgbClr val="FFFFFF"/>
-                </a:solidFill>
-              </a14:hiddenFill>
-            </a:ext>
-            <a:ext uri="{91240B29-F687-4f45-9708-019B960494DF}">
-              <a14:hiddenLine xmlns:a14="http://schemas.microsoft.com/office/drawing/2010/main" xmlns="" w="9525">
-                <a:solidFill>
-                  <a:srgbClr val="000000"/>
-                </a:solidFill>
-                <a:miter lim="800000"/>
-                <a:headEnd/>
-                <a:tailEnd/>
-              </a14:hiddenLine>
-            </a:ext>
-          </a:extLst>
         </p:spPr>
         <p:txBody>
           <a:bodyPr lIns="91436" tIns="45718" rIns="91436" bIns="45718">
@@ -16063,6 +14996,13 @@
               </a:rPr>
               <a:t>矩阵时间</a:t>
             </a:r>
+            <a:endParaRPr lang="zh-CN" altLang="en-US" b="1" dirty="0">
+              <a:solidFill>
+                <a:srgbClr val="002060"/>
+              </a:solidFill>
+              <a:latin typeface="微软雅黑" panose="020B0503020204020204" pitchFamily="34" charset="-122"/>
+              <a:ea typeface="微软雅黑" panose="020B0503020204020204" pitchFamily="34" charset="-122"/>
+            </a:endParaRPr>
           </a:p>
         </p:txBody>
       </p:sp>
@@ -16082,25 +15022,6 @@
             <a:ext cx="2133600" cy="365125"/>
           </a:xfrm>
           <a:noFill/>
-          <a:extLst>
-            <a:ext uri="{909E8E84-426E-40dd-AFC4-6F175D3DCCD1}">
-              <a14:hiddenFill xmlns:a14="http://schemas.microsoft.com/office/drawing/2010/main" xmlns="">
-                <a:solidFill>
-                  <a:srgbClr val="FFFFFF"/>
-                </a:solidFill>
-              </a14:hiddenFill>
-            </a:ext>
-            <a:ext uri="{91240B29-F687-4f45-9708-019B960494DF}">
-              <a14:hiddenLine xmlns:a14="http://schemas.microsoft.com/office/drawing/2010/main" xmlns="" w="9525">
-                <a:solidFill>
-                  <a:srgbClr val="000000"/>
-                </a:solidFill>
-                <a:miter lim="800000"/>
-                <a:headEnd/>
-                <a:tailEnd/>
-              </a14:hiddenLine>
-            </a:ext>
-          </a:extLst>
         </p:spPr>
         <p:txBody>
           <a:bodyPr/>
@@ -16119,7 +15040,7 @@
                 <a:ea typeface="宋体" panose="02010600030101010101" pitchFamily="2" charset="-122"/>
               </a:defRPr>
             </a:lvl1pPr>
-            <a:lvl2pPr marL="742920" indent="-285738">
+            <a:lvl2pPr marL="742950" indent="-285750">
               <a:spcBef>
                 <a:spcPct val="20000"/>
               </a:spcBef>
@@ -16133,7 +15054,7 @@
                 <a:ea typeface="宋体" panose="02010600030101010101" pitchFamily="2" charset="-122"/>
               </a:defRPr>
             </a:lvl2pPr>
-            <a:lvl3pPr marL="1142953" indent="-228591">
+            <a:lvl3pPr marL="1143000" indent="-228600">
               <a:spcBef>
                 <a:spcPct val="20000"/>
               </a:spcBef>
@@ -16147,7 +15068,7 @@
                 <a:ea typeface="宋体" panose="02010600030101010101" pitchFamily="2" charset="-122"/>
               </a:defRPr>
             </a:lvl3pPr>
-            <a:lvl4pPr marL="1600135" indent="-228591">
+            <a:lvl4pPr marL="1600200" indent="-228600">
               <a:spcBef>
                 <a:spcPct val="20000"/>
               </a:spcBef>
@@ -16161,7 +15082,7 @@
                 <a:ea typeface="宋体" panose="02010600030101010101" pitchFamily="2" charset="-122"/>
               </a:defRPr>
             </a:lvl4pPr>
-            <a:lvl5pPr marL="2057315" indent="-228591">
+            <a:lvl5pPr marL="2057400" indent="-228600">
               <a:spcBef>
                 <a:spcPct val="20000"/>
               </a:spcBef>
@@ -16175,7 +15096,7 @@
                 <a:ea typeface="宋体" panose="02010600030101010101" pitchFamily="2" charset="-122"/>
               </a:defRPr>
             </a:lvl5pPr>
-            <a:lvl6pPr marL="2514497" indent="-228591" eaLnBrk="0" fontAlgn="base" hangingPunct="0">
+            <a:lvl6pPr marL="2514600" indent="-228600" eaLnBrk="0" fontAlgn="base" hangingPunct="0">
               <a:spcBef>
                 <a:spcPct val="20000"/>
               </a:spcBef>
@@ -16192,7 +15113,7 @@
                 <a:ea typeface="宋体" panose="02010600030101010101" pitchFamily="2" charset="-122"/>
               </a:defRPr>
             </a:lvl6pPr>
-            <a:lvl7pPr marL="2971678" indent="-228591" eaLnBrk="0" fontAlgn="base" hangingPunct="0">
+            <a:lvl7pPr marL="2971800" indent="-228600" eaLnBrk="0" fontAlgn="base" hangingPunct="0">
               <a:spcBef>
                 <a:spcPct val="20000"/>
               </a:spcBef>
@@ -16209,7 +15130,7 @@
                 <a:ea typeface="宋体" panose="02010600030101010101" pitchFamily="2" charset="-122"/>
               </a:defRPr>
             </a:lvl7pPr>
-            <a:lvl8pPr marL="3428859" indent="-228591" eaLnBrk="0" fontAlgn="base" hangingPunct="0">
+            <a:lvl8pPr marL="3429000" indent="-228600" eaLnBrk="0" fontAlgn="base" hangingPunct="0">
               <a:spcBef>
                 <a:spcPct val="20000"/>
               </a:spcBef>
@@ -16226,7 +15147,7 @@
                 <a:ea typeface="宋体" panose="02010600030101010101" pitchFamily="2" charset="-122"/>
               </a:defRPr>
             </a:lvl8pPr>
-            <a:lvl9pPr marL="3886041" indent="-228591" eaLnBrk="0" fontAlgn="base" hangingPunct="0">
+            <a:lvl9pPr marL="3886200" indent="-228600" eaLnBrk="0" fontAlgn="base" hangingPunct="0">
               <a:spcBef>
                 <a:spcPct val="20000"/>
               </a:spcBef>
@@ -16258,14 +15179,6 @@
                   <a:srgbClr val="898989"/>
                 </a:solidFill>
               </a:rPr>
-              <a:pPr>
-                <a:spcBef>
-                  <a:spcPct val="0"/>
-                </a:spcBef>
-                <a:buFontTx/>
-                <a:buNone/>
-              </a:pPr>
-              <a:t>13</a:t>
             </a:fld>
             <a:endParaRPr lang="zh-CN" altLang="en-US" sz="1200" dirty="0">
               <a:solidFill>
@@ -16284,7 +15197,7 @@
           <p:nvPr/>
         </p:nvPicPr>
         <p:blipFill>
-          <a:blip r:embed="rId3" cstate="print">
+          <a:blip r:embed="rId1" cstate="print">
             <a:extLst>
               <a:ext uri="{28A0092B-C50C-407E-A947-70E740481C1C}">
                 <a14:useLocalDpi xmlns:a14="http://schemas.microsoft.com/office/drawing/2010/main" val="0"/>
@@ -16308,35 +15221,16 @@
           <a:ln>
             <a:noFill/>
           </a:ln>
-          <a:extLst>
-            <a:ext uri="{909E8E84-426E-40dd-AFC4-6F175D3DCCD1}">
-              <a14:hiddenFill xmlns:a14="http://schemas.microsoft.com/office/drawing/2010/main" xmlns="">
-                <a:solidFill>
-                  <a:srgbClr val="FFFFFF"/>
-                </a:solidFill>
-              </a14:hiddenFill>
-            </a:ext>
-            <a:ext uri="{91240B29-F687-4f45-9708-019B960494DF}">
-              <a14:hiddenLine xmlns:a14="http://schemas.microsoft.com/office/drawing/2010/main" xmlns="" w="9525">
-                <a:solidFill>
-                  <a:srgbClr val="000000"/>
-                </a:solidFill>
-                <a:miter lim="800000"/>
-                <a:headEnd/>
-                <a:tailEnd/>
-              </a14:hiddenLine>
-            </a:ext>
-          </a:extLst>
         </p:spPr>
       </p:pic>
-      <mc:AlternateContent xmlns:mc="http://schemas.openxmlformats.org/markup-compatibility/2006" xmlns:a14="http://schemas.microsoft.com/office/drawing/2010/main">
-        <mc:Choice Requires="a14">
+      <mc:AlternateContent xmlns:mc="http://schemas.openxmlformats.org/markup-compatibility/2006">
+        <mc:Choice xmlns:a14="http://schemas.microsoft.com/office/drawing/2010/main" Requires="a14">
           <p:sp>
             <p:nvSpPr>
               <p:cNvPr id="6" name="Subtitle 2">
                 <a:extLst>
                   <a:ext uri="{FF2B5EF4-FFF2-40B4-BE49-F238E27FC236}">
-                    <a16:creationId xmlns:a16="http://schemas.microsoft.com/office/drawing/2014/main" id="{5B72932F-F3D6-46BF-9A61-0930A2E33BD6}"/>
+                    <ele attr="{5B72932F-F3D6-46BF-9A61-0930A2E33BD6}"/>
                   </a:ext>
                 </a:extLst>
               </p:cNvPr>
@@ -18398,16 +17292,10 @@
             </p:txBody>
           </p:sp>
         </mc:Choice>
-        <mc:Fallback xmlns="">
+        <mc:Fallback>
           <p:sp>
             <p:nvSpPr>
-              <p:cNvPr id="6" name="Subtitle 2">
-                <a:extLst>
-                  <a:ext uri="{FF2B5EF4-FFF2-40B4-BE49-F238E27FC236}">
-                    <a16:creationId xmlns:a16="http://schemas.microsoft.com/office/drawing/2014/main" id="{5B72932F-F3D6-46BF-9A61-0930A2E33BD6}"/>
-                  </a:ext>
-                </a:extLst>
-              </p:cNvPr>
+              <p:cNvPr id="6" name="Subtitle 2"/>
               <p:cNvSpPr txBox="1">
                 <a:spLocks noRot="1" noChangeAspect="1" noMove="1" noResize="1" noEditPoints="1" noAdjustHandles="1" noChangeArrowheads="1" noChangeShapeType="1" noTextEdit="1"/>
               </p:cNvSpPr>
@@ -18421,8 +17309,8 @@
               <a:prstGeom prst="rect">
                 <a:avLst/>
               </a:prstGeom>
-              <a:blipFill>
-                <a:blip r:embed="rId4"/>
+              <a:blipFill rotWithShape="1">
+                <a:blip r:embed="rId2"/>
                 <a:stretch>
                   <a:fillRect l="-614" t="-1329" r="-3481"/>
                 </a:stretch>
@@ -18460,19 +17348,22 @@
                   </a:rPr>
                   <a:t> </a:t>
                 </a:r>
+                <a:endParaRPr lang="zh-CN" altLang="en-US">
+                  <a:noFill/>
+                </a:endParaRPr>
               </a:p>
             </p:txBody>
           </p:sp>
         </mc:Fallback>
       </mc:AlternateContent>
-      <mc:AlternateContent xmlns:mc="http://schemas.openxmlformats.org/markup-compatibility/2006" xmlns:a14="http://schemas.microsoft.com/office/drawing/2010/main">
-        <mc:Choice Requires="a14">
+      <mc:AlternateContent xmlns:mc="http://schemas.openxmlformats.org/markup-compatibility/2006">
+        <mc:Choice xmlns:a14="http://schemas.microsoft.com/office/drawing/2010/main" Requires="a14">
           <p:sp>
             <p:nvSpPr>
               <p:cNvPr id="2" name="矩形 1">
                 <a:extLst>
                   <a:ext uri="{FF2B5EF4-FFF2-40B4-BE49-F238E27FC236}">
-                    <a16:creationId xmlns:a16="http://schemas.microsoft.com/office/drawing/2014/main" id="{C5A25B6F-4647-4403-BB6D-71AF3A437629}"/>
+                    <ele attr="{C5A25B6F-4647-4403-BB6D-71AF3A437629}"/>
                   </a:ext>
                 </a:extLst>
               </p:cNvPr>
@@ -18663,16 +17554,10 @@
             </p:txBody>
           </p:sp>
         </mc:Choice>
-        <mc:Fallback xmlns="">
+        <mc:Fallback>
           <p:sp>
             <p:nvSpPr>
-              <p:cNvPr id="2" name="矩形 1">
-                <a:extLst>
-                  <a:ext uri="{FF2B5EF4-FFF2-40B4-BE49-F238E27FC236}">
-                    <a16:creationId xmlns:a16="http://schemas.microsoft.com/office/drawing/2014/main" id="{C5A25B6F-4647-4403-BB6D-71AF3A437629}"/>
-                  </a:ext>
-                </a:extLst>
-              </p:cNvPr>
+              <p:cNvPr id="2" name="矩形 1"/>
               <p:cNvSpPr>
                 <a:spLocks noRot="1" noChangeAspect="1" noMove="1" noResize="1" noEditPoints="1" noAdjustHandles="1" noChangeArrowheads="1" noChangeShapeType="1" noTextEdit="1"/>
               </p:cNvSpPr>
@@ -18686,8 +17571,8 @@
               <a:prstGeom prst="rect">
                 <a:avLst/>
               </a:prstGeom>
-              <a:blipFill>
-                <a:blip r:embed="rId5"/>
+              <a:blipFill rotWithShape="1">
+                <a:blip r:embed="rId3"/>
                 <a:stretch>
                   <a:fillRect/>
                 </a:stretch>
@@ -18703,6 +17588,9 @@
                   </a:rPr>
                   <a:t> </a:t>
                 </a:r>
+                <a:endParaRPr lang="zh-CN" altLang="en-US">
+                  <a:noFill/>
+                </a:endParaRPr>
               </a:p>
             </p:txBody>
           </p:sp>
@@ -18710,13 +17598,7 @@
       </mc:AlternateContent>
       <p:cxnSp>
         <p:nvCxnSpPr>
-          <p:cNvPr id="4" name="直接箭头连接符 3">
-            <a:extLst>
-              <a:ext uri="{FF2B5EF4-FFF2-40B4-BE49-F238E27FC236}">
-                <a16:creationId xmlns:a16="http://schemas.microsoft.com/office/drawing/2014/main" id="{3BA0C4F8-B47C-43AD-BD59-CB49A891ABD8}"/>
-              </a:ext>
-            </a:extLst>
-          </p:cNvPr>
+          <p:cNvPr id="4" name="直接箭头连接符 3"/>
           <p:cNvCxnSpPr/>
           <p:nvPr/>
         </p:nvCxnSpPr>
@@ -18747,14 +17629,14 @@
           </a:fontRef>
         </p:style>
       </p:cxnSp>
-      <mc:AlternateContent xmlns:mc="http://schemas.openxmlformats.org/markup-compatibility/2006" xmlns:a14="http://schemas.microsoft.com/office/drawing/2010/main">
-        <mc:Choice Requires="a14">
+      <mc:AlternateContent xmlns:mc="http://schemas.openxmlformats.org/markup-compatibility/2006">
+        <mc:Choice xmlns:a14="http://schemas.microsoft.com/office/drawing/2010/main" Requires="a14">
           <p:sp>
             <p:nvSpPr>
               <p:cNvPr id="5" name="矩形 4">
                 <a:extLst>
                   <a:ext uri="{FF2B5EF4-FFF2-40B4-BE49-F238E27FC236}">
-                    <a16:creationId xmlns:a16="http://schemas.microsoft.com/office/drawing/2014/main" id="{78291474-F508-4F81-85B9-7D2833B65F9C}"/>
+                    <ele attr="{78291474-F508-4F81-85B9-7D2833B65F9C}"/>
                   </a:ext>
                 </a:extLst>
               </p:cNvPr>
@@ -18817,16 +17699,10 @@
             </p:txBody>
           </p:sp>
         </mc:Choice>
-        <mc:Fallback xmlns="">
+        <mc:Fallback>
           <p:sp>
             <p:nvSpPr>
-              <p:cNvPr id="5" name="矩形 4">
-                <a:extLst>
-                  <a:ext uri="{FF2B5EF4-FFF2-40B4-BE49-F238E27FC236}">
-                    <a16:creationId xmlns:a16="http://schemas.microsoft.com/office/drawing/2014/main" id="{78291474-F508-4F81-85B9-7D2833B65F9C}"/>
-                  </a:ext>
-                </a:extLst>
-              </p:cNvPr>
+              <p:cNvPr id="5" name="矩形 4"/>
               <p:cNvSpPr>
                 <a:spLocks noRot="1" noChangeAspect="1" noMove="1" noResize="1" noEditPoints="1" noAdjustHandles="1" noChangeArrowheads="1" noChangeShapeType="1" noTextEdit="1"/>
               </p:cNvSpPr>
@@ -18840,8 +17716,8 @@
               <a:prstGeom prst="rect">
                 <a:avLst/>
               </a:prstGeom>
-              <a:blipFill>
-                <a:blip r:embed="rId6"/>
+              <a:blipFill rotWithShape="1">
+                <a:blip r:embed="rId4"/>
                 <a:stretch>
                   <a:fillRect l="-2719" t="-13115" r="-2417" b="-19672"/>
                 </a:stretch>
@@ -18857,6 +17733,9 @@
                   </a:rPr>
                   <a:t> </a:t>
                 </a:r>
+                <a:endParaRPr lang="zh-CN" altLang="en-US">
+                  <a:noFill/>
+                </a:endParaRPr>
               </a:p>
             </p:txBody>
           </p:sp>
@@ -18864,13 +17743,7 @@
       </mc:AlternateContent>
       <p:sp>
         <p:nvSpPr>
-          <p:cNvPr id="7" name="矩形 6">
-            <a:extLst>
-              <a:ext uri="{FF2B5EF4-FFF2-40B4-BE49-F238E27FC236}">
-                <a16:creationId xmlns:a16="http://schemas.microsoft.com/office/drawing/2014/main" id="{4EE0E207-AEE8-4895-88F8-CFB33E9690F7}"/>
-              </a:ext>
-            </a:extLst>
-          </p:cNvPr>
+          <p:cNvPr id="7" name="矩形 6"/>
           <p:cNvSpPr/>
           <p:nvPr/>
         </p:nvSpPr>
@@ -18909,14 +17782,14 @@
           </a:p>
         </p:txBody>
       </p:sp>
-      <mc:AlternateContent xmlns:mc="http://schemas.openxmlformats.org/markup-compatibility/2006" xmlns:a14="http://schemas.microsoft.com/office/drawing/2010/main">
-        <mc:Choice Requires="a14">
+      <mc:AlternateContent xmlns:mc="http://schemas.openxmlformats.org/markup-compatibility/2006">
+        <mc:Choice xmlns:a14="http://schemas.microsoft.com/office/drawing/2010/main" Requires="a14">
           <p:sp>
             <p:nvSpPr>
               <p:cNvPr id="11" name="矩形 10">
                 <a:extLst>
                   <a:ext uri="{FF2B5EF4-FFF2-40B4-BE49-F238E27FC236}">
-                    <a16:creationId xmlns:a16="http://schemas.microsoft.com/office/drawing/2014/main" id="{2B99B265-B214-45F6-B4A4-F7891B1F6E56}"/>
+                    <ele attr="{2B99B265-B214-45F6-B4A4-F7891B1F6E56}"/>
                   </a:ext>
                 </a:extLst>
               </p:cNvPr>
@@ -18979,16 +17852,10 @@
             </p:txBody>
           </p:sp>
         </mc:Choice>
-        <mc:Fallback xmlns="">
+        <mc:Fallback>
           <p:sp>
             <p:nvSpPr>
-              <p:cNvPr id="11" name="矩形 10">
-                <a:extLst>
-                  <a:ext uri="{FF2B5EF4-FFF2-40B4-BE49-F238E27FC236}">
-                    <a16:creationId xmlns:a16="http://schemas.microsoft.com/office/drawing/2014/main" id="{2B99B265-B214-45F6-B4A4-F7891B1F6E56}"/>
-                  </a:ext>
-                </a:extLst>
-              </p:cNvPr>
+              <p:cNvPr id="11" name="矩形 10"/>
               <p:cNvSpPr>
                 <a:spLocks noRot="1" noChangeAspect="1" noMove="1" noResize="1" noEditPoints="1" noAdjustHandles="1" noChangeArrowheads="1" noChangeShapeType="1" noTextEdit="1"/>
               </p:cNvSpPr>
@@ -19002,8 +17869,8 @@
               <a:prstGeom prst="rect">
                 <a:avLst/>
               </a:prstGeom>
-              <a:blipFill>
-                <a:blip r:embed="rId7"/>
+              <a:blipFill rotWithShape="1">
+                <a:blip r:embed="rId5"/>
                 <a:stretch>
                   <a:fillRect l="-2711" t="-15000" r="-2108" b="-21667"/>
                 </a:stretch>
@@ -19019,6 +17886,9 @@
                   </a:rPr>
                   <a:t> </a:t>
                 </a:r>
+                <a:endParaRPr lang="zh-CN" altLang="en-US">
+                  <a:noFill/>
+                </a:endParaRPr>
               </a:p>
             </p:txBody>
           </p:sp>
@@ -19026,16 +17896,8 @@
       </mc:AlternateContent>
       <p:cxnSp>
         <p:nvCxnSpPr>
-          <p:cNvPr id="9" name="直接箭头连接符 8">
-            <a:extLst>
-              <a:ext uri="{FF2B5EF4-FFF2-40B4-BE49-F238E27FC236}">
-                <a16:creationId xmlns:a16="http://schemas.microsoft.com/office/drawing/2014/main" id="{5EB7BF3C-4410-47B4-AA48-84AD26CA96CF}"/>
-              </a:ext>
-            </a:extLst>
-          </p:cNvPr>
-          <p:cNvCxnSpPr>
-            <a:cxnSpLocks/>
-          </p:cNvCxnSpPr>
+          <p:cNvPr id="9" name="直接箭头连接符 8"/>
+          <p:cNvCxnSpPr/>
           <p:nvPr/>
         </p:nvCxnSpPr>
         <p:spPr>
@@ -19066,11 +17928,6 @@
         </p:style>
       </p:cxnSp>
     </p:spTree>
-    <p:extLst>
-      <p:ext uri="{BB962C8B-B14F-4D97-AF65-F5344CB8AC3E}">
-        <p14:creationId xmlns:p14="http://schemas.microsoft.com/office/powerpoint/2010/main" val="3167978188"/>
-      </p:ext>
-    </p:extLst>
   </p:cSld>
   <p:clrMapOvr>
     <a:masterClrMapping/>
@@ -19115,25 +17972,6 @@
           <a:ln>
             <a:noFill/>
           </a:ln>
-          <a:extLst>
-            <a:ext uri="{909E8E84-426E-40dd-AFC4-6F175D3DCCD1}">
-              <a14:hiddenFill xmlns:a14="http://schemas.microsoft.com/office/drawing/2010/main" xmlns="">
-                <a:solidFill>
-                  <a:srgbClr val="FFFFFF"/>
-                </a:solidFill>
-              </a14:hiddenFill>
-            </a:ext>
-            <a:ext uri="{91240B29-F687-4f45-9708-019B960494DF}">
-              <a14:hiddenLine xmlns:a14="http://schemas.microsoft.com/office/drawing/2010/main" xmlns="" w="9525">
-                <a:solidFill>
-                  <a:srgbClr val="000000"/>
-                </a:solidFill>
-                <a:miter lim="800000"/>
-                <a:headEnd/>
-                <a:tailEnd/>
-              </a14:hiddenLine>
-            </a:ext>
-          </a:extLst>
         </p:spPr>
         <p:txBody>
           <a:bodyPr lIns="91436" tIns="45718" rIns="91436" bIns="45718">
@@ -19297,6 +18135,13 @@
               </a:rPr>
               <a:t>矩阵时间</a:t>
             </a:r>
+            <a:endParaRPr lang="zh-CN" altLang="en-US" b="1" dirty="0">
+              <a:solidFill>
+                <a:srgbClr val="002060"/>
+              </a:solidFill>
+              <a:latin typeface="微软雅黑" panose="020B0503020204020204" pitchFamily="34" charset="-122"/>
+              <a:ea typeface="微软雅黑" panose="020B0503020204020204" pitchFamily="34" charset="-122"/>
+            </a:endParaRPr>
           </a:p>
         </p:txBody>
       </p:sp>
@@ -19316,25 +18161,6 @@
             <a:ext cx="2133600" cy="365125"/>
           </a:xfrm>
           <a:noFill/>
-          <a:extLst>
-            <a:ext uri="{909E8E84-426E-40dd-AFC4-6F175D3DCCD1}">
-              <a14:hiddenFill xmlns:a14="http://schemas.microsoft.com/office/drawing/2010/main" xmlns="">
-                <a:solidFill>
-                  <a:srgbClr val="FFFFFF"/>
-                </a:solidFill>
-              </a14:hiddenFill>
-            </a:ext>
-            <a:ext uri="{91240B29-F687-4f45-9708-019B960494DF}">
-              <a14:hiddenLine xmlns:a14="http://schemas.microsoft.com/office/drawing/2010/main" xmlns="" w="9525">
-                <a:solidFill>
-                  <a:srgbClr val="000000"/>
-                </a:solidFill>
-                <a:miter lim="800000"/>
-                <a:headEnd/>
-                <a:tailEnd/>
-              </a14:hiddenLine>
-            </a:ext>
-          </a:extLst>
         </p:spPr>
         <p:txBody>
           <a:bodyPr/>
@@ -19353,7 +18179,7 @@
                 <a:ea typeface="宋体" panose="02010600030101010101" pitchFamily="2" charset="-122"/>
               </a:defRPr>
             </a:lvl1pPr>
-            <a:lvl2pPr marL="742920" indent="-285738">
+            <a:lvl2pPr marL="742950" indent="-285750">
               <a:spcBef>
                 <a:spcPct val="20000"/>
               </a:spcBef>
@@ -19367,7 +18193,7 @@
                 <a:ea typeface="宋体" panose="02010600030101010101" pitchFamily="2" charset="-122"/>
               </a:defRPr>
             </a:lvl2pPr>
-            <a:lvl3pPr marL="1142953" indent="-228591">
+            <a:lvl3pPr marL="1143000" indent="-228600">
               <a:spcBef>
                 <a:spcPct val="20000"/>
               </a:spcBef>
@@ -19381,7 +18207,7 @@
                 <a:ea typeface="宋体" panose="02010600030101010101" pitchFamily="2" charset="-122"/>
               </a:defRPr>
             </a:lvl3pPr>
-            <a:lvl4pPr marL="1600135" indent="-228591">
+            <a:lvl4pPr marL="1600200" indent="-228600">
               <a:spcBef>
                 <a:spcPct val="20000"/>
               </a:spcBef>
@@ -19395,7 +18221,7 @@
                 <a:ea typeface="宋体" panose="02010600030101010101" pitchFamily="2" charset="-122"/>
               </a:defRPr>
             </a:lvl4pPr>
-            <a:lvl5pPr marL="2057315" indent="-228591">
+            <a:lvl5pPr marL="2057400" indent="-228600">
               <a:spcBef>
                 <a:spcPct val="20000"/>
               </a:spcBef>
@@ -19409,7 +18235,7 @@
                 <a:ea typeface="宋体" panose="02010600030101010101" pitchFamily="2" charset="-122"/>
               </a:defRPr>
             </a:lvl5pPr>
-            <a:lvl6pPr marL="2514497" indent="-228591" eaLnBrk="0" fontAlgn="base" hangingPunct="0">
+            <a:lvl6pPr marL="2514600" indent="-228600" eaLnBrk="0" fontAlgn="base" hangingPunct="0">
               <a:spcBef>
                 <a:spcPct val="20000"/>
               </a:spcBef>
@@ -19426,7 +18252,7 @@
                 <a:ea typeface="宋体" panose="02010600030101010101" pitchFamily="2" charset="-122"/>
               </a:defRPr>
             </a:lvl6pPr>
-            <a:lvl7pPr marL="2971678" indent="-228591" eaLnBrk="0" fontAlgn="base" hangingPunct="0">
+            <a:lvl7pPr marL="2971800" indent="-228600" eaLnBrk="0" fontAlgn="base" hangingPunct="0">
               <a:spcBef>
                 <a:spcPct val="20000"/>
               </a:spcBef>
@@ -19443,7 +18269,7 @@
                 <a:ea typeface="宋体" panose="02010600030101010101" pitchFamily="2" charset="-122"/>
               </a:defRPr>
             </a:lvl7pPr>
-            <a:lvl8pPr marL="3428859" indent="-228591" eaLnBrk="0" fontAlgn="base" hangingPunct="0">
+            <a:lvl8pPr marL="3429000" indent="-228600" eaLnBrk="0" fontAlgn="base" hangingPunct="0">
               <a:spcBef>
                 <a:spcPct val="20000"/>
               </a:spcBef>
@@ -19460,7 +18286,7 @@
                 <a:ea typeface="宋体" panose="02010600030101010101" pitchFamily="2" charset="-122"/>
               </a:defRPr>
             </a:lvl8pPr>
-            <a:lvl9pPr marL="3886041" indent="-228591" eaLnBrk="0" fontAlgn="base" hangingPunct="0">
+            <a:lvl9pPr marL="3886200" indent="-228600" eaLnBrk="0" fontAlgn="base" hangingPunct="0">
               <a:spcBef>
                 <a:spcPct val="20000"/>
               </a:spcBef>
@@ -19492,14 +18318,6 @@
                   <a:srgbClr val="898989"/>
                 </a:solidFill>
               </a:rPr>
-              <a:pPr>
-                <a:spcBef>
-                  <a:spcPct val="0"/>
-                </a:spcBef>
-                <a:buFontTx/>
-                <a:buNone/>
-              </a:pPr>
-              <a:t>14</a:t>
             </a:fld>
             <a:endParaRPr lang="zh-CN" altLang="en-US" sz="1200" dirty="0">
               <a:solidFill>
@@ -19518,7 +18336,7 @@
           <p:nvPr/>
         </p:nvPicPr>
         <p:blipFill>
-          <a:blip r:embed="rId3" cstate="print">
+          <a:blip r:embed="rId1" cstate="print">
             <a:extLst>
               <a:ext uri="{28A0092B-C50C-407E-A947-70E740481C1C}">
                 <a14:useLocalDpi xmlns:a14="http://schemas.microsoft.com/office/drawing/2010/main" val="0"/>
@@ -19542,35 +18360,16 @@
           <a:ln>
             <a:noFill/>
           </a:ln>
-          <a:extLst>
-            <a:ext uri="{909E8E84-426E-40dd-AFC4-6F175D3DCCD1}">
-              <a14:hiddenFill xmlns:a14="http://schemas.microsoft.com/office/drawing/2010/main" xmlns="">
-                <a:solidFill>
-                  <a:srgbClr val="FFFFFF"/>
-                </a:solidFill>
-              </a14:hiddenFill>
-            </a:ext>
-            <a:ext uri="{91240B29-F687-4f45-9708-019B960494DF}">
-              <a14:hiddenLine xmlns:a14="http://schemas.microsoft.com/office/drawing/2010/main" xmlns="" w="9525">
-                <a:solidFill>
-                  <a:srgbClr val="000000"/>
-                </a:solidFill>
-                <a:miter lim="800000"/>
-                <a:headEnd/>
-                <a:tailEnd/>
-              </a14:hiddenLine>
-            </a:ext>
-          </a:extLst>
         </p:spPr>
       </p:pic>
-      <mc:AlternateContent xmlns:mc="http://schemas.openxmlformats.org/markup-compatibility/2006" xmlns:a14="http://schemas.microsoft.com/office/drawing/2010/main">
-        <mc:Choice Requires="a14">
+      <mc:AlternateContent xmlns:mc="http://schemas.openxmlformats.org/markup-compatibility/2006">
+        <mc:Choice xmlns:a14="http://schemas.microsoft.com/office/drawing/2010/main" Requires="a14">
           <p:sp>
             <p:nvSpPr>
               <p:cNvPr id="6" name="Subtitle 2">
                 <a:extLst>
                   <a:ext uri="{FF2B5EF4-FFF2-40B4-BE49-F238E27FC236}">
-                    <a16:creationId xmlns:a16="http://schemas.microsoft.com/office/drawing/2014/main" id="{5B72932F-F3D6-46BF-9A61-0930A2E33BD6}"/>
+                    <ele attr="{5B72932F-F3D6-46BF-9A61-0930A2E33BD6}"/>
                   </a:ext>
                 </a:extLst>
               </p:cNvPr>
@@ -22010,16 +20809,10 @@
             </p:txBody>
           </p:sp>
         </mc:Choice>
-        <mc:Fallback xmlns="">
+        <mc:Fallback>
           <p:sp>
             <p:nvSpPr>
-              <p:cNvPr id="6" name="Subtitle 2">
-                <a:extLst>
-                  <a:ext uri="{FF2B5EF4-FFF2-40B4-BE49-F238E27FC236}">
-                    <a16:creationId xmlns:a16="http://schemas.microsoft.com/office/drawing/2014/main" id="{5B72932F-F3D6-46BF-9A61-0930A2E33BD6}"/>
-                  </a:ext>
-                </a:extLst>
-              </p:cNvPr>
+              <p:cNvPr id="6" name="Subtitle 2"/>
               <p:cNvSpPr txBox="1">
                 <a:spLocks noRot="1" noChangeAspect="1" noMove="1" noResize="1" noEditPoints="1" noAdjustHandles="1" noChangeArrowheads="1" noChangeShapeType="1" noTextEdit="1"/>
               </p:cNvSpPr>
@@ -22033,8 +20826,8 @@
               <a:prstGeom prst="rect">
                 <a:avLst/>
               </a:prstGeom>
-              <a:blipFill>
-                <a:blip r:embed="rId4"/>
+              <a:blipFill rotWithShape="1">
+                <a:blip r:embed="rId2"/>
                 <a:stretch>
                   <a:fillRect l="-614" t="-1329" r="-546" b="-102"/>
                 </a:stretch>
@@ -22072,17 +20865,15 @@
                   </a:rPr>
                   <a:t> </a:t>
                 </a:r>
+                <a:endParaRPr lang="zh-CN" altLang="en-US">
+                  <a:noFill/>
+                </a:endParaRPr>
               </a:p>
             </p:txBody>
           </p:sp>
         </mc:Fallback>
       </mc:AlternateContent>
     </p:spTree>
-    <p:extLst>
-      <p:ext uri="{BB962C8B-B14F-4D97-AF65-F5344CB8AC3E}">
-        <p14:creationId xmlns:p14="http://schemas.microsoft.com/office/powerpoint/2010/main" val="3446982855"/>
-      </p:ext>
-    </p:extLst>
   </p:cSld>
   <p:clrMapOvr>
     <a:masterClrMapping/>
@@ -22109,20 +20900,14 @@
       </p:grpSpPr>
       <p:pic>
         <p:nvPicPr>
-          <p:cNvPr id="2" name="图片 1">
-            <a:extLst>
-              <a:ext uri="{FF2B5EF4-FFF2-40B4-BE49-F238E27FC236}">
-                <a16:creationId xmlns:a16="http://schemas.microsoft.com/office/drawing/2014/main" id="{94A56BBE-397C-4B0E-9836-0E0E72C52C37}"/>
-              </a:ext>
-            </a:extLst>
-          </p:cNvPr>
+          <p:cNvPr id="2" name="图片 1"/>
           <p:cNvPicPr>
             <a:picLocks noChangeAspect="1"/>
           </p:cNvPicPr>
           <p:nvPr/>
         </p:nvPicPr>
         <p:blipFill>
-          <a:blip r:embed="rId3"/>
+          <a:blip r:embed="rId1"/>
           <a:stretch>
             <a:fillRect/>
           </a:stretch>
@@ -22157,25 +20942,6 @@
           <a:ln>
             <a:noFill/>
           </a:ln>
-          <a:extLst>
-            <a:ext uri="{909E8E84-426E-40dd-AFC4-6F175D3DCCD1}">
-              <a14:hiddenFill xmlns:a14="http://schemas.microsoft.com/office/drawing/2010/main" xmlns="">
-                <a:solidFill>
-                  <a:srgbClr val="FFFFFF"/>
-                </a:solidFill>
-              </a14:hiddenFill>
-            </a:ext>
-            <a:ext uri="{91240B29-F687-4f45-9708-019B960494DF}">
-              <a14:hiddenLine xmlns:a14="http://schemas.microsoft.com/office/drawing/2010/main" xmlns="" w="9525">
-                <a:solidFill>
-                  <a:srgbClr val="000000"/>
-                </a:solidFill>
-                <a:miter lim="800000"/>
-                <a:headEnd/>
-                <a:tailEnd/>
-              </a14:hiddenLine>
-            </a:ext>
-          </a:extLst>
         </p:spPr>
         <p:txBody>
           <a:bodyPr lIns="91436" tIns="45718" rIns="91436" bIns="45718">
@@ -22349,6 +21115,13 @@
               </a:rPr>
               <a:t>时钟同步</a:t>
             </a:r>
+            <a:endParaRPr lang="zh-CN" altLang="en-US" b="1" dirty="0">
+              <a:solidFill>
+                <a:srgbClr val="002060"/>
+              </a:solidFill>
+              <a:latin typeface="微软雅黑" panose="020B0503020204020204" pitchFamily="34" charset="-122"/>
+              <a:ea typeface="微软雅黑" panose="020B0503020204020204" pitchFamily="34" charset="-122"/>
+            </a:endParaRPr>
           </a:p>
         </p:txBody>
       </p:sp>
@@ -22368,25 +21141,6 @@
             <a:ext cx="2133600" cy="365125"/>
           </a:xfrm>
           <a:noFill/>
-          <a:extLst>
-            <a:ext uri="{909E8E84-426E-40dd-AFC4-6F175D3DCCD1}">
-              <a14:hiddenFill xmlns:a14="http://schemas.microsoft.com/office/drawing/2010/main" xmlns="">
-                <a:solidFill>
-                  <a:srgbClr val="FFFFFF"/>
-                </a:solidFill>
-              </a14:hiddenFill>
-            </a:ext>
-            <a:ext uri="{91240B29-F687-4f45-9708-019B960494DF}">
-              <a14:hiddenLine xmlns:a14="http://schemas.microsoft.com/office/drawing/2010/main" xmlns="" w="9525">
-                <a:solidFill>
-                  <a:srgbClr val="000000"/>
-                </a:solidFill>
-                <a:miter lim="800000"/>
-                <a:headEnd/>
-                <a:tailEnd/>
-              </a14:hiddenLine>
-            </a:ext>
-          </a:extLst>
         </p:spPr>
         <p:txBody>
           <a:bodyPr/>
@@ -22405,7 +21159,7 @@
                 <a:ea typeface="宋体" panose="02010600030101010101" pitchFamily="2" charset="-122"/>
               </a:defRPr>
             </a:lvl1pPr>
-            <a:lvl2pPr marL="742920" indent="-285738">
+            <a:lvl2pPr marL="742950" indent="-285750">
               <a:spcBef>
                 <a:spcPct val="20000"/>
               </a:spcBef>
@@ -22419,7 +21173,7 @@
                 <a:ea typeface="宋体" panose="02010600030101010101" pitchFamily="2" charset="-122"/>
               </a:defRPr>
             </a:lvl2pPr>
-            <a:lvl3pPr marL="1142953" indent="-228591">
+            <a:lvl3pPr marL="1143000" indent="-228600">
               <a:spcBef>
                 <a:spcPct val="20000"/>
               </a:spcBef>
@@ -22433,7 +21187,7 @@
                 <a:ea typeface="宋体" panose="02010600030101010101" pitchFamily="2" charset="-122"/>
               </a:defRPr>
             </a:lvl3pPr>
-            <a:lvl4pPr marL="1600135" indent="-228591">
+            <a:lvl4pPr marL="1600200" indent="-228600">
               <a:spcBef>
                 <a:spcPct val="20000"/>
               </a:spcBef>
@@ -22447,7 +21201,7 @@
                 <a:ea typeface="宋体" panose="02010600030101010101" pitchFamily="2" charset="-122"/>
               </a:defRPr>
             </a:lvl4pPr>
-            <a:lvl5pPr marL="2057315" indent="-228591">
+            <a:lvl5pPr marL="2057400" indent="-228600">
               <a:spcBef>
                 <a:spcPct val="20000"/>
               </a:spcBef>
@@ -22461,7 +21215,7 @@
                 <a:ea typeface="宋体" panose="02010600030101010101" pitchFamily="2" charset="-122"/>
               </a:defRPr>
             </a:lvl5pPr>
-            <a:lvl6pPr marL="2514497" indent="-228591" eaLnBrk="0" fontAlgn="base" hangingPunct="0">
+            <a:lvl6pPr marL="2514600" indent="-228600" eaLnBrk="0" fontAlgn="base" hangingPunct="0">
               <a:spcBef>
                 <a:spcPct val="20000"/>
               </a:spcBef>
@@ -22478,7 +21232,7 @@
                 <a:ea typeface="宋体" panose="02010600030101010101" pitchFamily="2" charset="-122"/>
               </a:defRPr>
             </a:lvl6pPr>
-            <a:lvl7pPr marL="2971678" indent="-228591" eaLnBrk="0" fontAlgn="base" hangingPunct="0">
+            <a:lvl7pPr marL="2971800" indent="-228600" eaLnBrk="0" fontAlgn="base" hangingPunct="0">
               <a:spcBef>
                 <a:spcPct val="20000"/>
               </a:spcBef>
@@ -22495,7 +21249,7 @@
                 <a:ea typeface="宋体" panose="02010600030101010101" pitchFamily="2" charset="-122"/>
               </a:defRPr>
             </a:lvl7pPr>
-            <a:lvl8pPr marL="3428859" indent="-228591" eaLnBrk="0" fontAlgn="base" hangingPunct="0">
+            <a:lvl8pPr marL="3429000" indent="-228600" eaLnBrk="0" fontAlgn="base" hangingPunct="0">
               <a:spcBef>
                 <a:spcPct val="20000"/>
               </a:spcBef>
@@ -22512,7 +21266,7 @@
                 <a:ea typeface="宋体" panose="02010600030101010101" pitchFamily="2" charset="-122"/>
               </a:defRPr>
             </a:lvl8pPr>
-            <a:lvl9pPr marL="3886041" indent="-228591" eaLnBrk="0" fontAlgn="base" hangingPunct="0">
+            <a:lvl9pPr marL="3886200" indent="-228600" eaLnBrk="0" fontAlgn="base" hangingPunct="0">
               <a:spcBef>
                 <a:spcPct val="20000"/>
               </a:spcBef>
@@ -22544,14 +21298,6 @@
                   <a:srgbClr val="898989"/>
                 </a:solidFill>
               </a:rPr>
-              <a:pPr>
-                <a:spcBef>
-                  <a:spcPct val="0"/>
-                </a:spcBef>
-                <a:buFontTx/>
-                <a:buNone/>
-              </a:pPr>
-              <a:t>15</a:t>
             </a:fld>
             <a:endParaRPr lang="zh-CN" altLang="en-US" sz="1200" dirty="0">
               <a:solidFill>
@@ -22570,7 +21316,7 @@
           <p:nvPr/>
         </p:nvPicPr>
         <p:blipFill>
-          <a:blip r:embed="rId4" cstate="print">
+          <a:blip r:embed="rId2" cstate="print">
             <a:extLst>
               <a:ext uri="{28A0092B-C50C-407E-A947-70E740481C1C}">
                 <a14:useLocalDpi xmlns:a14="http://schemas.microsoft.com/office/drawing/2010/main" val="0"/>
@@ -22594,25 +21340,6 @@
           <a:ln>
             <a:noFill/>
           </a:ln>
-          <a:extLst>
-            <a:ext uri="{909E8E84-426E-40dd-AFC4-6F175D3DCCD1}">
-              <a14:hiddenFill xmlns:a14="http://schemas.microsoft.com/office/drawing/2010/main" xmlns="">
-                <a:solidFill>
-                  <a:srgbClr val="FFFFFF"/>
-                </a:solidFill>
-              </a14:hiddenFill>
-            </a:ext>
-            <a:ext uri="{91240B29-F687-4f45-9708-019B960494DF}">
-              <a14:hiddenLine xmlns:a14="http://schemas.microsoft.com/office/drawing/2010/main" xmlns="" w="9525">
-                <a:solidFill>
-                  <a:srgbClr val="000000"/>
-                </a:solidFill>
-                <a:miter lim="800000"/>
-                <a:headEnd/>
-                <a:tailEnd/>
-              </a14:hiddenLine>
-            </a:ext>
-          </a:extLst>
         </p:spPr>
       </p:pic>
       <mc:AlternateContent xmlns:mc="http://schemas.openxmlformats.org/markup-compatibility/2006">
@@ -22622,7 +21349,7 @@
               <p:cNvPr id="6" name="Subtitle 2">
                 <a:extLst>
                   <a:ext uri="{FF2B5EF4-FFF2-40B4-BE49-F238E27FC236}">
-                    <a16:creationId xmlns:a16="http://schemas.microsoft.com/office/drawing/2014/main" id="{5B72932F-F3D6-46BF-9A61-0930A2E33BD6}"/>
+                    <ele attr="{5B72932F-F3D6-46BF-9A61-0930A2E33BD6}"/>
                   </a:ext>
                 </a:extLst>
               </p:cNvPr>
@@ -23319,13 +22046,7 @@
         <mc:Fallback>
           <p:sp>
             <p:nvSpPr>
-              <p:cNvPr id="6" name="Subtitle 2">
-                <a:extLst>
-                  <a:ext uri="{FF2B5EF4-FFF2-40B4-BE49-F238E27FC236}">
-                    <a16:creationId xmlns:a16="http://schemas.microsoft.com/office/drawing/2014/main" id="{5B72932F-F3D6-46BF-9A61-0930A2E33BD6}"/>
-                  </a:ext>
-                </a:extLst>
-              </p:cNvPr>
+              <p:cNvPr id="6" name="Subtitle 2"/>
               <p:cNvSpPr txBox="1">
                 <a:spLocks noRot="1" noChangeAspect="1" noMove="1" noResize="1" noEditPoints="1" noAdjustHandles="1" noChangeArrowheads="1" noChangeShapeType="1" noTextEdit="1"/>
               </p:cNvSpPr>
@@ -23339,8 +22060,8 @@
               <a:prstGeom prst="rect">
                 <a:avLst/>
               </a:prstGeom>
-              <a:blipFill>
-                <a:blip r:embed="rId5"/>
+              <a:blipFill rotWithShape="1">
+                <a:blip r:embed="rId3"/>
                 <a:stretch>
                   <a:fillRect l="-540" t="-9459" b="-66216"/>
                 </a:stretch>
@@ -23378,19 +22099,22 @@
                   </a:rPr>
                   <a:t> </a:t>
                 </a:r>
+                <a:endParaRPr lang="zh-CN" altLang="en-US">
+                  <a:noFill/>
+                </a:endParaRPr>
               </a:p>
             </p:txBody>
           </p:sp>
         </mc:Fallback>
       </mc:AlternateContent>
-      <mc:AlternateContent xmlns:mc="http://schemas.openxmlformats.org/markup-compatibility/2006" xmlns:a14="http://schemas.microsoft.com/office/drawing/2010/main">
-        <mc:Choice Requires="a14">
+      <mc:AlternateContent xmlns:mc="http://schemas.openxmlformats.org/markup-compatibility/2006">
+        <mc:Choice xmlns:a14="http://schemas.microsoft.com/office/drawing/2010/main" Requires="a14">
           <p:sp>
             <p:nvSpPr>
               <p:cNvPr id="3" name="矩形 2">
                 <a:extLst>
                   <a:ext uri="{FF2B5EF4-FFF2-40B4-BE49-F238E27FC236}">
-                    <a16:creationId xmlns:a16="http://schemas.microsoft.com/office/drawing/2014/main" id="{5F08F61E-445D-44BC-B321-362F7DA282FE}"/>
+                    <ele attr="{5F08F61E-445D-44BC-B321-362F7DA282FE}"/>
                   </a:ext>
                 </a:extLst>
               </p:cNvPr>
@@ -23519,16 +22243,10 @@
             </p:txBody>
           </p:sp>
         </mc:Choice>
-        <mc:Fallback xmlns="">
+        <mc:Fallback>
           <p:sp>
             <p:nvSpPr>
-              <p:cNvPr id="3" name="矩形 2">
-                <a:extLst>
-                  <a:ext uri="{FF2B5EF4-FFF2-40B4-BE49-F238E27FC236}">
-                    <a16:creationId xmlns:a16="http://schemas.microsoft.com/office/drawing/2014/main" id="{5F08F61E-445D-44BC-B321-362F7DA282FE}"/>
-                  </a:ext>
-                </a:extLst>
-              </p:cNvPr>
+              <p:cNvPr id="3" name="矩形 2"/>
               <p:cNvSpPr>
                 <a:spLocks noRot="1" noChangeAspect="1" noMove="1" noResize="1" noEditPoints="1" noAdjustHandles="1" noChangeArrowheads="1" noChangeShapeType="1" noTextEdit="1"/>
               </p:cNvSpPr>
@@ -23542,8 +22260,8 @@
               <a:prstGeom prst="rect">
                 <a:avLst/>
               </a:prstGeom>
-              <a:blipFill>
-                <a:blip r:embed="rId6"/>
+              <a:blipFill rotWithShape="1">
+                <a:blip r:embed="rId4"/>
                 <a:stretch>
                   <a:fillRect b="-1667"/>
                 </a:stretch>
@@ -23559,19 +22277,22 @@
                   </a:rPr>
                   <a:t> </a:t>
                 </a:r>
+                <a:endParaRPr lang="zh-CN" altLang="en-US">
+                  <a:noFill/>
+                </a:endParaRPr>
               </a:p>
             </p:txBody>
           </p:sp>
         </mc:Fallback>
       </mc:AlternateContent>
-      <mc:AlternateContent xmlns:mc="http://schemas.openxmlformats.org/markup-compatibility/2006" xmlns:a14="http://schemas.microsoft.com/office/drawing/2010/main">
-        <mc:Choice Requires="a14">
+      <mc:AlternateContent xmlns:mc="http://schemas.openxmlformats.org/markup-compatibility/2006">
+        <mc:Choice xmlns:a14="http://schemas.microsoft.com/office/drawing/2010/main" Requires="a14">
           <p:sp>
             <p:nvSpPr>
               <p:cNvPr id="8" name="矩形 7">
                 <a:extLst>
                   <a:ext uri="{FF2B5EF4-FFF2-40B4-BE49-F238E27FC236}">
-                    <a16:creationId xmlns:a16="http://schemas.microsoft.com/office/drawing/2014/main" id="{B7BA08D5-8CE7-44C1-8F26-ECF8DA733745}"/>
+                    <ele attr="{B7BA08D5-8CE7-44C1-8F26-ECF8DA733745}"/>
                   </a:ext>
                 </a:extLst>
               </p:cNvPr>
@@ -23713,16 +22434,10 @@
             </p:txBody>
           </p:sp>
         </mc:Choice>
-        <mc:Fallback xmlns="">
+        <mc:Fallback>
           <p:sp>
             <p:nvSpPr>
-              <p:cNvPr id="8" name="矩形 7">
-                <a:extLst>
-                  <a:ext uri="{FF2B5EF4-FFF2-40B4-BE49-F238E27FC236}">
-                    <a16:creationId xmlns:a16="http://schemas.microsoft.com/office/drawing/2014/main" id="{B7BA08D5-8CE7-44C1-8F26-ECF8DA733745}"/>
-                  </a:ext>
-                </a:extLst>
-              </p:cNvPr>
+              <p:cNvPr id="8" name="矩形 7"/>
               <p:cNvSpPr>
                 <a:spLocks noRot="1" noChangeAspect="1" noMove="1" noResize="1" noEditPoints="1" noAdjustHandles="1" noChangeArrowheads="1" noChangeShapeType="1" noTextEdit="1"/>
               </p:cNvSpPr>
@@ -23736,8 +22451,8 @@
               <a:prstGeom prst="rect">
                 <a:avLst/>
               </a:prstGeom>
-              <a:blipFill>
-                <a:blip r:embed="rId7"/>
+              <a:blipFill rotWithShape="1">
+                <a:blip r:embed="rId5"/>
                 <a:stretch>
                   <a:fillRect/>
                 </a:stretch>
@@ -23753,6 +22468,9 @@
                   </a:rPr>
                   <a:t> </a:t>
                 </a:r>
+                <a:endParaRPr lang="zh-CN" altLang="en-US">
+                  <a:noFill/>
+                </a:endParaRPr>
               </a:p>
             </p:txBody>
           </p:sp>
@@ -23760,13 +22478,7 @@
       </mc:AlternateContent>
       <p:sp>
         <p:nvSpPr>
-          <p:cNvPr id="4" name="矩形 3">
-            <a:extLst>
-              <a:ext uri="{FF2B5EF4-FFF2-40B4-BE49-F238E27FC236}">
-                <a16:creationId xmlns:a16="http://schemas.microsoft.com/office/drawing/2014/main" id="{554CBBB1-5A8F-4092-BC8C-53D5A6A55332}"/>
-              </a:ext>
-            </a:extLst>
-          </p:cNvPr>
+          <p:cNvPr id="4" name="矩形 3"/>
           <p:cNvSpPr/>
           <p:nvPr/>
         </p:nvSpPr>
@@ -23799,13 +22511,7 @@
       </p:sp>
       <p:sp>
         <p:nvSpPr>
-          <p:cNvPr id="10" name="矩形 9">
-            <a:extLst>
-              <a:ext uri="{FF2B5EF4-FFF2-40B4-BE49-F238E27FC236}">
-                <a16:creationId xmlns:a16="http://schemas.microsoft.com/office/drawing/2014/main" id="{57122FEB-133C-4D95-975A-03CFEA9C899C}"/>
-              </a:ext>
-            </a:extLst>
-          </p:cNvPr>
+          <p:cNvPr id="10" name="矩形 9"/>
           <p:cNvSpPr/>
           <p:nvPr/>
         </p:nvSpPr>
@@ -23838,13 +22544,7 @@
       </p:sp>
       <p:sp>
         <p:nvSpPr>
-          <p:cNvPr id="5" name="矩形 4">
-            <a:extLst>
-              <a:ext uri="{FF2B5EF4-FFF2-40B4-BE49-F238E27FC236}">
-                <a16:creationId xmlns:a16="http://schemas.microsoft.com/office/drawing/2014/main" id="{295EE445-86BE-4882-B82B-2CC04FA11F35}"/>
-              </a:ext>
-            </a:extLst>
-          </p:cNvPr>
+          <p:cNvPr id="5" name="矩形 4"/>
           <p:cNvSpPr/>
           <p:nvPr/>
         </p:nvSpPr>
@@ -23891,17 +22591,18 @@
               <a:rPr lang="zh-CN" altLang="en-US" dirty="0"/>
               <a:t>：</a:t>
             </a:r>
+            <a:endParaRPr lang="zh-CN" altLang="en-US" dirty="0"/>
           </a:p>
         </p:txBody>
       </p:sp>
-      <mc:AlternateContent xmlns:mc="http://schemas.openxmlformats.org/markup-compatibility/2006" xmlns:a14="http://schemas.microsoft.com/office/drawing/2010/main">
-        <mc:Choice Requires="a14">
+      <mc:AlternateContent xmlns:mc="http://schemas.openxmlformats.org/markup-compatibility/2006">
+        <mc:Choice xmlns:a14="http://schemas.microsoft.com/office/drawing/2010/main" Requires="a14">
           <p:sp>
             <p:nvSpPr>
               <p:cNvPr id="12" name="矩形 11">
                 <a:extLst>
                   <a:ext uri="{FF2B5EF4-FFF2-40B4-BE49-F238E27FC236}">
-                    <a16:creationId xmlns:a16="http://schemas.microsoft.com/office/drawing/2014/main" id="{CDC8DF33-9838-48B7-A3F0-C623F09C0838}"/>
+                    <ele attr="{CDC8DF33-9838-48B7-A3F0-C623F09C0838}"/>
                   </a:ext>
                 </a:extLst>
               </p:cNvPr>
@@ -24189,16 +22890,10 @@
             </p:txBody>
           </p:sp>
         </mc:Choice>
-        <mc:Fallback xmlns="">
+        <mc:Fallback>
           <p:sp>
             <p:nvSpPr>
-              <p:cNvPr id="12" name="矩形 11">
-                <a:extLst>
-                  <a:ext uri="{FF2B5EF4-FFF2-40B4-BE49-F238E27FC236}">
-                    <a16:creationId xmlns:a16="http://schemas.microsoft.com/office/drawing/2014/main" id="{CDC8DF33-9838-48B7-A3F0-C623F09C0838}"/>
-                  </a:ext>
-                </a:extLst>
-              </p:cNvPr>
+              <p:cNvPr id="12" name="矩形 11"/>
               <p:cNvSpPr>
                 <a:spLocks noRot="1" noChangeAspect="1" noMove="1" noResize="1" noEditPoints="1" noAdjustHandles="1" noChangeArrowheads="1" noChangeShapeType="1" noTextEdit="1"/>
               </p:cNvSpPr>
@@ -24212,8 +22907,8 @@
               <a:prstGeom prst="rect">
                 <a:avLst/>
               </a:prstGeom>
-              <a:blipFill>
-                <a:blip r:embed="rId8"/>
+              <a:blipFill rotWithShape="1">
+                <a:blip r:embed="rId6"/>
                 <a:stretch>
                   <a:fillRect/>
                 </a:stretch>
@@ -24229,6 +22924,9 @@
                   </a:rPr>
                   <a:t> </a:t>
                 </a:r>
+                <a:endParaRPr lang="zh-CN" altLang="en-US">
+                  <a:noFill/>
+                </a:endParaRPr>
               </a:p>
             </p:txBody>
           </p:sp>
@@ -24236,13 +22934,7 @@
       </mc:AlternateContent>
       <p:sp>
         <p:nvSpPr>
-          <p:cNvPr id="13" name="矩形 12">
-            <a:extLst>
-              <a:ext uri="{FF2B5EF4-FFF2-40B4-BE49-F238E27FC236}">
-                <a16:creationId xmlns:a16="http://schemas.microsoft.com/office/drawing/2014/main" id="{95430ED4-90B8-4EFE-B03D-CC88E0DE0569}"/>
-              </a:ext>
-            </a:extLst>
-          </p:cNvPr>
+          <p:cNvPr id="13" name="矩形 12"/>
           <p:cNvSpPr/>
           <p:nvPr/>
         </p:nvSpPr>
@@ -24273,14 +22965,14 @@
           </a:p>
         </p:txBody>
       </p:sp>
-      <mc:AlternateContent xmlns:mc="http://schemas.openxmlformats.org/markup-compatibility/2006" xmlns:a14="http://schemas.microsoft.com/office/drawing/2010/main">
-        <mc:Choice Requires="a14">
+      <mc:AlternateContent xmlns:mc="http://schemas.openxmlformats.org/markup-compatibility/2006">
+        <mc:Choice xmlns:a14="http://schemas.microsoft.com/office/drawing/2010/main" Requires="a14">
           <p:sp>
             <p:nvSpPr>
               <p:cNvPr id="7" name="矩形 6">
                 <a:extLst>
                   <a:ext uri="{FF2B5EF4-FFF2-40B4-BE49-F238E27FC236}">
-                    <a16:creationId xmlns:a16="http://schemas.microsoft.com/office/drawing/2014/main" id="{ACD5D758-D0FE-431E-B7D7-700A0E845507}"/>
+                    <ele attr="{ACD5D758-D0FE-431E-B7D7-700A0E845507}"/>
                   </a:ext>
                 </a:extLst>
               </p:cNvPr>
@@ -24518,16 +23210,10 @@
             </p:txBody>
           </p:sp>
         </mc:Choice>
-        <mc:Fallback xmlns="">
+        <mc:Fallback>
           <p:sp>
             <p:nvSpPr>
-              <p:cNvPr id="7" name="矩形 6">
-                <a:extLst>
-                  <a:ext uri="{FF2B5EF4-FFF2-40B4-BE49-F238E27FC236}">
-                    <a16:creationId xmlns:a16="http://schemas.microsoft.com/office/drawing/2014/main" id="{ACD5D758-D0FE-431E-B7D7-700A0E845507}"/>
-                  </a:ext>
-                </a:extLst>
-              </p:cNvPr>
+              <p:cNvPr id="7" name="矩形 6"/>
               <p:cNvSpPr>
                 <a:spLocks noRot="1" noChangeAspect="1" noMove="1" noResize="1" noEditPoints="1" noAdjustHandles="1" noChangeArrowheads="1" noChangeShapeType="1" noTextEdit="1"/>
               </p:cNvSpPr>
@@ -24541,8 +23227,8 @@
               <a:prstGeom prst="rect">
                 <a:avLst/>
               </a:prstGeom>
-              <a:blipFill>
-                <a:blip r:embed="rId9"/>
+              <a:blipFill rotWithShape="1">
+                <a:blip r:embed="rId7"/>
                 <a:stretch>
                   <a:fillRect b="-1667"/>
                 </a:stretch>
@@ -24558,19 +23244,22 @@
                   </a:rPr>
                   <a:t> </a:t>
                 </a:r>
+                <a:endParaRPr lang="zh-CN" altLang="en-US">
+                  <a:noFill/>
+                </a:endParaRPr>
               </a:p>
             </p:txBody>
           </p:sp>
         </mc:Fallback>
       </mc:AlternateContent>
-      <mc:AlternateContent xmlns:mc="http://schemas.openxmlformats.org/markup-compatibility/2006" xmlns:a14="http://schemas.microsoft.com/office/drawing/2010/main">
-        <mc:Choice Requires="a14">
+      <mc:AlternateContent xmlns:mc="http://schemas.openxmlformats.org/markup-compatibility/2006">
+        <mc:Choice xmlns:a14="http://schemas.microsoft.com/office/drawing/2010/main" Requires="a14">
           <p:sp>
             <p:nvSpPr>
               <p:cNvPr id="15" name="矩形 14">
                 <a:extLst>
                   <a:ext uri="{FF2B5EF4-FFF2-40B4-BE49-F238E27FC236}">
-                    <a16:creationId xmlns:a16="http://schemas.microsoft.com/office/drawing/2014/main" id="{A3626873-470D-4711-9206-C1DFA810D822}"/>
+                    <ele attr="{A3626873-470D-4711-9206-C1DFA810D822}"/>
                   </a:ext>
                 </a:extLst>
               </p:cNvPr>
@@ -24821,16 +23510,10 @@
             </p:txBody>
           </p:sp>
         </mc:Choice>
-        <mc:Fallback xmlns="">
+        <mc:Fallback>
           <p:sp>
             <p:nvSpPr>
-              <p:cNvPr id="15" name="矩形 14">
-                <a:extLst>
-                  <a:ext uri="{FF2B5EF4-FFF2-40B4-BE49-F238E27FC236}">
-                    <a16:creationId xmlns:a16="http://schemas.microsoft.com/office/drawing/2014/main" id="{A3626873-470D-4711-9206-C1DFA810D822}"/>
-                  </a:ext>
-                </a:extLst>
-              </p:cNvPr>
+              <p:cNvPr id="15" name="矩形 14"/>
               <p:cNvSpPr>
                 <a:spLocks noRot="1" noChangeAspect="1" noMove="1" noResize="1" noEditPoints="1" noAdjustHandles="1" noChangeArrowheads="1" noChangeShapeType="1" noTextEdit="1"/>
               </p:cNvSpPr>
@@ -24844,8 +23527,8 @@
               <a:prstGeom prst="rect">
                 <a:avLst/>
               </a:prstGeom>
-              <a:blipFill>
-                <a:blip r:embed="rId10"/>
+              <a:blipFill rotWithShape="1">
+                <a:blip r:embed="rId8"/>
                 <a:stretch>
                   <a:fillRect l="-681" r="-227" b="-4819"/>
                 </a:stretch>
@@ -24861,19 +23544,22 @@
                   </a:rPr>
                   <a:t> </a:t>
                 </a:r>
+                <a:endParaRPr lang="zh-CN" altLang="en-US">
+                  <a:noFill/>
+                </a:endParaRPr>
               </a:p>
             </p:txBody>
           </p:sp>
         </mc:Fallback>
       </mc:AlternateContent>
-      <mc:AlternateContent xmlns:mc="http://schemas.openxmlformats.org/markup-compatibility/2006" xmlns:a14="http://schemas.microsoft.com/office/drawing/2010/main">
-        <mc:Choice Requires="a14">
+      <mc:AlternateContent xmlns:mc="http://schemas.openxmlformats.org/markup-compatibility/2006">
+        <mc:Choice xmlns:a14="http://schemas.microsoft.com/office/drawing/2010/main" Requires="a14">
           <p:sp>
             <p:nvSpPr>
               <p:cNvPr id="16" name="矩形 15">
                 <a:extLst>
                   <a:ext uri="{FF2B5EF4-FFF2-40B4-BE49-F238E27FC236}">
-                    <a16:creationId xmlns:a16="http://schemas.microsoft.com/office/drawing/2014/main" id="{A130B419-A5A1-455A-8E80-338378232BCF}"/>
+                    <ele attr="{A130B419-A5A1-455A-8E80-338378232BCF}"/>
                   </a:ext>
                 </a:extLst>
               </p:cNvPr>
@@ -25142,16 +23828,10 @@
             </p:txBody>
           </p:sp>
         </mc:Choice>
-        <mc:Fallback xmlns="">
+        <mc:Fallback>
           <p:sp>
             <p:nvSpPr>
-              <p:cNvPr id="16" name="矩形 15">
-                <a:extLst>
-                  <a:ext uri="{FF2B5EF4-FFF2-40B4-BE49-F238E27FC236}">
-                    <a16:creationId xmlns:a16="http://schemas.microsoft.com/office/drawing/2014/main" id="{A130B419-A5A1-455A-8E80-338378232BCF}"/>
-                  </a:ext>
-                </a:extLst>
-              </p:cNvPr>
+              <p:cNvPr id="16" name="矩形 15"/>
               <p:cNvSpPr>
                 <a:spLocks noRot="1" noChangeAspect="1" noMove="1" noResize="1" noEditPoints="1" noAdjustHandles="1" noChangeArrowheads="1" noChangeShapeType="1" noTextEdit="1"/>
               </p:cNvSpPr>
@@ -25165,8 +23845,8 @@
               <a:prstGeom prst="rect">
                 <a:avLst/>
               </a:prstGeom>
-              <a:blipFill>
-                <a:blip r:embed="rId11"/>
+              <a:blipFill rotWithShape="1">
+                <a:blip r:embed="rId9"/>
                 <a:stretch>
                   <a:fillRect l="-816"/>
                 </a:stretch>
@@ -25182,6 +23862,9 @@
                   </a:rPr>
                   <a:t> </a:t>
                 </a:r>
+                <a:endParaRPr lang="zh-CN" altLang="en-US">
+                  <a:noFill/>
+                </a:endParaRPr>
               </a:p>
             </p:txBody>
           </p:sp>
@@ -25189,13 +23872,7 @@
       </mc:AlternateContent>
       <p:sp>
         <p:nvSpPr>
-          <p:cNvPr id="17" name="矩形 16">
-            <a:extLst>
-              <a:ext uri="{FF2B5EF4-FFF2-40B4-BE49-F238E27FC236}">
-                <a16:creationId xmlns:a16="http://schemas.microsoft.com/office/drawing/2014/main" id="{3046FA0A-64C2-4426-965C-817B612D78BE}"/>
-              </a:ext>
-            </a:extLst>
-          </p:cNvPr>
+          <p:cNvPr id="17" name="矩形 16"/>
           <p:cNvSpPr/>
           <p:nvPr/>
         </p:nvSpPr>
@@ -25226,14 +23903,14 @@
           </a:p>
         </p:txBody>
       </p:sp>
-      <mc:AlternateContent xmlns:mc="http://schemas.openxmlformats.org/markup-compatibility/2006" xmlns:a14="http://schemas.microsoft.com/office/drawing/2010/main">
-        <mc:Choice Requires="a14">
+      <mc:AlternateContent xmlns:mc="http://schemas.openxmlformats.org/markup-compatibility/2006">
+        <mc:Choice xmlns:a14="http://schemas.microsoft.com/office/drawing/2010/main" Requires="a14">
           <p:sp>
             <p:nvSpPr>
               <p:cNvPr id="9" name="矩形 8">
                 <a:extLst>
                   <a:ext uri="{FF2B5EF4-FFF2-40B4-BE49-F238E27FC236}">
-                    <a16:creationId xmlns:a16="http://schemas.microsoft.com/office/drawing/2014/main" id="{BB475C19-FAB7-4BF2-994E-4E5D52FC6664}"/>
+                    <ele attr="{BB475C19-FAB7-4BF2-994E-4E5D52FC6664}"/>
                   </a:ext>
                 </a:extLst>
               </p:cNvPr>
@@ -25602,16 +24279,10 @@
             </p:txBody>
           </p:sp>
         </mc:Choice>
-        <mc:Fallback xmlns="">
+        <mc:Fallback>
           <p:sp>
             <p:nvSpPr>
-              <p:cNvPr id="9" name="矩形 8">
-                <a:extLst>
-                  <a:ext uri="{FF2B5EF4-FFF2-40B4-BE49-F238E27FC236}">
-                    <a16:creationId xmlns:a16="http://schemas.microsoft.com/office/drawing/2014/main" id="{BB475C19-FAB7-4BF2-994E-4E5D52FC6664}"/>
-                  </a:ext>
-                </a:extLst>
-              </p:cNvPr>
+              <p:cNvPr id="9" name="矩形 8"/>
               <p:cNvSpPr>
                 <a:spLocks noRot="1" noChangeAspect="1" noMove="1" noResize="1" noEditPoints="1" noAdjustHandles="1" noChangeArrowheads="1" noChangeShapeType="1" noTextEdit="1"/>
               </p:cNvSpPr>
@@ -25625,8 +24296,8 @@
               <a:prstGeom prst="rect">
                 <a:avLst/>
               </a:prstGeom>
-              <a:blipFill>
-                <a:blip r:embed="rId12"/>
+              <a:blipFill rotWithShape="1">
+                <a:blip r:embed="rId10"/>
                 <a:stretch>
                   <a:fillRect l="-1566" t="-3524" b="-6167"/>
                 </a:stretch>
@@ -25642,17 +24313,15 @@
                   </a:rPr>
                   <a:t> </a:t>
                 </a:r>
+                <a:endParaRPr lang="zh-CN" altLang="en-US">
+                  <a:noFill/>
+                </a:endParaRPr>
               </a:p>
             </p:txBody>
           </p:sp>
         </mc:Fallback>
       </mc:AlternateContent>
     </p:spTree>
-    <p:extLst>
-      <p:ext uri="{BB962C8B-B14F-4D97-AF65-F5344CB8AC3E}">
-        <p14:creationId xmlns:p14="http://schemas.microsoft.com/office/powerpoint/2010/main" val="1939571636"/>
-      </p:ext>
-    </p:extLst>
   </p:cSld>
   <p:clrMapOvr>
     <a:masterClrMapping/>
@@ -25697,25 +24366,6 @@
           <a:ln>
             <a:noFill/>
           </a:ln>
-          <a:extLst>
-            <a:ext uri="{909E8E84-426E-40dd-AFC4-6F175D3DCCD1}">
-              <a14:hiddenFill xmlns:a14="http://schemas.microsoft.com/office/drawing/2010/main" xmlns="">
-                <a:solidFill>
-                  <a:srgbClr val="FFFFFF"/>
-                </a:solidFill>
-              </a14:hiddenFill>
-            </a:ext>
-            <a:ext uri="{91240B29-F687-4f45-9708-019B960494DF}">
-              <a14:hiddenLine xmlns:a14="http://schemas.microsoft.com/office/drawing/2010/main" xmlns="" w="9525">
-                <a:solidFill>
-                  <a:srgbClr val="000000"/>
-                </a:solidFill>
-                <a:miter lim="800000"/>
-                <a:headEnd/>
-                <a:tailEnd/>
-              </a14:hiddenLine>
-            </a:ext>
-          </a:extLst>
         </p:spPr>
         <p:txBody>
           <a:bodyPr wrap="square" lIns="91436" tIns="45718" rIns="91436" bIns="45718">
@@ -25879,6 +24529,13 @@
               </a:rPr>
               <a:t>逻辑时间与物理时钟同步</a:t>
             </a:r>
+            <a:endParaRPr lang="zh-CN" altLang="en-US" b="1" dirty="0">
+              <a:solidFill>
+                <a:srgbClr val="002060"/>
+              </a:solidFill>
+              <a:latin typeface="微软雅黑" panose="020B0503020204020204" pitchFamily="34" charset="-122"/>
+              <a:ea typeface="微软雅黑" panose="020B0503020204020204" pitchFamily="34" charset="-122"/>
+            </a:endParaRPr>
           </a:p>
         </p:txBody>
       </p:sp>
@@ -25898,25 +24555,6 @@
             <a:ext cx="2133600" cy="365125"/>
           </a:xfrm>
           <a:noFill/>
-          <a:extLst>
-            <a:ext uri="{909E8E84-426E-40dd-AFC4-6F175D3DCCD1}">
-              <a14:hiddenFill xmlns:a14="http://schemas.microsoft.com/office/drawing/2010/main" xmlns="">
-                <a:solidFill>
-                  <a:srgbClr val="FFFFFF"/>
-                </a:solidFill>
-              </a14:hiddenFill>
-            </a:ext>
-            <a:ext uri="{91240B29-F687-4f45-9708-019B960494DF}">
-              <a14:hiddenLine xmlns:a14="http://schemas.microsoft.com/office/drawing/2010/main" xmlns="" w="9525">
-                <a:solidFill>
-                  <a:srgbClr val="000000"/>
-                </a:solidFill>
-                <a:miter lim="800000"/>
-                <a:headEnd/>
-                <a:tailEnd/>
-              </a14:hiddenLine>
-            </a:ext>
-          </a:extLst>
         </p:spPr>
         <p:txBody>
           <a:bodyPr/>
@@ -25935,7 +24573,7 @@
                 <a:ea typeface="宋体" panose="02010600030101010101" pitchFamily="2" charset="-122"/>
               </a:defRPr>
             </a:lvl1pPr>
-            <a:lvl2pPr marL="742920" indent="-285738">
+            <a:lvl2pPr marL="742950" indent="-285750">
               <a:spcBef>
                 <a:spcPct val="20000"/>
               </a:spcBef>
@@ -25949,7 +24587,7 @@
                 <a:ea typeface="宋体" panose="02010600030101010101" pitchFamily="2" charset="-122"/>
               </a:defRPr>
             </a:lvl2pPr>
-            <a:lvl3pPr marL="1142953" indent="-228591">
+            <a:lvl3pPr marL="1143000" indent="-228600">
               <a:spcBef>
                 <a:spcPct val="20000"/>
               </a:spcBef>
@@ -25963,7 +24601,7 @@
                 <a:ea typeface="宋体" panose="02010600030101010101" pitchFamily="2" charset="-122"/>
               </a:defRPr>
             </a:lvl3pPr>
-            <a:lvl4pPr marL="1600135" indent="-228591">
+            <a:lvl4pPr marL="1600200" indent="-228600">
               <a:spcBef>
                 <a:spcPct val="20000"/>
               </a:spcBef>
@@ -25977,7 +24615,7 @@
                 <a:ea typeface="宋体" panose="02010600030101010101" pitchFamily="2" charset="-122"/>
               </a:defRPr>
             </a:lvl4pPr>
-            <a:lvl5pPr marL="2057315" indent="-228591">
+            <a:lvl5pPr marL="2057400" indent="-228600">
               <a:spcBef>
                 <a:spcPct val="20000"/>
               </a:spcBef>
@@ -25991,7 +24629,7 @@
                 <a:ea typeface="宋体" panose="02010600030101010101" pitchFamily="2" charset="-122"/>
               </a:defRPr>
             </a:lvl5pPr>
-            <a:lvl6pPr marL="2514497" indent="-228591" eaLnBrk="0" fontAlgn="base" hangingPunct="0">
+            <a:lvl6pPr marL="2514600" indent="-228600" eaLnBrk="0" fontAlgn="base" hangingPunct="0">
               <a:spcBef>
                 <a:spcPct val="20000"/>
               </a:spcBef>
@@ -26008,7 +24646,7 @@
                 <a:ea typeface="宋体" panose="02010600030101010101" pitchFamily="2" charset="-122"/>
               </a:defRPr>
             </a:lvl6pPr>
-            <a:lvl7pPr marL="2971678" indent="-228591" eaLnBrk="0" fontAlgn="base" hangingPunct="0">
+            <a:lvl7pPr marL="2971800" indent="-228600" eaLnBrk="0" fontAlgn="base" hangingPunct="0">
               <a:spcBef>
                 <a:spcPct val="20000"/>
               </a:spcBef>
@@ -26025,7 +24663,7 @@
                 <a:ea typeface="宋体" panose="02010600030101010101" pitchFamily="2" charset="-122"/>
               </a:defRPr>
             </a:lvl7pPr>
-            <a:lvl8pPr marL="3428859" indent="-228591" eaLnBrk="0" fontAlgn="base" hangingPunct="0">
+            <a:lvl8pPr marL="3429000" indent="-228600" eaLnBrk="0" fontAlgn="base" hangingPunct="0">
               <a:spcBef>
                 <a:spcPct val="20000"/>
               </a:spcBef>
@@ -26042,7 +24680,7 @@
                 <a:ea typeface="宋体" panose="02010600030101010101" pitchFamily="2" charset="-122"/>
               </a:defRPr>
             </a:lvl8pPr>
-            <a:lvl9pPr marL="3886041" indent="-228591" eaLnBrk="0" fontAlgn="base" hangingPunct="0">
+            <a:lvl9pPr marL="3886200" indent="-228600" eaLnBrk="0" fontAlgn="base" hangingPunct="0">
               <a:spcBef>
                 <a:spcPct val="20000"/>
               </a:spcBef>
@@ -26074,14 +24712,6 @@
                   <a:srgbClr val="898989"/>
                 </a:solidFill>
               </a:rPr>
-              <a:pPr>
-                <a:spcBef>
-                  <a:spcPct val="0"/>
-                </a:spcBef>
-                <a:buFontTx/>
-                <a:buNone/>
-              </a:pPr>
-              <a:t>16</a:t>
             </a:fld>
             <a:endParaRPr lang="zh-CN" altLang="en-US" sz="1200" dirty="0">
               <a:solidFill>
@@ -26100,7 +24730,7 @@
           <p:nvPr/>
         </p:nvPicPr>
         <p:blipFill>
-          <a:blip r:embed="rId3" cstate="print">
+          <a:blip r:embed="rId1" cstate="print">
             <a:extLst>
               <a:ext uri="{28A0092B-C50C-407E-A947-70E740481C1C}">
                 <a14:useLocalDpi xmlns:a14="http://schemas.microsoft.com/office/drawing/2010/main" val="0"/>
@@ -26124,39 +24754,12 @@
           <a:ln>
             <a:noFill/>
           </a:ln>
-          <a:extLst>
-            <a:ext uri="{909E8E84-426E-40dd-AFC4-6F175D3DCCD1}">
-              <a14:hiddenFill xmlns:a14="http://schemas.microsoft.com/office/drawing/2010/main" xmlns="">
-                <a:solidFill>
-                  <a:srgbClr val="FFFFFF"/>
-                </a:solidFill>
-              </a14:hiddenFill>
-            </a:ext>
-            <a:ext uri="{91240B29-F687-4f45-9708-019B960494DF}">
-              <a14:hiddenLine xmlns:a14="http://schemas.microsoft.com/office/drawing/2010/main" xmlns="" w="9525">
-                <a:solidFill>
-                  <a:srgbClr val="000000"/>
-                </a:solidFill>
-                <a:miter lim="800000"/>
-                <a:headEnd/>
-                <a:tailEnd/>
-              </a14:hiddenLine>
-            </a:ext>
-          </a:extLst>
         </p:spPr>
       </p:pic>
       <p:sp>
         <p:nvSpPr>
-          <p:cNvPr id="6" name="Subtitle 2">
-            <a:extLst>
-              <a:ext uri="{FF2B5EF4-FFF2-40B4-BE49-F238E27FC236}">
-                <a16:creationId xmlns:a16="http://schemas.microsoft.com/office/drawing/2014/main" id="{5B72932F-F3D6-46BF-9A61-0930A2E33BD6}"/>
-              </a:ext>
-            </a:extLst>
-          </p:cNvPr>
-          <p:cNvSpPr txBox="1">
-            <a:spLocks/>
-          </p:cNvSpPr>
+          <p:cNvPr id="6" name="Subtitle 2"/>
+          <p:cNvSpPr txBox="1"/>
           <p:nvPr/>
         </p:nvSpPr>
         <p:spPr bwMode="auto">
@@ -26192,11 +24795,7 @@
           </a:extLst>
         </p:spPr>
         <p:txBody>
-          <a:bodyPr vert="horz" wrap="square" lIns="91440" tIns="45720" rIns="91440" bIns="45720" numCol="1" anchor="t" anchorCtr="0" compatLnSpc="1">
-            <a:prstTxWarp prst="textNoShape">
-              <a:avLst/>
-            </a:prstTxWarp>
-          </a:bodyPr>
+          <a:bodyPr vert="horz" wrap="square" lIns="91440" tIns="45720" rIns="91440" bIns="45720" numCol="1" anchor="t" anchorCtr="0" compatLnSpc="1"/>
           <a:lstStyle>
             <a:lvl1pPr marL="342900" indent="-342900" algn="l" rtl="0" eaLnBrk="0" fontAlgn="base" hangingPunct="0">
               <a:spcBef>
@@ -26315,7 +24914,7 @@
                 <a:schemeClr val="tx2"/>
               </a:buClr>
               <a:buSzPct val="70000"/>
-              <a:buFont typeface="Wingdings" pitchFamily="2" charset="2"/>
+              <a:buFont typeface="Wingdings" panose="05000000000000000000" pitchFamily="2" charset="2"/>
               <a:buChar char="¡"/>
               <a:defRPr sz="1600">
                 <a:solidFill>
@@ -26336,7 +24935,7 @@
                 <a:schemeClr val="tx2"/>
               </a:buClr>
               <a:buSzPct val="70000"/>
-              <a:buFont typeface="Wingdings" pitchFamily="2" charset="2"/>
+              <a:buFont typeface="Wingdings" panose="05000000000000000000" pitchFamily="2" charset="2"/>
               <a:buChar char="¡"/>
               <a:defRPr sz="1600">
                 <a:solidFill>
@@ -26357,7 +24956,7 @@
                 <a:schemeClr val="tx2"/>
               </a:buClr>
               <a:buSzPct val="70000"/>
-              <a:buFont typeface="Wingdings" pitchFamily="2" charset="2"/>
+              <a:buFont typeface="Wingdings" panose="05000000000000000000" pitchFamily="2" charset="2"/>
               <a:buChar char="¡"/>
               <a:defRPr sz="1600">
                 <a:solidFill>
@@ -26378,7 +24977,7 @@
                 <a:schemeClr val="tx2"/>
               </a:buClr>
               <a:buSzPct val="70000"/>
-              <a:buFont typeface="Wingdings" pitchFamily="2" charset="2"/>
+              <a:buFont typeface="Wingdings" panose="05000000000000000000" pitchFamily="2" charset="2"/>
               <a:buChar char="¡"/>
               <a:defRPr sz="1600">
                 <a:solidFill>
@@ -26406,7 +25005,6 @@
               <a:buSzPct val="70000"/>
               <a:buFont typeface="Wingdings" panose="05000000000000000000" pitchFamily="2" charset="2"/>
               <a:buChar char="n"/>
-              <a:tabLst/>
               <a:defRPr/>
             </a:pPr>
             <a:r>
@@ -26420,8 +25018,8 @@
                 <a:effectLst/>
                 <a:uLnTx/>
                 <a:uFillTx/>
-                <a:latin typeface="Arial"/>
-                <a:ea typeface="宋体"/>
+                <a:latin typeface="Arial" panose="020B0604020202020204"/>
+                <a:ea typeface="宋体" panose="02010600030101010101" pitchFamily="2" charset="-122"/>
                 <a:cs typeface="+mn-cs"/>
               </a:rPr>
               <a:t>主要内容</a:t>
@@ -26436,8 +25034,8 @@
               <a:effectLst/>
               <a:uLnTx/>
               <a:uFillTx/>
-              <a:latin typeface="Arial"/>
-              <a:ea typeface="宋体"/>
+              <a:latin typeface="Arial" panose="020B0604020202020204"/>
+              <a:ea typeface="宋体" panose="02010600030101010101" pitchFamily="2" charset="-122"/>
               <a:cs typeface="+mn-cs"/>
             </a:endParaRPr>
           </a:p>
@@ -26616,11 +25214,6 @@
         </p:txBody>
       </p:sp>
     </p:spTree>
-    <p:extLst>
-      <p:ext uri="{BB962C8B-B14F-4D97-AF65-F5344CB8AC3E}">
-        <p14:creationId xmlns:p14="http://schemas.microsoft.com/office/powerpoint/2010/main" val="2490211165"/>
-      </p:ext>
-    </p:extLst>
   </p:cSld>
   <p:clrMapOvr>
     <a:masterClrMapping/>
@@ -26665,25 +25258,6 @@
           <a:ln>
             <a:noFill/>
           </a:ln>
-          <a:extLst>
-            <a:ext uri="{909E8E84-426E-40dd-AFC4-6F175D3DCCD1}">
-              <a14:hiddenFill xmlns:a14="http://schemas.microsoft.com/office/drawing/2010/main" xmlns="">
-                <a:solidFill>
-                  <a:srgbClr val="FFFFFF"/>
-                </a:solidFill>
-              </a14:hiddenFill>
-            </a:ext>
-            <a:ext uri="{91240B29-F687-4f45-9708-019B960494DF}">
-              <a14:hiddenLine xmlns:a14="http://schemas.microsoft.com/office/drawing/2010/main" xmlns="" w="9525">
-                <a:solidFill>
-                  <a:srgbClr val="000000"/>
-                </a:solidFill>
-                <a:miter lim="800000"/>
-                <a:headEnd/>
-                <a:tailEnd/>
-              </a14:hiddenLine>
-            </a:ext>
-          </a:extLst>
         </p:spPr>
         <p:txBody>
           <a:bodyPr wrap="square" lIns="91436" tIns="45718" rIns="91436" bIns="45718">
@@ -26847,6 +25421,13 @@
               </a:rPr>
               <a:t>逻辑时间与物理时钟同步</a:t>
             </a:r>
+            <a:endParaRPr lang="zh-CN" altLang="en-US" b="1" dirty="0">
+              <a:solidFill>
+                <a:srgbClr val="002060"/>
+              </a:solidFill>
+              <a:latin typeface="微软雅黑" panose="020B0503020204020204" pitchFamily="34" charset="-122"/>
+              <a:ea typeface="微软雅黑" panose="020B0503020204020204" pitchFamily="34" charset="-122"/>
+            </a:endParaRPr>
           </a:p>
         </p:txBody>
       </p:sp>
@@ -26866,25 +25447,6 @@
             <a:ext cx="2133600" cy="365125"/>
           </a:xfrm>
           <a:noFill/>
-          <a:extLst>
-            <a:ext uri="{909E8E84-426E-40dd-AFC4-6F175D3DCCD1}">
-              <a14:hiddenFill xmlns:a14="http://schemas.microsoft.com/office/drawing/2010/main" xmlns="">
-                <a:solidFill>
-                  <a:srgbClr val="FFFFFF"/>
-                </a:solidFill>
-              </a14:hiddenFill>
-            </a:ext>
-            <a:ext uri="{91240B29-F687-4f45-9708-019B960494DF}">
-              <a14:hiddenLine xmlns:a14="http://schemas.microsoft.com/office/drawing/2010/main" xmlns="" w="9525">
-                <a:solidFill>
-                  <a:srgbClr val="000000"/>
-                </a:solidFill>
-                <a:miter lim="800000"/>
-                <a:headEnd/>
-                <a:tailEnd/>
-              </a14:hiddenLine>
-            </a:ext>
-          </a:extLst>
         </p:spPr>
         <p:txBody>
           <a:bodyPr/>
@@ -26903,7 +25465,7 @@
                 <a:ea typeface="宋体" panose="02010600030101010101" pitchFamily="2" charset="-122"/>
               </a:defRPr>
             </a:lvl1pPr>
-            <a:lvl2pPr marL="742920" indent="-285738">
+            <a:lvl2pPr marL="742950" indent="-285750">
               <a:spcBef>
                 <a:spcPct val="20000"/>
               </a:spcBef>
@@ -26917,7 +25479,7 @@
                 <a:ea typeface="宋体" panose="02010600030101010101" pitchFamily="2" charset="-122"/>
               </a:defRPr>
             </a:lvl2pPr>
-            <a:lvl3pPr marL="1142953" indent="-228591">
+            <a:lvl3pPr marL="1143000" indent="-228600">
               <a:spcBef>
                 <a:spcPct val="20000"/>
               </a:spcBef>
@@ -26931,7 +25493,7 @@
                 <a:ea typeface="宋体" panose="02010600030101010101" pitchFamily="2" charset="-122"/>
               </a:defRPr>
             </a:lvl3pPr>
-            <a:lvl4pPr marL="1600135" indent="-228591">
+            <a:lvl4pPr marL="1600200" indent="-228600">
               <a:spcBef>
                 <a:spcPct val="20000"/>
               </a:spcBef>
@@ -26945,7 +25507,7 @@
                 <a:ea typeface="宋体" panose="02010600030101010101" pitchFamily="2" charset="-122"/>
               </a:defRPr>
             </a:lvl4pPr>
-            <a:lvl5pPr marL="2057315" indent="-228591">
+            <a:lvl5pPr marL="2057400" indent="-228600">
               <a:spcBef>
                 <a:spcPct val="20000"/>
               </a:spcBef>
@@ -26959,7 +25521,7 @@
                 <a:ea typeface="宋体" panose="02010600030101010101" pitchFamily="2" charset="-122"/>
               </a:defRPr>
             </a:lvl5pPr>
-            <a:lvl6pPr marL="2514497" indent="-228591" eaLnBrk="0" fontAlgn="base" hangingPunct="0">
+            <a:lvl6pPr marL="2514600" indent="-228600" eaLnBrk="0" fontAlgn="base" hangingPunct="0">
               <a:spcBef>
                 <a:spcPct val="20000"/>
               </a:spcBef>
@@ -26976,7 +25538,7 @@
                 <a:ea typeface="宋体" panose="02010600030101010101" pitchFamily="2" charset="-122"/>
               </a:defRPr>
             </a:lvl6pPr>
-            <a:lvl7pPr marL="2971678" indent="-228591" eaLnBrk="0" fontAlgn="base" hangingPunct="0">
+            <a:lvl7pPr marL="2971800" indent="-228600" eaLnBrk="0" fontAlgn="base" hangingPunct="0">
               <a:spcBef>
                 <a:spcPct val="20000"/>
               </a:spcBef>
@@ -26993,7 +25555,7 @@
                 <a:ea typeface="宋体" panose="02010600030101010101" pitchFamily="2" charset="-122"/>
               </a:defRPr>
             </a:lvl7pPr>
-            <a:lvl8pPr marL="3428859" indent="-228591" eaLnBrk="0" fontAlgn="base" hangingPunct="0">
+            <a:lvl8pPr marL="3429000" indent="-228600" eaLnBrk="0" fontAlgn="base" hangingPunct="0">
               <a:spcBef>
                 <a:spcPct val="20000"/>
               </a:spcBef>
@@ -27010,7 +25572,7 @@
                 <a:ea typeface="宋体" panose="02010600030101010101" pitchFamily="2" charset="-122"/>
               </a:defRPr>
             </a:lvl8pPr>
-            <a:lvl9pPr marL="3886041" indent="-228591" eaLnBrk="0" fontAlgn="base" hangingPunct="0">
+            <a:lvl9pPr marL="3886200" indent="-228600" eaLnBrk="0" fontAlgn="base" hangingPunct="0">
               <a:spcBef>
                 <a:spcPct val="20000"/>
               </a:spcBef>
@@ -27042,14 +25604,6 @@
                   <a:srgbClr val="898989"/>
                 </a:solidFill>
               </a:rPr>
-              <a:pPr>
-                <a:spcBef>
-                  <a:spcPct val="0"/>
-                </a:spcBef>
-                <a:buFontTx/>
-                <a:buNone/>
-              </a:pPr>
-              <a:t>2</a:t>
             </a:fld>
             <a:endParaRPr lang="zh-CN" altLang="en-US" sz="1200" dirty="0">
               <a:solidFill>
@@ -27068,7 +25622,7 @@
           <p:nvPr/>
         </p:nvPicPr>
         <p:blipFill>
-          <a:blip r:embed="rId3" cstate="print">
+          <a:blip r:embed="rId1" cstate="print">
             <a:extLst>
               <a:ext uri="{28A0092B-C50C-407E-A947-70E740481C1C}">
                 <a14:useLocalDpi xmlns:a14="http://schemas.microsoft.com/office/drawing/2010/main" val="0"/>
@@ -27092,39 +25646,12 @@
           <a:ln>
             <a:noFill/>
           </a:ln>
-          <a:extLst>
-            <a:ext uri="{909E8E84-426E-40dd-AFC4-6F175D3DCCD1}">
-              <a14:hiddenFill xmlns:a14="http://schemas.microsoft.com/office/drawing/2010/main" xmlns="">
-                <a:solidFill>
-                  <a:srgbClr val="FFFFFF"/>
-                </a:solidFill>
-              </a14:hiddenFill>
-            </a:ext>
-            <a:ext uri="{91240B29-F687-4f45-9708-019B960494DF}">
-              <a14:hiddenLine xmlns:a14="http://schemas.microsoft.com/office/drawing/2010/main" xmlns="" w="9525">
-                <a:solidFill>
-                  <a:srgbClr val="000000"/>
-                </a:solidFill>
-                <a:miter lim="800000"/>
-                <a:headEnd/>
-                <a:tailEnd/>
-              </a14:hiddenLine>
-            </a:ext>
-          </a:extLst>
         </p:spPr>
       </p:pic>
       <p:sp>
         <p:nvSpPr>
-          <p:cNvPr id="6" name="Subtitle 2">
-            <a:extLst>
-              <a:ext uri="{FF2B5EF4-FFF2-40B4-BE49-F238E27FC236}">
-                <a16:creationId xmlns:a16="http://schemas.microsoft.com/office/drawing/2014/main" id="{5B72932F-F3D6-46BF-9A61-0930A2E33BD6}"/>
-              </a:ext>
-            </a:extLst>
-          </p:cNvPr>
-          <p:cNvSpPr txBox="1">
-            <a:spLocks/>
-          </p:cNvSpPr>
+          <p:cNvPr id="6" name="Subtitle 2"/>
+          <p:cNvSpPr txBox="1"/>
           <p:nvPr/>
         </p:nvSpPr>
         <p:spPr bwMode="auto">
@@ -27160,11 +25687,7 @@
           </a:extLst>
         </p:spPr>
         <p:txBody>
-          <a:bodyPr vert="horz" wrap="square" lIns="91440" tIns="45720" rIns="91440" bIns="45720" numCol="1" anchor="t" anchorCtr="0" compatLnSpc="1">
-            <a:prstTxWarp prst="textNoShape">
-              <a:avLst/>
-            </a:prstTxWarp>
-          </a:bodyPr>
+          <a:bodyPr vert="horz" wrap="square" lIns="91440" tIns="45720" rIns="91440" bIns="45720" numCol="1" anchor="t" anchorCtr="0" compatLnSpc="1"/>
           <a:lstStyle>
             <a:lvl1pPr marL="342900" indent="-342900" algn="l" rtl="0" eaLnBrk="0" fontAlgn="base" hangingPunct="0">
               <a:spcBef>
@@ -27283,7 +25806,7 @@
                 <a:schemeClr val="tx2"/>
               </a:buClr>
               <a:buSzPct val="70000"/>
-              <a:buFont typeface="Wingdings" pitchFamily="2" charset="2"/>
+              <a:buFont typeface="Wingdings" panose="05000000000000000000" pitchFamily="2" charset="2"/>
               <a:buChar char="¡"/>
               <a:defRPr sz="1600">
                 <a:solidFill>
@@ -27304,7 +25827,7 @@
                 <a:schemeClr val="tx2"/>
               </a:buClr>
               <a:buSzPct val="70000"/>
-              <a:buFont typeface="Wingdings" pitchFamily="2" charset="2"/>
+              <a:buFont typeface="Wingdings" panose="05000000000000000000" pitchFamily="2" charset="2"/>
               <a:buChar char="¡"/>
               <a:defRPr sz="1600">
                 <a:solidFill>
@@ -27325,7 +25848,7 @@
                 <a:schemeClr val="tx2"/>
               </a:buClr>
               <a:buSzPct val="70000"/>
-              <a:buFont typeface="Wingdings" pitchFamily="2" charset="2"/>
+              <a:buFont typeface="Wingdings" panose="05000000000000000000" pitchFamily="2" charset="2"/>
               <a:buChar char="¡"/>
               <a:defRPr sz="1600">
                 <a:solidFill>
@@ -27346,7 +25869,7 @@
                 <a:schemeClr val="tx2"/>
               </a:buClr>
               <a:buSzPct val="70000"/>
-              <a:buFont typeface="Wingdings" pitchFamily="2" charset="2"/>
+              <a:buFont typeface="Wingdings" panose="05000000000000000000" pitchFamily="2" charset="2"/>
               <a:buChar char="¡"/>
               <a:defRPr sz="1600">
                 <a:solidFill>
@@ -27374,7 +25897,6 @@
               <a:buSzPct val="70000"/>
               <a:buFont typeface="Wingdings" panose="05000000000000000000" pitchFamily="2" charset="2"/>
               <a:buChar char="n"/>
-              <a:tabLst/>
               <a:defRPr/>
             </a:pPr>
             <a:r>
@@ -27388,8 +25910,8 @@
                 <a:effectLst/>
                 <a:uLnTx/>
                 <a:uFillTx/>
-                <a:latin typeface="Arial"/>
-                <a:ea typeface="宋体"/>
+                <a:latin typeface="Arial" panose="020B0604020202020204"/>
+                <a:ea typeface="宋体" panose="02010600030101010101" pitchFamily="2" charset="-122"/>
                 <a:cs typeface="+mn-cs"/>
               </a:rPr>
               <a:t>主要内容</a:t>
@@ -27404,8 +25926,8 @@
               <a:effectLst/>
               <a:uLnTx/>
               <a:uFillTx/>
-              <a:latin typeface="Arial"/>
-              <a:ea typeface="宋体"/>
+              <a:latin typeface="Arial" panose="020B0604020202020204"/>
+              <a:ea typeface="宋体" panose="02010600030101010101" pitchFamily="2" charset="-122"/>
               <a:cs typeface="+mn-cs"/>
             </a:endParaRPr>
           </a:p>
@@ -27584,11 +26106,6 @@
         </p:txBody>
       </p:sp>
     </p:spTree>
-    <p:extLst>
-      <p:ext uri="{BB962C8B-B14F-4D97-AF65-F5344CB8AC3E}">
-        <p14:creationId xmlns:p14="http://schemas.microsoft.com/office/powerpoint/2010/main" val="971337701"/>
-      </p:ext>
-    </p:extLst>
   </p:cSld>
   <p:clrMapOvr>
     <a:masterClrMapping/>
@@ -27633,25 +26150,6 @@
           <a:ln>
             <a:noFill/>
           </a:ln>
-          <a:extLst>
-            <a:ext uri="{909E8E84-426E-40dd-AFC4-6F175D3DCCD1}">
-              <a14:hiddenFill xmlns:a14="http://schemas.microsoft.com/office/drawing/2010/main" xmlns="">
-                <a:solidFill>
-                  <a:srgbClr val="FFFFFF"/>
-                </a:solidFill>
-              </a14:hiddenFill>
-            </a:ext>
-            <a:ext uri="{91240B29-F687-4f45-9708-019B960494DF}">
-              <a14:hiddenLine xmlns:a14="http://schemas.microsoft.com/office/drawing/2010/main" xmlns="" w="9525">
-                <a:solidFill>
-                  <a:srgbClr val="000000"/>
-                </a:solidFill>
-                <a:miter lim="800000"/>
-                <a:headEnd/>
-                <a:tailEnd/>
-              </a14:hiddenLine>
-            </a:ext>
-          </a:extLst>
         </p:spPr>
         <p:txBody>
           <a:bodyPr lIns="91436" tIns="45718" rIns="91436" bIns="45718">
@@ -27815,6 +26313,13 @@
               </a:rPr>
               <a:t>逻辑时间的形式化定义</a:t>
             </a:r>
+            <a:endParaRPr lang="zh-CN" altLang="en-US" b="1" dirty="0">
+              <a:solidFill>
+                <a:srgbClr val="002060"/>
+              </a:solidFill>
+              <a:latin typeface="微软雅黑" panose="020B0503020204020204" pitchFamily="34" charset="-122"/>
+              <a:ea typeface="微软雅黑" panose="020B0503020204020204" pitchFamily="34" charset="-122"/>
+            </a:endParaRPr>
           </a:p>
         </p:txBody>
       </p:sp>
@@ -27834,25 +26339,6 @@
             <a:ext cx="2133600" cy="365125"/>
           </a:xfrm>
           <a:noFill/>
-          <a:extLst>
-            <a:ext uri="{909E8E84-426E-40dd-AFC4-6F175D3DCCD1}">
-              <a14:hiddenFill xmlns:a14="http://schemas.microsoft.com/office/drawing/2010/main" xmlns="">
-                <a:solidFill>
-                  <a:srgbClr val="FFFFFF"/>
-                </a:solidFill>
-              </a14:hiddenFill>
-            </a:ext>
-            <a:ext uri="{91240B29-F687-4f45-9708-019B960494DF}">
-              <a14:hiddenLine xmlns:a14="http://schemas.microsoft.com/office/drawing/2010/main" xmlns="" w="9525">
-                <a:solidFill>
-                  <a:srgbClr val="000000"/>
-                </a:solidFill>
-                <a:miter lim="800000"/>
-                <a:headEnd/>
-                <a:tailEnd/>
-              </a14:hiddenLine>
-            </a:ext>
-          </a:extLst>
         </p:spPr>
         <p:txBody>
           <a:bodyPr/>
@@ -27871,7 +26357,7 @@
                 <a:ea typeface="宋体" panose="02010600030101010101" pitchFamily="2" charset="-122"/>
               </a:defRPr>
             </a:lvl1pPr>
-            <a:lvl2pPr marL="742920" indent="-285738">
+            <a:lvl2pPr marL="742950" indent="-285750">
               <a:spcBef>
                 <a:spcPct val="20000"/>
               </a:spcBef>
@@ -27885,7 +26371,7 @@
                 <a:ea typeface="宋体" panose="02010600030101010101" pitchFamily="2" charset="-122"/>
               </a:defRPr>
             </a:lvl2pPr>
-            <a:lvl3pPr marL="1142953" indent="-228591">
+            <a:lvl3pPr marL="1143000" indent="-228600">
               <a:spcBef>
                 <a:spcPct val="20000"/>
               </a:spcBef>
@@ -27899,7 +26385,7 @@
                 <a:ea typeface="宋体" panose="02010600030101010101" pitchFamily="2" charset="-122"/>
               </a:defRPr>
             </a:lvl3pPr>
-            <a:lvl4pPr marL="1600135" indent="-228591">
+            <a:lvl4pPr marL="1600200" indent="-228600">
               <a:spcBef>
                 <a:spcPct val="20000"/>
               </a:spcBef>
@@ -27913,7 +26399,7 @@
                 <a:ea typeface="宋体" panose="02010600030101010101" pitchFamily="2" charset="-122"/>
               </a:defRPr>
             </a:lvl4pPr>
-            <a:lvl5pPr marL="2057315" indent="-228591">
+            <a:lvl5pPr marL="2057400" indent="-228600">
               <a:spcBef>
                 <a:spcPct val="20000"/>
               </a:spcBef>
@@ -27927,7 +26413,7 @@
                 <a:ea typeface="宋体" panose="02010600030101010101" pitchFamily="2" charset="-122"/>
               </a:defRPr>
             </a:lvl5pPr>
-            <a:lvl6pPr marL="2514497" indent="-228591" eaLnBrk="0" fontAlgn="base" hangingPunct="0">
+            <a:lvl6pPr marL="2514600" indent="-228600" eaLnBrk="0" fontAlgn="base" hangingPunct="0">
               <a:spcBef>
                 <a:spcPct val="20000"/>
               </a:spcBef>
@@ -27944,7 +26430,7 @@
                 <a:ea typeface="宋体" panose="02010600030101010101" pitchFamily="2" charset="-122"/>
               </a:defRPr>
             </a:lvl6pPr>
-            <a:lvl7pPr marL="2971678" indent="-228591" eaLnBrk="0" fontAlgn="base" hangingPunct="0">
+            <a:lvl7pPr marL="2971800" indent="-228600" eaLnBrk="0" fontAlgn="base" hangingPunct="0">
               <a:spcBef>
                 <a:spcPct val="20000"/>
               </a:spcBef>
@@ -27961,7 +26447,7 @@
                 <a:ea typeface="宋体" panose="02010600030101010101" pitchFamily="2" charset="-122"/>
               </a:defRPr>
             </a:lvl7pPr>
-            <a:lvl8pPr marL="3428859" indent="-228591" eaLnBrk="0" fontAlgn="base" hangingPunct="0">
+            <a:lvl8pPr marL="3429000" indent="-228600" eaLnBrk="0" fontAlgn="base" hangingPunct="0">
               <a:spcBef>
                 <a:spcPct val="20000"/>
               </a:spcBef>
@@ -27978,7 +26464,7 @@
                 <a:ea typeface="宋体" panose="02010600030101010101" pitchFamily="2" charset="-122"/>
               </a:defRPr>
             </a:lvl8pPr>
-            <a:lvl9pPr marL="3886041" indent="-228591" eaLnBrk="0" fontAlgn="base" hangingPunct="0">
+            <a:lvl9pPr marL="3886200" indent="-228600" eaLnBrk="0" fontAlgn="base" hangingPunct="0">
               <a:spcBef>
                 <a:spcPct val="20000"/>
               </a:spcBef>
@@ -28010,14 +26496,6 @@
                   <a:srgbClr val="898989"/>
                 </a:solidFill>
               </a:rPr>
-              <a:pPr>
-                <a:spcBef>
-                  <a:spcPct val="0"/>
-                </a:spcBef>
-                <a:buFontTx/>
-                <a:buNone/>
-              </a:pPr>
-              <a:t>3</a:t>
             </a:fld>
             <a:endParaRPr lang="zh-CN" altLang="en-US" sz="1200" dirty="0">
               <a:solidFill>
@@ -28036,7 +26514,7 @@
           <p:nvPr/>
         </p:nvPicPr>
         <p:blipFill>
-          <a:blip r:embed="rId3" cstate="print">
+          <a:blip r:embed="rId1" cstate="print">
             <a:extLst>
               <a:ext uri="{28A0092B-C50C-407E-A947-70E740481C1C}">
                 <a14:useLocalDpi xmlns:a14="http://schemas.microsoft.com/office/drawing/2010/main" val="0"/>
@@ -28060,35 +26538,16 @@
           <a:ln>
             <a:noFill/>
           </a:ln>
-          <a:extLst>
-            <a:ext uri="{909E8E84-426E-40dd-AFC4-6F175D3DCCD1}">
-              <a14:hiddenFill xmlns:a14="http://schemas.microsoft.com/office/drawing/2010/main" xmlns="">
-                <a:solidFill>
-                  <a:srgbClr val="FFFFFF"/>
-                </a:solidFill>
-              </a14:hiddenFill>
-            </a:ext>
-            <a:ext uri="{91240B29-F687-4f45-9708-019B960494DF}">
-              <a14:hiddenLine xmlns:a14="http://schemas.microsoft.com/office/drawing/2010/main" xmlns="" w="9525">
-                <a:solidFill>
-                  <a:srgbClr val="000000"/>
-                </a:solidFill>
-                <a:miter lim="800000"/>
-                <a:headEnd/>
-                <a:tailEnd/>
-              </a14:hiddenLine>
-            </a:ext>
-          </a:extLst>
         </p:spPr>
       </p:pic>
-      <mc:AlternateContent xmlns:mc="http://schemas.openxmlformats.org/markup-compatibility/2006" xmlns:a14="http://schemas.microsoft.com/office/drawing/2010/main">
-        <mc:Choice Requires="a14">
+      <mc:AlternateContent xmlns:mc="http://schemas.openxmlformats.org/markup-compatibility/2006">
+        <mc:Choice xmlns:a14="http://schemas.microsoft.com/office/drawing/2010/main" Requires="a14">
           <p:sp>
             <p:nvSpPr>
               <p:cNvPr id="6" name="Subtitle 2">
                 <a:extLst>
                   <a:ext uri="{FF2B5EF4-FFF2-40B4-BE49-F238E27FC236}">
-                    <a16:creationId xmlns:a16="http://schemas.microsoft.com/office/drawing/2014/main" id="{5B72932F-F3D6-46BF-9A61-0930A2E33BD6}"/>
+                    <ele attr="{5B72932F-F3D6-46BF-9A61-0930A2E33BD6}"/>
                   </a:ext>
                 </a:extLst>
               </p:cNvPr>
@@ -29548,16 +28007,10 @@
             </p:txBody>
           </p:sp>
         </mc:Choice>
-        <mc:Fallback xmlns="">
+        <mc:Fallback>
           <p:sp>
             <p:nvSpPr>
-              <p:cNvPr id="6" name="Subtitle 2">
-                <a:extLst>
-                  <a:ext uri="{FF2B5EF4-FFF2-40B4-BE49-F238E27FC236}">
-                    <a16:creationId xmlns:a16="http://schemas.microsoft.com/office/drawing/2014/main" id="{5B72932F-F3D6-46BF-9A61-0930A2E33BD6}"/>
-                  </a:ext>
-                </a:extLst>
-              </p:cNvPr>
+              <p:cNvPr id="6" name="Subtitle 2"/>
               <p:cNvSpPr txBox="1">
                 <a:spLocks noRot="1" noChangeAspect="1" noMove="1" noResize="1" noEditPoints="1" noAdjustHandles="1" noChangeArrowheads="1" noChangeShapeType="1" noTextEdit="1"/>
               </p:cNvSpPr>
@@ -29571,8 +28024,8 @@
               <a:prstGeom prst="rect">
                 <a:avLst/>
               </a:prstGeom>
-              <a:blipFill>
-                <a:blip r:embed="rId4"/>
+              <a:blipFill rotWithShape="1">
+                <a:blip r:embed="rId2"/>
                 <a:stretch>
                   <a:fillRect l="-540" t="-1452" r="-1080" b="-830"/>
                 </a:stretch>
@@ -29610,17 +28063,15 @@
                   </a:rPr>
                   <a:t> </a:t>
                 </a:r>
+                <a:endParaRPr lang="zh-CN" altLang="en-US">
+                  <a:noFill/>
+                </a:endParaRPr>
               </a:p>
             </p:txBody>
           </p:sp>
         </mc:Fallback>
       </mc:AlternateContent>
     </p:spTree>
-    <p:extLst>
-      <p:ext uri="{BB962C8B-B14F-4D97-AF65-F5344CB8AC3E}">
-        <p14:creationId xmlns:p14="http://schemas.microsoft.com/office/powerpoint/2010/main" val="1026184055"/>
-      </p:ext>
-    </p:extLst>
   </p:cSld>
   <p:clrMapOvr>
     <a:masterClrMapping/>
@@ -29665,25 +28116,6 @@
           <a:ln>
             <a:noFill/>
           </a:ln>
-          <a:extLst>
-            <a:ext uri="{909E8E84-426E-40dd-AFC4-6F175D3DCCD1}">
-              <a14:hiddenFill xmlns:a14="http://schemas.microsoft.com/office/drawing/2010/main" xmlns="">
-                <a:solidFill>
-                  <a:srgbClr val="FFFFFF"/>
-                </a:solidFill>
-              </a14:hiddenFill>
-            </a:ext>
-            <a:ext uri="{91240B29-F687-4f45-9708-019B960494DF}">
-              <a14:hiddenLine xmlns:a14="http://schemas.microsoft.com/office/drawing/2010/main" xmlns="" w="9525">
-                <a:solidFill>
-                  <a:srgbClr val="000000"/>
-                </a:solidFill>
-                <a:miter lim="800000"/>
-                <a:headEnd/>
-                <a:tailEnd/>
-              </a14:hiddenLine>
-            </a:ext>
-          </a:extLst>
         </p:spPr>
         <p:txBody>
           <a:bodyPr wrap="square" lIns="91436" tIns="45718" rIns="91436" bIns="45718">
@@ -29847,6 +28279,13 @@
               </a:rPr>
               <a:t>逻辑时间的一般实现原则</a:t>
             </a:r>
+            <a:endParaRPr lang="zh-CN" altLang="en-US" b="1" dirty="0">
+              <a:solidFill>
+                <a:srgbClr val="002060"/>
+              </a:solidFill>
+              <a:latin typeface="微软雅黑" panose="020B0503020204020204" pitchFamily="34" charset="-122"/>
+              <a:ea typeface="微软雅黑" panose="020B0503020204020204" pitchFamily="34" charset="-122"/>
+            </a:endParaRPr>
           </a:p>
         </p:txBody>
       </p:sp>
@@ -29866,25 +28305,6 @@
             <a:ext cx="2133600" cy="365125"/>
           </a:xfrm>
           <a:noFill/>
-          <a:extLst>
-            <a:ext uri="{909E8E84-426E-40dd-AFC4-6F175D3DCCD1}">
-              <a14:hiddenFill xmlns:a14="http://schemas.microsoft.com/office/drawing/2010/main" xmlns="">
-                <a:solidFill>
-                  <a:srgbClr val="FFFFFF"/>
-                </a:solidFill>
-              </a14:hiddenFill>
-            </a:ext>
-            <a:ext uri="{91240B29-F687-4f45-9708-019B960494DF}">
-              <a14:hiddenLine xmlns:a14="http://schemas.microsoft.com/office/drawing/2010/main" xmlns="" w="9525">
-                <a:solidFill>
-                  <a:srgbClr val="000000"/>
-                </a:solidFill>
-                <a:miter lim="800000"/>
-                <a:headEnd/>
-                <a:tailEnd/>
-              </a14:hiddenLine>
-            </a:ext>
-          </a:extLst>
         </p:spPr>
         <p:txBody>
           <a:bodyPr/>
@@ -29903,7 +28323,7 @@
                 <a:ea typeface="宋体" panose="02010600030101010101" pitchFamily="2" charset="-122"/>
               </a:defRPr>
             </a:lvl1pPr>
-            <a:lvl2pPr marL="742920" indent="-285738">
+            <a:lvl2pPr marL="742950" indent="-285750">
               <a:spcBef>
                 <a:spcPct val="20000"/>
               </a:spcBef>
@@ -29917,7 +28337,7 @@
                 <a:ea typeface="宋体" panose="02010600030101010101" pitchFamily="2" charset="-122"/>
               </a:defRPr>
             </a:lvl2pPr>
-            <a:lvl3pPr marL="1142953" indent="-228591">
+            <a:lvl3pPr marL="1143000" indent="-228600">
               <a:spcBef>
                 <a:spcPct val="20000"/>
               </a:spcBef>
@@ -29931,7 +28351,7 @@
                 <a:ea typeface="宋体" panose="02010600030101010101" pitchFamily="2" charset="-122"/>
               </a:defRPr>
             </a:lvl3pPr>
-            <a:lvl4pPr marL="1600135" indent="-228591">
+            <a:lvl4pPr marL="1600200" indent="-228600">
               <a:spcBef>
                 <a:spcPct val="20000"/>
               </a:spcBef>
@@ -29945,7 +28365,7 @@
                 <a:ea typeface="宋体" panose="02010600030101010101" pitchFamily="2" charset="-122"/>
               </a:defRPr>
             </a:lvl4pPr>
-            <a:lvl5pPr marL="2057315" indent="-228591">
+            <a:lvl5pPr marL="2057400" indent="-228600">
               <a:spcBef>
                 <a:spcPct val="20000"/>
               </a:spcBef>
@@ -29959,7 +28379,7 @@
                 <a:ea typeface="宋体" panose="02010600030101010101" pitchFamily="2" charset="-122"/>
               </a:defRPr>
             </a:lvl5pPr>
-            <a:lvl6pPr marL="2514497" indent="-228591" eaLnBrk="0" fontAlgn="base" hangingPunct="0">
+            <a:lvl6pPr marL="2514600" indent="-228600" eaLnBrk="0" fontAlgn="base" hangingPunct="0">
               <a:spcBef>
                 <a:spcPct val="20000"/>
               </a:spcBef>
@@ -29976,7 +28396,7 @@
                 <a:ea typeface="宋体" panose="02010600030101010101" pitchFamily="2" charset="-122"/>
               </a:defRPr>
             </a:lvl6pPr>
-            <a:lvl7pPr marL="2971678" indent="-228591" eaLnBrk="0" fontAlgn="base" hangingPunct="0">
+            <a:lvl7pPr marL="2971800" indent="-228600" eaLnBrk="0" fontAlgn="base" hangingPunct="0">
               <a:spcBef>
                 <a:spcPct val="20000"/>
               </a:spcBef>
@@ -29993,7 +28413,7 @@
                 <a:ea typeface="宋体" panose="02010600030101010101" pitchFamily="2" charset="-122"/>
               </a:defRPr>
             </a:lvl7pPr>
-            <a:lvl8pPr marL="3428859" indent="-228591" eaLnBrk="0" fontAlgn="base" hangingPunct="0">
+            <a:lvl8pPr marL="3429000" indent="-228600" eaLnBrk="0" fontAlgn="base" hangingPunct="0">
               <a:spcBef>
                 <a:spcPct val="20000"/>
               </a:spcBef>
@@ -30010,7 +28430,7 @@
                 <a:ea typeface="宋体" panose="02010600030101010101" pitchFamily="2" charset="-122"/>
               </a:defRPr>
             </a:lvl8pPr>
-            <a:lvl9pPr marL="3886041" indent="-228591" eaLnBrk="0" fontAlgn="base" hangingPunct="0">
+            <a:lvl9pPr marL="3886200" indent="-228600" eaLnBrk="0" fontAlgn="base" hangingPunct="0">
               <a:spcBef>
                 <a:spcPct val="20000"/>
               </a:spcBef>
@@ -30042,14 +28462,6 @@
                   <a:srgbClr val="898989"/>
                 </a:solidFill>
               </a:rPr>
-              <a:pPr>
-                <a:spcBef>
-                  <a:spcPct val="0"/>
-                </a:spcBef>
-                <a:buFontTx/>
-                <a:buNone/>
-              </a:pPr>
-              <a:t>4</a:t>
             </a:fld>
             <a:endParaRPr lang="zh-CN" altLang="en-US" sz="1200" dirty="0">
               <a:solidFill>
@@ -30068,7 +28480,7 @@
           <p:nvPr/>
         </p:nvPicPr>
         <p:blipFill>
-          <a:blip r:embed="rId3" cstate="print">
+          <a:blip r:embed="rId1" cstate="print">
             <a:extLst>
               <a:ext uri="{28A0092B-C50C-407E-A947-70E740481C1C}">
                 <a14:useLocalDpi xmlns:a14="http://schemas.microsoft.com/office/drawing/2010/main" val="0"/>
@@ -30092,39 +28504,12 @@
           <a:ln>
             <a:noFill/>
           </a:ln>
-          <a:extLst>
-            <a:ext uri="{909E8E84-426E-40dd-AFC4-6F175D3DCCD1}">
-              <a14:hiddenFill xmlns:a14="http://schemas.microsoft.com/office/drawing/2010/main" xmlns="">
-                <a:solidFill>
-                  <a:srgbClr val="FFFFFF"/>
-                </a:solidFill>
-              </a14:hiddenFill>
-            </a:ext>
-            <a:ext uri="{91240B29-F687-4f45-9708-019B960494DF}">
-              <a14:hiddenLine xmlns:a14="http://schemas.microsoft.com/office/drawing/2010/main" xmlns="" w="9525">
-                <a:solidFill>
-                  <a:srgbClr val="000000"/>
-                </a:solidFill>
-                <a:miter lim="800000"/>
-                <a:headEnd/>
-                <a:tailEnd/>
-              </a14:hiddenLine>
-            </a:ext>
-          </a:extLst>
         </p:spPr>
       </p:pic>
       <p:sp>
         <p:nvSpPr>
-          <p:cNvPr id="6" name="Subtitle 2">
-            <a:extLst>
-              <a:ext uri="{FF2B5EF4-FFF2-40B4-BE49-F238E27FC236}">
-                <a16:creationId xmlns:a16="http://schemas.microsoft.com/office/drawing/2014/main" id="{5B72932F-F3D6-46BF-9A61-0930A2E33BD6}"/>
-              </a:ext>
-            </a:extLst>
-          </p:cNvPr>
-          <p:cNvSpPr txBox="1">
-            <a:spLocks/>
-          </p:cNvSpPr>
+          <p:cNvPr id="6" name="Subtitle 2"/>
+          <p:cNvSpPr txBox="1"/>
           <p:nvPr/>
         </p:nvSpPr>
         <p:spPr bwMode="auto">
@@ -30160,11 +28545,7 @@
           </a:extLst>
         </p:spPr>
         <p:txBody>
-          <a:bodyPr vert="horz" wrap="square" lIns="91440" tIns="45720" rIns="91440" bIns="45720" numCol="1" anchor="t" anchorCtr="0" compatLnSpc="1">
-            <a:prstTxWarp prst="textNoShape">
-              <a:avLst/>
-            </a:prstTxWarp>
-          </a:bodyPr>
+          <a:bodyPr vert="horz" wrap="square" lIns="91440" tIns="45720" rIns="91440" bIns="45720" numCol="1" anchor="t" anchorCtr="0" compatLnSpc="1"/>
           <a:lstStyle>
             <a:lvl1pPr marL="342900" indent="-342900" algn="l" rtl="0" eaLnBrk="0" fontAlgn="base" hangingPunct="0">
               <a:spcBef>
@@ -30283,7 +28664,7 @@
                 <a:schemeClr val="tx2"/>
               </a:buClr>
               <a:buSzPct val="70000"/>
-              <a:buFont typeface="Wingdings" pitchFamily="2" charset="2"/>
+              <a:buFont typeface="Wingdings" panose="05000000000000000000" pitchFamily="2" charset="2"/>
               <a:buChar char="¡"/>
               <a:defRPr sz="1600">
                 <a:solidFill>
@@ -30304,7 +28685,7 @@
                 <a:schemeClr val="tx2"/>
               </a:buClr>
               <a:buSzPct val="70000"/>
-              <a:buFont typeface="Wingdings" pitchFamily="2" charset="2"/>
+              <a:buFont typeface="Wingdings" panose="05000000000000000000" pitchFamily="2" charset="2"/>
               <a:buChar char="¡"/>
               <a:defRPr sz="1600">
                 <a:solidFill>
@@ -30325,7 +28706,7 @@
                 <a:schemeClr val="tx2"/>
               </a:buClr>
               <a:buSzPct val="70000"/>
-              <a:buFont typeface="Wingdings" pitchFamily="2" charset="2"/>
+              <a:buFont typeface="Wingdings" panose="05000000000000000000" pitchFamily="2" charset="2"/>
               <a:buChar char="¡"/>
               <a:defRPr sz="1600">
                 <a:solidFill>
@@ -30346,7 +28727,7 @@
                 <a:schemeClr val="tx2"/>
               </a:buClr>
               <a:buSzPct val="70000"/>
-              <a:buFont typeface="Wingdings" pitchFamily="2" charset="2"/>
+              <a:buFont typeface="Wingdings" panose="05000000000000000000" pitchFamily="2" charset="2"/>
               <a:buChar char="¡"/>
               <a:defRPr sz="1600">
                 <a:solidFill>
@@ -30374,7 +28755,6 @@
               <a:buSzPct val="70000"/>
               <a:buFont typeface="Wingdings" panose="05000000000000000000" pitchFamily="2" charset="2"/>
               <a:buChar char="n"/>
-              <a:tabLst/>
               <a:defRPr/>
             </a:pPr>
             <a:r>
@@ -30388,8 +28768,8 @@
                 <a:effectLst/>
                 <a:uLnTx/>
                 <a:uFillTx/>
-                <a:latin typeface="Arial"/>
-                <a:ea typeface="宋体"/>
+                <a:latin typeface="Arial" panose="020B0604020202020204"/>
+                <a:ea typeface="宋体" panose="02010600030101010101" pitchFamily="2" charset="-122"/>
                 <a:cs typeface="+mn-cs"/>
               </a:rPr>
               <a:t>逻辑时间系统的两个要素：</a:t>
@@ -30405,8 +28785,8 @@
                 <a:effectLst/>
                 <a:uLnTx/>
                 <a:uFillTx/>
-                <a:latin typeface="Arial"/>
-                <a:ea typeface="宋体"/>
+                <a:latin typeface="Arial" panose="020B0604020202020204"/>
+                <a:ea typeface="宋体" panose="02010600030101010101" pitchFamily="2" charset="-122"/>
                 <a:cs typeface="+mn-cs"/>
               </a:rPr>
               <a:t>时间表示数据结构</a:t>
@@ -30422,8 +28802,8 @@
                 <a:effectLst/>
                 <a:uLnTx/>
                 <a:uFillTx/>
-                <a:latin typeface="Arial"/>
-                <a:ea typeface="宋体"/>
+                <a:latin typeface="Arial" panose="020B0604020202020204"/>
+                <a:ea typeface="宋体" panose="02010600030101010101" pitchFamily="2" charset="-122"/>
                 <a:cs typeface="+mn-cs"/>
               </a:rPr>
               <a:t>和</a:t>
@@ -30439,8 +28819,8 @@
                 <a:effectLst/>
                 <a:uLnTx/>
                 <a:uFillTx/>
-                <a:latin typeface="Arial"/>
-                <a:ea typeface="宋体"/>
+                <a:latin typeface="Arial" panose="020B0604020202020204"/>
+                <a:ea typeface="宋体" panose="02010600030101010101" pitchFamily="2" charset="-122"/>
                 <a:cs typeface="+mn-cs"/>
               </a:rPr>
               <a:t>推进方法</a:t>
@@ -30455,8 +28835,8 @@
               <a:effectLst/>
               <a:uLnTx/>
               <a:uFillTx/>
-              <a:latin typeface="Arial"/>
-              <a:ea typeface="宋体"/>
+              <a:latin typeface="Arial" panose="020B0604020202020204"/>
+              <a:ea typeface="宋体" panose="02010600030101010101" pitchFamily="2" charset="-122"/>
               <a:cs typeface="+mn-cs"/>
             </a:endParaRPr>
           </a:p>
@@ -30540,6 +28920,13 @@
               </a:rPr>
               <a:t>…</a:t>
             </a:r>
+            <a:endParaRPr lang="en-US" altLang="zh-CN" kern="0" dirty="0">
+              <a:solidFill>
+                <a:srgbClr val="003366"/>
+              </a:solidFill>
+              <a:latin typeface="仿宋" panose="02010609060101010101" pitchFamily="49" charset="-122"/>
+              <a:ea typeface="仿宋" panose="02010609060101010101" pitchFamily="49" charset="-122"/>
+            </a:endParaRPr>
           </a:p>
           <a:p>
             <a:pPr lvl="2" eaLnBrk="1" hangingPunct="1">
@@ -30593,11 +28980,21 @@
                 <a:latin typeface="仿宋" panose="02010609060101010101" pitchFamily="49" charset="-122"/>
                 <a:ea typeface="仿宋" panose="02010609060101010101" pitchFamily="49" charset="-122"/>
               </a:rPr>
-              <a:t>：所谓全局时钟，是指每个进程自己看到的全局时钟，并不意味着所有进程上的全局时钟完全相同</a:t>
+              <a:t>：</a:t>
             </a:r>
-            <a:endParaRPr lang="en-US" altLang="zh-CN" kern="0" dirty="0">
+            <a:r>
+              <a:rPr lang="zh-CN" altLang="en-US" b="1" kern="0" dirty="0">
+                <a:solidFill>
+                  <a:srgbClr val="7030A0"/>
+                </a:solidFill>
+                <a:latin typeface="仿宋" panose="02010609060101010101" pitchFamily="49" charset="-122"/>
+                <a:ea typeface="仿宋" panose="02010609060101010101" pitchFamily="49" charset="-122"/>
+              </a:rPr>
+              <a:t>所谓全局时钟，是指每个进程自己看到的全局时钟，并不意味着所有进程上的全局时钟完全相同</a:t>
+            </a:r>
+            <a:endParaRPr lang="en-US" altLang="zh-CN" b="1" kern="0" dirty="0">
               <a:solidFill>
-                <a:srgbClr val="003366"/>
+                <a:srgbClr val="7030A0"/>
               </a:solidFill>
               <a:latin typeface="仿宋" panose="02010609060101010101" pitchFamily="49" charset="-122"/>
               <a:ea typeface="仿宋" panose="02010609060101010101" pitchFamily="49" charset="-122"/>
@@ -30736,18 +29133,48 @@
               <a:buChar char="ü"/>
             </a:pPr>
             <a:r>
-              <a:rPr lang="zh-CN" altLang="en-US" kern="0" dirty="0">
-                <a:solidFill>
-                  <a:srgbClr val="003366"/>
+              <a:rPr lang="zh-CN" altLang="en-US" b="1" kern="0" dirty="0">
+                <a:solidFill>
+                  <a:srgbClr val="7030A0"/>
                 </a:solidFill>
                 <a:latin typeface="仿宋" panose="02010609060101010101" pitchFamily="49" charset="-122"/>
                 <a:ea typeface="仿宋" panose="02010609060101010101" pitchFamily="49" charset="-122"/>
               </a:rPr>
-              <a:t>当进程发送一个消息时，如何将自己视图中的全局时钟附加到消息中，促使目标进程的时钟推进</a:t>
+              <a:t>当进程发送一个消息时，如何将自己视图中的全局时钟附加到消息中，</a:t>
             </a:r>
-            <a:endParaRPr lang="en-US" altLang="zh-CN" kern="0" dirty="0">
+            <a:r>
+              <a:rPr lang="zh-CN" altLang="en-US" b="1" kern="0" dirty="0">
+                <a:solidFill>
+                  <a:schemeClr val="accent1"/>
+                </a:solidFill>
+                <a:latin typeface="仿宋" panose="02010609060101010101" pitchFamily="49" charset="-122"/>
+                <a:ea typeface="仿宋" panose="02010609060101010101" pitchFamily="49" charset="-122"/>
+              </a:rPr>
+              <a:t>促使目标进程的时钟推进</a:t>
+            </a:r>
+            <a:r>
+              <a:rPr lang="en-US" altLang="zh-CN" b="1" kern="0" dirty="0">
+                <a:solidFill>
+                  <a:srgbClr val="C00000"/>
+                </a:solidFill>
+                <a:latin typeface="仿宋" panose="02010609060101010101" pitchFamily="49" charset="-122"/>
+                <a:ea typeface="仿宋" panose="02010609060101010101" pitchFamily="49" charset="-122"/>
+              </a:rPr>
+              <a:t>(</a:t>
+            </a:r>
+            <a:r>
+              <a:rPr lang="zh-CN" altLang="en-US" b="1" kern="0" dirty="0">
+                <a:solidFill>
+                  <a:srgbClr val="C00000"/>
+                </a:solidFill>
+                <a:latin typeface="仿宋" panose="02010609060101010101" pitchFamily="49" charset="-122"/>
+                <a:ea typeface="仿宋" panose="02010609060101010101" pitchFamily="49" charset="-122"/>
+              </a:rPr>
+              <a:t>发消息给别人时希望推动别人的时钟）</a:t>
+            </a:r>
+            <a:endParaRPr lang="en-US" altLang="zh-CN" b="1" kern="0" dirty="0">
               <a:solidFill>
-                <a:srgbClr val="003366"/>
+                <a:srgbClr val="7030A0"/>
               </a:solidFill>
               <a:latin typeface="仿宋" panose="02010609060101010101" pitchFamily="49" charset="-122"/>
               <a:ea typeface="仿宋" panose="02010609060101010101" pitchFamily="49" charset="-122"/>
@@ -30762,18 +29189,48 @@
               <a:buChar char="ü"/>
             </a:pPr>
             <a:r>
-              <a:rPr lang="zh-CN" altLang="en-US" kern="0" dirty="0">
-                <a:solidFill>
-                  <a:srgbClr val="003366"/>
+              <a:rPr lang="zh-CN" altLang="en-US" b="1" kern="0" dirty="0">
+                <a:solidFill>
+                  <a:srgbClr val="7030A0"/>
                 </a:solidFill>
                 <a:latin typeface="仿宋" panose="02010609060101010101" pitchFamily="49" charset="-122"/>
                 <a:ea typeface="仿宋" panose="02010609060101010101" pitchFamily="49" charset="-122"/>
               </a:rPr>
-              <a:t>当进程接收到一个消息时，如何更近消息中附加的“发送进程视图的全局时钟”推进自己的全局时钟</a:t>
+              <a:t>当进程接收到一个消息时，如何根据消息中附加的“发送进程视图的全局时钟”</a:t>
             </a:r>
-            <a:endParaRPr lang="en-US" altLang="zh-CN" kern="0" dirty="0">
+            <a:r>
+              <a:rPr lang="zh-CN" altLang="en-US" b="1" kern="0" dirty="0">
+                <a:solidFill>
+                  <a:schemeClr val="accent1"/>
+                </a:solidFill>
+                <a:latin typeface="仿宋" panose="02010609060101010101" pitchFamily="49" charset="-122"/>
+                <a:ea typeface="仿宋" panose="02010609060101010101" pitchFamily="49" charset="-122"/>
+              </a:rPr>
+              <a:t>推进自己的全局时钟</a:t>
+            </a:r>
+            <a:r>
+              <a:rPr lang="en-US" altLang="zh-CN" b="1" kern="0" dirty="0">
+                <a:solidFill>
+                  <a:srgbClr val="C00000"/>
+                </a:solidFill>
+                <a:latin typeface="仿宋" panose="02010609060101010101" pitchFamily="49" charset="-122"/>
+                <a:ea typeface="仿宋" panose="02010609060101010101" pitchFamily="49" charset="-122"/>
+              </a:rPr>
+              <a:t>(</a:t>
+            </a:r>
+            <a:r>
+              <a:rPr lang="zh-CN" altLang="en-US" b="1" kern="0" dirty="0">
+                <a:solidFill>
+                  <a:srgbClr val="C00000"/>
+                </a:solidFill>
+                <a:latin typeface="仿宋" panose="02010609060101010101" pitchFamily="49" charset="-122"/>
+                <a:ea typeface="仿宋" panose="02010609060101010101" pitchFamily="49" charset="-122"/>
+              </a:rPr>
+              <a:t>接收别人的消息时希望推进自己的时钟）</a:t>
+            </a:r>
+            <a:endParaRPr lang="en-US" altLang="zh-CN" b="1" kern="0" dirty="0">
               <a:solidFill>
-                <a:srgbClr val="003366"/>
+                <a:srgbClr val="C00000"/>
               </a:solidFill>
               <a:latin typeface="仿宋" panose="02010609060101010101" pitchFamily="49" charset="-122"/>
               <a:ea typeface="仿宋" panose="02010609060101010101" pitchFamily="49" charset="-122"/>
@@ -30793,8 +29250,8 @@
                 <a:solidFill>
                   <a:srgbClr val="003366"/>
                 </a:solidFill>
-                <a:latin typeface="Arial"/>
-                <a:ea typeface="宋体"/>
+                <a:latin typeface="Arial" panose="020B0604020202020204"/>
+                <a:ea typeface="宋体" panose="02010600030101010101" pitchFamily="2" charset="-122"/>
               </a:rPr>
               <a:t>在本地事件和消息传递的共同推动下，时间向前推进</a:t>
             </a:r>
@@ -30802,8 +29259,8 @@
               <a:solidFill>
                 <a:srgbClr val="003366"/>
               </a:solidFill>
-              <a:latin typeface="Arial"/>
-              <a:ea typeface="宋体"/>
+              <a:latin typeface="Arial" panose="020B0604020202020204"/>
+              <a:ea typeface="宋体" panose="02010600030101010101" pitchFamily="2" charset="-122"/>
             </a:endParaRPr>
           </a:p>
           <a:p>
@@ -30825,11 +29282,6 @@
         </p:txBody>
       </p:sp>
     </p:spTree>
-    <p:extLst>
-      <p:ext uri="{BB962C8B-B14F-4D97-AF65-F5344CB8AC3E}">
-        <p14:creationId xmlns:p14="http://schemas.microsoft.com/office/powerpoint/2010/main" val="669412042"/>
-      </p:ext>
-    </p:extLst>
   </p:cSld>
   <p:clrMapOvr>
     <a:masterClrMapping/>
@@ -30874,25 +29326,6 @@
           <a:ln>
             <a:noFill/>
           </a:ln>
-          <a:extLst>
-            <a:ext uri="{909E8E84-426E-40dd-AFC4-6F175D3DCCD1}">
-              <a14:hiddenFill xmlns:a14="http://schemas.microsoft.com/office/drawing/2010/main" xmlns="">
-                <a:solidFill>
-                  <a:srgbClr val="FFFFFF"/>
-                </a:solidFill>
-              </a14:hiddenFill>
-            </a:ext>
-            <a:ext uri="{91240B29-F687-4f45-9708-019B960494DF}">
-              <a14:hiddenLine xmlns:a14="http://schemas.microsoft.com/office/drawing/2010/main" xmlns="" w="9525">
-                <a:solidFill>
-                  <a:srgbClr val="000000"/>
-                </a:solidFill>
-                <a:miter lim="800000"/>
-                <a:headEnd/>
-                <a:tailEnd/>
-              </a14:hiddenLine>
-            </a:ext>
-          </a:extLst>
         </p:spPr>
         <p:txBody>
           <a:bodyPr lIns="91436" tIns="45718" rIns="91436" bIns="45718">
@@ -31056,6 +29489,13 @@
               </a:rPr>
               <a:t>标量时间</a:t>
             </a:r>
+            <a:endParaRPr lang="zh-CN" altLang="en-US" b="1" dirty="0">
+              <a:solidFill>
+                <a:srgbClr val="002060"/>
+              </a:solidFill>
+              <a:latin typeface="微软雅黑" panose="020B0503020204020204" pitchFamily="34" charset="-122"/>
+              <a:ea typeface="微软雅黑" panose="020B0503020204020204" pitchFamily="34" charset="-122"/>
+            </a:endParaRPr>
           </a:p>
         </p:txBody>
       </p:sp>
@@ -31075,25 +29515,6 @@
             <a:ext cx="2133600" cy="365125"/>
           </a:xfrm>
           <a:noFill/>
-          <a:extLst>
-            <a:ext uri="{909E8E84-426E-40dd-AFC4-6F175D3DCCD1}">
-              <a14:hiddenFill xmlns:a14="http://schemas.microsoft.com/office/drawing/2010/main" xmlns="">
-                <a:solidFill>
-                  <a:srgbClr val="FFFFFF"/>
-                </a:solidFill>
-              </a14:hiddenFill>
-            </a:ext>
-            <a:ext uri="{91240B29-F687-4f45-9708-019B960494DF}">
-              <a14:hiddenLine xmlns:a14="http://schemas.microsoft.com/office/drawing/2010/main" xmlns="" w="9525">
-                <a:solidFill>
-                  <a:srgbClr val="000000"/>
-                </a:solidFill>
-                <a:miter lim="800000"/>
-                <a:headEnd/>
-                <a:tailEnd/>
-              </a14:hiddenLine>
-            </a:ext>
-          </a:extLst>
         </p:spPr>
         <p:txBody>
           <a:bodyPr/>
@@ -31112,7 +29533,7 @@
                 <a:ea typeface="宋体" panose="02010600030101010101" pitchFamily="2" charset="-122"/>
               </a:defRPr>
             </a:lvl1pPr>
-            <a:lvl2pPr marL="742920" indent="-285738">
+            <a:lvl2pPr marL="742950" indent="-285750">
               <a:spcBef>
                 <a:spcPct val="20000"/>
               </a:spcBef>
@@ -31126,7 +29547,7 @@
                 <a:ea typeface="宋体" panose="02010600030101010101" pitchFamily="2" charset="-122"/>
               </a:defRPr>
             </a:lvl2pPr>
-            <a:lvl3pPr marL="1142953" indent="-228591">
+            <a:lvl3pPr marL="1143000" indent="-228600">
               <a:spcBef>
                 <a:spcPct val="20000"/>
               </a:spcBef>
@@ -31140,7 +29561,7 @@
                 <a:ea typeface="宋体" panose="02010600030101010101" pitchFamily="2" charset="-122"/>
               </a:defRPr>
             </a:lvl3pPr>
-            <a:lvl4pPr marL="1600135" indent="-228591">
+            <a:lvl4pPr marL="1600200" indent="-228600">
               <a:spcBef>
                 <a:spcPct val="20000"/>
               </a:spcBef>
@@ -31154,7 +29575,7 @@
                 <a:ea typeface="宋体" panose="02010600030101010101" pitchFamily="2" charset="-122"/>
               </a:defRPr>
             </a:lvl4pPr>
-            <a:lvl5pPr marL="2057315" indent="-228591">
+            <a:lvl5pPr marL="2057400" indent="-228600">
               <a:spcBef>
                 <a:spcPct val="20000"/>
               </a:spcBef>
@@ -31168,7 +29589,7 @@
                 <a:ea typeface="宋体" panose="02010600030101010101" pitchFamily="2" charset="-122"/>
               </a:defRPr>
             </a:lvl5pPr>
-            <a:lvl6pPr marL="2514497" indent="-228591" eaLnBrk="0" fontAlgn="base" hangingPunct="0">
+            <a:lvl6pPr marL="2514600" indent="-228600" eaLnBrk="0" fontAlgn="base" hangingPunct="0">
               <a:spcBef>
                 <a:spcPct val="20000"/>
               </a:spcBef>
@@ -31185,7 +29606,7 @@
                 <a:ea typeface="宋体" panose="02010600030101010101" pitchFamily="2" charset="-122"/>
               </a:defRPr>
             </a:lvl6pPr>
-            <a:lvl7pPr marL="2971678" indent="-228591" eaLnBrk="0" fontAlgn="base" hangingPunct="0">
+            <a:lvl7pPr marL="2971800" indent="-228600" eaLnBrk="0" fontAlgn="base" hangingPunct="0">
               <a:spcBef>
                 <a:spcPct val="20000"/>
               </a:spcBef>
@@ -31202,7 +29623,7 @@
                 <a:ea typeface="宋体" panose="02010600030101010101" pitchFamily="2" charset="-122"/>
               </a:defRPr>
             </a:lvl7pPr>
-            <a:lvl8pPr marL="3428859" indent="-228591" eaLnBrk="0" fontAlgn="base" hangingPunct="0">
+            <a:lvl8pPr marL="3429000" indent="-228600" eaLnBrk="0" fontAlgn="base" hangingPunct="0">
               <a:spcBef>
                 <a:spcPct val="20000"/>
               </a:spcBef>
@@ -31219,7 +29640,7 @@
                 <a:ea typeface="宋体" panose="02010600030101010101" pitchFamily="2" charset="-122"/>
               </a:defRPr>
             </a:lvl8pPr>
-            <a:lvl9pPr marL="3886041" indent="-228591" eaLnBrk="0" fontAlgn="base" hangingPunct="0">
+            <a:lvl9pPr marL="3886200" indent="-228600" eaLnBrk="0" fontAlgn="base" hangingPunct="0">
               <a:spcBef>
                 <a:spcPct val="20000"/>
               </a:spcBef>
@@ -31251,14 +29672,6 @@
                   <a:srgbClr val="898989"/>
                 </a:solidFill>
               </a:rPr>
-              <a:pPr>
-                <a:spcBef>
-                  <a:spcPct val="0"/>
-                </a:spcBef>
-                <a:buFontTx/>
-                <a:buNone/>
-              </a:pPr>
-              <a:t>5</a:t>
             </a:fld>
             <a:endParaRPr lang="zh-CN" altLang="en-US" sz="1200" dirty="0">
               <a:solidFill>
@@ -31277,7 +29690,7 @@
           <p:nvPr/>
         </p:nvPicPr>
         <p:blipFill>
-          <a:blip r:embed="rId3" cstate="print">
+          <a:blip r:embed="rId1" cstate="print">
             <a:extLst>
               <a:ext uri="{28A0092B-C50C-407E-A947-70E740481C1C}">
                 <a14:useLocalDpi xmlns:a14="http://schemas.microsoft.com/office/drawing/2010/main" val="0"/>
@@ -31301,35 +29714,16 @@
           <a:ln>
             <a:noFill/>
           </a:ln>
-          <a:extLst>
-            <a:ext uri="{909E8E84-426E-40dd-AFC4-6F175D3DCCD1}">
-              <a14:hiddenFill xmlns:a14="http://schemas.microsoft.com/office/drawing/2010/main" xmlns="">
-                <a:solidFill>
-                  <a:srgbClr val="FFFFFF"/>
-                </a:solidFill>
-              </a14:hiddenFill>
-            </a:ext>
-            <a:ext uri="{91240B29-F687-4f45-9708-019B960494DF}">
-              <a14:hiddenLine xmlns:a14="http://schemas.microsoft.com/office/drawing/2010/main" xmlns="" w="9525">
-                <a:solidFill>
-                  <a:srgbClr val="000000"/>
-                </a:solidFill>
-                <a:miter lim="800000"/>
-                <a:headEnd/>
-                <a:tailEnd/>
-              </a14:hiddenLine>
-            </a:ext>
-          </a:extLst>
         </p:spPr>
       </p:pic>
-      <mc:AlternateContent xmlns:mc="http://schemas.openxmlformats.org/markup-compatibility/2006" xmlns:a14="http://schemas.microsoft.com/office/drawing/2010/main">
-        <mc:Choice Requires="a14">
+      <mc:AlternateContent xmlns:mc="http://schemas.openxmlformats.org/markup-compatibility/2006">
+        <mc:Choice xmlns:a14="http://schemas.microsoft.com/office/drawing/2010/main" Requires="a14">
           <p:sp>
             <p:nvSpPr>
               <p:cNvPr id="6" name="Subtitle 2">
                 <a:extLst>
                   <a:ext uri="{FF2B5EF4-FFF2-40B4-BE49-F238E27FC236}">
-                    <a16:creationId xmlns:a16="http://schemas.microsoft.com/office/drawing/2014/main" id="{5B72932F-F3D6-46BF-9A61-0930A2E33BD6}"/>
+                    <ele attr="{5B72932F-F3D6-46BF-9A61-0930A2E33BD6}"/>
                   </a:ext>
                 </a:extLst>
               </p:cNvPr>
@@ -32527,16 +30921,10 @@
             </p:txBody>
           </p:sp>
         </mc:Choice>
-        <mc:Fallback xmlns="">
+        <mc:Fallback>
           <p:sp>
             <p:nvSpPr>
-              <p:cNvPr id="6" name="Subtitle 2">
-                <a:extLst>
-                  <a:ext uri="{FF2B5EF4-FFF2-40B4-BE49-F238E27FC236}">
-                    <a16:creationId xmlns:a16="http://schemas.microsoft.com/office/drawing/2014/main" id="{5B72932F-F3D6-46BF-9A61-0930A2E33BD6}"/>
-                  </a:ext>
-                </a:extLst>
-              </p:cNvPr>
+              <p:cNvPr id="6" name="Subtitle 2"/>
               <p:cNvSpPr txBox="1">
                 <a:spLocks noRot="1" noChangeAspect="1" noMove="1" noResize="1" noEditPoints="1" noAdjustHandles="1" noChangeArrowheads="1" noChangeShapeType="1" noTextEdit="1"/>
               </p:cNvSpPr>
@@ -32550,8 +30938,8 @@
               <a:prstGeom prst="rect">
                 <a:avLst/>
               </a:prstGeom>
-              <a:blipFill>
-                <a:blip r:embed="rId4"/>
+              <a:blipFill rotWithShape="1">
+                <a:blip r:embed="rId2"/>
                 <a:stretch>
                   <a:fillRect l="-546" t="-1873"/>
                 </a:stretch>
@@ -32589,6 +30977,9 @@
                   </a:rPr>
                   <a:t> </a:t>
                 </a:r>
+                <a:endParaRPr lang="zh-CN" altLang="en-US">
+                  <a:noFill/>
+                </a:endParaRPr>
               </a:p>
             </p:txBody>
           </p:sp>
@@ -32596,20 +30987,14 @@
       </mc:AlternateContent>
       <p:pic>
         <p:nvPicPr>
-          <p:cNvPr id="2" name="图片 1">
-            <a:extLst>
-              <a:ext uri="{FF2B5EF4-FFF2-40B4-BE49-F238E27FC236}">
-                <a16:creationId xmlns:a16="http://schemas.microsoft.com/office/drawing/2014/main" id="{41D12277-A032-4C49-A207-B8BB0D5A9C97}"/>
-              </a:ext>
-            </a:extLst>
-          </p:cNvPr>
+          <p:cNvPr id="2" name="图片 1"/>
           <p:cNvPicPr>
             <a:picLocks noChangeAspect="1"/>
           </p:cNvPicPr>
           <p:nvPr/>
         </p:nvPicPr>
         <p:blipFill>
-          <a:blip r:embed="rId5"/>
+          <a:blip r:embed="rId3"/>
           <a:stretch>
             <a:fillRect/>
           </a:stretch>
@@ -32625,11 +31010,6 @@
         </p:spPr>
       </p:pic>
     </p:spTree>
-    <p:extLst>
-      <p:ext uri="{BB962C8B-B14F-4D97-AF65-F5344CB8AC3E}">
-        <p14:creationId xmlns:p14="http://schemas.microsoft.com/office/powerpoint/2010/main" val="2433098583"/>
-      </p:ext>
-    </p:extLst>
   </p:cSld>
   <p:clrMapOvr>
     <a:masterClrMapping/>
@@ -32674,25 +31054,6 @@
           <a:ln>
             <a:noFill/>
           </a:ln>
-          <a:extLst>
-            <a:ext uri="{909E8E84-426E-40dd-AFC4-6F175D3DCCD1}">
-              <a14:hiddenFill xmlns:a14="http://schemas.microsoft.com/office/drawing/2010/main" xmlns="">
-                <a:solidFill>
-                  <a:srgbClr val="FFFFFF"/>
-                </a:solidFill>
-              </a14:hiddenFill>
-            </a:ext>
-            <a:ext uri="{91240B29-F687-4f45-9708-019B960494DF}">
-              <a14:hiddenLine xmlns:a14="http://schemas.microsoft.com/office/drawing/2010/main" xmlns="" w="9525">
-                <a:solidFill>
-                  <a:srgbClr val="000000"/>
-                </a:solidFill>
-                <a:miter lim="800000"/>
-                <a:headEnd/>
-                <a:tailEnd/>
-              </a14:hiddenLine>
-            </a:ext>
-          </a:extLst>
         </p:spPr>
         <p:txBody>
           <a:bodyPr lIns="91436" tIns="45718" rIns="91436" bIns="45718">
@@ -32856,6 +31217,13 @@
               </a:rPr>
               <a:t>标量时间的性质</a:t>
             </a:r>
+            <a:endParaRPr lang="zh-CN" altLang="en-US" b="1" dirty="0">
+              <a:solidFill>
+                <a:srgbClr val="002060"/>
+              </a:solidFill>
+              <a:latin typeface="微软雅黑" panose="020B0503020204020204" pitchFamily="34" charset="-122"/>
+              <a:ea typeface="微软雅黑" panose="020B0503020204020204" pitchFamily="34" charset="-122"/>
+            </a:endParaRPr>
           </a:p>
         </p:txBody>
       </p:sp>
@@ -32875,25 +31243,6 @@
             <a:ext cx="2133600" cy="365125"/>
           </a:xfrm>
           <a:noFill/>
-          <a:extLst>
-            <a:ext uri="{909E8E84-426E-40dd-AFC4-6F175D3DCCD1}">
-              <a14:hiddenFill xmlns:a14="http://schemas.microsoft.com/office/drawing/2010/main" xmlns="">
-                <a:solidFill>
-                  <a:srgbClr val="FFFFFF"/>
-                </a:solidFill>
-              </a14:hiddenFill>
-            </a:ext>
-            <a:ext uri="{91240B29-F687-4f45-9708-019B960494DF}">
-              <a14:hiddenLine xmlns:a14="http://schemas.microsoft.com/office/drawing/2010/main" xmlns="" w="9525">
-                <a:solidFill>
-                  <a:srgbClr val="000000"/>
-                </a:solidFill>
-                <a:miter lim="800000"/>
-                <a:headEnd/>
-                <a:tailEnd/>
-              </a14:hiddenLine>
-            </a:ext>
-          </a:extLst>
         </p:spPr>
         <p:txBody>
           <a:bodyPr/>
@@ -32912,7 +31261,7 @@
                 <a:ea typeface="宋体" panose="02010600030101010101" pitchFamily="2" charset="-122"/>
               </a:defRPr>
             </a:lvl1pPr>
-            <a:lvl2pPr marL="742920" indent="-285738">
+            <a:lvl2pPr marL="742950" indent="-285750">
               <a:spcBef>
                 <a:spcPct val="20000"/>
               </a:spcBef>
@@ -32926,7 +31275,7 @@
                 <a:ea typeface="宋体" panose="02010600030101010101" pitchFamily="2" charset="-122"/>
               </a:defRPr>
             </a:lvl2pPr>
-            <a:lvl3pPr marL="1142953" indent="-228591">
+            <a:lvl3pPr marL="1143000" indent="-228600">
               <a:spcBef>
                 <a:spcPct val="20000"/>
               </a:spcBef>
@@ -32940,7 +31289,7 @@
                 <a:ea typeface="宋体" panose="02010600030101010101" pitchFamily="2" charset="-122"/>
               </a:defRPr>
             </a:lvl3pPr>
-            <a:lvl4pPr marL="1600135" indent="-228591">
+            <a:lvl4pPr marL="1600200" indent="-228600">
               <a:spcBef>
                 <a:spcPct val="20000"/>
               </a:spcBef>
@@ -32954,7 +31303,7 @@
                 <a:ea typeface="宋体" panose="02010600030101010101" pitchFamily="2" charset="-122"/>
               </a:defRPr>
             </a:lvl4pPr>
-            <a:lvl5pPr marL="2057315" indent="-228591">
+            <a:lvl5pPr marL="2057400" indent="-228600">
               <a:spcBef>
                 <a:spcPct val="20000"/>
               </a:spcBef>
@@ -32968,7 +31317,7 @@
                 <a:ea typeface="宋体" panose="02010600030101010101" pitchFamily="2" charset="-122"/>
               </a:defRPr>
             </a:lvl5pPr>
-            <a:lvl6pPr marL="2514497" indent="-228591" eaLnBrk="0" fontAlgn="base" hangingPunct="0">
+            <a:lvl6pPr marL="2514600" indent="-228600" eaLnBrk="0" fontAlgn="base" hangingPunct="0">
               <a:spcBef>
                 <a:spcPct val="20000"/>
               </a:spcBef>
@@ -32985,7 +31334,7 @@
                 <a:ea typeface="宋体" panose="02010600030101010101" pitchFamily="2" charset="-122"/>
               </a:defRPr>
             </a:lvl6pPr>
-            <a:lvl7pPr marL="2971678" indent="-228591" eaLnBrk="0" fontAlgn="base" hangingPunct="0">
+            <a:lvl7pPr marL="2971800" indent="-228600" eaLnBrk="0" fontAlgn="base" hangingPunct="0">
               <a:spcBef>
                 <a:spcPct val="20000"/>
               </a:spcBef>
@@ -33002,7 +31351,7 @@
                 <a:ea typeface="宋体" panose="02010600030101010101" pitchFamily="2" charset="-122"/>
               </a:defRPr>
             </a:lvl7pPr>
-            <a:lvl8pPr marL="3428859" indent="-228591" eaLnBrk="0" fontAlgn="base" hangingPunct="0">
+            <a:lvl8pPr marL="3429000" indent="-228600" eaLnBrk="0" fontAlgn="base" hangingPunct="0">
               <a:spcBef>
                 <a:spcPct val="20000"/>
               </a:spcBef>
@@ -33019,7 +31368,7 @@
                 <a:ea typeface="宋体" panose="02010600030101010101" pitchFamily="2" charset="-122"/>
               </a:defRPr>
             </a:lvl8pPr>
-            <a:lvl9pPr marL="3886041" indent="-228591" eaLnBrk="0" fontAlgn="base" hangingPunct="0">
+            <a:lvl9pPr marL="3886200" indent="-228600" eaLnBrk="0" fontAlgn="base" hangingPunct="0">
               <a:spcBef>
                 <a:spcPct val="20000"/>
               </a:spcBef>
@@ -33051,14 +31400,6 @@
                   <a:srgbClr val="898989"/>
                 </a:solidFill>
               </a:rPr>
-              <a:pPr>
-                <a:spcBef>
-                  <a:spcPct val="0"/>
-                </a:spcBef>
-                <a:buFontTx/>
-                <a:buNone/>
-              </a:pPr>
-              <a:t>6</a:t>
             </a:fld>
             <a:endParaRPr lang="zh-CN" altLang="en-US" sz="1200" dirty="0">
               <a:solidFill>
@@ -33077,7 +31418,7 @@
           <p:nvPr/>
         </p:nvPicPr>
         <p:blipFill>
-          <a:blip r:embed="rId3" cstate="print">
+          <a:blip r:embed="rId1" cstate="print">
             <a:extLst>
               <a:ext uri="{28A0092B-C50C-407E-A947-70E740481C1C}">
                 <a14:useLocalDpi xmlns:a14="http://schemas.microsoft.com/office/drawing/2010/main" val="0"/>
@@ -33101,35 +31442,16 @@
           <a:ln>
             <a:noFill/>
           </a:ln>
-          <a:extLst>
-            <a:ext uri="{909E8E84-426E-40dd-AFC4-6F175D3DCCD1}">
-              <a14:hiddenFill xmlns:a14="http://schemas.microsoft.com/office/drawing/2010/main" xmlns="">
-                <a:solidFill>
-                  <a:srgbClr val="FFFFFF"/>
-                </a:solidFill>
-              </a14:hiddenFill>
-            </a:ext>
-            <a:ext uri="{91240B29-F687-4f45-9708-019B960494DF}">
-              <a14:hiddenLine xmlns:a14="http://schemas.microsoft.com/office/drawing/2010/main" xmlns="" w="9525">
-                <a:solidFill>
-                  <a:srgbClr val="000000"/>
-                </a:solidFill>
-                <a:miter lim="800000"/>
-                <a:headEnd/>
-                <a:tailEnd/>
-              </a14:hiddenLine>
-            </a:ext>
-          </a:extLst>
         </p:spPr>
       </p:pic>
-      <mc:AlternateContent xmlns:mc="http://schemas.openxmlformats.org/markup-compatibility/2006" xmlns:a14="http://schemas.microsoft.com/office/drawing/2010/main">
-        <mc:Choice Requires="a14">
+      <mc:AlternateContent xmlns:mc="http://schemas.openxmlformats.org/markup-compatibility/2006">
+        <mc:Choice xmlns:a14="http://schemas.microsoft.com/office/drawing/2010/main" Requires="a14">
           <p:sp>
             <p:nvSpPr>
               <p:cNvPr id="6" name="Subtitle 2">
                 <a:extLst>
                   <a:ext uri="{FF2B5EF4-FFF2-40B4-BE49-F238E27FC236}">
-                    <a16:creationId xmlns:a16="http://schemas.microsoft.com/office/drawing/2014/main" id="{5B72932F-F3D6-46BF-9A61-0930A2E33BD6}"/>
+                    <ele attr="{5B72932F-F3D6-46BF-9A61-0930A2E33BD6}"/>
                   </a:ext>
                 </a:extLst>
               </p:cNvPr>
@@ -34270,16 +32592,10 @@
             </p:txBody>
           </p:sp>
         </mc:Choice>
-        <mc:Fallback xmlns="">
+        <mc:Fallback>
           <p:sp>
             <p:nvSpPr>
-              <p:cNvPr id="6" name="Subtitle 2">
-                <a:extLst>
-                  <a:ext uri="{FF2B5EF4-FFF2-40B4-BE49-F238E27FC236}">
-                    <a16:creationId xmlns:a16="http://schemas.microsoft.com/office/drawing/2014/main" id="{5B72932F-F3D6-46BF-9A61-0930A2E33BD6}"/>
-                  </a:ext>
-                </a:extLst>
-              </p:cNvPr>
+              <p:cNvPr id="6" name="Subtitle 2"/>
               <p:cNvSpPr txBox="1">
                 <a:spLocks noRot="1" noChangeAspect="1" noMove="1" noResize="1" noEditPoints="1" noAdjustHandles="1" noChangeArrowheads="1" noChangeShapeType="1" noTextEdit="1"/>
               </p:cNvSpPr>
@@ -34293,8 +32609,8 @@
               <a:prstGeom prst="rect">
                 <a:avLst/>
               </a:prstGeom>
-              <a:blipFill>
-                <a:blip r:embed="rId4"/>
+              <a:blipFill rotWithShape="1">
+                <a:blip r:embed="rId2"/>
                 <a:stretch>
                   <a:fillRect l="-611" t="-2147" b="-5521"/>
                 </a:stretch>
@@ -34332,6 +32648,9 @@
                   </a:rPr>
                   <a:t> </a:t>
                 </a:r>
+                <a:endParaRPr lang="zh-CN" altLang="en-US">
+                  <a:noFill/>
+                </a:endParaRPr>
               </a:p>
             </p:txBody>
           </p:sp>
@@ -34339,20 +32658,14 @@
       </mc:AlternateContent>
       <p:pic>
         <p:nvPicPr>
-          <p:cNvPr id="7" name="图片 6">
-            <a:extLst>
-              <a:ext uri="{FF2B5EF4-FFF2-40B4-BE49-F238E27FC236}">
-                <a16:creationId xmlns:a16="http://schemas.microsoft.com/office/drawing/2014/main" id="{FFE368C9-6DE8-4DE1-97FC-ED815AC65BFF}"/>
-              </a:ext>
-            </a:extLst>
-          </p:cNvPr>
+          <p:cNvPr id="7" name="图片 6"/>
           <p:cNvPicPr>
             <a:picLocks noChangeAspect="1"/>
           </p:cNvPicPr>
           <p:nvPr/>
         </p:nvPicPr>
         <p:blipFill>
-          <a:blip r:embed="rId5"/>
+          <a:blip r:embed="rId3"/>
           <a:stretch>
             <a:fillRect/>
           </a:stretch>
@@ -34368,11 +32681,6 @@
         </p:spPr>
       </p:pic>
     </p:spTree>
-    <p:extLst>
-      <p:ext uri="{BB962C8B-B14F-4D97-AF65-F5344CB8AC3E}">
-        <p14:creationId xmlns:p14="http://schemas.microsoft.com/office/powerpoint/2010/main" val="2464529514"/>
-      </p:ext>
-    </p:extLst>
   </p:cSld>
   <p:clrMapOvr>
     <a:masterClrMapping/>
@@ -34417,25 +32725,6 @@
           <a:ln>
             <a:noFill/>
           </a:ln>
-          <a:extLst>
-            <a:ext uri="{909E8E84-426E-40dd-AFC4-6F175D3DCCD1}">
-              <a14:hiddenFill xmlns:a14="http://schemas.microsoft.com/office/drawing/2010/main" xmlns="">
-                <a:solidFill>
-                  <a:srgbClr val="FFFFFF"/>
-                </a:solidFill>
-              </a14:hiddenFill>
-            </a:ext>
-            <a:ext uri="{91240B29-F687-4f45-9708-019B960494DF}">
-              <a14:hiddenLine xmlns:a14="http://schemas.microsoft.com/office/drawing/2010/main" xmlns="" w="9525">
-                <a:solidFill>
-                  <a:srgbClr val="000000"/>
-                </a:solidFill>
-                <a:miter lim="800000"/>
-                <a:headEnd/>
-                <a:tailEnd/>
-              </a14:hiddenLine>
-            </a:ext>
-          </a:extLst>
         </p:spPr>
         <p:txBody>
           <a:bodyPr lIns="91436" tIns="45718" rIns="91436" bIns="45718">
@@ -34599,6 +32888,13 @@
               </a:rPr>
               <a:t>标量时间的性质</a:t>
             </a:r>
+            <a:endParaRPr lang="zh-CN" altLang="en-US" b="1" dirty="0">
+              <a:solidFill>
+                <a:srgbClr val="002060"/>
+              </a:solidFill>
+              <a:latin typeface="微软雅黑" panose="020B0503020204020204" pitchFamily="34" charset="-122"/>
+              <a:ea typeface="微软雅黑" panose="020B0503020204020204" pitchFamily="34" charset="-122"/>
+            </a:endParaRPr>
           </a:p>
         </p:txBody>
       </p:sp>
@@ -34618,25 +32914,6 @@
             <a:ext cx="2133600" cy="365125"/>
           </a:xfrm>
           <a:noFill/>
-          <a:extLst>
-            <a:ext uri="{909E8E84-426E-40dd-AFC4-6F175D3DCCD1}">
-              <a14:hiddenFill xmlns:a14="http://schemas.microsoft.com/office/drawing/2010/main" xmlns="">
-                <a:solidFill>
-                  <a:srgbClr val="FFFFFF"/>
-                </a:solidFill>
-              </a14:hiddenFill>
-            </a:ext>
-            <a:ext uri="{91240B29-F687-4f45-9708-019B960494DF}">
-              <a14:hiddenLine xmlns:a14="http://schemas.microsoft.com/office/drawing/2010/main" xmlns="" w="9525">
-                <a:solidFill>
-                  <a:srgbClr val="000000"/>
-                </a:solidFill>
-                <a:miter lim="800000"/>
-                <a:headEnd/>
-                <a:tailEnd/>
-              </a14:hiddenLine>
-            </a:ext>
-          </a:extLst>
         </p:spPr>
         <p:txBody>
           <a:bodyPr/>
@@ -34655,7 +32932,7 @@
                 <a:ea typeface="宋体" panose="02010600030101010101" pitchFamily="2" charset="-122"/>
               </a:defRPr>
             </a:lvl1pPr>
-            <a:lvl2pPr marL="742920" indent="-285738">
+            <a:lvl2pPr marL="742950" indent="-285750">
               <a:spcBef>
                 <a:spcPct val="20000"/>
               </a:spcBef>
@@ -34669,7 +32946,7 @@
                 <a:ea typeface="宋体" panose="02010600030101010101" pitchFamily="2" charset="-122"/>
               </a:defRPr>
             </a:lvl2pPr>
-            <a:lvl3pPr marL="1142953" indent="-228591">
+            <a:lvl3pPr marL="1143000" indent="-228600">
               <a:spcBef>
                 <a:spcPct val="20000"/>
               </a:spcBef>
@@ -34683,7 +32960,7 @@
                 <a:ea typeface="宋体" panose="02010600030101010101" pitchFamily="2" charset="-122"/>
               </a:defRPr>
             </a:lvl3pPr>
-            <a:lvl4pPr marL="1600135" indent="-228591">
+            <a:lvl4pPr marL="1600200" indent="-228600">
               <a:spcBef>
                 <a:spcPct val="20000"/>
               </a:spcBef>
@@ -34697,7 +32974,7 @@
                 <a:ea typeface="宋体" panose="02010600030101010101" pitchFamily="2" charset="-122"/>
               </a:defRPr>
             </a:lvl4pPr>
-            <a:lvl5pPr marL="2057315" indent="-228591">
+            <a:lvl5pPr marL="2057400" indent="-228600">
               <a:spcBef>
                 <a:spcPct val="20000"/>
               </a:spcBef>
@@ -34711,7 +32988,7 @@
                 <a:ea typeface="宋体" panose="02010600030101010101" pitchFamily="2" charset="-122"/>
               </a:defRPr>
             </a:lvl5pPr>
-            <a:lvl6pPr marL="2514497" indent="-228591" eaLnBrk="0" fontAlgn="base" hangingPunct="0">
+            <a:lvl6pPr marL="2514600" indent="-228600" eaLnBrk="0" fontAlgn="base" hangingPunct="0">
               <a:spcBef>
                 <a:spcPct val="20000"/>
               </a:spcBef>
@@ -34728,7 +33005,7 @@
                 <a:ea typeface="宋体" panose="02010600030101010101" pitchFamily="2" charset="-122"/>
               </a:defRPr>
             </a:lvl6pPr>
-            <a:lvl7pPr marL="2971678" indent="-228591" eaLnBrk="0" fontAlgn="base" hangingPunct="0">
+            <a:lvl7pPr marL="2971800" indent="-228600" eaLnBrk="0" fontAlgn="base" hangingPunct="0">
               <a:spcBef>
                 <a:spcPct val="20000"/>
               </a:spcBef>
@@ -34745,7 +33022,7 @@
                 <a:ea typeface="宋体" panose="02010600030101010101" pitchFamily="2" charset="-122"/>
               </a:defRPr>
             </a:lvl7pPr>
-            <a:lvl8pPr marL="3428859" indent="-228591" eaLnBrk="0" fontAlgn="base" hangingPunct="0">
+            <a:lvl8pPr marL="3429000" indent="-228600" eaLnBrk="0" fontAlgn="base" hangingPunct="0">
               <a:spcBef>
                 <a:spcPct val="20000"/>
               </a:spcBef>
@@ -34762,7 +33039,7 @@
                 <a:ea typeface="宋体" panose="02010600030101010101" pitchFamily="2" charset="-122"/>
               </a:defRPr>
             </a:lvl8pPr>
-            <a:lvl9pPr marL="3886041" indent="-228591" eaLnBrk="0" fontAlgn="base" hangingPunct="0">
+            <a:lvl9pPr marL="3886200" indent="-228600" eaLnBrk="0" fontAlgn="base" hangingPunct="0">
               <a:spcBef>
                 <a:spcPct val="20000"/>
               </a:spcBef>
@@ -34794,14 +33071,6 @@
                   <a:srgbClr val="898989"/>
                 </a:solidFill>
               </a:rPr>
-              <a:pPr>
-                <a:spcBef>
-                  <a:spcPct val="0"/>
-                </a:spcBef>
-                <a:buFontTx/>
-                <a:buNone/>
-              </a:pPr>
-              <a:t>7</a:t>
             </a:fld>
             <a:endParaRPr lang="zh-CN" altLang="en-US" sz="1200" dirty="0">
               <a:solidFill>
@@ -34820,7 +33089,7 @@
           <p:nvPr/>
         </p:nvPicPr>
         <p:blipFill>
-          <a:blip r:embed="rId3" cstate="print">
+          <a:blip r:embed="rId1" cstate="print">
             <a:extLst>
               <a:ext uri="{28A0092B-C50C-407E-A947-70E740481C1C}">
                 <a14:useLocalDpi xmlns:a14="http://schemas.microsoft.com/office/drawing/2010/main" val="0"/>
@@ -34844,35 +33113,16 @@
           <a:ln>
             <a:noFill/>
           </a:ln>
-          <a:extLst>
-            <a:ext uri="{909E8E84-426E-40dd-AFC4-6F175D3DCCD1}">
-              <a14:hiddenFill xmlns:a14="http://schemas.microsoft.com/office/drawing/2010/main" xmlns="">
-                <a:solidFill>
-                  <a:srgbClr val="FFFFFF"/>
-                </a:solidFill>
-              </a14:hiddenFill>
-            </a:ext>
-            <a:ext uri="{91240B29-F687-4f45-9708-019B960494DF}">
-              <a14:hiddenLine xmlns:a14="http://schemas.microsoft.com/office/drawing/2010/main" xmlns="" w="9525">
-                <a:solidFill>
-                  <a:srgbClr val="000000"/>
-                </a:solidFill>
-                <a:miter lim="800000"/>
-                <a:headEnd/>
-                <a:tailEnd/>
-              </a14:hiddenLine>
-            </a:ext>
-          </a:extLst>
         </p:spPr>
       </p:pic>
-      <mc:AlternateContent xmlns:mc="http://schemas.openxmlformats.org/markup-compatibility/2006" xmlns:a14="http://schemas.microsoft.com/office/drawing/2010/main">
-        <mc:Choice Requires="a14">
+      <mc:AlternateContent xmlns:mc="http://schemas.openxmlformats.org/markup-compatibility/2006">
+        <mc:Choice xmlns:a14="http://schemas.microsoft.com/office/drawing/2010/main" Requires="a14">
           <p:sp>
             <p:nvSpPr>
               <p:cNvPr id="6" name="Subtitle 2">
                 <a:extLst>
                   <a:ext uri="{FF2B5EF4-FFF2-40B4-BE49-F238E27FC236}">
-                    <a16:creationId xmlns:a16="http://schemas.microsoft.com/office/drawing/2014/main" id="{5B72932F-F3D6-46BF-9A61-0930A2E33BD6}"/>
+                    <ele attr="{5B72932F-F3D6-46BF-9A61-0930A2E33BD6}"/>
                   </a:ext>
                 </a:extLst>
               </p:cNvPr>
@@ -35345,16 +33595,10 @@
             </p:txBody>
           </p:sp>
         </mc:Choice>
-        <mc:Fallback xmlns="">
+        <mc:Fallback>
           <p:sp>
             <p:nvSpPr>
-              <p:cNvPr id="6" name="Subtitle 2">
-                <a:extLst>
-                  <a:ext uri="{FF2B5EF4-FFF2-40B4-BE49-F238E27FC236}">
-                    <a16:creationId xmlns:a16="http://schemas.microsoft.com/office/drawing/2014/main" id="{5B72932F-F3D6-46BF-9A61-0930A2E33BD6}"/>
-                  </a:ext>
-                </a:extLst>
-              </p:cNvPr>
+              <p:cNvPr id="6" name="Subtitle 2"/>
               <p:cNvSpPr txBox="1">
                 <a:spLocks noRot="1" noChangeAspect="1" noMove="1" noResize="1" noEditPoints="1" noAdjustHandles="1" noChangeArrowheads="1" noChangeShapeType="1" noTextEdit="1"/>
               </p:cNvSpPr>
@@ -35368,8 +33612,8 @@
               <a:prstGeom prst="rect">
                 <a:avLst/>
               </a:prstGeom>
-              <a:blipFill>
-                <a:blip r:embed="rId4"/>
+              <a:blipFill rotWithShape="1">
+                <a:blip r:embed="rId2"/>
                 <a:stretch>
                   <a:fillRect l="-611" t="-2605"/>
                 </a:stretch>
@@ -35407,6 +33651,9 @@
                   </a:rPr>
                   <a:t> </a:t>
                 </a:r>
+                <a:endParaRPr lang="zh-CN" altLang="en-US">
+                  <a:noFill/>
+                </a:endParaRPr>
               </a:p>
             </p:txBody>
           </p:sp>
@@ -35414,20 +33661,14 @@
       </mc:AlternateContent>
       <p:pic>
         <p:nvPicPr>
-          <p:cNvPr id="7" name="图片 6">
-            <a:extLst>
-              <a:ext uri="{FF2B5EF4-FFF2-40B4-BE49-F238E27FC236}">
-                <a16:creationId xmlns:a16="http://schemas.microsoft.com/office/drawing/2014/main" id="{FFE368C9-6DE8-4DE1-97FC-ED815AC65BFF}"/>
-              </a:ext>
-            </a:extLst>
-          </p:cNvPr>
+          <p:cNvPr id="7" name="图片 6"/>
           <p:cNvPicPr>
             <a:picLocks noChangeAspect="1"/>
           </p:cNvPicPr>
           <p:nvPr/>
         </p:nvPicPr>
         <p:blipFill>
-          <a:blip r:embed="rId5"/>
+          <a:blip r:embed="rId3"/>
           <a:stretch>
             <a:fillRect/>
           </a:stretch>
@@ -35443,11 +33684,6 @@
         </p:spPr>
       </p:pic>
     </p:spTree>
-    <p:extLst>
-      <p:ext uri="{BB962C8B-B14F-4D97-AF65-F5344CB8AC3E}">
-        <p14:creationId xmlns:p14="http://schemas.microsoft.com/office/powerpoint/2010/main" val="4071871736"/>
-      </p:ext>
-    </p:extLst>
   </p:cSld>
   <p:clrMapOvr>
     <a:masterClrMapping/>
@@ -35492,25 +33728,6 @@
           <a:ln>
             <a:noFill/>
           </a:ln>
-          <a:extLst>
-            <a:ext uri="{909E8E84-426E-40dd-AFC4-6F175D3DCCD1}">
-              <a14:hiddenFill xmlns:a14="http://schemas.microsoft.com/office/drawing/2010/main" xmlns="">
-                <a:solidFill>
-                  <a:srgbClr val="FFFFFF"/>
-                </a:solidFill>
-              </a14:hiddenFill>
-            </a:ext>
-            <a:ext uri="{91240B29-F687-4f45-9708-019B960494DF}">
-              <a14:hiddenLine xmlns:a14="http://schemas.microsoft.com/office/drawing/2010/main" xmlns="" w="9525">
-                <a:solidFill>
-                  <a:srgbClr val="000000"/>
-                </a:solidFill>
-                <a:miter lim="800000"/>
-                <a:headEnd/>
-                <a:tailEnd/>
-              </a14:hiddenLine>
-            </a:ext>
-          </a:extLst>
         </p:spPr>
         <p:txBody>
           <a:bodyPr lIns="91436" tIns="45718" rIns="91436" bIns="45718">
@@ -35674,6 +33891,13 @@
               </a:rPr>
               <a:t>向量时间</a:t>
             </a:r>
+            <a:endParaRPr lang="zh-CN" altLang="en-US" b="1" dirty="0">
+              <a:solidFill>
+                <a:srgbClr val="002060"/>
+              </a:solidFill>
+              <a:latin typeface="微软雅黑" panose="020B0503020204020204" pitchFamily="34" charset="-122"/>
+              <a:ea typeface="微软雅黑" panose="020B0503020204020204" pitchFamily="34" charset="-122"/>
+            </a:endParaRPr>
           </a:p>
         </p:txBody>
       </p:sp>
@@ -35693,25 +33917,6 @@
             <a:ext cx="2133600" cy="365125"/>
           </a:xfrm>
           <a:noFill/>
-          <a:extLst>
-            <a:ext uri="{909E8E84-426E-40dd-AFC4-6F175D3DCCD1}">
-              <a14:hiddenFill xmlns:a14="http://schemas.microsoft.com/office/drawing/2010/main" xmlns="">
-                <a:solidFill>
-                  <a:srgbClr val="FFFFFF"/>
-                </a:solidFill>
-              </a14:hiddenFill>
-            </a:ext>
-            <a:ext uri="{91240B29-F687-4f45-9708-019B960494DF}">
-              <a14:hiddenLine xmlns:a14="http://schemas.microsoft.com/office/drawing/2010/main" xmlns="" w="9525">
-                <a:solidFill>
-                  <a:srgbClr val="000000"/>
-                </a:solidFill>
-                <a:miter lim="800000"/>
-                <a:headEnd/>
-                <a:tailEnd/>
-              </a14:hiddenLine>
-            </a:ext>
-          </a:extLst>
         </p:spPr>
         <p:txBody>
           <a:bodyPr/>
@@ -35730,7 +33935,7 @@
                 <a:ea typeface="宋体" panose="02010600030101010101" pitchFamily="2" charset="-122"/>
               </a:defRPr>
             </a:lvl1pPr>
-            <a:lvl2pPr marL="742920" indent="-285738">
+            <a:lvl2pPr marL="742950" indent="-285750">
               <a:spcBef>
                 <a:spcPct val="20000"/>
               </a:spcBef>
@@ -35744,7 +33949,7 @@
                 <a:ea typeface="宋体" panose="02010600030101010101" pitchFamily="2" charset="-122"/>
               </a:defRPr>
             </a:lvl2pPr>
-            <a:lvl3pPr marL="1142953" indent="-228591">
+            <a:lvl3pPr marL="1143000" indent="-228600">
               <a:spcBef>
                 <a:spcPct val="20000"/>
               </a:spcBef>
@@ -35758,7 +33963,7 @@
                 <a:ea typeface="宋体" panose="02010600030101010101" pitchFamily="2" charset="-122"/>
               </a:defRPr>
             </a:lvl3pPr>
-            <a:lvl4pPr marL="1600135" indent="-228591">
+            <a:lvl4pPr marL="1600200" indent="-228600">
               <a:spcBef>
                 <a:spcPct val="20000"/>
               </a:spcBef>
@@ -35772,7 +33977,7 @@
                 <a:ea typeface="宋体" panose="02010600030101010101" pitchFamily="2" charset="-122"/>
               </a:defRPr>
             </a:lvl4pPr>
-            <a:lvl5pPr marL="2057315" indent="-228591">
+            <a:lvl5pPr marL="2057400" indent="-228600">
               <a:spcBef>
                 <a:spcPct val="20000"/>
               </a:spcBef>
@@ -35786,7 +33991,7 @@
                 <a:ea typeface="宋体" panose="02010600030101010101" pitchFamily="2" charset="-122"/>
               </a:defRPr>
             </a:lvl5pPr>
-            <a:lvl6pPr marL="2514497" indent="-228591" eaLnBrk="0" fontAlgn="base" hangingPunct="0">
+            <a:lvl6pPr marL="2514600" indent="-228600" eaLnBrk="0" fontAlgn="base" hangingPunct="0">
               <a:spcBef>
                 <a:spcPct val="20000"/>
               </a:spcBef>
@@ -35803,7 +34008,7 @@
                 <a:ea typeface="宋体" panose="02010600030101010101" pitchFamily="2" charset="-122"/>
               </a:defRPr>
             </a:lvl6pPr>
-            <a:lvl7pPr marL="2971678" indent="-228591" eaLnBrk="0" fontAlgn="base" hangingPunct="0">
+            <a:lvl7pPr marL="2971800" indent="-228600" eaLnBrk="0" fontAlgn="base" hangingPunct="0">
               <a:spcBef>
                 <a:spcPct val="20000"/>
               </a:spcBef>
@@ -35820,7 +34025,7 @@
                 <a:ea typeface="宋体" panose="02010600030101010101" pitchFamily="2" charset="-122"/>
               </a:defRPr>
             </a:lvl7pPr>
-            <a:lvl8pPr marL="3428859" indent="-228591" eaLnBrk="0" fontAlgn="base" hangingPunct="0">
+            <a:lvl8pPr marL="3429000" indent="-228600" eaLnBrk="0" fontAlgn="base" hangingPunct="0">
               <a:spcBef>
                 <a:spcPct val="20000"/>
               </a:spcBef>
@@ -35837,7 +34042,7 @@
                 <a:ea typeface="宋体" panose="02010600030101010101" pitchFamily="2" charset="-122"/>
               </a:defRPr>
             </a:lvl8pPr>
-            <a:lvl9pPr marL="3886041" indent="-228591" eaLnBrk="0" fontAlgn="base" hangingPunct="0">
+            <a:lvl9pPr marL="3886200" indent="-228600" eaLnBrk="0" fontAlgn="base" hangingPunct="0">
               <a:spcBef>
                 <a:spcPct val="20000"/>
               </a:spcBef>
@@ -35869,14 +34074,6 @@
                   <a:srgbClr val="898989"/>
                 </a:solidFill>
               </a:rPr>
-              <a:pPr>
-                <a:spcBef>
-                  <a:spcPct val="0"/>
-                </a:spcBef>
-                <a:buFontTx/>
-                <a:buNone/>
-              </a:pPr>
-              <a:t>8</a:t>
             </a:fld>
             <a:endParaRPr lang="zh-CN" altLang="en-US" sz="1200" dirty="0">
               <a:solidFill>
@@ -35895,7 +34092,7 @@
           <p:nvPr/>
         </p:nvPicPr>
         <p:blipFill>
-          <a:blip r:embed="rId3" cstate="print">
+          <a:blip r:embed="rId1" cstate="print">
             <a:extLst>
               <a:ext uri="{28A0092B-C50C-407E-A947-70E740481C1C}">
                 <a14:useLocalDpi xmlns:a14="http://schemas.microsoft.com/office/drawing/2010/main" val="0"/>
@@ -35919,35 +34116,16 @@
           <a:ln>
             <a:noFill/>
           </a:ln>
-          <a:extLst>
-            <a:ext uri="{909E8E84-426E-40dd-AFC4-6F175D3DCCD1}">
-              <a14:hiddenFill xmlns:a14="http://schemas.microsoft.com/office/drawing/2010/main" xmlns="">
-                <a:solidFill>
-                  <a:srgbClr val="FFFFFF"/>
-                </a:solidFill>
-              </a14:hiddenFill>
-            </a:ext>
-            <a:ext uri="{91240B29-F687-4f45-9708-019B960494DF}">
-              <a14:hiddenLine xmlns:a14="http://schemas.microsoft.com/office/drawing/2010/main" xmlns="" w="9525">
-                <a:solidFill>
-                  <a:srgbClr val="000000"/>
-                </a:solidFill>
-                <a:miter lim="800000"/>
-                <a:headEnd/>
-                <a:tailEnd/>
-              </a14:hiddenLine>
-            </a:ext>
-          </a:extLst>
         </p:spPr>
       </p:pic>
-      <mc:AlternateContent xmlns:mc="http://schemas.openxmlformats.org/markup-compatibility/2006" xmlns:a14="http://schemas.microsoft.com/office/drawing/2010/main">
-        <mc:Choice Requires="a14">
+      <mc:AlternateContent xmlns:mc="http://schemas.openxmlformats.org/markup-compatibility/2006">
+        <mc:Choice xmlns:a14="http://schemas.microsoft.com/office/drawing/2010/main" Requires="a14">
           <p:sp>
             <p:nvSpPr>
               <p:cNvPr id="6" name="Subtitle 2">
                 <a:extLst>
                   <a:ext uri="{FF2B5EF4-FFF2-40B4-BE49-F238E27FC236}">
-                    <a16:creationId xmlns:a16="http://schemas.microsoft.com/office/drawing/2014/main" id="{5B72932F-F3D6-46BF-9A61-0930A2E33BD6}"/>
+                    <ele attr="{5B72932F-F3D6-46BF-9A61-0930A2E33BD6}"/>
                   </a:ext>
                 </a:extLst>
               </p:cNvPr>
@@ -38177,16 +36355,10 @@
             </p:txBody>
           </p:sp>
         </mc:Choice>
-        <mc:Fallback xmlns="">
+        <mc:Fallback>
           <p:sp>
             <p:nvSpPr>
-              <p:cNvPr id="6" name="Subtitle 2">
-                <a:extLst>
-                  <a:ext uri="{FF2B5EF4-FFF2-40B4-BE49-F238E27FC236}">
-                    <a16:creationId xmlns:a16="http://schemas.microsoft.com/office/drawing/2014/main" id="{5B72932F-F3D6-46BF-9A61-0930A2E33BD6}"/>
-                  </a:ext>
-                </a:extLst>
-              </p:cNvPr>
+              <p:cNvPr id="6" name="Subtitle 2"/>
               <p:cNvSpPr txBox="1">
                 <a:spLocks noRot="1" noChangeAspect="1" noMove="1" noResize="1" noEditPoints="1" noAdjustHandles="1" noChangeArrowheads="1" noChangeShapeType="1" noTextEdit="1"/>
               </p:cNvSpPr>
@@ -38200,8 +36372,8 @@
               <a:prstGeom prst="rect">
                 <a:avLst/>
               </a:prstGeom>
-              <a:blipFill>
-                <a:blip r:embed="rId4"/>
+              <a:blipFill rotWithShape="1">
+                <a:blip r:embed="rId2"/>
                 <a:stretch>
                   <a:fillRect l="-614" t="-1329"/>
                 </a:stretch>
@@ -38239,17 +36411,15 @@
                   </a:rPr>
                   <a:t> </a:t>
                 </a:r>
+                <a:endParaRPr lang="zh-CN" altLang="en-US">
+                  <a:noFill/>
+                </a:endParaRPr>
               </a:p>
             </p:txBody>
           </p:sp>
         </mc:Fallback>
       </mc:AlternateContent>
     </p:spTree>
-    <p:extLst>
-      <p:ext uri="{BB962C8B-B14F-4D97-AF65-F5344CB8AC3E}">
-        <p14:creationId xmlns:p14="http://schemas.microsoft.com/office/powerpoint/2010/main" val="3845170898"/>
-      </p:ext>
-    </p:extLst>
   </p:cSld>
   <p:clrMapOvr>
     <a:masterClrMapping/>
@@ -38294,25 +36464,6 @@
           <a:ln>
             <a:noFill/>
           </a:ln>
-          <a:extLst>
-            <a:ext uri="{909E8E84-426E-40dd-AFC4-6F175D3DCCD1}">
-              <a14:hiddenFill xmlns:a14="http://schemas.microsoft.com/office/drawing/2010/main" xmlns="">
-                <a:solidFill>
-                  <a:srgbClr val="FFFFFF"/>
-                </a:solidFill>
-              </a14:hiddenFill>
-            </a:ext>
-            <a:ext uri="{91240B29-F687-4f45-9708-019B960494DF}">
-              <a14:hiddenLine xmlns:a14="http://schemas.microsoft.com/office/drawing/2010/main" xmlns="" w="9525">
-                <a:solidFill>
-                  <a:srgbClr val="000000"/>
-                </a:solidFill>
-                <a:miter lim="800000"/>
-                <a:headEnd/>
-                <a:tailEnd/>
-              </a14:hiddenLine>
-            </a:ext>
-          </a:extLst>
         </p:spPr>
         <p:txBody>
           <a:bodyPr lIns="91436" tIns="45718" rIns="91436" bIns="45718">
@@ -38476,6 +36627,13 @@
               </a:rPr>
               <a:t>向量时间的比较</a:t>
             </a:r>
+            <a:endParaRPr lang="zh-CN" altLang="en-US" b="1" dirty="0">
+              <a:solidFill>
+                <a:srgbClr val="002060"/>
+              </a:solidFill>
+              <a:latin typeface="微软雅黑" panose="020B0503020204020204" pitchFamily="34" charset="-122"/>
+              <a:ea typeface="微软雅黑" panose="020B0503020204020204" pitchFamily="34" charset="-122"/>
+            </a:endParaRPr>
           </a:p>
         </p:txBody>
       </p:sp>
@@ -38495,25 +36653,6 @@
             <a:ext cx="2133600" cy="365125"/>
           </a:xfrm>
           <a:noFill/>
-          <a:extLst>
-            <a:ext uri="{909E8E84-426E-40dd-AFC4-6F175D3DCCD1}">
-              <a14:hiddenFill xmlns:a14="http://schemas.microsoft.com/office/drawing/2010/main" xmlns="">
-                <a:solidFill>
-                  <a:srgbClr val="FFFFFF"/>
-                </a:solidFill>
-              </a14:hiddenFill>
-            </a:ext>
-            <a:ext uri="{91240B29-F687-4f45-9708-019B960494DF}">
-              <a14:hiddenLine xmlns:a14="http://schemas.microsoft.com/office/drawing/2010/main" xmlns="" w="9525">
-                <a:solidFill>
-                  <a:srgbClr val="000000"/>
-                </a:solidFill>
-                <a:miter lim="800000"/>
-                <a:headEnd/>
-                <a:tailEnd/>
-              </a14:hiddenLine>
-            </a:ext>
-          </a:extLst>
         </p:spPr>
         <p:txBody>
           <a:bodyPr/>
@@ -38532,7 +36671,7 @@
                 <a:ea typeface="宋体" panose="02010600030101010101" pitchFamily="2" charset="-122"/>
               </a:defRPr>
             </a:lvl1pPr>
-            <a:lvl2pPr marL="742920" indent="-285738">
+            <a:lvl2pPr marL="742950" indent="-285750">
               <a:spcBef>
                 <a:spcPct val="20000"/>
               </a:spcBef>
@@ -38546,7 +36685,7 @@
                 <a:ea typeface="宋体" panose="02010600030101010101" pitchFamily="2" charset="-122"/>
               </a:defRPr>
             </a:lvl2pPr>
-            <a:lvl3pPr marL="1142953" indent="-228591">
+            <a:lvl3pPr marL="1143000" indent="-228600">
               <a:spcBef>
                 <a:spcPct val="20000"/>
               </a:spcBef>
@@ -38560,7 +36699,7 @@
                 <a:ea typeface="宋体" panose="02010600030101010101" pitchFamily="2" charset="-122"/>
               </a:defRPr>
             </a:lvl3pPr>
-            <a:lvl4pPr marL="1600135" indent="-228591">
+            <a:lvl4pPr marL="1600200" indent="-228600">
               <a:spcBef>
                 <a:spcPct val="20000"/>
               </a:spcBef>
@@ -38574,7 +36713,7 @@
                 <a:ea typeface="宋体" panose="02010600030101010101" pitchFamily="2" charset="-122"/>
               </a:defRPr>
             </a:lvl4pPr>
-            <a:lvl5pPr marL="2057315" indent="-228591">
+            <a:lvl5pPr marL="2057400" indent="-228600">
               <a:spcBef>
                 <a:spcPct val="20000"/>
               </a:spcBef>
@@ -38588,7 +36727,7 @@
                 <a:ea typeface="宋体" panose="02010600030101010101" pitchFamily="2" charset="-122"/>
               </a:defRPr>
             </a:lvl5pPr>
-            <a:lvl6pPr marL="2514497" indent="-228591" eaLnBrk="0" fontAlgn="base" hangingPunct="0">
+            <a:lvl6pPr marL="2514600" indent="-228600" eaLnBrk="0" fontAlgn="base" hangingPunct="0">
               <a:spcBef>
                 <a:spcPct val="20000"/>
               </a:spcBef>
@@ -38605,7 +36744,7 @@
                 <a:ea typeface="宋体" panose="02010600030101010101" pitchFamily="2" charset="-122"/>
               </a:defRPr>
             </a:lvl6pPr>
-            <a:lvl7pPr marL="2971678" indent="-228591" eaLnBrk="0" fontAlgn="base" hangingPunct="0">
+            <a:lvl7pPr marL="2971800" indent="-228600" eaLnBrk="0" fontAlgn="base" hangingPunct="0">
               <a:spcBef>
                 <a:spcPct val="20000"/>
               </a:spcBef>
@@ -38622,7 +36761,7 @@
                 <a:ea typeface="宋体" panose="02010600030101010101" pitchFamily="2" charset="-122"/>
               </a:defRPr>
             </a:lvl7pPr>
-            <a:lvl8pPr marL="3428859" indent="-228591" eaLnBrk="0" fontAlgn="base" hangingPunct="0">
+            <a:lvl8pPr marL="3429000" indent="-228600" eaLnBrk="0" fontAlgn="base" hangingPunct="0">
               <a:spcBef>
                 <a:spcPct val="20000"/>
               </a:spcBef>
@@ -38639,7 +36778,7 @@
                 <a:ea typeface="宋体" panose="02010600030101010101" pitchFamily="2" charset="-122"/>
               </a:defRPr>
             </a:lvl8pPr>
-            <a:lvl9pPr marL="3886041" indent="-228591" eaLnBrk="0" fontAlgn="base" hangingPunct="0">
+            <a:lvl9pPr marL="3886200" indent="-228600" eaLnBrk="0" fontAlgn="base" hangingPunct="0">
               <a:spcBef>
                 <a:spcPct val="20000"/>
               </a:spcBef>
@@ -38671,14 +36810,6 @@
                   <a:srgbClr val="898989"/>
                 </a:solidFill>
               </a:rPr>
-              <a:pPr>
-                <a:spcBef>
-                  <a:spcPct val="0"/>
-                </a:spcBef>
-                <a:buFontTx/>
-                <a:buNone/>
-              </a:pPr>
-              <a:t>9</a:t>
             </a:fld>
             <a:endParaRPr lang="zh-CN" altLang="en-US" sz="1200" dirty="0">
               <a:solidFill>
@@ -38697,7 +36828,7 @@
           <p:nvPr/>
         </p:nvPicPr>
         <p:blipFill>
-          <a:blip r:embed="rId3" cstate="print">
+          <a:blip r:embed="rId1" cstate="print">
             <a:extLst>
               <a:ext uri="{28A0092B-C50C-407E-A947-70E740481C1C}">
                 <a14:useLocalDpi xmlns:a14="http://schemas.microsoft.com/office/drawing/2010/main" val="0"/>
@@ -38721,39 +36852,12 @@
           <a:ln>
             <a:noFill/>
           </a:ln>
-          <a:extLst>
-            <a:ext uri="{909E8E84-426E-40dd-AFC4-6F175D3DCCD1}">
-              <a14:hiddenFill xmlns:a14="http://schemas.microsoft.com/office/drawing/2010/main" xmlns="">
-                <a:solidFill>
-                  <a:srgbClr val="FFFFFF"/>
-                </a:solidFill>
-              </a14:hiddenFill>
-            </a:ext>
-            <a:ext uri="{91240B29-F687-4f45-9708-019B960494DF}">
-              <a14:hiddenLine xmlns:a14="http://schemas.microsoft.com/office/drawing/2010/main" xmlns="" w="9525">
-                <a:solidFill>
-                  <a:srgbClr val="000000"/>
-                </a:solidFill>
-                <a:miter lim="800000"/>
-                <a:headEnd/>
-                <a:tailEnd/>
-              </a14:hiddenLine>
-            </a:ext>
-          </a:extLst>
         </p:spPr>
       </p:pic>
       <p:sp>
         <p:nvSpPr>
-          <p:cNvPr id="6" name="Subtitle 2">
-            <a:extLst>
-              <a:ext uri="{FF2B5EF4-FFF2-40B4-BE49-F238E27FC236}">
-                <a16:creationId xmlns:a16="http://schemas.microsoft.com/office/drawing/2014/main" id="{5B72932F-F3D6-46BF-9A61-0930A2E33BD6}"/>
-              </a:ext>
-            </a:extLst>
-          </p:cNvPr>
-          <p:cNvSpPr txBox="1">
-            <a:spLocks/>
-          </p:cNvSpPr>
+          <p:cNvPr id="6" name="Subtitle 2"/>
+          <p:cNvSpPr txBox="1"/>
           <p:nvPr/>
         </p:nvSpPr>
         <p:spPr bwMode="auto">
@@ -38789,11 +36893,7 @@
           </a:extLst>
         </p:spPr>
         <p:txBody>
-          <a:bodyPr vert="horz" wrap="square" lIns="91440" tIns="45720" rIns="91440" bIns="45720" numCol="1" anchor="t" anchorCtr="0" compatLnSpc="1">
-            <a:prstTxWarp prst="textNoShape">
-              <a:avLst/>
-            </a:prstTxWarp>
-          </a:bodyPr>
+          <a:bodyPr vert="horz" wrap="square" lIns="91440" tIns="45720" rIns="91440" bIns="45720" numCol="1" anchor="t" anchorCtr="0" compatLnSpc="1"/>
           <a:lstStyle>
             <a:lvl1pPr marL="342900" indent="-342900" algn="l" rtl="0" eaLnBrk="0" fontAlgn="base" hangingPunct="0">
               <a:spcBef>
@@ -38912,7 +37012,7 @@
                 <a:schemeClr val="tx2"/>
               </a:buClr>
               <a:buSzPct val="70000"/>
-              <a:buFont typeface="Wingdings" pitchFamily="2" charset="2"/>
+              <a:buFont typeface="Wingdings" panose="05000000000000000000" pitchFamily="2" charset="2"/>
               <a:buChar char="¡"/>
               <a:defRPr sz="1600">
                 <a:solidFill>
@@ -38933,7 +37033,7 @@
                 <a:schemeClr val="tx2"/>
               </a:buClr>
               <a:buSzPct val="70000"/>
-              <a:buFont typeface="Wingdings" pitchFamily="2" charset="2"/>
+              <a:buFont typeface="Wingdings" panose="05000000000000000000" pitchFamily="2" charset="2"/>
               <a:buChar char="¡"/>
               <a:defRPr sz="1600">
                 <a:solidFill>
@@ -38954,7 +37054,7 @@
                 <a:schemeClr val="tx2"/>
               </a:buClr>
               <a:buSzPct val="70000"/>
-              <a:buFont typeface="Wingdings" pitchFamily="2" charset="2"/>
+              <a:buFont typeface="Wingdings" panose="05000000000000000000" pitchFamily="2" charset="2"/>
               <a:buChar char="¡"/>
               <a:defRPr sz="1600">
                 <a:solidFill>
@@ -38975,7 +37075,7 @@
                 <a:schemeClr val="tx2"/>
               </a:buClr>
               <a:buSzPct val="70000"/>
-              <a:buFont typeface="Wingdings" pitchFamily="2" charset="2"/>
+              <a:buFont typeface="Wingdings" panose="05000000000000000000" pitchFamily="2" charset="2"/>
               <a:buChar char="¡"/>
               <a:defRPr sz="1600">
                 <a:solidFill>
@@ -39003,7 +37103,6 @@
               <a:buSzPct val="70000"/>
               <a:buFont typeface="Wingdings" panose="05000000000000000000" pitchFamily="2" charset="2"/>
               <a:buChar char="n"/>
-              <a:tabLst/>
               <a:defRPr/>
             </a:pPr>
             <a:r>
@@ -39017,8 +37116,8 @@
                 <a:effectLst/>
                 <a:uLnTx/>
                 <a:uFillTx/>
-                <a:latin typeface="Arial"/>
-                <a:ea typeface="宋体"/>
+                <a:latin typeface="Arial" panose="020B0604020202020204"/>
+                <a:ea typeface="宋体" panose="02010600030101010101" pitchFamily="2" charset="-122"/>
                 <a:cs typeface="+mn-cs"/>
               </a:rPr>
               <a:t>向量时间推进举例</a:t>
@@ -39033,8 +37132,8 @@
               <a:effectLst/>
               <a:uLnTx/>
               <a:uFillTx/>
-              <a:latin typeface="Arial"/>
-              <a:ea typeface="宋体"/>
+              <a:latin typeface="Arial" panose="020B0604020202020204"/>
+              <a:ea typeface="宋体" panose="02010600030101010101" pitchFamily="2" charset="-122"/>
               <a:cs typeface="+mn-cs"/>
             </a:endParaRPr>
           </a:p>
@@ -39058,20 +37157,14 @@
       </p:sp>
       <p:pic>
         <p:nvPicPr>
-          <p:cNvPr id="3" name="图片 2">
-            <a:extLst>
-              <a:ext uri="{FF2B5EF4-FFF2-40B4-BE49-F238E27FC236}">
-                <a16:creationId xmlns:a16="http://schemas.microsoft.com/office/drawing/2014/main" id="{76051DD0-62ED-4B72-B871-E8C9CC0839EF}"/>
-              </a:ext>
-            </a:extLst>
-          </p:cNvPr>
+          <p:cNvPr id="3" name="图片 2"/>
           <p:cNvPicPr>
             <a:picLocks noChangeAspect="1"/>
           </p:cNvPicPr>
           <p:nvPr/>
         </p:nvPicPr>
         <p:blipFill>
-          <a:blip r:embed="rId4"/>
+          <a:blip r:embed="rId2"/>
           <a:stretch>
             <a:fillRect/>
           </a:stretch>
@@ -39088,16 +37181,8 @@
       </p:pic>
       <p:sp>
         <p:nvSpPr>
-          <p:cNvPr id="8" name="Subtitle 2">
-            <a:extLst>
-              <a:ext uri="{FF2B5EF4-FFF2-40B4-BE49-F238E27FC236}">
-                <a16:creationId xmlns:a16="http://schemas.microsoft.com/office/drawing/2014/main" id="{7DA440F4-2C83-4551-BEC1-0D5077902C0A}"/>
-              </a:ext>
-            </a:extLst>
-          </p:cNvPr>
-          <p:cNvSpPr txBox="1">
-            <a:spLocks/>
-          </p:cNvSpPr>
+          <p:cNvPr id="8" name="Subtitle 2"/>
+          <p:cNvSpPr txBox="1"/>
           <p:nvPr/>
         </p:nvSpPr>
         <p:spPr bwMode="auto">
@@ -39133,11 +37218,7 @@
           </a:extLst>
         </p:spPr>
         <p:txBody>
-          <a:bodyPr vert="horz" wrap="square" lIns="91440" tIns="45720" rIns="91440" bIns="45720" numCol="1" anchor="t" anchorCtr="0" compatLnSpc="1">
-            <a:prstTxWarp prst="textNoShape">
-              <a:avLst/>
-            </a:prstTxWarp>
-          </a:bodyPr>
+          <a:bodyPr vert="horz" wrap="square" lIns="91440" tIns="45720" rIns="91440" bIns="45720" numCol="1" anchor="t" anchorCtr="0" compatLnSpc="1"/>
           <a:lstStyle>
             <a:lvl1pPr marL="342900" indent="-342900" algn="l" rtl="0" eaLnBrk="0" fontAlgn="base" hangingPunct="0">
               <a:spcBef>
@@ -39256,7 +37337,7 @@
                 <a:schemeClr val="tx2"/>
               </a:buClr>
               <a:buSzPct val="70000"/>
-              <a:buFont typeface="Wingdings" pitchFamily="2" charset="2"/>
+              <a:buFont typeface="Wingdings" panose="05000000000000000000" pitchFamily="2" charset="2"/>
               <a:buChar char="¡"/>
               <a:defRPr sz="1600">
                 <a:solidFill>
@@ -39277,7 +37358,7 @@
                 <a:schemeClr val="tx2"/>
               </a:buClr>
               <a:buSzPct val="70000"/>
-              <a:buFont typeface="Wingdings" pitchFamily="2" charset="2"/>
+              <a:buFont typeface="Wingdings" panose="05000000000000000000" pitchFamily="2" charset="2"/>
               <a:buChar char="¡"/>
               <a:defRPr sz="1600">
                 <a:solidFill>
@@ -39298,7 +37379,7 @@
                 <a:schemeClr val="tx2"/>
               </a:buClr>
               <a:buSzPct val="70000"/>
-              <a:buFont typeface="Wingdings" pitchFamily="2" charset="2"/>
+              <a:buFont typeface="Wingdings" panose="05000000000000000000" pitchFamily="2" charset="2"/>
               <a:buChar char="¡"/>
               <a:defRPr sz="1600">
                 <a:solidFill>
@@ -39319,7 +37400,7 @@
                 <a:schemeClr val="tx2"/>
               </a:buClr>
               <a:buSzPct val="70000"/>
-              <a:buFont typeface="Wingdings" pitchFamily="2" charset="2"/>
+              <a:buFont typeface="Wingdings" panose="05000000000000000000" pitchFamily="2" charset="2"/>
               <a:buChar char="¡"/>
               <a:defRPr sz="1600">
                 <a:solidFill>
@@ -39347,7 +37428,6 @@
               <a:buSzPct val="70000"/>
               <a:buFont typeface="Wingdings" panose="05000000000000000000" pitchFamily="2" charset="2"/>
               <a:buChar char="n"/>
-              <a:tabLst/>
               <a:defRPr/>
             </a:pPr>
             <a:r>
@@ -39361,8 +37441,8 @@
                 <a:effectLst/>
                 <a:uLnTx/>
                 <a:uFillTx/>
-                <a:latin typeface="Arial"/>
-                <a:ea typeface="宋体"/>
+                <a:latin typeface="Arial" panose="020B0604020202020204"/>
+                <a:ea typeface="宋体" panose="02010600030101010101" pitchFamily="2" charset="-122"/>
                 <a:cs typeface="+mn-cs"/>
               </a:rPr>
               <a:t>向量时间的比较</a:t>
@@ -39377,8 +37457,8 @@
               <a:effectLst/>
               <a:uLnTx/>
               <a:uFillTx/>
-              <a:latin typeface="Arial"/>
-              <a:ea typeface="宋体"/>
+              <a:latin typeface="Arial" panose="020B0604020202020204"/>
+              <a:ea typeface="宋体" panose="02010600030101010101" pitchFamily="2" charset="-122"/>
               <a:cs typeface="+mn-cs"/>
             </a:endParaRPr>
           </a:p>
@@ -39402,20 +37482,14 @@
       </p:sp>
       <p:pic>
         <p:nvPicPr>
-          <p:cNvPr id="9" name="图片 8">
-            <a:extLst>
-              <a:ext uri="{FF2B5EF4-FFF2-40B4-BE49-F238E27FC236}">
-                <a16:creationId xmlns:a16="http://schemas.microsoft.com/office/drawing/2014/main" id="{794C959A-6B92-4E10-983B-464601D01DFF}"/>
-              </a:ext>
-            </a:extLst>
-          </p:cNvPr>
+          <p:cNvPr id="9" name="图片 8"/>
           <p:cNvPicPr>
             <a:picLocks noChangeAspect="1"/>
           </p:cNvPicPr>
           <p:nvPr/>
         </p:nvPicPr>
         <p:blipFill>
-          <a:blip r:embed="rId5"/>
+          <a:blip r:embed="rId3"/>
           <a:stretch>
             <a:fillRect/>
           </a:stretch>
@@ -39431,11 +37505,6 @@
         </p:spPr>
       </p:pic>
     </p:spTree>
-    <p:extLst>
-      <p:ext uri="{BB962C8B-B14F-4D97-AF65-F5344CB8AC3E}">
-        <p14:creationId xmlns:p14="http://schemas.microsoft.com/office/powerpoint/2010/main" val="2018361923"/>
-      </p:ext>
-    </p:extLst>
   </p:cSld>
   <p:clrMapOvr>
     <a:masterClrMapping/>
@@ -39723,8 +37792,11 @@
       </a:bgFillStyleLst>
     </a:fmtScheme>
   </a:themeElements>
-  <a:objectDefaults/>
-  <a:extraClrSchemeLst/>
+  <a:extLst>
+    <a:ext uri="{05A4C25C-085E-4340-85A3-A5531E510DB2}">
+      <thm15:themeFamily xmlns:thm15="http://schemas.microsoft.com/office/thememl/2012/main" name="Office Theme" id="{62F939B6-93AF-4DB8-9C6B-D6C7DFDC589F}" vid="{4A3C46E8-61CC-4603-A589-7422A47A8E4A}"/>
+    </a:ext>
+  </a:extLst>
 </a:theme>
 </file>
 
@@ -40008,8 +38080,11 @@
       </a:bgFillStyleLst>
     </a:fmtScheme>
   </a:themeElements>
-  <a:objectDefaults/>
-  <a:extraClrSchemeLst/>
+  <a:extLst>
+    <a:ext uri="{05A4C25C-085E-4340-85A3-A5531E510DB2}">
+      <thm15:themeFamily xmlns:thm15="http://schemas.microsoft.com/office/thememl/2012/main" name="Office Theme" id="{62F939B6-93AF-4DB8-9C6B-D6C7DFDC589F}" vid="{4A3C46E8-61CC-4603-A589-7422A47A8E4A}"/>
+    </a:ext>
+  </a:extLst>
 </a:theme>
 </file>
 
@@ -40293,7 +38368,10 @@
       </a:bgFillStyleLst>
     </a:fmtScheme>
   </a:themeElements>
-  <a:objectDefaults/>
-  <a:extraClrSchemeLst/>
+  <a:extLst>
+    <a:ext uri="{05A4C25C-085E-4340-85A3-A5531E510DB2}">
+      <thm15:themeFamily xmlns:thm15="http://schemas.microsoft.com/office/thememl/2012/main" name="Office Theme" id="{62F939B6-93AF-4DB8-9C6B-D6C7DFDC589F}" vid="{4A3C46E8-61CC-4603-A589-7422A47A8E4A}"/>
+    </a:ext>
+  </a:extLst>
 </a:theme>
 </file>